--- a/pjt/teamPjt.pptx
+++ b/pjt/teamPjt.pptx
@@ -5,7 +5,7 @@
     <p:sldMasterId id="2147483660" r:id="rId1"/>
   </p:sldMasterIdLst>
   <p:notesMasterIdLst>
-    <p:notesMasterId r:id="rId16"/>
+    <p:notesMasterId r:id="rId22"/>
   </p:notesMasterIdLst>
   <p:sldIdLst>
     <p:sldId id="351" r:id="rId2"/>
@@ -18,10 +18,16 @@
     <p:sldId id="409" r:id="rId9"/>
     <p:sldId id="408" r:id="rId10"/>
     <p:sldId id="376" r:id="rId11"/>
-    <p:sldId id="411" r:id="rId12"/>
-    <p:sldId id="410" r:id="rId13"/>
-    <p:sldId id="412" r:id="rId14"/>
-    <p:sldId id="343" r:id="rId15"/>
+    <p:sldId id="414" r:id="rId12"/>
+    <p:sldId id="415" r:id="rId13"/>
+    <p:sldId id="416" r:id="rId14"/>
+    <p:sldId id="417" r:id="rId15"/>
+    <p:sldId id="418" r:id="rId16"/>
+    <p:sldId id="413" r:id="rId17"/>
+    <p:sldId id="411" r:id="rId18"/>
+    <p:sldId id="410" r:id="rId19"/>
+    <p:sldId id="412" r:id="rId20"/>
+    <p:sldId id="343" r:id="rId21"/>
   </p:sldIdLst>
   <p:sldSz cx="9144000" cy="6858000" type="screen4x3"/>
   <p:notesSz cx="6858000" cy="9144000"/>
@@ -1066,7 +1072,7 @@
           <a:p>
             <a:fld id="{AC2980A7-9ED0-480A-B1CA-87A2E3D4CF58}" type="slidenum">
               <a:rPr lang="ko-KR" altLang="en-US" smtClean="0"/>
-              <a:t>14</a:t>
+              <a:t>20</a:t>
             </a:fld>
             <a:endParaRPr lang="ko-KR" altLang="en-US"/>
           </a:p>
@@ -2926,7 +2932,7 @@
                 <a:latin typeface="나눔고딕" panose="020D0604000000000000" pitchFamily="50" charset="-127"/>
                 <a:ea typeface="나눔고딕" panose="020D0604000000000000" pitchFamily="50" charset="-127"/>
               </a:rPr>
-              <a:t>회원가입</a:t>
+              <a:t>메인</a:t>
             </a:r>
             <a:endParaRPr lang="en-US" altLang="ko-KR" sz="1400" b="1" dirty="0">
               <a:gradFill>
@@ -3123,7 +3129,7 @@
       </p:sp>
       <p:pic>
         <p:nvPicPr>
-          <p:cNvPr id="10" name="그림 9"/>
+          <p:cNvPr id="2" name="그림 1"/>
           <p:cNvPicPr>
             <a:picLocks noChangeAspect="1"/>
           </p:cNvPicPr>
@@ -3143,8 +3149,8 @@
         </p:blipFill>
         <p:spPr>
           <a:xfrm>
-            <a:off x="669056" y="1990677"/>
-            <a:ext cx="7758188" cy="4296021"/>
+            <a:off x="1956397" y="1412776"/>
+            <a:ext cx="5321506" cy="5062383"/>
           </a:xfrm>
           <a:prstGeom prst="rect">
             <a:avLst/>
@@ -3286,7 +3292,7 @@
                 <a:latin typeface="나눔고딕" panose="020D0604000000000000" pitchFamily="50" charset="-127"/>
                 <a:ea typeface="나눔고딕" panose="020D0604000000000000" pitchFamily="50" charset="-127"/>
               </a:rPr>
-              <a:t>회원가입</a:t>
+              <a:t>메인</a:t>
             </a:r>
             <a:endParaRPr lang="en-US" altLang="ko-KR" sz="1400" b="1" dirty="0">
               <a:gradFill>
@@ -3483,7 +3489,7 @@
       </p:sp>
       <p:pic>
         <p:nvPicPr>
-          <p:cNvPr id="2" name="그림 1"/>
+          <p:cNvPr id="7" name="그림 6"/>
           <p:cNvPicPr>
             <a:picLocks noChangeAspect="1"/>
           </p:cNvPicPr>
@@ -3503,8 +3509,8 @@
         </p:blipFill>
         <p:spPr>
           <a:xfrm>
-            <a:off x="840718" y="1734027"/>
-            <a:ext cx="7647360" cy="4560305"/>
+            <a:off x="593755" y="1677695"/>
+            <a:ext cx="8135429" cy="4438711"/>
           </a:xfrm>
           <a:prstGeom prst="rect">
             <a:avLst/>
@@ -3514,7 +3520,7 @@
     </p:spTree>
     <p:extLst>
       <p:ext uri="{BB962C8B-B14F-4D97-AF65-F5344CB8AC3E}">
-        <p14:creationId xmlns:p14="http://schemas.microsoft.com/office/powerpoint/2010/main" val="2606606622"/>
+        <p14:creationId xmlns:p14="http://schemas.microsoft.com/office/powerpoint/2010/main" val="1500126492"/>
       </p:ext>
     </p:extLst>
   </p:cSld>
@@ -3610,7 +3616,7 @@
                 <a:latin typeface="나눔고딕" panose="020D0604000000000000" pitchFamily="50" charset="-127"/>
                 <a:ea typeface="나눔고딕" panose="020D0604000000000000" pitchFamily="50" charset="-127"/>
               </a:rPr>
-              <a:t>와이어 프레임 </a:t>
+              <a:t>디자인 시안 </a:t>
             </a:r>
             <a:r>
               <a:rPr lang="en-US" altLang="ko-KR" sz="1400" b="1" dirty="0" smtClean="0">
@@ -3646,7 +3652,7 @@
                 <a:latin typeface="나눔고딕" panose="020D0604000000000000" pitchFamily="50" charset="-127"/>
                 <a:ea typeface="나눔고딕" panose="020D0604000000000000" pitchFamily="50" charset="-127"/>
               </a:rPr>
-              <a:t>장바구니</a:t>
+              <a:t>메인</a:t>
             </a:r>
             <a:endParaRPr lang="en-US" altLang="ko-KR" sz="1400" b="1" dirty="0">
               <a:gradFill>
@@ -3849,7 +3855,7 @@
           </p:cNvPicPr>
           <p:nvPr/>
         </p:nvPicPr>
-        <p:blipFill>
+        <p:blipFill rotWithShape="1">
           <a:blip r:embed="rId2">
             <a:extLst>
               <a:ext uri="{28A0092B-C50C-407E-A947-70E740481C1C}">
@@ -3857,14 +3863,13 @@
               </a:ext>
             </a:extLst>
           </a:blip>
-          <a:stretch>
-            <a:fillRect/>
-          </a:stretch>
+          <a:srcRect l="2553" t="306" r="3824" b="-306"/>
+          <a:stretch/>
         </p:blipFill>
         <p:spPr>
           <a:xfrm>
-            <a:off x="1413508" y="1634520"/>
-            <a:ext cx="6407282" cy="4525062"/>
+            <a:off x="644364" y="1479934"/>
+            <a:ext cx="7920880" cy="4901393"/>
           </a:xfrm>
           <a:prstGeom prst="rect">
             <a:avLst/>
@@ -3874,7 +3879,7 @@
     </p:spTree>
     <p:extLst>
       <p:ext uri="{BB962C8B-B14F-4D97-AF65-F5344CB8AC3E}">
-        <p14:creationId xmlns:p14="http://schemas.microsoft.com/office/powerpoint/2010/main" val="3968447729"/>
+        <p14:creationId xmlns:p14="http://schemas.microsoft.com/office/powerpoint/2010/main" val="3524867268"/>
       </p:ext>
     </p:extLst>
   </p:cSld>
@@ -4006,7 +4011,7 @@
                 <a:latin typeface="나눔고딕" panose="020D0604000000000000" pitchFamily="50" charset="-127"/>
                 <a:ea typeface="나눔고딕" panose="020D0604000000000000" pitchFamily="50" charset="-127"/>
               </a:rPr>
-              <a:t>장바구니</a:t>
+              <a:t>메인</a:t>
             </a:r>
             <a:endParaRPr lang="en-US" altLang="ko-KR" sz="1400" b="1" dirty="0">
               <a:gradFill>
@@ -4203,7 +4208,7 @@
       </p:sp>
       <p:pic>
         <p:nvPicPr>
-          <p:cNvPr id="7" name="그림 6"/>
+          <p:cNvPr id="2" name="그림 1"/>
           <p:cNvPicPr>
             <a:picLocks noChangeAspect="1"/>
           </p:cNvPicPr>
@@ -4223,8 +4228,8 @@
         </p:blipFill>
         <p:spPr>
           <a:xfrm>
-            <a:off x="1403648" y="1626757"/>
-            <a:ext cx="6567240" cy="4540587"/>
+            <a:off x="602957" y="1751151"/>
+            <a:ext cx="8028384" cy="4291799"/>
           </a:xfrm>
           <a:prstGeom prst="rect">
             <a:avLst/>
@@ -4234,7 +4239,7 @@
     </p:spTree>
     <p:extLst>
       <p:ext uri="{BB962C8B-B14F-4D97-AF65-F5344CB8AC3E}">
-        <p14:creationId xmlns:p14="http://schemas.microsoft.com/office/powerpoint/2010/main" val="1241897838"/>
+        <p14:creationId xmlns:p14="http://schemas.microsoft.com/office/powerpoint/2010/main" val="728503521"/>
       </p:ext>
     </p:extLst>
   </p:cSld>
@@ -4270,109 +4275,59 @@
       </p:grpSpPr>
       <p:sp>
         <p:nvSpPr>
-          <p:cNvPr id="4" name="TextBox 3"/>
-          <p:cNvSpPr txBox="1"/>
+          <p:cNvPr id="3" name="모서리가 둥근 직사각형 2"/>
+          <p:cNvSpPr/>
           <p:nvPr/>
         </p:nvSpPr>
         <p:spPr>
           <a:xfrm>
-            <a:off x="4433467" y="1997551"/>
-            <a:ext cx="401072" cy="411908"/>
-          </a:xfrm>
-          <a:prstGeom prst="rect">
-            <a:avLst/>
+            <a:off x="466836" y="927115"/>
+            <a:ext cx="2737012" cy="305031"/>
+          </a:xfrm>
+          <a:prstGeom prst="roundRect">
+            <a:avLst>
+              <a:gd name="adj" fmla="val 50000"/>
+            </a:avLst>
           </a:prstGeom>
+          <a:solidFill>
+            <a:srgbClr val="996C48"/>
+          </a:solidFill>
+          <a:ln>
+            <a:solidFill>
+              <a:srgbClr val="766C62"/>
+            </a:solidFill>
+          </a:ln>
         </p:spPr>
+        <p:style>
+          <a:lnRef idx="2">
+            <a:schemeClr val="accent1">
+              <a:shade val="50000"/>
+            </a:schemeClr>
+          </a:lnRef>
+          <a:fillRef idx="1">
+            <a:schemeClr val="accent1"/>
+          </a:fillRef>
+          <a:effectRef idx="0">
+            <a:schemeClr val="accent1"/>
+          </a:effectRef>
+          <a:fontRef idx="minor">
+            <a:schemeClr val="lt1"/>
+          </a:fontRef>
+        </p:style>
         <p:txBody>
-          <a:bodyPr wrap="none" rtlCol="0">
-            <a:spAutoFit/>
-          </a:bodyPr>
-          <a:lstStyle>
-            <a:defPPr>
-              <a:defRPr lang="ko-KR"/>
-            </a:defPPr>
-            <a:lvl1pPr algn="r">
-              <a:lnSpc>
-                <a:spcPct val="150000"/>
-              </a:lnSpc>
-              <a:spcBef>
-                <a:spcPts val="1000"/>
-              </a:spcBef>
-              <a:defRPr sz="1400">
-                <a:gradFill>
-                  <a:gsLst>
-                    <a:gs pos="0">
-                      <a:srgbClr val="766C62"/>
-                    </a:gs>
-                    <a:gs pos="100000">
-                      <a:srgbClr val="766C62"/>
-                    </a:gs>
-                  </a:gsLst>
-                  <a:lin ang="5400000" scaled="1"/>
-                </a:gradFill>
-                <a:latin typeface="나눔고딕" panose="020D0604000000000000" pitchFamily="50" charset="-127"/>
-                <a:ea typeface="나눔고딕" panose="020D0604000000000000" pitchFamily="50" charset="-127"/>
-              </a:defRPr>
-            </a:lvl1pPr>
-          </a:lstStyle>
+          <a:bodyPr rtlCol="0" anchor="ctr"/>
+          <a:lstStyle/>
           <a:p>
             <a:pPr algn="ctr"/>
             <a:r>
-              <a:rPr lang="en-US" altLang="ko-KR" sz="1600" u="sng" dirty="0" smtClean="0">
-                <a:solidFill>
-                  <a:schemeClr val="bg2">
-                    <a:lumMod val="75000"/>
-                  </a:schemeClr>
-                </a:solidFill>
-              </a:rPr>
-              <a:t>I4</a:t>
-            </a:r>
-            <a:endParaRPr lang="ko-KR" altLang="en-US" sz="1600" u="sng" dirty="0">
-              <a:solidFill>
-                <a:schemeClr val="bg2">
-                  <a:lumMod val="75000"/>
-                </a:schemeClr>
-              </a:solidFill>
-            </a:endParaRPr>
-          </a:p>
-        </p:txBody>
-      </p:sp>
-      <p:sp>
-        <p:nvSpPr>
-          <p:cNvPr id="7" name="TextBox 6"/>
-          <p:cNvSpPr txBox="1"/>
-          <p:nvPr/>
-        </p:nvSpPr>
-        <p:spPr>
-          <a:xfrm>
-            <a:off x="1704869" y="4850817"/>
-            <a:ext cx="5734262" cy="253916"/>
-          </a:xfrm>
-          <a:prstGeom prst="rect">
-            <a:avLst/>
-          </a:prstGeom>
-          <a:noFill/>
-        </p:spPr>
-        <p:txBody>
-          <a:bodyPr wrap="none" rtlCol="0">
-            <a:spAutoFit/>
-          </a:bodyPr>
-          <a:lstStyle/>
-          <a:p>
-            <a:pPr algn="ctr"/>
-            <a:r>
-              <a:rPr lang="en-US" altLang="ko-KR" sz="1050" u="sng" spc="-150" dirty="0">
-                <a:gradFill>
-                  <a:gsLst>
-                    <a:gs pos="0">
-                      <a:schemeClr val="bg1">
-                        <a:lumMod val="85000"/>
-                      </a:schemeClr>
-                    </a:gs>
-                    <a:gs pos="100000">
-                      <a:schemeClr val="bg1">
-                        <a:lumMod val="85000"/>
-                      </a:schemeClr>
+              <a:rPr lang="ko-KR" altLang="en-US" sz="1400" b="1" dirty="0" smtClean="0">
+                <a:gradFill>
+                  <a:gsLst>
+                    <a:gs pos="0">
+                      <a:schemeClr val="bg1"/>
+                    </a:gs>
+                    <a:gs pos="100000">
+                      <a:schemeClr val="bg1"/>
                     </a:gs>
                   </a:gsLst>
                   <a:lin ang="5400000" scaled="1"/>
@@ -4380,20 +4335,70 @@
                 <a:latin typeface="나눔고딕" panose="020D0604000000000000" pitchFamily="50" charset="-127"/>
                 <a:ea typeface="나눔고딕" panose="020D0604000000000000" pitchFamily="50" charset="-127"/>
               </a:rPr>
-              <a:t>ever since the 1500s, when an unknown printer took a galley of type and scrambled it to make a type specimen</a:t>
-            </a:r>
-            <a:endParaRPr lang="ko-KR" altLang="en-US" sz="1050" u="sng" spc="-150" dirty="0">
+              <a:t>와이어 프레임 </a:t>
+            </a:r>
+            <a:r>
+              <a:rPr lang="en-US" altLang="ko-KR" sz="1400" b="1" dirty="0" smtClean="0">
+                <a:gradFill>
+                  <a:gsLst>
+                    <a:gs pos="0">
+                      <a:schemeClr val="bg1"/>
+                    </a:gs>
+                    <a:gs pos="100000">
+                      <a:schemeClr val="bg1"/>
+                    </a:gs>
+                  </a:gsLst>
+                  <a:lin ang="5400000" scaled="1"/>
+                </a:gradFill>
+                <a:latin typeface="나눔고딕" panose="020D0604000000000000" pitchFamily="50" charset="-127"/>
+                <a:ea typeface="나눔고딕" panose="020D0604000000000000" pitchFamily="50" charset="-127"/>
+              </a:rPr>
+              <a:t>– </a:t>
+            </a:r>
+            <a:r>
+              <a:rPr lang="ko-KR" altLang="en-US" sz="1400" b="1" dirty="0" smtClean="0">
+                <a:gradFill>
+                  <a:gsLst>
+                    <a:gs pos="0">
+                      <a:schemeClr val="bg1"/>
+                    </a:gs>
+                    <a:gs pos="100000">
+                      <a:schemeClr val="bg1"/>
+                    </a:gs>
+                  </a:gsLst>
+                  <a:lin ang="5400000" scaled="1"/>
+                </a:gradFill>
+                <a:latin typeface="나눔고딕" panose="020D0604000000000000" pitchFamily="50" charset="-127"/>
+                <a:ea typeface="나눔고딕" panose="020D0604000000000000" pitchFamily="50" charset="-127"/>
+              </a:rPr>
+              <a:t>서브페이지</a:t>
+            </a:r>
+            <a:r>
+              <a:rPr lang="en-US" altLang="ko-KR" sz="1400" b="1" dirty="0" smtClean="0">
+                <a:gradFill>
+                  <a:gsLst>
+                    <a:gs pos="0">
+                      <a:schemeClr val="bg1"/>
+                    </a:gs>
+                    <a:gs pos="100000">
+                      <a:schemeClr val="bg1"/>
+                    </a:gs>
+                  </a:gsLst>
+                  <a:lin ang="5400000" scaled="1"/>
+                </a:gradFill>
+                <a:latin typeface="나눔고딕" panose="020D0604000000000000" pitchFamily="50" charset="-127"/>
+                <a:ea typeface="나눔고딕" panose="020D0604000000000000" pitchFamily="50" charset="-127"/>
+              </a:rPr>
+              <a:t>1</a:t>
+            </a:r>
+            <a:endParaRPr lang="en-US" altLang="ko-KR" sz="1400" b="1" dirty="0">
               <a:gradFill>
                 <a:gsLst>
                   <a:gs pos="0">
-                    <a:schemeClr val="bg1">
-                      <a:lumMod val="85000"/>
-                    </a:schemeClr>
+                    <a:schemeClr val="bg1"/>
                   </a:gs>
                   <a:gs pos="100000">
-                    <a:schemeClr val="bg1">
-                      <a:lumMod val="85000"/>
-                    </a:schemeClr>
+                    <a:schemeClr val="bg1"/>
                   </a:gs>
                 </a:gsLst>
                 <a:lin ang="5400000" scaled="1"/>
@@ -4404,194 +4409,2033 @@
           </a:p>
         </p:txBody>
       </p:sp>
+      <p:grpSp>
+        <p:nvGrpSpPr>
+          <p:cNvPr id="4" name="그룹 3"/>
+          <p:cNvGrpSpPr/>
+          <p:nvPr/>
+        </p:nvGrpSpPr>
+        <p:grpSpPr>
+          <a:xfrm>
+            <a:off x="593755" y="1412776"/>
+            <a:ext cx="8046789" cy="4968551"/>
+            <a:chOff x="811472" y="1479617"/>
+            <a:chExt cx="7521057" cy="2954444"/>
+          </a:xfrm>
+        </p:grpSpPr>
+        <p:sp>
+          <p:nvSpPr>
+            <p:cNvPr id="5" name="직사각형 4"/>
+            <p:cNvSpPr/>
+            <p:nvPr/>
+          </p:nvSpPr>
+          <p:spPr>
+            <a:xfrm>
+              <a:off x="811472" y="1479617"/>
+              <a:ext cx="7521057" cy="2954444"/>
+            </a:xfrm>
+            <a:prstGeom prst="rect">
+              <a:avLst/>
+            </a:prstGeom>
+            <a:solidFill>
+              <a:schemeClr val="bg1">
+                <a:lumMod val="95000"/>
+              </a:schemeClr>
+            </a:solidFill>
+            <a:ln>
+              <a:noFill/>
+            </a:ln>
+          </p:spPr>
+          <p:style>
+            <a:lnRef idx="2">
+              <a:schemeClr val="accent1">
+                <a:shade val="50000"/>
+              </a:schemeClr>
+            </a:lnRef>
+            <a:fillRef idx="1">
+              <a:schemeClr val="accent1"/>
+            </a:fillRef>
+            <a:effectRef idx="0">
+              <a:schemeClr val="accent1"/>
+            </a:effectRef>
+            <a:fontRef idx="minor">
+              <a:schemeClr val="lt1"/>
+            </a:fontRef>
+          </p:style>
+          <p:txBody>
+            <a:bodyPr rot="0" spcFirstLastPara="0" vertOverflow="overflow" horzOverflow="overflow" vert="horz" wrap="square" lIns="91440" tIns="45720" rIns="91440" bIns="45720" numCol="1" spcCol="0" rtlCol="0" fromWordArt="0" anchor="ctr" anchorCtr="0" forceAA="0" compatLnSpc="1">
+              <a:prstTxWarp prst="textNoShape">
+                <a:avLst/>
+              </a:prstTxWarp>
+              <a:noAutofit/>
+            </a:bodyPr>
+            <a:lstStyle/>
+            <a:p>
+              <a:pPr algn="ctr"/>
+              <a:endParaRPr lang="ko-KR" altLang="en-US"/>
+            </a:p>
+          </p:txBody>
+        </p:sp>
+        <p:sp>
+          <p:nvSpPr>
+            <p:cNvPr id="6" name="직사각형 5"/>
+            <p:cNvSpPr/>
+            <p:nvPr/>
+          </p:nvSpPr>
+          <p:spPr>
+            <a:xfrm>
+              <a:off x="881853" y="1531353"/>
+              <a:ext cx="7380295" cy="2850978"/>
+            </a:xfrm>
+            <a:prstGeom prst="rect">
+              <a:avLst/>
+            </a:prstGeom>
+            <a:solidFill>
+              <a:schemeClr val="bg1"/>
+            </a:solidFill>
+            <a:ln>
+              <a:noFill/>
+            </a:ln>
+          </p:spPr>
+          <p:style>
+            <a:lnRef idx="2">
+              <a:schemeClr val="accent1">
+                <a:shade val="50000"/>
+              </a:schemeClr>
+            </a:lnRef>
+            <a:fillRef idx="1">
+              <a:schemeClr val="accent1"/>
+            </a:fillRef>
+            <a:effectRef idx="0">
+              <a:schemeClr val="accent1"/>
+            </a:effectRef>
+            <a:fontRef idx="minor">
+              <a:schemeClr val="lt1"/>
+            </a:fontRef>
+          </p:style>
+          <p:txBody>
+            <a:bodyPr rot="0" spcFirstLastPara="0" vertOverflow="overflow" horzOverflow="overflow" vert="horz" wrap="square" lIns="91440" tIns="45720" rIns="91440" bIns="45720" numCol="1" spcCol="0" rtlCol="0" fromWordArt="0" anchor="ctr" anchorCtr="0" forceAA="0" compatLnSpc="1">
+              <a:prstTxWarp prst="textNoShape">
+                <a:avLst/>
+              </a:prstTxWarp>
+              <a:noAutofit/>
+            </a:bodyPr>
+            <a:lstStyle/>
+            <a:p>
+              <a:pPr algn="ctr"/>
+              <a:endParaRPr lang="ko-KR" altLang="en-US"/>
+            </a:p>
+          </p:txBody>
+        </p:sp>
+      </p:grpSp>
       <p:sp>
         <p:nvSpPr>
-          <p:cNvPr id="9" name="TextBox 8"/>
-          <p:cNvSpPr txBox="1"/>
-          <p:nvPr/>
+          <p:cNvPr id="16" name="텍스트 개체 틀 12"/>
+          <p:cNvSpPr>
+            <a:spLocks noGrp="1"/>
+          </p:cNvSpPr>
+          <p:nvPr>
+            <p:ph type="body" sz="quarter" idx="10"/>
+          </p:nvPr>
         </p:nvSpPr>
         <p:spPr>
           <a:xfrm>
-            <a:off x="3370676" y="2913919"/>
-            <a:ext cx="2526654" cy="307777"/>
+            <a:off x="441584" y="385149"/>
+            <a:ext cx="352541" cy="264869"/>
+          </a:xfrm>
+        </p:spPr>
+        <p:txBody>
+          <a:bodyPr/>
+          <a:lstStyle/>
+          <a:p>
+            <a:r>
+              <a:rPr lang="en-US" altLang="ko-KR" dirty="0" smtClean="0"/>
+              <a:t>05</a:t>
+            </a:r>
+            <a:endParaRPr lang="ko-KR" altLang="en-US" dirty="0"/>
+          </a:p>
+        </p:txBody>
+      </p:sp>
+      <p:sp>
+        <p:nvSpPr>
+          <p:cNvPr id="17" name="텍스트 개체 틀 22"/>
+          <p:cNvSpPr>
+            <a:spLocks noGrp="1"/>
+          </p:cNvSpPr>
+          <p:nvPr>
+            <p:ph type="body" sz="quarter" idx="11"/>
+          </p:nvPr>
+        </p:nvSpPr>
+        <p:spPr>
+          <a:xfrm>
+            <a:off x="808216" y="380922"/>
+            <a:ext cx="3808934" cy="273323"/>
+          </a:xfrm>
+        </p:spPr>
+        <p:txBody>
+          <a:bodyPr/>
+          <a:lstStyle/>
+          <a:p>
+            <a:r>
+              <a:rPr lang="en-US" altLang="ko-KR" dirty="0" smtClean="0"/>
+              <a:t>HTML/CSS Team Project</a:t>
+            </a:r>
+            <a:endParaRPr lang="ko-KR" altLang="en-US" dirty="0"/>
+          </a:p>
+        </p:txBody>
+      </p:sp>
+      <p:pic>
+        <p:nvPicPr>
+          <p:cNvPr id="7" name="그림 6"/>
+          <p:cNvPicPr>
+            <a:picLocks noChangeAspect="1"/>
+          </p:cNvPicPr>
+          <p:nvPr/>
+        </p:nvPicPr>
+        <p:blipFill>
+          <a:blip r:embed="rId2">
+            <a:extLst>
+              <a:ext uri="{28A0092B-C50C-407E-A947-70E740481C1C}">
+                <a14:useLocalDpi xmlns:a14="http://schemas.microsoft.com/office/drawing/2010/main" val="0"/>
+              </a:ext>
+            </a:extLst>
+          </a:blip>
+          <a:stretch>
+            <a:fillRect/>
+          </a:stretch>
+        </p:blipFill>
+        <p:spPr>
+          <a:xfrm>
+            <a:off x="2024861" y="1442977"/>
+            <a:ext cx="5184576" cy="4908147"/>
           </a:xfrm>
           <a:prstGeom prst="rect">
             <a:avLst/>
           </a:prstGeom>
         </p:spPr>
+      </p:pic>
+    </p:spTree>
+    <p:extLst>
+      <p:ext uri="{BB962C8B-B14F-4D97-AF65-F5344CB8AC3E}">
+        <p14:creationId xmlns:p14="http://schemas.microsoft.com/office/powerpoint/2010/main" val="707372677"/>
+      </p:ext>
+    </p:extLst>
+  </p:cSld>
+  <p:clrMapOvr>
+    <a:masterClrMapping/>
+  </p:clrMapOvr>
+  <p:timing>
+    <p:tnLst>
+      <p:par>
+        <p:cTn id="1" dur="indefinite" restart="never" nodeType="tmRoot"/>
+      </p:par>
+    </p:tnLst>
+  </p:timing>
+</p:sld>
+</file>
+
+<file path=ppt/slides/slide15.xml><?xml version="1.0" encoding="utf-8"?>
+<p:sld xmlns:a="http://schemas.openxmlformats.org/drawingml/2006/main" xmlns:r="http://schemas.openxmlformats.org/officeDocument/2006/relationships" xmlns:p="http://schemas.openxmlformats.org/presentationml/2006/main">
+  <p:cSld>
+    <p:spTree>
+      <p:nvGrpSpPr>
+        <p:cNvPr id="1" name=""/>
+        <p:cNvGrpSpPr/>
+        <p:nvPr/>
+      </p:nvGrpSpPr>
+      <p:grpSpPr>
+        <a:xfrm>
+          <a:off x="0" y="0"/>
+          <a:ext cx="0" cy="0"/>
+          <a:chOff x="0" y="0"/>
+          <a:chExt cx="0" cy="0"/>
+        </a:xfrm>
+      </p:grpSpPr>
+      <p:sp>
+        <p:nvSpPr>
+          <p:cNvPr id="3" name="모서리가 둥근 직사각형 2"/>
+          <p:cNvSpPr/>
+          <p:nvPr/>
+        </p:nvSpPr>
+        <p:spPr>
+          <a:xfrm>
+            <a:off x="466836" y="927115"/>
+            <a:ext cx="2737012" cy="305031"/>
+          </a:xfrm>
+          <a:prstGeom prst="roundRect">
+            <a:avLst>
+              <a:gd name="adj" fmla="val 50000"/>
+            </a:avLst>
+          </a:prstGeom>
+          <a:solidFill>
+            <a:srgbClr val="996C48"/>
+          </a:solidFill>
+          <a:ln>
+            <a:solidFill>
+              <a:srgbClr val="766C62"/>
+            </a:solidFill>
+          </a:ln>
+        </p:spPr>
+        <p:style>
+          <a:lnRef idx="2">
+            <a:schemeClr val="accent1">
+              <a:shade val="50000"/>
+            </a:schemeClr>
+          </a:lnRef>
+          <a:fillRef idx="1">
+            <a:schemeClr val="accent1"/>
+          </a:fillRef>
+          <a:effectRef idx="0">
+            <a:schemeClr val="accent1"/>
+          </a:effectRef>
+          <a:fontRef idx="minor">
+            <a:schemeClr val="lt1"/>
+          </a:fontRef>
+        </p:style>
         <p:txBody>
-          <a:bodyPr wrap="none" rtlCol="0">
-            <a:spAutoFit/>
-          </a:bodyPr>
-          <a:lstStyle>
-            <a:defPPr>
-              <a:defRPr lang="ko-KR"/>
-            </a:defPPr>
-            <a:lvl1pPr algn="r">
-              <a:lnSpc>
-                <a:spcPct val="150000"/>
-              </a:lnSpc>
-              <a:spcBef>
-                <a:spcPts val="1000"/>
-              </a:spcBef>
-              <a:defRPr sz="1400">
-                <a:gradFill>
-                  <a:gsLst>
-                    <a:gs pos="0">
-                      <a:srgbClr val="766C62"/>
-                    </a:gs>
-                    <a:gs pos="100000">
-                      <a:srgbClr val="766C62"/>
+          <a:bodyPr rtlCol="0" anchor="ctr"/>
+          <a:lstStyle/>
+          <a:p>
+            <a:pPr algn="ctr"/>
+            <a:r>
+              <a:rPr lang="ko-KR" altLang="en-US" sz="1400" b="1" dirty="0" smtClean="0">
+                <a:gradFill>
+                  <a:gsLst>
+                    <a:gs pos="0">
+                      <a:schemeClr val="bg1"/>
+                    </a:gs>
+                    <a:gs pos="100000">
+                      <a:schemeClr val="bg1"/>
                     </a:gs>
                   </a:gsLst>
                   <a:lin ang="5400000" scaled="1"/>
                 </a:gradFill>
                 <a:latin typeface="나눔고딕" panose="020D0604000000000000" pitchFamily="50" charset="-127"/>
                 <a:ea typeface="나눔고딕" panose="020D0604000000000000" pitchFamily="50" charset="-127"/>
-              </a:defRPr>
-            </a:lvl1pPr>
-          </a:lstStyle>
-          <a:p>
-            <a:pPr algn="ctr">
-              <a:lnSpc>
-                <a:spcPct val="100000"/>
-              </a:lnSpc>
-            </a:pPr>
-            <a:r>
-              <a:rPr lang="ko-KR" altLang="en-US" dirty="0" err="1" smtClean="0"/>
-              <a:t>연제승</a:t>
-            </a:r>
-            <a:r>
-              <a:rPr lang="ko-KR" altLang="en-US" dirty="0" smtClean="0"/>
-              <a:t> 신혜진 </a:t>
-            </a:r>
-            <a:r>
-              <a:rPr lang="ko-KR" altLang="en-US" dirty="0" err="1" smtClean="0"/>
-              <a:t>남우리</a:t>
-            </a:r>
-            <a:r>
-              <a:rPr lang="ko-KR" altLang="en-US" dirty="0" smtClean="0"/>
-              <a:t> </a:t>
-            </a:r>
-            <a:r>
-              <a:rPr lang="ko-KR" altLang="en-US" dirty="0" smtClean="0"/>
-              <a:t>설수현</a:t>
-            </a:r>
-            <a:endParaRPr lang="en-US" altLang="ko-KR" b="1" dirty="0"/>
+              </a:rPr>
+              <a:t>디자인 시안 </a:t>
+            </a:r>
+            <a:r>
+              <a:rPr lang="en-US" altLang="ko-KR" sz="1400" b="1" dirty="0" smtClean="0">
+                <a:gradFill>
+                  <a:gsLst>
+                    <a:gs pos="0">
+                      <a:schemeClr val="bg1"/>
+                    </a:gs>
+                    <a:gs pos="100000">
+                      <a:schemeClr val="bg1"/>
+                    </a:gs>
+                  </a:gsLst>
+                  <a:lin ang="5400000" scaled="1"/>
+                </a:gradFill>
+                <a:latin typeface="나눔고딕" panose="020D0604000000000000" pitchFamily="50" charset="-127"/>
+                <a:ea typeface="나눔고딕" panose="020D0604000000000000" pitchFamily="50" charset="-127"/>
+              </a:rPr>
+              <a:t>– </a:t>
+            </a:r>
+            <a:r>
+              <a:rPr lang="ko-KR" altLang="en-US" sz="1400" b="1" dirty="0" smtClean="0">
+                <a:gradFill>
+                  <a:gsLst>
+                    <a:gs pos="0">
+                      <a:schemeClr val="bg1"/>
+                    </a:gs>
+                    <a:gs pos="100000">
+                      <a:schemeClr val="bg1"/>
+                    </a:gs>
+                  </a:gsLst>
+                  <a:lin ang="5400000" scaled="1"/>
+                </a:gradFill>
+                <a:latin typeface="나눔고딕" panose="020D0604000000000000" pitchFamily="50" charset="-127"/>
+                <a:ea typeface="나눔고딕" panose="020D0604000000000000" pitchFamily="50" charset="-127"/>
+              </a:rPr>
+              <a:t>서브페이지</a:t>
+            </a:r>
+            <a:r>
+              <a:rPr lang="en-US" altLang="ko-KR" sz="1400" b="1" dirty="0" smtClean="0">
+                <a:gradFill>
+                  <a:gsLst>
+                    <a:gs pos="0">
+                      <a:schemeClr val="bg1"/>
+                    </a:gs>
+                    <a:gs pos="100000">
+                      <a:schemeClr val="bg1"/>
+                    </a:gs>
+                  </a:gsLst>
+                  <a:lin ang="5400000" scaled="1"/>
+                </a:gradFill>
+                <a:latin typeface="나눔고딕" panose="020D0604000000000000" pitchFamily="50" charset="-127"/>
+                <a:ea typeface="나눔고딕" panose="020D0604000000000000" pitchFamily="50" charset="-127"/>
+              </a:rPr>
+              <a:t>1</a:t>
+            </a:r>
+            <a:endParaRPr lang="en-US" altLang="ko-KR" sz="1400" b="1" dirty="0">
+              <a:gradFill>
+                <a:gsLst>
+                  <a:gs pos="0">
+                    <a:schemeClr val="bg1"/>
+                  </a:gs>
+                  <a:gs pos="100000">
+                    <a:schemeClr val="bg1"/>
+                  </a:gs>
+                </a:gsLst>
+                <a:lin ang="5400000" scaled="1"/>
+              </a:gradFill>
+              <a:latin typeface="나눔고딕" panose="020D0604000000000000" pitchFamily="50" charset="-127"/>
+              <a:ea typeface="나눔고딕" panose="020D0604000000000000" pitchFamily="50" charset="-127"/>
+            </a:endParaRPr>
+          </a:p>
+        </p:txBody>
+      </p:sp>
+      <p:grpSp>
+        <p:nvGrpSpPr>
+          <p:cNvPr id="4" name="그룹 3"/>
+          <p:cNvGrpSpPr/>
+          <p:nvPr/>
+        </p:nvGrpSpPr>
+        <p:grpSpPr>
+          <a:xfrm>
+            <a:off x="593755" y="1412776"/>
+            <a:ext cx="8046789" cy="4968551"/>
+            <a:chOff x="811472" y="1479617"/>
+            <a:chExt cx="7521057" cy="2954444"/>
+          </a:xfrm>
+        </p:grpSpPr>
+        <p:sp>
+          <p:nvSpPr>
+            <p:cNvPr id="5" name="직사각형 4"/>
+            <p:cNvSpPr/>
+            <p:nvPr/>
+          </p:nvSpPr>
+          <p:spPr>
+            <a:xfrm>
+              <a:off x="811472" y="1479617"/>
+              <a:ext cx="7521057" cy="2954444"/>
+            </a:xfrm>
+            <a:prstGeom prst="rect">
+              <a:avLst/>
+            </a:prstGeom>
+            <a:solidFill>
+              <a:schemeClr val="bg1">
+                <a:lumMod val="95000"/>
+              </a:schemeClr>
+            </a:solidFill>
+            <a:ln>
+              <a:noFill/>
+            </a:ln>
+          </p:spPr>
+          <p:style>
+            <a:lnRef idx="2">
+              <a:schemeClr val="accent1">
+                <a:shade val="50000"/>
+              </a:schemeClr>
+            </a:lnRef>
+            <a:fillRef idx="1">
+              <a:schemeClr val="accent1"/>
+            </a:fillRef>
+            <a:effectRef idx="0">
+              <a:schemeClr val="accent1"/>
+            </a:effectRef>
+            <a:fontRef idx="minor">
+              <a:schemeClr val="lt1"/>
+            </a:fontRef>
+          </p:style>
+          <p:txBody>
+            <a:bodyPr rot="0" spcFirstLastPara="0" vertOverflow="overflow" horzOverflow="overflow" vert="horz" wrap="square" lIns="91440" tIns="45720" rIns="91440" bIns="45720" numCol="1" spcCol="0" rtlCol="0" fromWordArt="0" anchor="ctr" anchorCtr="0" forceAA="0" compatLnSpc="1">
+              <a:prstTxWarp prst="textNoShape">
+                <a:avLst/>
+              </a:prstTxWarp>
+              <a:noAutofit/>
+            </a:bodyPr>
+            <a:lstStyle/>
+            <a:p>
+              <a:pPr algn="ctr"/>
+              <a:endParaRPr lang="ko-KR" altLang="en-US"/>
+            </a:p>
+          </p:txBody>
+        </p:sp>
+        <p:sp>
+          <p:nvSpPr>
+            <p:cNvPr id="6" name="직사각형 5"/>
+            <p:cNvSpPr/>
+            <p:nvPr/>
+          </p:nvSpPr>
+          <p:spPr>
+            <a:xfrm>
+              <a:off x="881853" y="1531353"/>
+              <a:ext cx="7380295" cy="2850978"/>
+            </a:xfrm>
+            <a:prstGeom prst="rect">
+              <a:avLst/>
+            </a:prstGeom>
+            <a:solidFill>
+              <a:schemeClr val="bg1"/>
+            </a:solidFill>
+            <a:ln>
+              <a:noFill/>
+            </a:ln>
+          </p:spPr>
+          <p:style>
+            <a:lnRef idx="2">
+              <a:schemeClr val="accent1">
+                <a:shade val="50000"/>
+              </a:schemeClr>
+            </a:lnRef>
+            <a:fillRef idx="1">
+              <a:schemeClr val="accent1"/>
+            </a:fillRef>
+            <a:effectRef idx="0">
+              <a:schemeClr val="accent1"/>
+            </a:effectRef>
+            <a:fontRef idx="minor">
+              <a:schemeClr val="lt1"/>
+            </a:fontRef>
+          </p:style>
+          <p:txBody>
+            <a:bodyPr rot="0" spcFirstLastPara="0" vertOverflow="overflow" horzOverflow="overflow" vert="horz" wrap="square" lIns="91440" tIns="45720" rIns="91440" bIns="45720" numCol="1" spcCol="0" rtlCol="0" fromWordArt="0" anchor="ctr" anchorCtr="0" forceAA="0" compatLnSpc="1">
+              <a:prstTxWarp prst="textNoShape">
+                <a:avLst/>
+              </a:prstTxWarp>
+              <a:noAutofit/>
+            </a:bodyPr>
+            <a:lstStyle/>
+            <a:p>
+              <a:pPr algn="ctr"/>
+              <a:endParaRPr lang="ko-KR" altLang="en-US"/>
+            </a:p>
+          </p:txBody>
+        </p:sp>
+      </p:grpSp>
+      <p:sp>
+        <p:nvSpPr>
+          <p:cNvPr id="16" name="텍스트 개체 틀 12"/>
+          <p:cNvSpPr>
+            <a:spLocks noGrp="1"/>
+          </p:cNvSpPr>
+          <p:nvPr>
+            <p:ph type="body" sz="quarter" idx="10"/>
+          </p:nvPr>
+        </p:nvSpPr>
+        <p:spPr>
+          <a:xfrm>
+            <a:off x="441584" y="385149"/>
+            <a:ext cx="352541" cy="264869"/>
+          </a:xfrm>
+        </p:spPr>
+        <p:txBody>
+          <a:bodyPr/>
+          <a:lstStyle/>
+          <a:p>
+            <a:r>
+              <a:rPr lang="en-US" altLang="ko-KR" dirty="0" smtClean="0"/>
+              <a:t>05</a:t>
+            </a:r>
+            <a:endParaRPr lang="ko-KR" altLang="en-US" dirty="0"/>
           </a:p>
         </p:txBody>
       </p:sp>
       <p:sp>
         <p:nvSpPr>
-          <p:cNvPr id="6" name="TextBox 5"/>
-          <p:cNvSpPr txBox="1"/>
-          <p:nvPr/>
+          <p:cNvPr id="17" name="텍스트 개체 틀 22"/>
+          <p:cNvSpPr>
+            <a:spLocks noGrp="1"/>
+          </p:cNvSpPr>
+          <p:nvPr>
+            <p:ph type="body" sz="quarter" idx="11"/>
+          </p:nvPr>
         </p:nvSpPr>
         <p:spPr>
           <a:xfrm>
-            <a:off x="1828876" y="2369301"/>
-            <a:ext cx="5610255" cy="584775"/>
+            <a:off x="808216" y="380922"/>
+            <a:ext cx="3808934" cy="273323"/>
+          </a:xfrm>
+        </p:spPr>
+        <p:txBody>
+          <a:bodyPr/>
+          <a:lstStyle/>
+          <a:p>
+            <a:r>
+              <a:rPr lang="en-US" altLang="ko-KR" dirty="0" smtClean="0"/>
+              <a:t>HTML/CSS Team Project</a:t>
+            </a:r>
+            <a:endParaRPr lang="ko-KR" altLang="en-US" dirty="0"/>
+          </a:p>
+        </p:txBody>
+      </p:sp>
+      <p:pic>
+        <p:nvPicPr>
+          <p:cNvPr id="7" name="그림 6"/>
+          <p:cNvPicPr>
+            <a:picLocks noChangeAspect="1"/>
+          </p:cNvPicPr>
+          <p:nvPr/>
+        </p:nvPicPr>
+        <p:blipFill>
+          <a:blip r:embed="rId2">
+            <a:extLst>
+              <a:ext uri="{28A0092B-C50C-407E-A947-70E740481C1C}">
+                <a14:useLocalDpi xmlns:a14="http://schemas.microsoft.com/office/drawing/2010/main" val="0"/>
+              </a:ext>
+            </a:extLst>
+          </a:blip>
+          <a:stretch>
+            <a:fillRect/>
+          </a:stretch>
+        </p:blipFill>
+        <p:spPr>
+          <a:xfrm>
+            <a:off x="1389678" y="1412776"/>
+            <a:ext cx="6454942" cy="4906971"/>
           </a:xfrm>
           <a:prstGeom prst="rect">
             <a:avLst/>
           </a:prstGeom>
         </p:spPr>
+      </p:pic>
+    </p:spTree>
+    <p:extLst>
+      <p:ext uri="{BB962C8B-B14F-4D97-AF65-F5344CB8AC3E}">
+        <p14:creationId xmlns:p14="http://schemas.microsoft.com/office/powerpoint/2010/main" val="76216143"/>
+      </p:ext>
+    </p:extLst>
+  </p:cSld>
+  <p:clrMapOvr>
+    <a:masterClrMapping/>
+  </p:clrMapOvr>
+  <p:timing>
+    <p:tnLst>
+      <p:par>
+        <p:cTn id="1" dur="indefinite" restart="never" nodeType="tmRoot"/>
+      </p:par>
+    </p:tnLst>
+  </p:timing>
+</p:sld>
+</file>
+
+<file path=ppt/slides/slide16.xml><?xml version="1.0" encoding="utf-8"?>
+<p:sld xmlns:a="http://schemas.openxmlformats.org/drawingml/2006/main" xmlns:r="http://schemas.openxmlformats.org/officeDocument/2006/relationships" xmlns:p="http://schemas.openxmlformats.org/presentationml/2006/main">
+  <p:cSld>
+    <p:spTree>
+      <p:nvGrpSpPr>
+        <p:cNvPr id="1" name=""/>
+        <p:cNvGrpSpPr/>
+        <p:nvPr/>
+      </p:nvGrpSpPr>
+      <p:grpSpPr>
+        <a:xfrm>
+          <a:off x="0" y="0"/>
+          <a:ext cx="0" cy="0"/>
+          <a:chOff x="0" y="0"/>
+          <a:chExt cx="0" cy="0"/>
+        </a:xfrm>
+      </p:grpSpPr>
+      <p:sp>
+        <p:nvSpPr>
+          <p:cNvPr id="3" name="모서리가 둥근 직사각형 2"/>
+          <p:cNvSpPr/>
+          <p:nvPr/>
+        </p:nvSpPr>
+        <p:spPr>
+          <a:xfrm>
+            <a:off x="466836" y="927115"/>
+            <a:ext cx="2737012" cy="305031"/>
+          </a:xfrm>
+          <a:prstGeom prst="roundRect">
+            <a:avLst>
+              <a:gd name="adj" fmla="val 50000"/>
+            </a:avLst>
+          </a:prstGeom>
+          <a:solidFill>
+            <a:srgbClr val="996C48"/>
+          </a:solidFill>
+          <a:ln>
+            <a:solidFill>
+              <a:srgbClr val="766C62"/>
+            </a:solidFill>
+          </a:ln>
+        </p:spPr>
+        <p:style>
+          <a:lnRef idx="2">
+            <a:schemeClr val="accent1">
+              <a:shade val="50000"/>
+            </a:schemeClr>
+          </a:lnRef>
+          <a:fillRef idx="1">
+            <a:schemeClr val="accent1"/>
+          </a:fillRef>
+          <a:effectRef idx="0">
+            <a:schemeClr val="accent1"/>
+          </a:effectRef>
+          <a:fontRef idx="minor">
+            <a:schemeClr val="lt1"/>
+          </a:fontRef>
+        </p:style>
         <p:txBody>
-          <a:bodyPr wrap="none" rtlCol="0">
-            <a:spAutoFit/>
-          </a:bodyPr>
-          <a:lstStyle>
-            <a:defPPr>
-              <a:defRPr lang="ko-KR"/>
-            </a:defPPr>
-            <a:lvl1pPr algn="r">
-              <a:lnSpc>
-                <a:spcPct val="150000"/>
-              </a:lnSpc>
-              <a:spcBef>
-                <a:spcPts val="1000"/>
-              </a:spcBef>
-              <a:defRPr sz="1400">
-                <a:gradFill>
-                  <a:gsLst>
-                    <a:gs pos="0">
-                      <a:srgbClr val="766C62"/>
-                    </a:gs>
-                    <a:gs pos="100000">
-                      <a:srgbClr val="766C62"/>
+          <a:bodyPr rtlCol="0" anchor="ctr"/>
+          <a:lstStyle/>
+          <a:p>
+            <a:pPr algn="ctr"/>
+            <a:r>
+              <a:rPr lang="ko-KR" altLang="en-US" sz="1400" b="1" dirty="0" smtClean="0">
+                <a:gradFill>
+                  <a:gsLst>
+                    <a:gs pos="0">
+                      <a:schemeClr val="bg1"/>
+                    </a:gs>
+                    <a:gs pos="100000">
+                      <a:schemeClr val="bg1"/>
                     </a:gs>
                   </a:gsLst>
                   <a:lin ang="5400000" scaled="1"/>
                 </a:gradFill>
                 <a:latin typeface="나눔고딕" panose="020D0604000000000000" pitchFamily="50" charset="-127"/>
                 <a:ea typeface="나눔고딕" panose="020D0604000000000000" pitchFamily="50" charset="-127"/>
-              </a:defRPr>
-            </a:lvl1pPr>
-          </a:lstStyle>
-          <a:p>
-            <a:pPr>
-              <a:lnSpc>
-                <a:spcPct val="100000"/>
-              </a:lnSpc>
-            </a:pPr>
-            <a:r>
-              <a:rPr lang="en-US" altLang="ko-KR" sz="3200" u="sng" dirty="0" smtClean="0">
-                <a:gradFill>
-                  <a:gsLst>
-                    <a:gs pos="0">
-                      <a:srgbClr val="FFC000"/>
-                    </a:gs>
-                    <a:gs pos="100000">
-                      <a:srgbClr val="FFC000"/>
-                    </a:gs>
-                  </a:gsLst>
-                  <a:lin ang="5400000" scaled="1"/>
-                </a:gradFill>
-                <a:latin typeface="나눔고딕 ExtraBold" panose="020D0904000000000000" pitchFamily="50" charset="-127"/>
-                <a:ea typeface="나눔고딕 ExtraBold" panose="020D0904000000000000" pitchFamily="50" charset="-127"/>
               </a:rPr>
-              <a:t>HTML/CSS Team </a:t>
-            </a:r>
-            <a:r>
-              <a:rPr lang="en-US" altLang="ko-KR" sz="3200" u="sng" dirty="0">
-                <a:gradFill>
-                  <a:gsLst>
-                    <a:gs pos="0">
-                      <a:srgbClr val="FFC000"/>
-                    </a:gs>
-                    <a:gs pos="100000">
-                      <a:srgbClr val="FFC000"/>
-                    </a:gs>
-                  </a:gsLst>
-                  <a:lin ang="5400000" scaled="1"/>
-                </a:gradFill>
-                <a:latin typeface="나눔고딕 ExtraBold" panose="020D0904000000000000" pitchFamily="50" charset="-127"/>
-                <a:ea typeface="나눔고딕 ExtraBold" panose="020D0904000000000000" pitchFamily="50" charset="-127"/>
+              <a:t>와이어 프레임 </a:t>
+            </a:r>
+            <a:r>
+              <a:rPr lang="en-US" altLang="ko-KR" sz="1400" b="1" dirty="0" smtClean="0">
+                <a:gradFill>
+                  <a:gsLst>
+                    <a:gs pos="0">
+                      <a:schemeClr val="bg1"/>
+                    </a:gs>
+                    <a:gs pos="100000">
+                      <a:schemeClr val="bg1"/>
+                    </a:gs>
+                  </a:gsLst>
+                  <a:lin ang="5400000" scaled="1"/>
+                </a:gradFill>
+                <a:latin typeface="나눔고딕" panose="020D0604000000000000" pitchFamily="50" charset="-127"/>
+                <a:ea typeface="나눔고딕" panose="020D0604000000000000" pitchFamily="50" charset="-127"/>
               </a:rPr>
-              <a:t>Project</a:t>
-            </a:r>
-            <a:endParaRPr lang="en-US" altLang="ko-KR" sz="3200" u="sng" dirty="0">
+              <a:t>- </a:t>
+            </a:r>
+            <a:r>
+              <a:rPr lang="ko-KR" altLang="en-US" sz="1400" b="1" dirty="0" smtClean="0">
+                <a:gradFill>
+                  <a:gsLst>
+                    <a:gs pos="0">
+                      <a:schemeClr val="bg1"/>
+                    </a:gs>
+                    <a:gs pos="100000">
+                      <a:schemeClr val="bg1"/>
+                    </a:gs>
+                  </a:gsLst>
+                  <a:lin ang="5400000" scaled="1"/>
+                </a:gradFill>
+                <a:latin typeface="나눔고딕" panose="020D0604000000000000" pitchFamily="50" charset="-127"/>
+                <a:ea typeface="나눔고딕" panose="020D0604000000000000" pitchFamily="50" charset="-127"/>
+              </a:rPr>
+              <a:t>회원가입</a:t>
+            </a:r>
+            <a:endParaRPr lang="en-US" altLang="ko-KR" sz="1400" b="1" dirty="0">
               <a:gradFill>
                 <a:gsLst>
                   <a:gs pos="0">
-                    <a:srgbClr val="FFC000"/>
+                    <a:schemeClr val="bg1"/>
                   </a:gs>
                   <a:gs pos="100000">
-                    <a:srgbClr val="FFC000"/>
+                    <a:schemeClr val="bg1"/>
                   </a:gs>
                 </a:gsLst>
                 <a:lin ang="5400000" scaled="1"/>
               </a:gradFill>
-              <a:latin typeface="나눔고딕 ExtraBold" panose="020D0904000000000000" pitchFamily="50" charset="-127"/>
-              <a:ea typeface="나눔고딕 ExtraBold" panose="020D0904000000000000" pitchFamily="50" charset="-127"/>
+              <a:latin typeface="나눔고딕" panose="020D0604000000000000" pitchFamily="50" charset="-127"/>
+              <a:ea typeface="나눔고딕" panose="020D0604000000000000" pitchFamily="50" charset="-127"/>
             </a:endParaRPr>
           </a:p>
         </p:txBody>
       </p:sp>
+      <p:grpSp>
+        <p:nvGrpSpPr>
+          <p:cNvPr id="4" name="그룹 3"/>
+          <p:cNvGrpSpPr/>
+          <p:nvPr/>
+        </p:nvGrpSpPr>
+        <p:grpSpPr>
+          <a:xfrm>
+            <a:off x="593755" y="1412776"/>
+            <a:ext cx="8046789" cy="4968551"/>
+            <a:chOff x="811472" y="1479617"/>
+            <a:chExt cx="7521057" cy="2954444"/>
+          </a:xfrm>
+        </p:grpSpPr>
+        <p:sp>
+          <p:nvSpPr>
+            <p:cNvPr id="5" name="직사각형 4"/>
+            <p:cNvSpPr/>
+            <p:nvPr/>
+          </p:nvSpPr>
+          <p:spPr>
+            <a:xfrm>
+              <a:off x="811472" y="1479617"/>
+              <a:ext cx="7521057" cy="2954444"/>
+            </a:xfrm>
+            <a:prstGeom prst="rect">
+              <a:avLst/>
+            </a:prstGeom>
+            <a:solidFill>
+              <a:schemeClr val="bg1">
+                <a:lumMod val="95000"/>
+              </a:schemeClr>
+            </a:solidFill>
+            <a:ln>
+              <a:noFill/>
+            </a:ln>
+          </p:spPr>
+          <p:style>
+            <a:lnRef idx="2">
+              <a:schemeClr val="accent1">
+                <a:shade val="50000"/>
+              </a:schemeClr>
+            </a:lnRef>
+            <a:fillRef idx="1">
+              <a:schemeClr val="accent1"/>
+            </a:fillRef>
+            <a:effectRef idx="0">
+              <a:schemeClr val="accent1"/>
+            </a:effectRef>
+            <a:fontRef idx="minor">
+              <a:schemeClr val="lt1"/>
+            </a:fontRef>
+          </p:style>
+          <p:txBody>
+            <a:bodyPr rot="0" spcFirstLastPara="0" vertOverflow="overflow" horzOverflow="overflow" vert="horz" wrap="square" lIns="91440" tIns="45720" rIns="91440" bIns="45720" numCol="1" spcCol="0" rtlCol="0" fromWordArt="0" anchor="ctr" anchorCtr="0" forceAA="0" compatLnSpc="1">
+              <a:prstTxWarp prst="textNoShape">
+                <a:avLst/>
+              </a:prstTxWarp>
+              <a:noAutofit/>
+            </a:bodyPr>
+            <a:lstStyle/>
+            <a:p>
+              <a:pPr algn="ctr"/>
+              <a:endParaRPr lang="ko-KR" altLang="en-US"/>
+            </a:p>
+          </p:txBody>
+        </p:sp>
+        <p:sp>
+          <p:nvSpPr>
+            <p:cNvPr id="6" name="직사각형 5"/>
+            <p:cNvSpPr/>
+            <p:nvPr/>
+          </p:nvSpPr>
+          <p:spPr>
+            <a:xfrm>
+              <a:off x="881853" y="1531353"/>
+              <a:ext cx="7380295" cy="2850978"/>
+            </a:xfrm>
+            <a:prstGeom prst="rect">
+              <a:avLst/>
+            </a:prstGeom>
+            <a:solidFill>
+              <a:schemeClr val="bg1"/>
+            </a:solidFill>
+            <a:ln>
+              <a:noFill/>
+            </a:ln>
+          </p:spPr>
+          <p:style>
+            <a:lnRef idx="2">
+              <a:schemeClr val="accent1">
+                <a:shade val="50000"/>
+              </a:schemeClr>
+            </a:lnRef>
+            <a:fillRef idx="1">
+              <a:schemeClr val="accent1"/>
+            </a:fillRef>
+            <a:effectRef idx="0">
+              <a:schemeClr val="accent1"/>
+            </a:effectRef>
+            <a:fontRef idx="minor">
+              <a:schemeClr val="lt1"/>
+            </a:fontRef>
+          </p:style>
+          <p:txBody>
+            <a:bodyPr rot="0" spcFirstLastPara="0" vertOverflow="overflow" horzOverflow="overflow" vert="horz" wrap="square" lIns="91440" tIns="45720" rIns="91440" bIns="45720" numCol="1" spcCol="0" rtlCol="0" fromWordArt="0" anchor="ctr" anchorCtr="0" forceAA="0" compatLnSpc="1">
+              <a:prstTxWarp prst="textNoShape">
+                <a:avLst/>
+              </a:prstTxWarp>
+              <a:noAutofit/>
+            </a:bodyPr>
+            <a:lstStyle/>
+            <a:p>
+              <a:pPr algn="ctr"/>
+              <a:endParaRPr lang="ko-KR" altLang="en-US"/>
+            </a:p>
+          </p:txBody>
+        </p:sp>
+      </p:grpSp>
+      <p:sp>
+        <p:nvSpPr>
+          <p:cNvPr id="16" name="텍스트 개체 틀 12"/>
+          <p:cNvSpPr>
+            <a:spLocks noGrp="1"/>
+          </p:cNvSpPr>
+          <p:nvPr>
+            <p:ph type="body" sz="quarter" idx="10"/>
+          </p:nvPr>
+        </p:nvSpPr>
+        <p:spPr>
+          <a:xfrm>
+            <a:off x="441584" y="385149"/>
+            <a:ext cx="352541" cy="264869"/>
+          </a:xfrm>
+        </p:spPr>
+        <p:txBody>
+          <a:bodyPr/>
+          <a:lstStyle/>
+          <a:p>
+            <a:r>
+              <a:rPr lang="en-US" altLang="ko-KR" dirty="0" smtClean="0"/>
+              <a:t>05</a:t>
+            </a:r>
+            <a:endParaRPr lang="ko-KR" altLang="en-US" dirty="0"/>
+          </a:p>
+        </p:txBody>
+      </p:sp>
+      <p:sp>
+        <p:nvSpPr>
+          <p:cNvPr id="17" name="텍스트 개체 틀 22"/>
+          <p:cNvSpPr>
+            <a:spLocks noGrp="1"/>
+          </p:cNvSpPr>
+          <p:nvPr>
+            <p:ph type="body" sz="quarter" idx="11"/>
+          </p:nvPr>
+        </p:nvSpPr>
+        <p:spPr>
+          <a:xfrm>
+            <a:off x="808216" y="380922"/>
+            <a:ext cx="3808934" cy="273323"/>
+          </a:xfrm>
+        </p:spPr>
+        <p:txBody>
+          <a:bodyPr/>
+          <a:lstStyle/>
+          <a:p>
+            <a:r>
+              <a:rPr lang="en-US" altLang="ko-KR" dirty="0" smtClean="0"/>
+              <a:t>HTML/CSS Team Project</a:t>
+            </a:r>
+            <a:endParaRPr lang="ko-KR" altLang="en-US" dirty="0"/>
+          </a:p>
+        </p:txBody>
+      </p:sp>
+      <p:pic>
+        <p:nvPicPr>
+          <p:cNvPr id="10" name="그림 9"/>
+          <p:cNvPicPr>
+            <a:picLocks noChangeAspect="1"/>
+          </p:cNvPicPr>
+          <p:nvPr/>
+        </p:nvPicPr>
+        <p:blipFill>
+          <a:blip r:embed="rId2">
+            <a:extLst>
+              <a:ext uri="{28A0092B-C50C-407E-A947-70E740481C1C}">
+                <a14:useLocalDpi xmlns:a14="http://schemas.microsoft.com/office/drawing/2010/main" val="0"/>
+              </a:ext>
+            </a:extLst>
+          </a:blip>
+          <a:stretch>
+            <a:fillRect/>
+          </a:stretch>
+        </p:blipFill>
+        <p:spPr>
+          <a:xfrm>
+            <a:off x="669056" y="1990677"/>
+            <a:ext cx="7758188" cy="4296021"/>
+          </a:xfrm>
+          <a:prstGeom prst="rect">
+            <a:avLst/>
+          </a:prstGeom>
+        </p:spPr>
+      </p:pic>
     </p:spTree>
     <p:extLst>
       <p:ext uri="{BB962C8B-B14F-4D97-AF65-F5344CB8AC3E}">
-        <p14:creationId xmlns:p14="http://schemas.microsoft.com/office/powerpoint/2010/main" val="3002995531"/>
+        <p14:creationId xmlns:p14="http://schemas.microsoft.com/office/powerpoint/2010/main" val="2047888574"/>
+      </p:ext>
+    </p:extLst>
+  </p:cSld>
+  <p:clrMapOvr>
+    <a:masterClrMapping/>
+  </p:clrMapOvr>
+  <p:timing>
+    <p:tnLst>
+      <p:par>
+        <p:cTn id="1" dur="indefinite" restart="never" nodeType="tmRoot"/>
+      </p:par>
+    </p:tnLst>
+  </p:timing>
+</p:sld>
+</file>
+
+<file path=ppt/slides/slide17.xml><?xml version="1.0" encoding="utf-8"?>
+<p:sld xmlns:a="http://schemas.openxmlformats.org/drawingml/2006/main" xmlns:r="http://schemas.openxmlformats.org/officeDocument/2006/relationships" xmlns:p="http://schemas.openxmlformats.org/presentationml/2006/main">
+  <p:cSld>
+    <p:spTree>
+      <p:nvGrpSpPr>
+        <p:cNvPr id="1" name=""/>
+        <p:cNvGrpSpPr/>
+        <p:nvPr/>
+      </p:nvGrpSpPr>
+      <p:grpSpPr>
+        <a:xfrm>
+          <a:off x="0" y="0"/>
+          <a:ext cx="0" cy="0"/>
+          <a:chOff x="0" y="0"/>
+          <a:chExt cx="0" cy="0"/>
+        </a:xfrm>
+      </p:grpSpPr>
+      <p:sp>
+        <p:nvSpPr>
+          <p:cNvPr id="3" name="모서리가 둥근 직사각형 2"/>
+          <p:cNvSpPr/>
+          <p:nvPr/>
+        </p:nvSpPr>
+        <p:spPr>
+          <a:xfrm>
+            <a:off x="466836" y="927115"/>
+            <a:ext cx="2737012" cy="305031"/>
+          </a:xfrm>
+          <a:prstGeom prst="roundRect">
+            <a:avLst>
+              <a:gd name="adj" fmla="val 50000"/>
+            </a:avLst>
+          </a:prstGeom>
+          <a:solidFill>
+            <a:srgbClr val="996C48"/>
+          </a:solidFill>
+          <a:ln>
+            <a:solidFill>
+              <a:srgbClr val="766C62"/>
+            </a:solidFill>
+          </a:ln>
+        </p:spPr>
+        <p:style>
+          <a:lnRef idx="2">
+            <a:schemeClr val="accent1">
+              <a:shade val="50000"/>
+            </a:schemeClr>
+          </a:lnRef>
+          <a:fillRef idx="1">
+            <a:schemeClr val="accent1"/>
+          </a:fillRef>
+          <a:effectRef idx="0">
+            <a:schemeClr val="accent1"/>
+          </a:effectRef>
+          <a:fontRef idx="minor">
+            <a:schemeClr val="lt1"/>
+          </a:fontRef>
+        </p:style>
+        <p:txBody>
+          <a:bodyPr rtlCol="0" anchor="ctr"/>
+          <a:lstStyle/>
+          <a:p>
+            <a:pPr algn="ctr"/>
+            <a:r>
+              <a:rPr lang="ko-KR" altLang="en-US" sz="1400" b="1" dirty="0" smtClean="0">
+                <a:gradFill>
+                  <a:gsLst>
+                    <a:gs pos="0">
+                      <a:schemeClr val="bg1"/>
+                    </a:gs>
+                    <a:gs pos="100000">
+                      <a:schemeClr val="bg1"/>
+                    </a:gs>
+                  </a:gsLst>
+                  <a:lin ang="5400000" scaled="1"/>
+                </a:gradFill>
+                <a:latin typeface="나눔고딕" panose="020D0604000000000000" pitchFamily="50" charset="-127"/>
+                <a:ea typeface="나눔고딕" panose="020D0604000000000000" pitchFamily="50" charset="-127"/>
+              </a:rPr>
+              <a:t>디자인 시안 </a:t>
+            </a:r>
+            <a:r>
+              <a:rPr lang="en-US" altLang="ko-KR" sz="1400" b="1" dirty="0" smtClean="0">
+                <a:gradFill>
+                  <a:gsLst>
+                    <a:gs pos="0">
+                      <a:schemeClr val="bg1"/>
+                    </a:gs>
+                    <a:gs pos="100000">
+                      <a:schemeClr val="bg1"/>
+                    </a:gs>
+                  </a:gsLst>
+                  <a:lin ang="5400000" scaled="1"/>
+                </a:gradFill>
+                <a:latin typeface="나눔고딕" panose="020D0604000000000000" pitchFamily="50" charset="-127"/>
+                <a:ea typeface="나눔고딕" panose="020D0604000000000000" pitchFamily="50" charset="-127"/>
+              </a:rPr>
+              <a:t>- </a:t>
+            </a:r>
+            <a:r>
+              <a:rPr lang="ko-KR" altLang="en-US" sz="1400" b="1" dirty="0" smtClean="0">
+                <a:gradFill>
+                  <a:gsLst>
+                    <a:gs pos="0">
+                      <a:schemeClr val="bg1"/>
+                    </a:gs>
+                    <a:gs pos="100000">
+                      <a:schemeClr val="bg1"/>
+                    </a:gs>
+                  </a:gsLst>
+                  <a:lin ang="5400000" scaled="1"/>
+                </a:gradFill>
+                <a:latin typeface="나눔고딕" panose="020D0604000000000000" pitchFamily="50" charset="-127"/>
+                <a:ea typeface="나눔고딕" panose="020D0604000000000000" pitchFamily="50" charset="-127"/>
+              </a:rPr>
+              <a:t>회원가입</a:t>
+            </a:r>
+            <a:endParaRPr lang="en-US" altLang="ko-KR" sz="1400" b="1" dirty="0">
+              <a:gradFill>
+                <a:gsLst>
+                  <a:gs pos="0">
+                    <a:schemeClr val="bg1"/>
+                  </a:gs>
+                  <a:gs pos="100000">
+                    <a:schemeClr val="bg1"/>
+                  </a:gs>
+                </a:gsLst>
+                <a:lin ang="5400000" scaled="1"/>
+              </a:gradFill>
+              <a:latin typeface="나눔고딕" panose="020D0604000000000000" pitchFamily="50" charset="-127"/>
+              <a:ea typeface="나눔고딕" panose="020D0604000000000000" pitchFamily="50" charset="-127"/>
+            </a:endParaRPr>
+          </a:p>
+        </p:txBody>
+      </p:sp>
+      <p:grpSp>
+        <p:nvGrpSpPr>
+          <p:cNvPr id="4" name="그룹 3"/>
+          <p:cNvGrpSpPr/>
+          <p:nvPr/>
+        </p:nvGrpSpPr>
+        <p:grpSpPr>
+          <a:xfrm>
+            <a:off x="593755" y="1412776"/>
+            <a:ext cx="8046789" cy="4968551"/>
+            <a:chOff x="811472" y="1479617"/>
+            <a:chExt cx="7521057" cy="2954444"/>
+          </a:xfrm>
+        </p:grpSpPr>
+        <p:sp>
+          <p:nvSpPr>
+            <p:cNvPr id="5" name="직사각형 4"/>
+            <p:cNvSpPr/>
+            <p:nvPr/>
+          </p:nvSpPr>
+          <p:spPr>
+            <a:xfrm>
+              <a:off x="811472" y="1479617"/>
+              <a:ext cx="7521057" cy="2954444"/>
+            </a:xfrm>
+            <a:prstGeom prst="rect">
+              <a:avLst/>
+            </a:prstGeom>
+            <a:solidFill>
+              <a:schemeClr val="bg1">
+                <a:lumMod val="95000"/>
+              </a:schemeClr>
+            </a:solidFill>
+            <a:ln>
+              <a:noFill/>
+            </a:ln>
+          </p:spPr>
+          <p:style>
+            <a:lnRef idx="2">
+              <a:schemeClr val="accent1">
+                <a:shade val="50000"/>
+              </a:schemeClr>
+            </a:lnRef>
+            <a:fillRef idx="1">
+              <a:schemeClr val="accent1"/>
+            </a:fillRef>
+            <a:effectRef idx="0">
+              <a:schemeClr val="accent1"/>
+            </a:effectRef>
+            <a:fontRef idx="minor">
+              <a:schemeClr val="lt1"/>
+            </a:fontRef>
+          </p:style>
+          <p:txBody>
+            <a:bodyPr rot="0" spcFirstLastPara="0" vertOverflow="overflow" horzOverflow="overflow" vert="horz" wrap="square" lIns="91440" tIns="45720" rIns="91440" bIns="45720" numCol="1" spcCol="0" rtlCol="0" fromWordArt="0" anchor="ctr" anchorCtr="0" forceAA="0" compatLnSpc="1">
+              <a:prstTxWarp prst="textNoShape">
+                <a:avLst/>
+              </a:prstTxWarp>
+              <a:noAutofit/>
+            </a:bodyPr>
+            <a:lstStyle/>
+            <a:p>
+              <a:pPr algn="ctr"/>
+              <a:endParaRPr lang="ko-KR" altLang="en-US"/>
+            </a:p>
+          </p:txBody>
+        </p:sp>
+        <p:sp>
+          <p:nvSpPr>
+            <p:cNvPr id="6" name="직사각형 5"/>
+            <p:cNvSpPr/>
+            <p:nvPr/>
+          </p:nvSpPr>
+          <p:spPr>
+            <a:xfrm>
+              <a:off x="881853" y="1531353"/>
+              <a:ext cx="7380295" cy="2850978"/>
+            </a:xfrm>
+            <a:prstGeom prst="rect">
+              <a:avLst/>
+            </a:prstGeom>
+            <a:solidFill>
+              <a:schemeClr val="bg1"/>
+            </a:solidFill>
+            <a:ln>
+              <a:noFill/>
+            </a:ln>
+          </p:spPr>
+          <p:style>
+            <a:lnRef idx="2">
+              <a:schemeClr val="accent1">
+                <a:shade val="50000"/>
+              </a:schemeClr>
+            </a:lnRef>
+            <a:fillRef idx="1">
+              <a:schemeClr val="accent1"/>
+            </a:fillRef>
+            <a:effectRef idx="0">
+              <a:schemeClr val="accent1"/>
+            </a:effectRef>
+            <a:fontRef idx="minor">
+              <a:schemeClr val="lt1"/>
+            </a:fontRef>
+          </p:style>
+          <p:txBody>
+            <a:bodyPr rot="0" spcFirstLastPara="0" vertOverflow="overflow" horzOverflow="overflow" vert="horz" wrap="square" lIns="91440" tIns="45720" rIns="91440" bIns="45720" numCol="1" spcCol="0" rtlCol="0" fromWordArt="0" anchor="ctr" anchorCtr="0" forceAA="0" compatLnSpc="1">
+              <a:prstTxWarp prst="textNoShape">
+                <a:avLst/>
+              </a:prstTxWarp>
+              <a:noAutofit/>
+            </a:bodyPr>
+            <a:lstStyle/>
+            <a:p>
+              <a:pPr algn="ctr"/>
+              <a:endParaRPr lang="ko-KR" altLang="en-US"/>
+            </a:p>
+          </p:txBody>
+        </p:sp>
+      </p:grpSp>
+      <p:sp>
+        <p:nvSpPr>
+          <p:cNvPr id="16" name="텍스트 개체 틀 12"/>
+          <p:cNvSpPr>
+            <a:spLocks noGrp="1"/>
+          </p:cNvSpPr>
+          <p:nvPr>
+            <p:ph type="body" sz="quarter" idx="10"/>
+          </p:nvPr>
+        </p:nvSpPr>
+        <p:spPr>
+          <a:xfrm>
+            <a:off x="441584" y="385149"/>
+            <a:ext cx="352541" cy="264869"/>
+          </a:xfrm>
+        </p:spPr>
+        <p:txBody>
+          <a:bodyPr/>
+          <a:lstStyle/>
+          <a:p>
+            <a:r>
+              <a:rPr lang="en-US" altLang="ko-KR" dirty="0" smtClean="0"/>
+              <a:t>05</a:t>
+            </a:r>
+            <a:endParaRPr lang="ko-KR" altLang="en-US" dirty="0"/>
+          </a:p>
+        </p:txBody>
+      </p:sp>
+      <p:sp>
+        <p:nvSpPr>
+          <p:cNvPr id="17" name="텍스트 개체 틀 22"/>
+          <p:cNvSpPr>
+            <a:spLocks noGrp="1"/>
+          </p:cNvSpPr>
+          <p:nvPr>
+            <p:ph type="body" sz="quarter" idx="11"/>
+          </p:nvPr>
+        </p:nvSpPr>
+        <p:spPr>
+          <a:xfrm>
+            <a:off x="808216" y="380922"/>
+            <a:ext cx="3808934" cy="273323"/>
+          </a:xfrm>
+        </p:spPr>
+        <p:txBody>
+          <a:bodyPr/>
+          <a:lstStyle/>
+          <a:p>
+            <a:r>
+              <a:rPr lang="en-US" altLang="ko-KR" dirty="0" smtClean="0"/>
+              <a:t>HTML/CSS Team Project</a:t>
+            </a:r>
+            <a:endParaRPr lang="ko-KR" altLang="en-US" dirty="0"/>
+          </a:p>
+        </p:txBody>
+      </p:sp>
+      <p:pic>
+        <p:nvPicPr>
+          <p:cNvPr id="2" name="그림 1"/>
+          <p:cNvPicPr>
+            <a:picLocks noChangeAspect="1"/>
+          </p:cNvPicPr>
+          <p:nvPr/>
+        </p:nvPicPr>
+        <p:blipFill>
+          <a:blip r:embed="rId2">
+            <a:extLst>
+              <a:ext uri="{28A0092B-C50C-407E-A947-70E740481C1C}">
+                <a14:useLocalDpi xmlns:a14="http://schemas.microsoft.com/office/drawing/2010/main" val="0"/>
+              </a:ext>
+            </a:extLst>
+          </a:blip>
+          <a:stretch>
+            <a:fillRect/>
+          </a:stretch>
+        </p:blipFill>
+        <p:spPr>
+          <a:xfrm>
+            <a:off x="840718" y="1734027"/>
+            <a:ext cx="7647360" cy="4560305"/>
+          </a:xfrm>
+          <a:prstGeom prst="rect">
+            <a:avLst/>
+          </a:prstGeom>
+        </p:spPr>
+      </p:pic>
+    </p:spTree>
+    <p:extLst>
+      <p:ext uri="{BB962C8B-B14F-4D97-AF65-F5344CB8AC3E}">
+        <p14:creationId xmlns:p14="http://schemas.microsoft.com/office/powerpoint/2010/main" val="2606606622"/>
+      </p:ext>
+    </p:extLst>
+  </p:cSld>
+  <p:clrMapOvr>
+    <a:masterClrMapping/>
+  </p:clrMapOvr>
+  <p:timing>
+    <p:tnLst>
+      <p:par>
+        <p:cTn id="1" dur="indefinite" restart="never" nodeType="tmRoot"/>
+      </p:par>
+    </p:tnLst>
+  </p:timing>
+</p:sld>
+</file>
+
+<file path=ppt/slides/slide18.xml><?xml version="1.0" encoding="utf-8"?>
+<p:sld xmlns:a="http://schemas.openxmlformats.org/drawingml/2006/main" xmlns:r="http://schemas.openxmlformats.org/officeDocument/2006/relationships" xmlns:p="http://schemas.openxmlformats.org/presentationml/2006/main">
+  <p:cSld>
+    <p:spTree>
+      <p:nvGrpSpPr>
+        <p:cNvPr id="1" name=""/>
+        <p:cNvGrpSpPr/>
+        <p:nvPr/>
+      </p:nvGrpSpPr>
+      <p:grpSpPr>
+        <a:xfrm>
+          <a:off x="0" y="0"/>
+          <a:ext cx="0" cy="0"/>
+          <a:chOff x="0" y="0"/>
+          <a:chExt cx="0" cy="0"/>
+        </a:xfrm>
+      </p:grpSpPr>
+      <p:sp>
+        <p:nvSpPr>
+          <p:cNvPr id="3" name="모서리가 둥근 직사각형 2"/>
+          <p:cNvSpPr/>
+          <p:nvPr/>
+        </p:nvSpPr>
+        <p:spPr>
+          <a:xfrm>
+            <a:off x="466836" y="927115"/>
+            <a:ext cx="2737012" cy="305031"/>
+          </a:xfrm>
+          <a:prstGeom prst="roundRect">
+            <a:avLst>
+              <a:gd name="adj" fmla="val 50000"/>
+            </a:avLst>
+          </a:prstGeom>
+          <a:solidFill>
+            <a:srgbClr val="996C48"/>
+          </a:solidFill>
+          <a:ln>
+            <a:solidFill>
+              <a:srgbClr val="766C62"/>
+            </a:solidFill>
+          </a:ln>
+        </p:spPr>
+        <p:style>
+          <a:lnRef idx="2">
+            <a:schemeClr val="accent1">
+              <a:shade val="50000"/>
+            </a:schemeClr>
+          </a:lnRef>
+          <a:fillRef idx="1">
+            <a:schemeClr val="accent1"/>
+          </a:fillRef>
+          <a:effectRef idx="0">
+            <a:schemeClr val="accent1"/>
+          </a:effectRef>
+          <a:fontRef idx="minor">
+            <a:schemeClr val="lt1"/>
+          </a:fontRef>
+        </p:style>
+        <p:txBody>
+          <a:bodyPr rtlCol="0" anchor="ctr"/>
+          <a:lstStyle/>
+          <a:p>
+            <a:pPr algn="ctr"/>
+            <a:r>
+              <a:rPr lang="ko-KR" altLang="en-US" sz="1400" b="1" dirty="0" smtClean="0">
+                <a:gradFill>
+                  <a:gsLst>
+                    <a:gs pos="0">
+                      <a:schemeClr val="bg1"/>
+                    </a:gs>
+                    <a:gs pos="100000">
+                      <a:schemeClr val="bg1"/>
+                    </a:gs>
+                  </a:gsLst>
+                  <a:lin ang="5400000" scaled="1"/>
+                </a:gradFill>
+                <a:latin typeface="나눔고딕" panose="020D0604000000000000" pitchFamily="50" charset="-127"/>
+                <a:ea typeface="나눔고딕" panose="020D0604000000000000" pitchFamily="50" charset="-127"/>
+              </a:rPr>
+              <a:t>와이어 프레임 </a:t>
+            </a:r>
+            <a:r>
+              <a:rPr lang="en-US" altLang="ko-KR" sz="1400" b="1" dirty="0" smtClean="0">
+                <a:gradFill>
+                  <a:gsLst>
+                    <a:gs pos="0">
+                      <a:schemeClr val="bg1"/>
+                    </a:gs>
+                    <a:gs pos="100000">
+                      <a:schemeClr val="bg1"/>
+                    </a:gs>
+                  </a:gsLst>
+                  <a:lin ang="5400000" scaled="1"/>
+                </a:gradFill>
+                <a:latin typeface="나눔고딕" panose="020D0604000000000000" pitchFamily="50" charset="-127"/>
+                <a:ea typeface="나눔고딕" panose="020D0604000000000000" pitchFamily="50" charset="-127"/>
+              </a:rPr>
+              <a:t>- </a:t>
+            </a:r>
+            <a:r>
+              <a:rPr lang="ko-KR" altLang="en-US" sz="1400" b="1" dirty="0" smtClean="0">
+                <a:gradFill>
+                  <a:gsLst>
+                    <a:gs pos="0">
+                      <a:schemeClr val="bg1"/>
+                    </a:gs>
+                    <a:gs pos="100000">
+                      <a:schemeClr val="bg1"/>
+                    </a:gs>
+                  </a:gsLst>
+                  <a:lin ang="5400000" scaled="1"/>
+                </a:gradFill>
+                <a:latin typeface="나눔고딕" panose="020D0604000000000000" pitchFamily="50" charset="-127"/>
+                <a:ea typeface="나눔고딕" panose="020D0604000000000000" pitchFamily="50" charset="-127"/>
+              </a:rPr>
+              <a:t>장바구니</a:t>
+            </a:r>
+            <a:endParaRPr lang="en-US" altLang="ko-KR" sz="1400" b="1" dirty="0">
+              <a:gradFill>
+                <a:gsLst>
+                  <a:gs pos="0">
+                    <a:schemeClr val="bg1"/>
+                  </a:gs>
+                  <a:gs pos="100000">
+                    <a:schemeClr val="bg1"/>
+                  </a:gs>
+                </a:gsLst>
+                <a:lin ang="5400000" scaled="1"/>
+              </a:gradFill>
+              <a:latin typeface="나눔고딕" panose="020D0604000000000000" pitchFamily="50" charset="-127"/>
+              <a:ea typeface="나눔고딕" panose="020D0604000000000000" pitchFamily="50" charset="-127"/>
+            </a:endParaRPr>
+          </a:p>
+        </p:txBody>
+      </p:sp>
+      <p:grpSp>
+        <p:nvGrpSpPr>
+          <p:cNvPr id="4" name="그룹 3"/>
+          <p:cNvGrpSpPr/>
+          <p:nvPr/>
+        </p:nvGrpSpPr>
+        <p:grpSpPr>
+          <a:xfrm>
+            <a:off x="593755" y="1412776"/>
+            <a:ext cx="8046789" cy="4968551"/>
+            <a:chOff x="811472" y="1479617"/>
+            <a:chExt cx="7521057" cy="2954444"/>
+          </a:xfrm>
+        </p:grpSpPr>
+        <p:sp>
+          <p:nvSpPr>
+            <p:cNvPr id="5" name="직사각형 4"/>
+            <p:cNvSpPr/>
+            <p:nvPr/>
+          </p:nvSpPr>
+          <p:spPr>
+            <a:xfrm>
+              <a:off x="811472" y="1479617"/>
+              <a:ext cx="7521057" cy="2954444"/>
+            </a:xfrm>
+            <a:prstGeom prst="rect">
+              <a:avLst/>
+            </a:prstGeom>
+            <a:solidFill>
+              <a:schemeClr val="bg1">
+                <a:lumMod val="95000"/>
+              </a:schemeClr>
+            </a:solidFill>
+            <a:ln>
+              <a:noFill/>
+            </a:ln>
+          </p:spPr>
+          <p:style>
+            <a:lnRef idx="2">
+              <a:schemeClr val="accent1">
+                <a:shade val="50000"/>
+              </a:schemeClr>
+            </a:lnRef>
+            <a:fillRef idx="1">
+              <a:schemeClr val="accent1"/>
+            </a:fillRef>
+            <a:effectRef idx="0">
+              <a:schemeClr val="accent1"/>
+            </a:effectRef>
+            <a:fontRef idx="minor">
+              <a:schemeClr val="lt1"/>
+            </a:fontRef>
+          </p:style>
+          <p:txBody>
+            <a:bodyPr rot="0" spcFirstLastPara="0" vertOverflow="overflow" horzOverflow="overflow" vert="horz" wrap="square" lIns="91440" tIns="45720" rIns="91440" bIns="45720" numCol="1" spcCol="0" rtlCol="0" fromWordArt="0" anchor="ctr" anchorCtr="0" forceAA="0" compatLnSpc="1">
+              <a:prstTxWarp prst="textNoShape">
+                <a:avLst/>
+              </a:prstTxWarp>
+              <a:noAutofit/>
+            </a:bodyPr>
+            <a:lstStyle/>
+            <a:p>
+              <a:pPr algn="ctr"/>
+              <a:endParaRPr lang="ko-KR" altLang="en-US"/>
+            </a:p>
+          </p:txBody>
+        </p:sp>
+        <p:sp>
+          <p:nvSpPr>
+            <p:cNvPr id="6" name="직사각형 5"/>
+            <p:cNvSpPr/>
+            <p:nvPr/>
+          </p:nvSpPr>
+          <p:spPr>
+            <a:xfrm>
+              <a:off x="881853" y="1531353"/>
+              <a:ext cx="7380295" cy="2850978"/>
+            </a:xfrm>
+            <a:prstGeom prst="rect">
+              <a:avLst/>
+            </a:prstGeom>
+            <a:solidFill>
+              <a:schemeClr val="bg1"/>
+            </a:solidFill>
+            <a:ln>
+              <a:noFill/>
+            </a:ln>
+          </p:spPr>
+          <p:style>
+            <a:lnRef idx="2">
+              <a:schemeClr val="accent1">
+                <a:shade val="50000"/>
+              </a:schemeClr>
+            </a:lnRef>
+            <a:fillRef idx="1">
+              <a:schemeClr val="accent1"/>
+            </a:fillRef>
+            <a:effectRef idx="0">
+              <a:schemeClr val="accent1"/>
+            </a:effectRef>
+            <a:fontRef idx="minor">
+              <a:schemeClr val="lt1"/>
+            </a:fontRef>
+          </p:style>
+          <p:txBody>
+            <a:bodyPr rot="0" spcFirstLastPara="0" vertOverflow="overflow" horzOverflow="overflow" vert="horz" wrap="square" lIns="91440" tIns="45720" rIns="91440" bIns="45720" numCol="1" spcCol="0" rtlCol="0" fromWordArt="0" anchor="ctr" anchorCtr="0" forceAA="0" compatLnSpc="1">
+              <a:prstTxWarp prst="textNoShape">
+                <a:avLst/>
+              </a:prstTxWarp>
+              <a:noAutofit/>
+            </a:bodyPr>
+            <a:lstStyle/>
+            <a:p>
+              <a:pPr algn="ctr"/>
+              <a:endParaRPr lang="ko-KR" altLang="en-US"/>
+            </a:p>
+          </p:txBody>
+        </p:sp>
+      </p:grpSp>
+      <p:sp>
+        <p:nvSpPr>
+          <p:cNvPr id="16" name="텍스트 개체 틀 12"/>
+          <p:cNvSpPr>
+            <a:spLocks noGrp="1"/>
+          </p:cNvSpPr>
+          <p:nvPr>
+            <p:ph type="body" sz="quarter" idx="10"/>
+          </p:nvPr>
+        </p:nvSpPr>
+        <p:spPr>
+          <a:xfrm>
+            <a:off x="441584" y="385149"/>
+            <a:ext cx="352541" cy="264869"/>
+          </a:xfrm>
+        </p:spPr>
+        <p:txBody>
+          <a:bodyPr/>
+          <a:lstStyle/>
+          <a:p>
+            <a:r>
+              <a:rPr lang="en-US" altLang="ko-KR" dirty="0" smtClean="0"/>
+              <a:t>05</a:t>
+            </a:r>
+            <a:endParaRPr lang="ko-KR" altLang="en-US" dirty="0"/>
+          </a:p>
+        </p:txBody>
+      </p:sp>
+      <p:sp>
+        <p:nvSpPr>
+          <p:cNvPr id="17" name="텍스트 개체 틀 22"/>
+          <p:cNvSpPr>
+            <a:spLocks noGrp="1"/>
+          </p:cNvSpPr>
+          <p:nvPr>
+            <p:ph type="body" sz="quarter" idx="11"/>
+          </p:nvPr>
+        </p:nvSpPr>
+        <p:spPr>
+          <a:xfrm>
+            <a:off x="808216" y="380922"/>
+            <a:ext cx="3808934" cy="273323"/>
+          </a:xfrm>
+        </p:spPr>
+        <p:txBody>
+          <a:bodyPr/>
+          <a:lstStyle/>
+          <a:p>
+            <a:r>
+              <a:rPr lang="en-US" altLang="ko-KR" dirty="0" smtClean="0"/>
+              <a:t>HTML/CSS Team Project</a:t>
+            </a:r>
+            <a:endParaRPr lang="ko-KR" altLang="en-US" dirty="0"/>
+          </a:p>
+        </p:txBody>
+      </p:sp>
+      <p:pic>
+        <p:nvPicPr>
+          <p:cNvPr id="2" name="그림 1"/>
+          <p:cNvPicPr>
+            <a:picLocks noChangeAspect="1"/>
+          </p:cNvPicPr>
+          <p:nvPr/>
+        </p:nvPicPr>
+        <p:blipFill>
+          <a:blip r:embed="rId2">
+            <a:extLst>
+              <a:ext uri="{28A0092B-C50C-407E-A947-70E740481C1C}">
+                <a14:useLocalDpi xmlns:a14="http://schemas.microsoft.com/office/drawing/2010/main" val="0"/>
+              </a:ext>
+            </a:extLst>
+          </a:blip>
+          <a:stretch>
+            <a:fillRect/>
+          </a:stretch>
+        </p:blipFill>
+        <p:spPr>
+          <a:xfrm>
+            <a:off x="1413508" y="1634520"/>
+            <a:ext cx="6407282" cy="4525062"/>
+          </a:xfrm>
+          <a:prstGeom prst="rect">
+            <a:avLst/>
+          </a:prstGeom>
+        </p:spPr>
+      </p:pic>
+    </p:spTree>
+    <p:extLst>
+      <p:ext uri="{BB962C8B-B14F-4D97-AF65-F5344CB8AC3E}">
+        <p14:creationId xmlns:p14="http://schemas.microsoft.com/office/powerpoint/2010/main" val="3968447729"/>
+      </p:ext>
+    </p:extLst>
+  </p:cSld>
+  <p:clrMapOvr>
+    <a:masterClrMapping/>
+  </p:clrMapOvr>
+  <p:timing>
+    <p:tnLst>
+      <p:par>
+        <p:cTn id="1" dur="indefinite" restart="never" nodeType="tmRoot"/>
+      </p:par>
+    </p:tnLst>
+  </p:timing>
+</p:sld>
+</file>
+
+<file path=ppt/slides/slide19.xml><?xml version="1.0" encoding="utf-8"?>
+<p:sld xmlns:a="http://schemas.openxmlformats.org/drawingml/2006/main" xmlns:r="http://schemas.openxmlformats.org/officeDocument/2006/relationships" xmlns:p="http://schemas.openxmlformats.org/presentationml/2006/main">
+  <p:cSld>
+    <p:spTree>
+      <p:nvGrpSpPr>
+        <p:cNvPr id="1" name=""/>
+        <p:cNvGrpSpPr/>
+        <p:nvPr/>
+      </p:nvGrpSpPr>
+      <p:grpSpPr>
+        <a:xfrm>
+          <a:off x="0" y="0"/>
+          <a:ext cx="0" cy="0"/>
+          <a:chOff x="0" y="0"/>
+          <a:chExt cx="0" cy="0"/>
+        </a:xfrm>
+      </p:grpSpPr>
+      <p:sp>
+        <p:nvSpPr>
+          <p:cNvPr id="3" name="모서리가 둥근 직사각형 2"/>
+          <p:cNvSpPr/>
+          <p:nvPr/>
+        </p:nvSpPr>
+        <p:spPr>
+          <a:xfrm>
+            <a:off x="466836" y="927115"/>
+            <a:ext cx="2737012" cy="305031"/>
+          </a:xfrm>
+          <a:prstGeom prst="roundRect">
+            <a:avLst>
+              <a:gd name="adj" fmla="val 50000"/>
+            </a:avLst>
+          </a:prstGeom>
+          <a:solidFill>
+            <a:srgbClr val="996C48"/>
+          </a:solidFill>
+          <a:ln>
+            <a:solidFill>
+              <a:srgbClr val="766C62"/>
+            </a:solidFill>
+          </a:ln>
+        </p:spPr>
+        <p:style>
+          <a:lnRef idx="2">
+            <a:schemeClr val="accent1">
+              <a:shade val="50000"/>
+            </a:schemeClr>
+          </a:lnRef>
+          <a:fillRef idx="1">
+            <a:schemeClr val="accent1"/>
+          </a:fillRef>
+          <a:effectRef idx="0">
+            <a:schemeClr val="accent1"/>
+          </a:effectRef>
+          <a:fontRef idx="minor">
+            <a:schemeClr val="lt1"/>
+          </a:fontRef>
+        </p:style>
+        <p:txBody>
+          <a:bodyPr rtlCol="0" anchor="ctr"/>
+          <a:lstStyle/>
+          <a:p>
+            <a:pPr algn="ctr"/>
+            <a:r>
+              <a:rPr lang="ko-KR" altLang="en-US" sz="1400" b="1" dirty="0" smtClean="0">
+                <a:gradFill>
+                  <a:gsLst>
+                    <a:gs pos="0">
+                      <a:schemeClr val="bg1"/>
+                    </a:gs>
+                    <a:gs pos="100000">
+                      <a:schemeClr val="bg1"/>
+                    </a:gs>
+                  </a:gsLst>
+                  <a:lin ang="5400000" scaled="1"/>
+                </a:gradFill>
+                <a:latin typeface="나눔고딕" panose="020D0604000000000000" pitchFamily="50" charset="-127"/>
+                <a:ea typeface="나눔고딕" panose="020D0604000000000000" pitchFamily="50" charset="-127"/>
+              </a:rPr>
+              <a:t>디자인 시안 </a:t>
+            </a:r>
+            <a:r>
+              <a:rPr lang="en-US" altLang="ko-KR" sz="1400" b="1" dirty="0" smtClean="0">
+                <a:gradFill>
+                  <a:gsLst>
+                    <a:gs pos="0">
+                      <a:schemeClr val="bg1"/>
+                    </a:gs>
+                    <a:gs pos="100000">
+                      <a:schemeClr val="bg1"/>
+                    </a:gs>
+                  </a:gsLst>
+                  <a:lin ang="5400000" scaled="1"/>
+                </a:gradFill>
+                <a:latin typeface="나눔고딕" panose="020D0604000000000000" pitchFamily="50" charset="-127"/>
+                <a:ea typeface="나눔고딕" panose="020D0604000000000000" pitchFamily="50" charset="-127"/>
+              </a:rPr>
+              <a:t>- </a:t>
+            </a:r>
+            <a:r>
+              <a:rPr lang="ko-KR" altLang="en-US" sz="1400" b="1" dirty="0" smtClean="0">
+                <a:gradFill>
+                  <a:gsLst>
+                    <a:gs pos="0">
+                      <a:schemeClr val="bg1"/>
+                    </a:gs>
+                    <a:gs pos="100000">
+                      <a:schemeClr val="bg1"/>
+                    </a:gs>
+                  </a:gsLst>
+                  <a:lin ang="5400000" scaled="1"/>
+                </a:gradFill>
+                <a:latin typeface="나눔고딕" panose="020D0604000000000000" pitchFamily="50" charset="-127"/>
+                <a:ea typeface="나눔고딕" panose="020D0604000000000000" pitchFamily="50" charset="-127"/>
+              </a:rPr>
+              <a:t>장바구니</a:t>
+            </a:r>
+            <a:endParaRPr lang="en-US" altLang="ko-KR" sz="1400" b="1" dirty="0">
+              <a:gradFill>
+                <a:gsLst>
+                  <a:gs pos="0">
+                    <a:schemeClr val="bg1"/>
+                  </a:gs>
+                  <a:gs pos="100000">
+                    <a:schemeClr val="bg1"/>
+                  </a:gs>
+                </a:gsLst>
+                <a:lin ang="5400000" scaled="1"/>
+              </a:gradFill>
+              <a:latin typeface="나눔고딕" panose="020D0604000000000000" pitchFamily="50" charset="-127"/>
+              <a:ea typeface="나눔고딕" panose="020D0604000000000000" pitchFamily="50" charset="-127"/>
+            </a:endParaRPr>
+          </a:p>
+        </p:txBody>
+      </p:sp>
+      <p:grpSp>
+        <p:nvGrpSpPr>
+          <p:cNvPr id="4" name="그룹 3"/>
+          <p:cNvGrpSpPr/>
+          <p:nvPr/>
+        </p:nvGrpSpPr>
+        <p:grpSpPr>
+          <a:xfrm>
+            <a:off x="593755" y="1412776"/>
+            <a:ext cx="8046789" cy="4968551"/>
+            <a:chOff x="811472" y="1479617"/>
+            <a:chExt cx="7521057" cy="2954444"/>
+          </a:xfrm>
+        </p:grpSpPr>
+        <p:sp>
+          <p:nvSpPr>
+            <p:cNvPr id="5" name="직사각형 4"/>
+            <p:cNvSpPr/>
+            <p:nvPr/>
+          </p:nvSpPr>
+          <p:spPr>
+            <a:xfrm>
+              <a:off x="811472" y="1479617"/>
+              <a:ext cx="7521057" cy="2954444"/>
+            </a:xfrm>
+            <a:prstGeom prst="rect">
+              <a:avLst/>
+            </a:prstGeom>
+            <a:solidFill>
+              <a:schemeClr val="bg1">
+                <a:lumMod val="95000"/>
+              </a:schemeClr>
+            </a:solidFill>
+            <a:ln>
+              <a:noFill/>
+            </a:ln>
+          </p:spPr>
+          <p:style>
+            <a:lnRef idx="2">
+              <a:schemeClr val="accent1">
+                <a:shade val="50000"/>
+              </a:schemeClr>
+            </a:lnRef>
+            <a:fillRef idx="1">
+              <a:schemeClr val="accent1"/>
+            </a:fillRef>
+            <a:effectRef idx="0">
+              <a:schemeClr val="accent1"/>
+            </a:effectRef>
+            <a:fontRef idx="minor">
+              <a:schemeClr val="lt1"/>
+            </a:fontRef>
+          </p:style>
+          <p:txBody>
+            <a:bodyPr rot="0" spcFirstLastPara="0" vertOverflow="overflow" horzOverflow="overflow" vert="horz" wrap="square" lIns="91440" tIns="45720" rIns="91440" bIns="45720" numCol="1" spcCol="0" rtlCol="0" fromWordArt="0" anchor="ctr" anchorCtr="0" forceAA="0" compatLnSpc="1">
+              <a:prstTxWarp prst="textNoShape">
+                <a:avLst/>
+              </a:prstTxWarp>
+              <a:noAutofit/>
+            </a:bodyPr>
+            <a:lstStyle/>
+            <a:p>
+              <a:pPr algn="ctr"/>
+              <a:endParaRPr lang="ko-KR" altLang="en-US"/>
+            </a:p>
+          </p:txBody>
+        </p:sp>
+        <p:sp>
+          <p:nvSpPr>
+            <p:cNvPr id="6" name="직사각형 5"/>
+            <p:cNvSpPr/>
+            <p:nvPr/>
+          </p:nvSpPr>
+          <p:spPr>
+            <a:xfrm>
+              <a:off x="881853" y="1531353"/>
+              <a:ext cx="7380295" cy="2850978"/>
+            </a:xfrm>
+            <a:prstGeom prst="rect">
+              <a:avLst/>
+            </a:prstGeom>
+            <a:solidFill>
+              <a:schemeClr val="bg1"/>
+            </a:solidFill>
+            <a:ln>
+              <a:noFill/>
+            </a:ln>
+          </p:spPr>
+          <p:style>
+            <a:lnRef idx="2">
+              <a:schemeClr val="accent1">
+                <a:shade val="50000"/>
+              </a:schemeClr>
+            </a:lnRef>
+            <a:fillRef idx="1">
+              <a:schemeClr val="accent1"/>
+            </a:fillRef>
+            <a:effectRef idx="0">
+              <a:schemeClr val="accent1"/>
+            </a:effectRef>
+            <a:fontRef idx="minor">
+              <a:schemeClr val="lt1"/>
+            </a:fontRef>
+          </p:style>
+          <p:txBody>
+            <a:bodyPr rot="0" spcFirstLastPara="0" vertOverflow="overflow" horzOverflow="overflow" vert="horz" wrap="square" lIns="91440" tIns="45720" rIns="91440" bIns="45720" numCol="1" spcCol="0" rtlCol="0" fromWordArt="0" anchor="ctr" anchorCtr="0" forceAA="0" compatLnSpc="1">
+              <a:prstTxWarp prst="textNoShape">
+                <a:avLst/>
+              </a:prstTxWarp>
+              <a:noAutofit/>
+            </a:bodyPr>
+            <a:lstStyle/>
+            <a:p>
+              <a:pPr algn="ctr"/>
+              <a:endParaRPr lang="ko-KR" altLang="en-US"/>
+            </a:p>
+          </p:txBody>
+        </p:sp>
+      </p:grpSp>
+      <p:sp>
+        <p:nvSpPr>
+          <p:cNvPr id="16" name="텍스트 개체 틀 12"/>
+          <p:cNvSpPr>
+            <a:spLocks noGrp="1"/>
+          </p:cNvSpPr>
+          <p:nvPr>
+            <p:ph type="body" sz="quarter" idx="10"/>
+          </p:nvPr>
+        </p:nvSpPr>
+        <p:spPr>
+          <a:xfrm>
+            <a:off x="441584" y="385149"/>
+            <a:ext cx="352541" cy="264869"/>
+          </a:xfrm>
+        </p:spPr>
+        <p:txBody>
+          <a:bodyPr/>
+          <a:lstStyle/>
+          <a:p>
+            <a:r>
+              <a:rPr lang="en-US" altLang="ko-KR" dirty="0" smtClean="0"/>
+              <a:t>05</a:t>
+            </a:r>
+            <a:endParaRPr lang="ko-KR" altLang="en-US" dirty="0"/>
+          </a:p>
+        </p:txBody>
+      </p:sp>
+      <p:sp>
+        <p:nvSpPr>
+          <p:cNvPr id="17" name="텍스트 개체 틀 22"/>
+          <p:cNvSpPr>
+            <a:spLocks noGrp="1"/>
+          </p:cNvSpPr>
+          <p:nvPr>
+            <p:ph type="body" sz="quarter" idx="11"/>
+          </p:nvPr>
+        </p:nvSpPr>
+        <p:spPr>
+          <a:xfrm>
+            <a:off x="808216" y="380922"/>
+            <a:ext cx="3808934" cy="273323"/>
+          </a:xfrm>
+        </p:spPr>
+        <p:txBody>
+          <a:bodyPr/>
+          <a:lstStyle/>
+          <a:p>
+            <a:r>
+              <a:rPr lang="en-US" altLang="ko-KR" dirty="0" smtClean="0"/>
+              <a:t>HTML/CSS Team Project</a:t>
+            </a:r>
+            <a:endParaRPr lang="ko-KR" altLang="en-US" dirty="0"/>
+          </a:p>
+        </p:txBody>
+      </p:sp>
+      <p:pic>
+        <p:nvPicPr>
+          <p:cNvPr id="7" name="그림 6"/>
+          <p:cNvPicPr>
+            <a:picLocks noChangeAspect="1"/>
+          </p:cNvPicPr>
+          <p:nvPr/>
+        </p:nvPicPr>
+        <p:blipFill>
+          <a:blip r:embed="rId2">
+            <a:extLst>
+              <a:ext uri="{28A0092B-C50C-407E-A947-70E740481C1C}">
+                <a14:useLocalDpi xmlns:a14="http://schemas.microsoft.com/office/drawing/2010/main" val="0"/>
+              </a:ext>
+            </a:extLst>
+          </a:blip>
+          <a:stretch>
+            <a:fillRect/>
+          </a:stretch>
+        </p:blipFill>
+        <p:spPr>
+          <a:xfrm>
+            <a:off x="1403648" y="1626757"/>
+            <a:ext cx="6567240" cy="4540587"/>
+          </a:xfrm>
+          <a:prstGeom prst="rect">
+            <a:avLst/>
+          </a:prstGeom>
+        </p:spPr>
+      </p:pic>
+    </p:spTree>
+    <p:extLst>
+      <p:ext uri="{BB962C8B-B14F-4D97-AF65-F5344CB8AC3E}">
+        <p14:creationId xmlns:p14="http://schemas.microsoft.com/office/powerpoint/2010/main" val="1241897838"/>
       </p:ext>
     </p:extLst>
   </p:cSld>
@@ -4787,21 +6631,6 @@
               </a:rPr>
               <a:t>프로젝트 소개</a:t>
             </a:r>
-            <a:endParaRPr lang="ko-KR" altLang="en-US" dirty="0" smtClean="0">
-              <a:gradFill>
-                <a:gsLst>
-                  <a:gs pos="0">
-                    <a:srgbClr val="766C62"/>
-                  </a:gs>
-                  <a:gs pos="100000">
-                    <a:srgbClr val="766C62"/>
-                  </a:gs>
-                </a:gsLst>
-                <a:lin ang="5400000" scaled="1"/>
-              </a:gradFill>
-              <a:latin typeface="나눔고딕" panose="020D0604000000000000" pitchFamily="50" charset="-127"/>
-              <a:ea typeface="나눔고딕" panose="020D0604000000000000" pitchFamily="50" charset="-127"/>
-            </a:endParaRPr>
           </a:p>
           <a:p>
             <a:pPr>
@@ -4866,21 +6695,6 @@
               </a:rPr>
               <a:t>기획의도</a:t>
             </a:r>
-            <a:endParaRPr lang="ko-KR" altLang="en-US" dirty="0" smtClean="0">
-              <a:gradFill>
-                <a:gsLst>
-                  <a:gs pos="0">
-                    <a:srgbClr val="766C62"/>
-                  </a:gs>
-                  <a:gs pos="100000">
-                    <a:srgbClr val="766C62"/>
-                  </a:gs>
-                </a:gsLst>
-                <a:lin ang="5400000" scaled="1"/>
-              </a:gradFill>
-              <a:latin typeface="나눔고딕" panose="020D0604000000000000" pitchFamily="50" charset="-127"/>
-              <a:ea typeface="나눔고딕" panose="020D0604000000000000" pitchFamily="50" charset="-127"/>
-            </a:endParaRPr>
           </a:p>
           <a:p>
             <a:pPr>
@@ -5089,6 +6903,344 @@
     <p:extLst>
       <p:ext uri="{BB962C8B-B14F-4D97-AF65-F5344CB8AC3E}">
         <p14:creationId xmlns:p14="http://schemas.microsoft.com/office/powerpoint/2010/main" val="743045004"/>
+      </p:ext>
+    </p:extLst>
+  </p:cSld>
+  <p:clrMapOvr>
+    <a:masterClrMapping/>
+  </p:clrMapOvr>
+  <p:timing>
+    <p:tnLst>
+      <p:par>
+        <p:cTn id="1" dur="indefinite" restart="never" nodeType="tmRoot"/>
+      </p:par>
+    </p:tnLst>
+  </p:timing>
+</p:sld>
+</file>
+
+<file path=ppt/slides/slide20.xml><?xml version="1.0" encoding="utf-8"?>
+<p:sld xmlns:a="http://schemas.openxmlformats.org/drawingml/2006/main" xmlns:r="http://schemas.openxmlformats.org/officeDocument/2006/relationships" xmlns:p="http://schemas.openxmlformats.org/presentationml/2006/main">
+  <p:cSld>
+    <p:spTree>
+      <p:nvGrpSpPr>
+        <p:cNvPr id="1" name=""/>
+        <p:cNvGrpSpPr/>
+        <p:nvPr/>
+      </p:nvGrpSpPr>
+      <p:grpSpPr>
+        <a:xfrm>
+          <a:off x="0" y="0"/>
+          <a:ext cx="0" cy="0"/>
+          <a:chOff x="0" y="0"/>
+          <a:chExt cx="0" cy="0"/>
+        </a:xfrm>
+      </p:grpSpPr>
+      <p:sp>
+        <p:nvSpPr>
+          <p:cNvPr id="4" name="TextBox 3"/>
+          <p:cNvSpPr txBox="1"/>
+          <p:nvPr/>
+        </p:nvSpPr>
+        <p:spPr>
+          <a:xfrm>
+            <a:off x="4433467" y="1997551"/>
+            <a:ext cx="401072" cy="411908"/>
+          </a:xfrm>
+          <a:prstGeom prst="rect">
+            <a:avLst/>
+          </a:prstGeom>
+        </p:spPr>
+        <p:txBody>
+          <a:bodyPr wrap="none" rtlCol="0">
+            <a:spAutoFit/>
+          </a:bodyPr>
+          <a:lstStyle>
+            <a:defPPr>
+              <a:defRPr lang="ko-KR"/>
+            </a:defPPr>
+            <a:lvl1pPr algn="r">
+              <a:lnSpc>
+                <a:spcPct val="150000"/>
+              </a:lnSpc>
+              <a:spcBef>
+                <a:spcPts val="1000"/>
+              </a:spcBef>
+              <a:defRPr sz="1400">
+                <a:gradFill>
+                  <a:gsLst>
+                    <a:gs pos="0">
+                      <a:srgbClr val="766C62"/>
+                    </a:gs>
+                    <a:gs pos="100000">
+                      <a:srgbClr val="766C62"/>
+                    </a:gs>
+                  </a:gsLst>
+                  <a:lin ang="5400000" scaled="1"/>
+                </a:gradFill>
+                <a:latin typeface="나눔고딕" panose="020D0604000000000000" pitchFamily="50" charset="-127"/>
+                <a:ea typeface="나눔고딕" panose="020D0604000000000000" pitchFamily="50" charset="-127"/>
+              </a:defRPr>
+            </a:lvl1pPr>
+          </a:lstStyle>
+          <a:p>
+            <a:pPr algn="ctr"/>
+            <a:r>
+              <a:rPr lang="en-US" altLang="ko-KR" sz="1600" u="sng" dirty="0" smtClean="0">
+                <a:solidFill>
+                  <a:schemeClr val="bg2">
+                    <a:lumMod val="75000"/>
+                  </a:schemeClr>
+                </a:solidFill>
+              </a:rPr>
+              <a:t>I4</a:t>
+            </a:r>
+            <a:endParaRPr lang="ko-KR" altLang="en-US" sz="1600" u="sng" dirty="0">
+              <a:solidFill>
+                <a:schemeClr val="bg2">
+                  <a:lumMod val="75000"/>
+                </a:schemeClr>
+              </a:solidFill>
+            </a:endParaRPr>
+          </a:p>
+        </p:txBody>
+      </p:sp>
+      <p:sp>
+        <p:nvSpPr>
+          <p:cNvPr id="7" name="TextBox 6"/>
+          <p:cNvSpPr txBox="1"/>
+          <p:nvPr/>
+        </p:nvSpPr>
+        <p:spPr>
+          <a:xfrm>
+            <a:off x="1704869" y="4850817"/>
+            <a:ext cx="5734262" cy="253916"/>
+          </a:xfrm>
+          <a:prstGeom prst="rect">
+            <a:avLst/>
+          </a:prstGeom>
+          <a:noFill/>
+        </p:spPr>
+        <p:txBody>
+          <a:bodyPr wrap="none" rtlCol="0">
+            <a:spAutoFit/>
+          </a:bodyPr>
+          <a:lstStyle/>
+          <a:p>
+            <a:pPr algn="ctr"/>
+            <a:r>
+              <a:rPr lang="en-US" altLang="ko-KR" sz="1050" u="sng" spc="-150" dirty="0">
+                <a:gradFill>
+                  <a:gsLst>
+                    <a:gs pos="0">
+                      <a:schemeClr val="bg1">
+                        <a:lumMod val="85000"/>
+                      </a:schemeClr>
+                    </a:gs>
+                    <a:gs pos="100000">
+                      <a:schemeClr val="bg1">
+                        <a:lumMod val="85000"/>
+                      </a:schemeClr>
+                    </a:gs>
+                  </a:gsLst>
+                  <a:lin ang="5400000" scaled="1"/>
+                </a:gradFill>
+                <a:latin typeface="나눔고딕" panose="020D0604000000000000" pitchFamily="50" charset="-127"/>
+                <a:ea typeface="나눔고딕" panose="020D0604000000000000" pitchFamily="50" charset="-127"/>
+              </a:rPr>
+              <a:t>ever since the 1500s, when an unknown printer took a galley of type and scrambled it to make a type specimen</a:t>
+            </a:r>
+            <a:endParaRPr lang="ko-KR" altLang="en-US" sz="1050" u="sng" spc="-150" dirty="0">
+              <a:gradFill>
+                <a:gsLst>
+                  <a:gs pos="0">
+                    <a:schemeClr val="bg1">
+                      <a:lumMod val="85000"/>
+                    </a:schemeClr>
+                  </a:gs>
+                  <a:gs pos="100000">
+                    <a:schemeClr val="bg1">
+                      <a:lumMod val="85000"/>
+                    </a:schemeClr>
+                  </a:gs>
+                </a:gsLst>
+                <a:lin ang="5400000" scaled="1"/>
+              </a:gradFill>
+              <a:latin typeface="나눔고딕" panose="020D0604000000000000" pitchFamily="50" charset="-127"/>
+              <a:ea typeface="나눔고딕" panose="020D0604000000000000" pitchFamily="50" charset="-127"/>
+            </a:endParaRPr>
+          </a:p>
+        </p:txBody>
+      </p:sp>
+      <p:sp>
+        <p:nvSpPr>
+          <p:cNvPr id="9" name="TextBox 8"/>
+          <p:cNvSpPr txBox="1"/>
+          <p:nvPr/>
+        </p:nvSpPr>
+        <p:spPr>
+          <a:xfrm>
+            <a:off x="3370676" y="2913919"/>
+            <a:ext cx="2526654" cy="307777"/>
+          </a:xfrm>
+          <a:prstGeom prst="rect">
+            <a:avLst/>
+          </a:prstGeom>
+        </p:spPr>
+        <p:txBody>
+          <a:bodyPr wrap="none" rtlCol="0">
+            <a:spAutoFit/>
+          </a:bodyPr>
+          <a:lstStyle>
+            <a:defPPr>
+              <a:defRPr lang="ko-KR"/>
+            </a:defPPr>
+            <a:lvl1pPr algn="r">
+              <a:lnSpc>
+                <a:spcPct val="150000"/>
+              </a:lnSpc>
+              <a:spcBef>
+                <a:spcPts val="1000"/>
+              </a:spcBef>
+              <a:defRPr sz="1400">
+                <a:gradFill>
+                  <a:gsLst>
+                    <a:gs pos="0">
+                      <a:srgbClr val="766C62"/>
+                    </a:gs>
+                    <a:gs pos="100000">
+                      <a:srgbClr val="766C62"/>
+                    </a:gs>
+                  </a:gsLst>
+                  <a:lin ang="5400000" scaled="1"/>
+                </a:gradFill>
+                <a:latin typeface="나눔고딕" panose="020D0604000000000000" pitchFamily="50" charset="-127"/>
+                <a:ea typeface="나눔고딕" panose="020D0604000000000000" pitchFamily="50" charset="-127"/>
+              </a:defRPr>
+            </a:lvl1pPr>
+          </a:lstStyle>
+          <a:p>
+            <a:pPr algn="ctr">
+              <a:lnSpc>
+                <a:spcPct val="100000"/>
+              </a:lnSpc>
+            </a:pPr>
+            <a:r>
+              <a:rPr lang="ko-KR" altLang="en-US" dirty="0" err="1" smtClean="0"/>
+              <a:t>연제승</a:t>
+            </a:r>
+            <a:r>
+              <a:rPr lang="ko-KR" altLang="en-US" dirty="0" smtClean="0"/>
+              <a:t> 신혜진 </a:t>
+            </a:r>
+            <a:r>
+              <a:rPr lang="ko-KR" altLang="en-US" dirty="0" err="1" smtClean="0"/>
+              <a:t>남우리</a:t>
+            </a:r>
+            <a:r>
+              <a:rPr lang="ko-KR" altLang="en-US" dirty="0" smtClean="0"/>
+              <a:t> 설수현</a:t>
+            </a:r>
+            <a:endParaRPr lang="en-US" altLang="ko-KR" b="1" dirty="0"/>
+          </a:p>
+        </p:txBody>
+      </p:sp>
+      <p:sp>
+        <p:nvSpPr>
+          <p:cNvPr id="6" name="TextBox 5"/>
+          <p:cNvSpPr txBox="1"/>
+          <p:nvPr/>
+        </p:nvSpPr>
+        <p:spPr>
+          <a:xfrm>
+            <a:off x="1828876" y="2369301"/>
+            <a:ext cx="5610255" cy="584775"/>
+          </a:xfrm>
+          <a:prstGeom prst="rect">
+            <a:avLst/>
+          </a:prstGeom>
+        </p:spPr>
+        <p:txBody>
+          <a:bodyPr wrap="none" rtlCol="0">
+            <a:spAutoFit/>
+          </a:bodyPr>
+          <a:lstStyle>
+            <a:defPPr>
+              <a:defRPr lang="ko-KR"/>
+            </a:defPPr>
+            <a:lvl1pPr algn="r">
+              <a:lnSpc>
+                <a:spcPct val="150000"/>
+              </a:lnSpc>
+              <a:spcBef>
+                <a:spcPts val="1000"/>
+              </a:spcBef>
+              <a:defRPr sz="1400">
+                <a:gradFill>
+                  <a:gsLst>
+                    <a:gs pos="0">
+                      <a:srgbClr val="766C62"/>
+                    </a:gs>
+                    <a:gs pos="100000">
+                      <a:srgbClr val="766C62"/>
+                    </a:gs>
+                  </a:gsLst>
+                  <a:lin ang="5400000" scaled="1"/>
+                </a:gradFill>
+                <a:latin typeface="나눔고딕" panose="020D0604000000000000" pitchFamily="50" charset="-127"/>
+                <a:ea typeface="나눔고딕" panose="020D0604000000000000" pitchFamily="50" charset="-127"/>
+              </a:defRPr>
+            </a:lvl1pPr>
+          </a:lstStyle>
+          <a:p>
+            <a:pPr>
+              <a:lnSpc>
+                <a:spcPct val="100000"/>
+              </a:lnSpc>
+            </a:pPr>
+            <a:r>
+              <a:rPr lang="en-US" altLang="ko-KR" sz="3200" u="sng" dirty="0" smtClean="0">
+                <a:gradFill>
+                  <a:gsLst>
+                    <a:gs pos="0">
+                      <a:srgbClr val="FFC000"/>
+                    </a:gs>
+                    <a:gs pos="100000">
+                      <a:srgbClr val="FFC000"/>
+                    </a:gs>
+                  </a:gsLst>
+                  <a:lin ang="5400000" scaled="1"/>
+                </a:gradFill>
+                <a:latin typeface="나눔고딕 ExtraBold" panose="020D0904000000000000" pitchFamily="50" charset="-127"/>
+                <a:ea typeface="나눔고딕 ExtraBold" panose="020D0904000000000000" pitchFamily="50" charset="-127"/>
+              </a:rPr>
+              <a:t>HTML/CSS Team </a:t>
+            </a:r>
+            <a:r>
+              <a:rPr lang="en-US" altLang="ko-KR" sz="3200" u="sng" dirty="0">
+                <a:gradFill>
+                  <a:gsLst>
+                    <a:gs pos="0">
+                      <a:srgbClr val="FFC000"/>
+                    </a:gs>
+                    <a:gs pos="100000">
+                      <a:srgbClr val="FFC000"/>
+                    </a:gs>
+                  </a:gsLst>
+                  <a:lin ang="5400000" scaled="1"/>
+                </a:gradFill>
+                <a:latin typeface="나눔고딕 ExtraBold" panose="020D0904000000000000" pitchFamily="50" charset="-127"/>
+                <a:ea typeface="나눔고딕 ExtraBold" panose="020D0904000000000000" pitchFamily="50" charset="-127"/>
+              </a:rPr>
+              <a:t>Project</a:t>
+            </a:r>
+          </a:p>
+        </p:txBody>
+      </p:sp>
+    </p:spTree>
+    <p:extLst>
+      <p:ext uri="{BB962C8B-B14F-4D97-AF65-F5344CB8AC3E}">
+        <p14:creationId xmlns:p14="http://schemas.microsoft.com/office/powerpoint/2010/main" val="3002995531"/>
       </p:ext>
     </p:extLst>
   </p:cSld>

--- a/pjt/teamPjt.pptx
+++ b/pjt/teamPjt.pptx
@@ -5,29 +5,35 @@
     <p:sldMasterId id="2147483660" r:id="rId1"/>
   </p:sldMasterIdLst>
   <p:notesMasterIdLst>
-    <p:notesMasterId r:id="rId22"/>
+    <p:notesMasterId r:id="rId28"/>
   </p:notesMasterIdLst>
   <p:sldIdLst>
     <p:sldId id="351" r:id="rId2"/>
     <p:sldId id="262" r:id="rId3"/>
     <p:sldId id="341" r:id="rId4"/>
-    <p:sldId id="405" r:id="rId5"/>
-    <p:sldId id="406" r:id="rId6"/>
-    <p:sldId id="407" r:id="rId7"/>
-    <p:sldId id="372" r:id="rId8"/>
-    <p:sldId id="409" r:id="rId9"/>
-    <p:sldId id="408" r:id="rId10"/>
-    <p:sldId id="376" r:id="rId11"/>
-    <p:sldId id="414" r:id="rId12"/>
-    <p:sldId id="415" r:id="rId13"/>
-    <p:sldId id="416" r:id="rId14"/>
-    <p:sldId id="417" r:id="rId15"/>
-    <p:sldId id="418" r:id="rId16"/>
-    <p:sldId id="413" r:id="rId17"/>
-    <p:sldId id="411" r:id="rId18"/>
-    <p:sldId id="410" r:id="rId19"/>
-    <p:sldId id="412" r:id="rId20"/>
-    <p:sldId id="343" r:id="rId21"/>
+    <p:sldId id="419" r:id="rId5"/>
+    <p:sldId id="405" r:id="rId6"/>
+    <p:sldId id="420" r:id="rId7"/>
+    <p:sldId id="406" r:id="rId8"/>
+    <p:sldId id="421" r:id="rId9"/>
+    <p:sldId id="407" r:id="rId10"/>
+    <p:sldId id="372" r:id="rId11"/>
+    <p:sldId id="409" r:id="rId12"/>
+    <p:sldId id="408" r:id="rId13"/>
+    <p:sldId id="376" r:id="rId14"/>
+    <p:sldId id="414" r:id="rId15"/>
+    <p:sldId id="415" r:id="rId16"/>
+    <p:sldId id="416" r:id="rId17"/>
+    <p:sldId id="417" r:id="rId18"/>
+    <p:sldId id="418" r:id="rId19"/>
+    <p:sldId id="413" r:id="rId20"/>
+    <p:sldId id="411" r:id="rId21"/>
+    <p:sldId id="410" r:id="rId22"/>
+    <p:sldId id="412" r:id="rId23"/>
+    <p:sldId id="423" r:id="rId24"/>
+    <p:sldId id="424" r:id="rId25"/>
+    <p:sldId id="422" r:id="rId26"/>
+    <p:sldId id="343" r:id="rId27"/>
   </p:sldIdLst>
   <p:sldSz cx="9144000" cy="6858000" type="screen4x3"/>
   <p:notesSz cx="6858000" cy="9144000"/>
@@ -235,7 +241,7 @@
           <a:p>
             <a:fld id="{C6E02DEB-0E2D-4450-AC8C-A2BDA3AC0D12}" type="datetimeFigureOut">
               <a:rPr lang="ko-KR" altLang="en-US" smtClean="0"/>
-              <a:t>2023-06-19</a:t>
+              <a:t>2023-06-21</a:t>
             </a:fld>
             <a:endParaRPr lang="ko-KR" altLang="en-US"/>
           </a:p>
@@ -736,7 +742,7 @@
           <a:p>
             <a:fld id="{AC2980A7-9ED0-480A-B1CA-87A2E3D4CF58}" type="slidenum">
               <a:rPr lang="ko-KR" altLang="en-US" smtClean="0"/>
-              <a:t>4</a:t>
+              <a:t>5</a:t>
             </a:fld>
             <a:endParaRPr lang="ko-KR" altLang="en-US"/>
           </a:p>
@@ -820,7 +826,7 @@
           <a:p>
             <a:fld id="{AC2980A7-9ED0-480A-B1CA-87A2E3D4CF58}" type="slidenum">
               <a:rPr lang="ko-KR" altLang="en-US" smtClean="0"/>
-              <a:t>5</a:t>
+              <a:t>7</a:t>
             </a:fld>
             <a:endParaRPr lang="ko-KR" altLang="en-US"/>
           </a:p>
@@ -904,7 +910,7 @@
           <a:p>
             <a:fld id="{AC2980A7-9ED0-480A-B1CA-87A2E3D4CF58}" type="slidenum">
               <a:rPr lang="ko-KR" altLang="en-US" smtClean="0"/>
-              <a:t>6</a:t>
+              <a:t>9</a:t>
             </a:fld>
             <a:endParaRPr lang="ko-KR" altLang="en-US"/>
           </a:p>
@@ -988,7 +994,7 @@
           <a:p>
             <a:fld id="{AC2980A7-9ED0-480A-B1CA-87A2E3D4CF58}" type="slidenum">
               <a:rPr lang="ko-KR" altLang="en-US" smtClean="0"/>
-              <a:t>9</a:t>
+              <a:t>12</a:t>
             </a:fld>
             <a:endParaRPr lang="ko-KR" altLang="en-US"/>
           </a:p>
@@ -1072,7 +1078,175 @@
           <a:p>
             <a:fld id="{AC2980A7-9ED0-480A-B1CA-87A2E3D4CF58}" type="slidenum">
               <a:rPr lang="ko-KR" altLang="en-US" smtClean="0"/>
-              <a:t>20</a:t>
+              <a:t>23</a:t>
+            </a:fld>
+            <a:endParaRPr lang="ko-KR" altLang="en-US"/>
+          </a:p>
+        </p:txBody>
+      </p:sp>
+    </p:spTree>
+    <p:extLst>
+      <p:ext uri="{BB962C8B-B14F-4D97-AF65-F5344CB8AC3E}">
+        <p14:creationId xmlns:p14="http://schemas.microsoft.com/office/powerpoint/2010/main" val="1988431059"/>
+      </p:ext>
+    </p:extLst>
+  </p:cSld>
+  <p:clrMapOvr>
+    <a:masterClrMapping/>
+  </p:clrMapOvr>
+</p:notes>
+</file>
+
+<file path=ppt/notesSlides/notesSlide8.xml><?xml version="1.0" encoding="utf-8"?>
+<p:notes xmlns:a="http://schemas.openxmlformats.org/drawingml/2006/main" xmlns:r="http://schemas.openxmlformats.org/officeDocument/2006/relationships" xmlns:p="http://schemas.openxmlformats.org/presentationml/2006/main">
+  <p:cSld>
+    <p:spTree>
+      <p:nvGrpSpPr>
+        <p:cNvPr id="1" name=""/>
+        <p:cNvGrpSpPr/>
+        <p:nvPr/>
+      </p:nvGrpSpPr>
+      <p:grpSpPr>
+        <a:xfrm>
+          <a:off x="0" y="0"/>
+          <a:ext cx="0" cy="0"/>
+          <a:chOff x="0" y="0"/>
+          <a:chExt cx="0" cy="0"/>
+        </a:xfrm>
+      </p:grpSpPr>
+      <p:sp>
+        <p:nvSpPr>
+          <p:cNvPr id="2" name="슬라이드 이미지 개체 틀 1"/>
+          <p:cNvSpPr>
+            <a:spLocks noGrp="1" noRot="1" noChangeAspect="1"/>
+          </p:cNvSpPr>
+          <p:nvPr>
+            <p:ph type="sldImg"/>
+          </p:nvPr>
+        </p:nvSpPr>
+        <p:spPr/>
+      </p:sp>
+      <p:sp>
+        <p:nvSpPr>
+          <p:cNvPr id="3" name="슬라이드 노트 개체 틀 2"/>
+          <p:cNvSpPr>
+            <a:spLocks noGrp="1"/>
+          </p:cNvSpPr>
+          <p:nvPr>
+            <p:ph type="body" idx="1"/>
+          </p:nvPr>
+        </p:nvSpPr>
+        <p:spPr/>
+        <p:txBody>
+          <a:bodyPr/>
+          <a:lstStyle/>
+          <a:p>
+            <a:endParaRPr lang="ko-KR" altLang="en-US" dirty="0"/>
+          </a:p>
+        </p:txBody>
+      </p:sp>
+      <p:sp>
+        <p:nvSpPr>
+          <p:cNvPr id="4" name="슬라이드 번호 개체 틀 3"/>
+          <p:cNvSpPr>
+            <a:spLocks noGrp="1"/>
+          </p:cNvSpPr>
+          <p:nvPr>
+            <p:ph type="sldNum" sz="quarter" idx="10"/>
+          </p:nvPr>
+        </p:nvSpPr>
+        <p:spPr/>
+        <p:txBody>
+          <a:bodyPr/>
+          <a:lstStyle/>
+          <a:p>
+            <a:fld id="{AC2980A7-9ED0-480A-B1CA-87A2E3D4CF58}" type="slidenum">
+              <a:rPr lang="ko-KR" altLang="en-US" smtClean="0"/>
+              <a:t>25</a:t>
+            </a:fld>
+            <a:endParaRPr lang="ko-KR" altLang="en-US"/>
+          </a:p>
+        </p:txBody>
+      </p:sp>
+    </p:spTree>
+    <p:extLst>
+      <p:ext uri="{BB962C8B-B14F-4D97-AF65-F5344CB8AC3E}">
+        <p14:creationId xmlns:p14="http://schemas.microsoft.com/office/powerpoint/2010/main" val="2124831992"/>
+      </p:ext>
+    </p:extLst>
+  </p:cSld>
+  <p:clrMapOvr>
+    <a:masterClrMapping/>
+  </p:clrMapOvr>
+</p:notes>
+</file>
+
+<file path=ppt/notesSlides/notesSlide9.xml><?xml version="1.0" encoding="utf-8"?>
+<p:notes xmlns:a="http://schemas.openxmlformats.org/drawingml/2006/main" xmlns:r="http://schemas.openxmlformats.org/officeDocument/2006/relationships" xmlns:p="http://schemas.openxmlformats.org/presentationml/2006/main">
+  <p:cSld>
+    <p:spTree>
+      <p:nvGrpSpPr>
+        <p:cNvPr id="1" name=""/>
+        <p:cNvGrpSpPr/>
+        <p:nvPr/>
+      </p:nvGrpSpPr>
+      <p:grpSpPr>
+        <a:xfrm>
+          <a:off x="0" y="0"/>
+          <a:ext cx="0" cy="0"/>
+          <a:chOff x="0" y="0"/>
+          <a:chExt cx="0" cy="0"/>
+        </a:xfrm>
+      </p:grpSpPr>
+      <p:sp>
+        <p:nvSpPr>
+          <p:cNvPr id="2" name="슬라이드 이미지 개체 틀 1"/>
+          <p:cNvSpPr>
+            <a:spLocks noGrp="1" noRot="1" noChangeAspect="1"/>
+          </p:cNvSpPr>
+          <p:nvPr>
+            <p:ph type="sldImg"/>
+          </p:nvPr>
+        </p:nvSpPr>
+        <p:spPr/>
+      </p:sp>
+      <p:sp>
+        <p:nvSpPr>
+          <p:cNvPr id="3" name="슬라이드 노트 개체 틀 2"/>
+          <p:cNvSpPr>
+            <a:spLocks noGrp="1"/>
+          </p:cNvSpPr>
+          <p:nvPr>
+            <p:ph type="body" idx="1"/>
+          </p:nvPr>
+        </p:nvSpPr>
+        <p:spPr/>
+        <p:txBody>
+          <a:bodyPr/>
+          <a:lstStyle/>
+          <a:p>
+            <a:endParaRPr lang="ko-KR" altLang="en-US" dirty="0"/>
+          </a:p>
+        </p:txBody>
+      </p:sp>
+      <p:sp>
+        <p:nvSpPr>
+          <p:cNvPr id="4" name="슬라이드 번호 개체 틀 3"/>
+          <p:cNvSpPr>
+            <a:spLocks noGrp="1"/>
+          </p:cNvSpPr>
+          <p:nvPr>
+            <p:ph type="sldNum" sz="quarter" idx="10"/>
+          </p:nvPr>
+        </p:nvSpPr>
+        <p:spPr/>
+        <p:txBody>
+          <a:bodyPr/>
+          <a:lstStyle/>
+          <a:p>
+            <a:fld id="{AC2980A7-9ED0-480A-B1CA-87A2E3D4CF58}" type="slidenum">
+              <a:rPr lang="ko-KR" altLang="en-US" smtClean="0"/>
+              <a:t>26</a:t>
             </a:fld>
             <a:endParaRPr lang="ko-KR" altLang="en-US"/>
           </a:p>
@@ -2447,8 +2621,8 @@
         </p:nvSpPr>
         <p:spPr>
           <a:xfrm>
-            <a:off x="5447622" y="2424373"/>
-            <a:ext cx="3156826" cy="584775"/>
+            <a:off x="3413412" y="2424373"/>
+            <a:ext cx="5191036" cy="584775"/>
           </a:xfrm>
           <a:prstGeom prst="rect">
             <a:avLst/>
@@ -2508,7 +2682,43 @@
                 <a:latin typeface="나눔고딕 ExtraBold" panose="020D0904000000000000" pitchFamily="50" charset="-127"/>
                 <a:ea typeface="나눔고딕 ExtraBold" panose="020D0904000000000000" pitchFamily="50" charset="-127"/>
               </a:rPr>
-              <a:t>Team Project</a:t>
+              <a:t>Team </a:t>
+            </a:r>
+            <a:r>
+              <a:rPr lang="en-US" altLang="ko-KR" sz="3200" dirty="0" smtClean="0">
+                <a:gradFill>
+                  <a:gsLst>
+                    <a:gs pos="0">
+                      <a:srgbClr val="FFC000"/>
+                    </a:gs>
+                    <a:gs pos="100000">
+                      <a:srgbClr val="FFC000"/>
+                    </a:gs>
+                  </a:gsLst>
+                  <a:lin ang="5400000" scaled="1"/>
+                </a:gradFill>
+                <a:latin typeface="나눔고딕 ExtraBold" panose="020D0904000000000000" pitchFamily="50" charset="-127"/>
+                <a:ea typeface="나눔고딕 ExtraBold" panose="020D0904000000000000" pitchFamily="50" charset="-127"/>
+              </a:rPr>
+              <a:t>Project: </a:t>
+            </a:r>
+            <a:r>
+              <a:rPr lang="en-US" altLang="ko-KR" sz="3200" dirty="0" err="1" smtClean="0">
+                <a:gradFill>
+                  <a:gsLst>
+                    <a:gs pos="0">
+                      <a:srgbClr val="FFC000"/>
+                    </a:gs>
+                    <a:gs pos="100000">
+                      <a:srgbClr val="FFC000"/>
+                    </a:gs>
+                  </a:gsLst>
+                  <a:lin ang="5400000" scaled="1"/>
+                </a:gradFill>
+                <a:latin typeface="나눔고딕 ExtraBold" panose="020D0904000000000000" pitchFamily="50" charset="-127"/>
+                <a:ea typeface="나눔고딕 ExtraBold" panose="020D0904000000000000" pitchFamily="50" charset="-127"/>
+              </a:rPr>
+              <a:t>DanDog</a:t>
             </a:r>
             <a:endParaRPr lang="en-US" altLang="ko-KR" sz="3200" dirty="0">
               <a:gradFill>
@@ -2744,8 +2954,8 @@
         </p:nvSpPr>
         <p:spPr>
           <a:xfrm>
-            <a:off x="8244408" y="2185119"/>
-            <a:ext cx="373820" cy="307777"/>
+            <a:off x="8000143" y="2060848"/>
+            <a:ext cx="510076" cy="461665"/>
           </a:xfrm>
           <a:prstGeom prst="rect">
             <a:avLst/>
@@ -2790,10 +3000,10 @@
               </a:lnSpc>
             </a:pPr>
             <a:r>
-              <a:rPr lang="en-US" altLang="ko-KR" dirty="0" smtClean="0"/>
+              <a:rPr lang="en-US" altLang="ko-KR" sz="2400" dirty="0" smtClean="0"/>
               <a:t>I4</a:t>
             </a:r>
-            <a:endParaRPr lang="en-US" altLang="ko-KR" b="1" dirty="0"/>
+            <a:endParaRPr lang="en-US" altLang="ko-KR" sz="2400" b="1" dirty="0"/>
           </a:p>
         </p:txBody>
       </p:sp>
@@ -2881,7 +3091,7 @@
           <a:p>
             <a:pPr algn="ctr"/>
             <a:r>
-              <a:rPr lang="ko-KR" altLang="en-US" sz="1400" b="1" dirty="0" smtClean="0">
+              <a:rPr lang="ko-KR" altLang="en-US" sz="1400" b="1" dirty="0" err="1" smtClean="0">
                 <a:gradFill>
                   <a:gsLst>
                     <a:gs pos="0">
@@ -2896,10 +3106,10 @@
                 <a:latin typeface="나눔고딕" panose="020D0604000000000000" pitchFamily="50" charset="-127"/>
                 <a:ea typeface="나눔고딕" panose="020D0604000000000000" pitchFamily="50" charset="-127"/>
               </a:rPr>
-              <a:t>와이어 프레임 </a:t>
-            </a:r>
-            <a:r>
-              <a:rPr lang="en-US" altLang="ko-KR" sz="1400" b="1" dirty="0" smtClean="0">
+              <a:t>플로우</a:t>
+            </a:r>
+            <a:r>
+              <a:rPr lang="ko-KR" altLang="en-US" sz="1400" b="1" dirty="0" smtClean="0">
                 <a:gradFill>
                   <a:gsLst>
                     <a:gs pos="0">
@@ -2914,25 +3124,7 @@
                 <a:latin typeface="나눔고딕" panose="020D0604000000000000" pitchFamily="50" charset="-127"/>
                 <a:ea typeface="나눔고딕" panose="020D0604000000000000" pitchFamily="50" charset="-127"/>
               </a:rPr>
-              <a:t>- </a:t>
-            </a:r>
-            <a:r>
-              <a:rPr lang="ko-KR" altLang="en-US" sz="1400" b="1" dirty="0" smtClean="0">
-                <a:gradFill>
-                  <a:gsLst>
-                    <a:gs pos="0">
-                      <a:schemeClr val="bg1"/>
-                    </a:gs>
-                    <a:gs pos="100000">
-                      <a:schemeClr val="bg1"/>
-                    </a:gs>
-                  </a:gsLst>
-                  <a:lin ang="5400000" scaled="1"/>
-                </a:gradFill>
-                <a:latin typeface="나눔고딕" panose="020D0604000000000000" pitchFamily="50" charset="-127"/>
-                <a:ea typeface="나눔고딕" panose="020D0604000000000000" pitchFamily="50" charset="-127"/>
-              </a:rPr>
-              <a:t>메인</a:t>
+              <a:t> 차트</a:t>
             </a:r>
             <a:endParaRPr lang="en-US" altLang="ko-KR" sz="1400" b="1" dirty="0">
               <a:gradFill>
@@ -3073,7 +3265,7 @@
       </p:grpSp>
       <p:sp>
         <p:nvSpPr>
-          <p:cNvPr id="16" name="텍스트 개체 틀 12"/>
+          <p:cNvPr id="13" name="텍스트 개체 틀 12"/>
           <p:cNvSpPr>
             <a:spLocks noGrp="1"/>
           </p:cNvSpPr>
@@ -3081,19 +3273,14 @@
             <p:ph type="body" sz="quarter" idx="10"/>
           </p:nvPr>
         </p:nvSpPr>
-        <p:spPr>
-          <a:xfrm>
-            <a:off x="441584" y="385149"/>
-            <a:ext cx="352541" cy="264869"/>
-          </a:xfrm>
-        </p:spPr>
+        <p:spPr/>
         <p:txBody>
           <a:bodyPr/>
           <a:lstStyle/>
           <a:p>
             <a:r>
               <a:rPr lang="en-US" altLang="ko-KR" dirty="0" smtClean="0"/>
-              <a:t>05</a:t>
+              <a:t>04</a:t>
             </a:r>
             <a:endParaRPr lang="ko-KR" altLang="en-US" dirty="0"/>
           </a:p>
@@ -3101,7 +3288,7 @@
       </p:sp>
       <p:sp>
         <p:nvSpPr>
-          <p:cNvPr id="17" name="텍스트 개체 틀 22"/>
+          <p:cNvPr id="23" name="텍스트 개체 틀 22"/>
           <p:cNvSpPr>
             <a:spLocks noGrp="1"/>
           </p:cNvSpPr>
@@ -3129,7 +3316,7 @@
       </p:sp>
       <p:pic>
         <p:nvPicPr>
-          <p:cNvPr id="2" name="그림 1"/>
+          <p:cNvPr id="8" name="그림 7"/>
           <p:cNvPicPr>
             <a:picLocks noChangeAspect="1"/>
           </p:cNvPicPr>
@@ -3149,8 +3336,8 @@
         </p:blipFill>
         <p:spPr>
           <a:xfrm>
-            <a:off x="1956397" y="1412776"/>
-            <a:ext cx="5321506" cy="5062383"/>
+            <a:off x="1140080" y="1552740"/>
+            <a:ext cx="6954138" cy="4785089"/>
           </a:xfrm>
           <a:prstGeom prst="rect">
             <a:avLst/>
@@ -3160,7 +3347,7 @@
     </p:spTree>
     <p:extLst>
       <p:ext uri="{BB962C8B-B14F-4D97-AF65-F5344CB8AC3E}">
-        <p14:creationId xmlns:p14="http://schemas.microsoft.com/office/powerpoint/2010/main" val="3870218461"/>
+        <p14:creationId xmlns:p14="http://schemas.microsoft.com/office/powerpoint/2010/main" val="1593838509"/>
       </p:ext>
     </p:extLst>
   </p:cSld>
@@ -3241,7 +3428,7 @@
           <a:p>
             <a:pPr algn="ctr"/>
             <a:r>
-              <a:rPr lang="ko-KR" altLang="en-US" sz="1400" b="1" dirty="0" smtClean="0">
+              <a:rPr lang="ko-KR" altLang="en-US" sz="1400" b="1" dirty="0" err="1" smtClean="0">
                 <a:gradFill>
                   <a:gsLst>
                     <a:gs pos="0">
@@ -3256,10 +3443,10 @@
                 <a:latin typeface="나눔고딕" panose="020D0604000000000000" pitchFamily="50" charset="-127"/>
                 <a:ea typeface="나눔고딕" panose="020D0604000000000000" pitchFamily="50" charset="-127"/>
               </a:rPr>
-              <a:t>디자인 시안 </a:t>
-            </a:r>
-            <a:r>
-              <a:rPr lang="en-US" altLang="ko-KR" sz="1400" b="1" dirty="0" smtClean="0">
+              <a:t>플로우</a:t>
+            </a:r>
+            <a:r>
+              <a:rPr lang="ko-KR" altLang="en-US" sz="1400" b="1" dirty="0" smtClean="0">
                 <a:gradFill>
                   <a:gsLst>
                     <a:gs pos="0">
@@ -3274,25 +3461,7 @@
                 <a:latin typeface="나눔고딕" panose="020D0604000000000000" pitchFamily="50" charset="-127"/>
                 <a:ea typeface="나눔고딕" panose="020D0604000000000000" pitchFamily="50" charset="-127"/>
               </a:rPr>
-              <a:t>- </a:t>
-            </a:r>
-            <a:r>
-              <a:rPr lang="ko-KR" altLang="en-US" sz="1400" b="1" dirty="0" smtClean="0">
-                <a:gradFill>
-                  <a:gsLst>
-                    <a:gs pos="0">
-                      <a:schemeClr val="bg1"/>
-                    </a:gs>
-                    <a:gs pos="100000">
-                      <a:schemeClr val="bg1"/>
-                    </a:gs>
-                  </a:gsLst>
-                  <a:lin ang="5400000" scaled="1"/>
-                </a:gradFill>
-                <a:latin typeface="나눔고딕" panose="020D0604000000000000" pitchFamily="50" charset="-127"/>
-                <a:ea typeface="나눔고딕" panose="020D0604000000000000" pitchFamily="50" charset="-127"/>
-              </a:rPr>
-              <a:t>메인</a:t>
+              <a:t> 차트</a:t>
             </a:r>
             <a:endParaRPr lang="en-US" altLang="ko-KR" sz="1400" b="1" dirty="0">
               <a:gradFill>
@@ -3433,7 +3602,7 @@
       </p:grpSp>
       <p:sp>
         <p:nvSpPr>
-          <p:cNvPr id="16" name="텍스트 개체 틀 12"/>
+          <p:cNvPr id="13" name="텍스트 개체 틀 12"/>
           <p:cNvSpPr>
             <a:spLocks noGrp="1"/>
           </p:cNvSpPr>
@@ -3441,19 +3610,14 @@
             <p:ph type="body" sz="quarter" idx="10"/>
           </p:nvPr>
         </p:nvSpPr>
-        <p:spPr>
-          <a:xfrm>
-            <a:off x="441584" y="385149"/>
-            <a:ext cx="352541" cy="264869"/>
-          </a:xfrm>
-        </p:spPr>
+        <p:spPr/>
         <p:txBody>
           <a:bodyPr/>
           <a:lstStyle/>
           <a:p>
             <a:r>
               <a:rPr lang="en-US" altLang="ko-KR" dirty="0" smtClean="0"/>
-              <a:t>05</a:t>
+              <a:t>04</a:t>
             </a:r>
             <a:endParaRPr lang="ko-KR" altLang="en-US" dirty="0"/>
           </a:p>
@@ -3461,7 +3625,7 @@
       </p:sp>
       <p:sp>
         <p:nvSpPr>
-          <p:cNvPr id="17" name="텍스트 개체 틀 22"/>
+          <p:cNvPr id="23" name="텍스트 개체 틀 22"/>
           <p:cNvSpPr>
             <a:spLocks noGrp="1"/>
           </p:cNvSpPr>
@@ -3509,8 +3673,8 @@
         </p:blipFill>
         <p:spPr>
           <a:xfrm>
-            <a:off x="593755" y="1677695"/>
-            <a:ext cx="8135429" cy="4438711"/>
+            <a:off x="1520806" y="1608381"/>
+            <a:ext cx="6192688" cy="4667283"/>
           </a:xfrm>
           <a:prstGeom prst="rect">
             <a:avLst/>
@@ -3520,7 +3684,7 @@
     </p:spTree>
     <p:extLst>
       <p:ext uri="{BB962C8B-B14F-4D97-AF65-F5344CB8AC3E}">
-        <p14:creationId xmlns:p14="http://schemas.microsoft.com/office/powerpoint/2010/main" val="1500126492"/>
+        <p14:creationId xmlns:p14="http://schemas.microsoft.com/office/powerpoint/2010/main" val="3443677013"/>
       </p:ext>
     </p:extLst>
   </p:cSld>
@@ -3556,6 +3720,234 @@
       </p:grpSpPr>
       <p:sp>
         <p:nvSpPr>
+          <p:cNvPr id="3" name="TextBox 2"/>
+          <p:cNvSpPr txBox="1"/>
+          <p:nvPr/>
+        </p:nvSpPr>
+        <p:spPr>
+          <a:xfrm>
+            <a:off x="1766841" y="2970287"/>
+            <a:ext cx="5610318" cy="1205458"/>
+          </a:xfrm>
+          <a:prstGeom prst="rect">
+            <a:avLst/>
+          </a:prstGeom>
+        </p:spPr>
+        <p:txBody>
+          <a:bodyPr wrap="none" rtlCol="0">
+            <a:spAutoFit/>
+          </a:bodyPr>
+          <a:lstStyle>
+            <a:defPPr>
+              <a:defRPr lang="ko-KR"/>
+            </a:defPPr>
+            <a:lvl1pPr algn="r">
+              <a:lnSpc>
+                <a:spcPct val="150000"/>
+              </a:lnSpc>
+              <a:spcBef>
+                <a:spcPts val="1000"/>
+              </a:spcBef>
+              <a:defRPr sz="1400">
+                <a:gradFill>
+                  <a:gsLst>
+                    <a:gs pos="0">
+                      <a:srgbClr val="766C62"/>
+                    </a:gs>
+                    <a:gs pos="100000">
+                      <a:srgbClr val="766C62"/>
+                    </a:gs>
+                  </a:gsLst>
+                  <a:lin ang="5400000" scaled="1"/>
+                </a:gradFill>
+                <a:latin typeface="나눔고딕" panose="020D0604000000000000" pitchFamily="50" charset="-127"/>
+                <a:ea typeface="나눔고딕" panose="020D0604000000000000" pitchFamily="50" charset="-127"/>
+              </a:defRPr>
+            </a:lvl1pPr>
+          </a:lstStyle>
+          <a:p>
+            <a:pPr>
+              <a:lnSpc>
+                <a:spcPct val="100000"/>
+              </a:lnSpc>
+            </a:pPr>
+            <a:r>
+              <a:rPr lang="en-US" altLang="ko-KR" sz="3200" dirty="0">
+                <a:gradFill>
+                  <a:gsLst>
+                    <a:gs pos="0">
+                      <a:srgbClr val="FFC000"/>
+                    </a:gs>
+                    <a:gs pos="100000">
+                      <a:srgbClr val="FFC000"/>
+                    </a:gs>
+                  </a:gsLst>
+                  <a:lin ang="5400000" scaled="1"/>
+                </a:gradFill>
+                <a:latin typeface="나눔고딕 ExtraBold" panose="020D0904000000000000" pitchFamily="50" charset="-127"/>
+                <a:ea typeface="나눔고딕 ExtraBold" panose="020D0904000000000000" pitchFamily="50" charset="-127"/>
+              </a:rPr>
+              <a:t>HTML/CSS Team Project</a:t>
+            </a:r>
+          </a:p>
+          <a:p>
+            <a:pPr>
+              <a:lnSpc>
+                <a:spcPct val="100000"/>
+              </a:lnSpc>
+            </a:pPr>
+            <a:endParaRPr lang="en-US" altLang="ko-KR" sz="3200" dirty="0">
+              <a:gradFill>
+                <a:gsLst>
+                  <a:gs pos="0">
+                    <a:srgbClr val="FFC000"/>
+                  </a:gs>
+                  <a:gs pos="100000">
+                    <a:srgbClr val="FFC000"/>
+                  </a:gs>
+                </a:gsLst>
+                <a:lin ang="5400000" scaled="1"/>
+              </a:gradFill>
+              <a:latin typeface="나눔고딕 ExtraBold" panose="020D0904000000000000" pitchFamily="50" charset="-127"/>
+              <a:ea typeface="나눔고딕 ExtraBold" panose="020D0904000000000000" pitchFamily="50" charset="-127"/>
+            </a:endParaRPr>
+          </a:p>
+        </p:txBody>
+      </p:sp>
+      <p:sp>
+        <p:nvSpPr>
+          <p:cNvPr id="4" name="TextBox 3"/>
+          <p:cNvSpPr txBox="1"/>
+          <p:nvPr/>
+        </p:nvSpPr>
+        <p:spPr>
+          <a:xfrm>
+            <a:off x="2578768" y="3635732"/>
+            <a:ext cx="3975768" cy="369332"/>
+          </a:xfrm>
+          <a:prstGeom prst="rect">
+            <a:avLst/>
+          </a:prstGeom>
+        </p:spPr>
+        <p:txBody>
+          <a:bodyPr wrap="none" rtlCol="0">
+            <a:spAutoFit/>
+          </a:bodyPr>
+          <a:lstStyle>
+            <a:defPPr>
+              <a:defRPr lang="ko-KR"/>
+            </a:defPPr>
+            <a:lvl1pPr algn="r">
+              <a:lnSpc>
+                <a:spcPct val="150000"/>
+              </a:lnSpc>
+              <a:spcBef>
+                <a:spcPts val="1000"/>
+              </a:spcBef>
+              <a:defRPr sz="1400">
+                <a:gradFill>
+                  <a:gsLst>
+                    <a:gs pos="0">
+                      <a:srgbClr val="766C62"/>
+                    </a:gs>
+                    <a:gs pos="100000">
+                      <a:srgbClr val="766C62"/>
+                    </a:gs>
+                  </a:gsLst>
+                  <a:lin ang="5400000" scaled="1"/>
+                </a:gradFill>
+                <a:latin typeface="나눔고딕" panose="020D0604000000000000" pitchFamily="50" charset="-127"/>
+                <a:ea typeface="나눔고딕" panose="020D0604000000000000" pitchFamily="50" charset="-127"/>
+              </a:defRPr>
+            </a:lvl1pPr>
+          </a:lstStyle>
+          <a:p>
+            <a:pPr algn="ctr">
+              <a:lnSpc>
+                <a:spcPct val="100000"/>
+              </a:lnSpc>
+            </a:pPr>
+            <a:r>
+              <a:rPr lang="en-US" altLang="ko-KR" sz="1800" b="1" dirty="0" smtClean="0"/>
+              <a:t>05-06 </a:t>
+            </a:r>
+            <a:r>
+              <a:rPr lang="ko-KR" altLang="en-US" sz="1800" dirty="0" smtClean="0"/>
+              <a:t>와이어프레임 및 페이지 소개</a:t>
+            </a:r>
+            <a:endParaRPr lang="en-US" altLang="ko-KR" sz="1800" dirty="0" smtClean="0"/>
+          </a:p>
+        </p:txBody>
+      </p:sp>
+      <p:pic>
+        <p:nvPicPr>
+          <p:cNvPr id="2" name="그림 1" descr="화면 캡처"/>
+          <p:cNvPicPr>
+            <a:picLocks noChangeAspect="1"/>
+          </p:cNvPicPr>
+          <p:nvPr/>
+        </p:nvPicPr>
+        <p:blipFill>
+          <a:blip r:embed="rId3">
+            <a:extLst>
+              <a:ext uri="{28A0092B-C50C-407E-A947-70E740481C1C}">
+                <a14:useLocalDpi xmlns:a14="http://schemas.microsoft.com/office/drawing/2010/main" val="0"/>
+              </a:ext>
+            </a:extLst>
+          </a:blip>
+          <a:stretch>
+            <a:fillRect/>
+          </a:stretch>
+        </p:blipFill>
+        <p:spPr>
+          <a:xfrm>
+            <a:off x="-5348" y="5157192"/>
+            <a:ext cx="9144000" cy="1700808"/>
+          </a:xfrm>
+          <a:prstGeom prst="rect">
+            <a:avLst/>
+          </a:prstGeom>
+        </p:spPr>
+      </p:pic>
+    </p:spTree>
+    <p:extLst>
+      <p:ext uri="{BB962C8B-B14F-4D97-AF65-F5344CB8AC3E}">
+        <p14:creationId xmlns:p14="http://schemas.microsoft.com/office/powerpoint/2010/main" val="2919538492"/>
+      </p:ext>
+    </p:extLst>
+  </p:cSld>
+  <p:clrMapOvr>
+    <a:masterClrMapping/>
+  </p:clrMapOvr>
+  <p:timing>
+    <p:tnLst>
+      <p:par>
+        <p:cTn id="1" dur="indefinite" restart="never" nodeType="tmRoot"/>
+      </p:par>
+    </p:tnLst>
+  </p:timing>
+</p:sld>
+</file>
+
+<file path=ppt/slides/slide13.xml><?xml version="1.0" encoding="utf-8"?>
+<p:sld xmlns:a="http://schemas.openxmlformats.org/drawingml/2006/main" xmlns:r="http://schemas.openxmlformats.org/officeDocument/2006/relationships" xmlns:p="http://schemas.openxmlformats.org/presentationml/2006/main">
+  <p:cSld>
+    <p:spTree>
+      <p:nvGrpSpPr>
+        <p:cNvPr id="1" name=""/>
+        <p:cNvGrpSpPr/>
+        <p:nvPr/>
+      </p:nvGrpSpPr>
+      <p:grpSpPr>
+        <a:xfrm>
+          <a:off x="0" y="0"/>
+          <a:ext cx="0" cy="0"/>
+          <a:chOff x="0" y="0"/>
+          <a:chExt cx="0" cy="0"/>
+        </a:xfrm>
+      </p:grpSpPr>
+      <p:sp>
+        <p:nvSpPr>
           <p:cNvPr id="3" name="모서리가 둥근 직사각형 2"/>
           <p:cNvSpPr/>
           <p:nvPr/>
@@ -3616,7 +4008,7 @@
                 <a:latin typeface="나눔고딕" panose="020D0604000000000000" pitchFamily="50" charset="-127"/>
                 <a:ea typeface="나눔고딕" panose="020D0604000000000000" pitchFamily="50" charset="-127"/>
               </a:rPr>
-              <a:t>디자인 시안 </a:t>
+              <a:t>와이어 프레임 </a:t>
             </a:r>
             <a:r>
               <a:rPr lang="en-US" altLang="ko-KR" sz="1400" b="1" dirty="0" smtClean="0">
@@ -3855,7 +4247,7 @@
           </p:cNvPicPr>
           <p:nvPr/>
         </p:nvPicPr>
-        <p:blipFill rotWithShape="1">
+        <p:blipFill>
           <a:blip r:embed="rId2">
             <a:extLst>
               <a:ext uri="{28A0092B-C50C-407E-A947-70E740481C1C}">
@@ -3863,13 +4255,14 @@
               </a:ext>
             </a:extLst>
           </a:blip>
-          <a:srcRect l="2553" t="306" r="3824" b="-306"/>
-          <a:stretch/>
+          <a:stretch>
+            <a:fillRect/>
+          </a:stretch>
         </p:blipFill>
         <p:spPr>
           <a:xfrm>
-            <a:off x="644364" y="1479934"/>
-            <a:ext cx="7920880" cy="4901393"/>
+            <a:off x="1956397" y="1412776"/>
+            <a:ext cx="5321506" cy="5062383"/>
           </a:xfrm>
           <a:prstGeom prst="rect">
             <a:avLst/>
@@ -3879,7 +4272,7 @@
     </p:spTree>
     <p:extLst>
       <p:ext uri="{BB962C8B-B14F-4D97-AF65-F5344CB8AC3E}">
-        <p14:creationId xmlns:p14="http://schemas.microsoft.com/office/powerpoint/2010/main" val="3524867268"/>
+        <p14:creationId xmlns:p14="http://schemas.microsoft.com/office/powerpoint/2010/main" val="3870218461"/>
       </p:ext>
     </p:extLst>
   </p:cSld>
@@ -3896,7 +4289,7 @@
 </p:sld>
 </file>
 
-<file path=ppt/slides/slide13.xml><?xml version="1.0" encoding="utf-8"?>
+<file path=ppt/slides/slide14.xml><?xml version="1.0" encoding="utf-8"?>
 <p:sld xmlns:a="http://schemas.openxmlformats.org/drawingml/2006/main" xmlns:r="http://schemas.openxmlformats.org/officeDocument/2006/relationships" xmlns:p="http://schemas.openxmlformats.org/presentationml/2006/main">
   <p:cSld>
     <p:spTree>
@@ -4208,7 +4601,7 @@
       </p:sp>
       <p:pic>
         <p:nvPicPr>
-          <p:cNvPr id="2" name="그림 1"/>
+          <p:cNvPr id="7" name="그림 6"/>
           <p:cNvPicPr>
             <a:picLocks noChangeAspect="1"/>
           </p:cNvPicPr>
@@ -4228,8 +4621,8 @@
         </p:blipFill>
         <p:spPr>
           <a:xfrm>
-            <a:off x="602957" y="1751151"/>
-            <a:ext cx="8028384" cy="4291799"/>
+            <a:off x="593755" y="1677695"/>
+            <a:ext cx="8135429" cy="4438711"/>
           </a:xfrm>
           <a:prstGeom prst="rect">
             <a:avLst/>
@@ -4239,7 +4632,7 @@
     </p:spTree>
     <p:extLst>
       <p:ext uri="{BB962C8B-B14F-4D97-AF65-F5344CB8AC3E}">
-        <p14:creationId xmlns:p14="http://schemas.microsoft.com/office/powerpoint/2010/main" val="728503521"/>
+        <p14:creationId xmlns:p14="http://schemas.microsoft.com/office/powerpoint/2010/main" val="1500126492"/>
       </p:ext>
     </p:extLst>
   </p:cSld>
@@ -4256,7 +4649,7 @@
 </p:sld>
 </file>
 
-<file path=ppt/slides/slide14.xml><?xml version="1.0" encoding="utf-8"?>
+<file path=ppt/slides/slide15.xml><?xml version="1.0" encoding="utf-8"?>
 <p:sld xmlns:a="http://schemas.openxmlformats.org/drawingml/2006/main" xmlns:r="http://schemas.openxmlformats.org/officeDocument/2006/relationships" xmlns:p="http://schemas.openxmlformats.org/presentationml/2006/main">
   <p:cSld>
     <p:spTree>
@@ -4335,7 +4728,7 @@
                 <a:latin typeface="나눔고딕" panose="020D0604000000000000" pitchFamily="50" charset="-127"/>
                 <a:ea typeface="나눔고딕" panose="020D0604000000000000" pitchFamily="50" charset="-127"/>
               </a:rPr>
-              <a:t>와이어 프레임 </a:t>
+              <a:t>디자인 시안 </a:t>
             </a:r>
             <a:r>
               <a:rPr lang="en-US" altLang="ko-KR" sz="1400" b="1" dirty="0" smtClean="0">
@@ -4353,7 +4746,7 @@
                 <a:latin typeface="나눔고딕" panose="020D0604000000000000" pitchFamily="50" charset="-127"/>
                 <a:ea typeface="나눔고딕" panose="020D0604000000000000" pitchFamily="50" charset="-127"/>
               </a:rPr>
-              <a:t>– </a:t>
+              <a:t>- </a:t>
             </a:r>
             <a:r>
               <a:rPr lang="ko-KR" altLang="en-US" sz="1400" b="1" dirty="0" smtClean="0">
@@ -4371,25 +4764,7 @@
                 <a:latin typeface="나눔고딕" panose="020D0604000000000000" pitchFamily="50" charset="-127"/>
                 <a:ea typeface="나눔고딕" panose="020D0604000000000000" pitchFamily="50" charset="-127"/>
               </a:rPr>
-              <a:t>서브페이지</a:t>
-            </a:r>
-            <a:r>
-              <a:rPr lang="en-US" altLang="ko-KR" sz="1400" b="1" dirty="0" smtClean="0">
-                <a:gradFill>
-                  <a:gsLst>
-                    <a:gs pos="0">
-                      <a:schemeClr val="bg1"/>
-                    </a:gs>
-                    <a:gs pos="100000">
-                      <a:schemeClr val="bg1"/>
-                    </a:gs>
-                  </a:gsLst>
-                  <a:lin ang="5400000" scaled="1"/>
-                </a:gradFill>
-                <a:latin typeface="나눔고딕" panose="020D0604000000000000" pitchFamily="50" charset="-127"/>
-                <a:ea typeface="나눔고딕" panose="020D0604000000000000" pitchFamily="50" charset="-127"/>
-              </a:rPr>
-              <a:t>1</a:t>
+              <a:t>메인</a:t>
             </a:r>
             <a:endParaRPr lang="en-US" altLang="ko-KR" sz="1400" b="1" dirty="0">
               <a:gradFill>
@@ -4586,13 +4961,13 @@
       </p:sp>
       <p:pic>
         <p:nvPicPr>
-          <p:cNvPr id="7" name="그림 6"/>
+          <p:cNvPr id="2" name="그림 1"/>
           <p:cNvPicPr>
             <a:picLocks noChangeAspect="1"/>
           </p:cNvPicPr>
           <p:nvPr/>
         </p:nvPicPr>
-        <p:blipFill>
+        <p:blipFill rotWithShape="1">
           <a:blip r:embed="rId2">
             <a:extLst>
               <a:ext uri="{28A0092B-C50C-407E-A947-70E740481C1C}">
@@ -4600,14 +4975,13 @@
               </a:ext>
             </a:extLst>
           </a:blip>
-          <a:stretch>
-            <a:fillRect/>
-          </a:stretch>
+          <a:srcRect l="2553" t="306" r="3824" b="-306"/>
+          <a:stretch/>
         </p:blipFill>
         <p:spPr>
           <a:xfrm>
-            <a:off x="2024861" y="1442977"/>
-            <a:ext cx="5184576" cy="4908147"/>
+            <a:off x="644364" y="1479934"/>
+            <a:ext cx="7920880" cy="4901393"/>
           </a:xfrm>
           <a:prstGeom prst="rect">
             <a:avLst/>
@@ -4617,7 +4991,7 @@
     </p:spTree>
     <p:extLst>
       <p:ext uri="{BB962C8B-B14F-4D97-AF65-F5344CB8AC3E}">
-        <p14:creationId xmlns:p14="http://schemas.microsoft.com/office/powerpoint/2010/main" val="707372677"/>
+        <p14:creationId xmlns:p14="http://schemas.microsoft.com/office/powerpoint/2010/main" val="3524867268"/>
       </p:ext>
     </p:extLst>
   </p:cSld>
@@ -4634,7 +5008,7 @@
 </p:sld>
 </file>
 
-<file path=ppt/slides/slide15.xml><?xml version="1.0" encoding="utf-8"?>
+<file path=ppt/slides/slide16.xml><?xml version="1.0" encoding="utf-8"?>
 <p:sld xmlns:a="http://schemas.openxmlformats.org/drawingml/2006/main" xmlns:r="http://schemas.openxmlformats.org/officeDocument/2006/relationships" xmlns:p="http://schemas.openxmlformats.org/presentationml/2006/main">
   <p:cSld>
     <p:spTree>
@@ -4731,7 +5105,7 @@
                 <a:latin typeface="나눔고딕" panose="020D0604000000000000" pitchFamily="50" charset="-127"/>
                 <a:ea typeface="나눔고딕" panose="020D0604000000000000" pitchFamily="50" charset="-127"/>
               </a:rPr>
-              <a:t>– </a:t>
+              <a:t>- </a:t>
             </a:r>
             <a:r>
               <a:rPr lang="ko-KR" altLang="en-US" sz="1400" b="1" dirty="0" smtClean="0">
@@ -4749,25 +5123,7 @@
                 <a:latin typeface="나눔고딕" panose="020D0604000000000000" pitchFamily="50" charset="-127"/>
                 <a:ea typeface="나눔고딕" panose="020D0604000000000000" pitchFamily="50" charset="-127"/>
               </a:rPr>
-              <a:t>서브페이지</a:t>
-            </a:r>
-            <a:r>
-              <a:rPr lang="en-US" altLang="ko-KR" sz="1400" b="1" dirty="0" smtClean="0">
-                <a:gradFill>
-                  <a:gsLst>
-                    <a:gs pos="0">
-                      <a:schemeClr val="bg1"/>
-                    </a:gs>
-                    <a:gs pos="100000">
-                      <a:schemeClr val="bg1"/>
-                    </a:gs>
-                  </a:gsLst>
-                  <a:lin ang="5400000" scaled="1"/>
-                </a:gradFill>
-                <a:latin typeface="나눔고딕" panose="020D0604000000000000" pitchFamily="50" charset="-127"/>
-                <a:ea typeface="나눔고딕" panose="020D0604000000000000" pitchFamily="50" charset="-127"/>
-              </a:rPr>
-              <a:t>1</a:t>
+              <a:t>메인</a:t>
             </a:r>
             <a:endParaRPr lang="en-US" altLang="ko-KR" sz="1400" b="1" dirty="0">
               <a:gradFill>
@@ -4964,7 +5320,7 @@
       </p:sp>
       <p:pic>
         <p:nvPicPr>
-          <p:cNvPr id="7" name="그림 6"/>
+          <p:cNvPr id="2" name="그림 1"/>
           <p:cNvPicPr>
             <a:picLocks noChangeAspect="1"/>
           </p:cNvPicPr>
@@ -4984,8 +5340,8 @@
         </p:blipFill>
         <p:spPr>
           <a:xfrm>
-            <a:off x="1389678" y="1412776"/>
-            <a:ext cx="6454942" cy="4906971"/>
+            <a:off x="602957" y="1751151"/>
+            <a:ext cx="8028384" cy="4291799"/>
           </a:xfrm>
           <a:prstGeom prst="rect">
             <a:avLst/>
@@ -4995,7 +5351,7 @@
     </p:spTree>
     <p:extLst>
       <p:ext uri="{BB962C8B-B14F-4D97-AF65-F5344CB8AC3E}">
-        <p14:creationId xmlns:p14="http://schemas.microsoft.com/office/powerpoint/2010/main" val="76216143"/>
+        <p14:creationId xmlns:p14="http://schemas.microsoft.com/office/powerpoint/2010/main" val="728503521"/>
       </p:ext>
     </p:extLst>
   </p:cSld>
@@ -5012,7 +5368,7 @@
 </p:sld>
 </file>
 
-<file path=ppt/slides/slide16.xml><?xml version="1.0" encoding="utf-8"?>
+<file path=ppt/slides/slide17.xml><?xml version="1.0" encoding="utf-8"?>
 <p:sld xmlns:a="http://schemas.openxmlformats.org/drawingml/2006/main" xmlns:r="http://schemas.openxmlformats.org/officeDocument/2006/relationships" xmlns:p="http://schemas.openxmlformats.org/presentationml/2006/main">
   <p:cSld>
     <p:spTree>
@@ -5109,7 +5465,7 @@
                 <a:latin typeface="나눔고딕" panose="020D0604000000000000" pitchFamily="50" charset="-127"/>
                 <a:ea typeface="나눔고딕" panose="020D0604000000000000" pitchFamily="50" charset="-127"/>
               </a:rPr>
-              <a:t>- </a:t>
+              <a:t>– </a:t>
             </a:r>
             <a:r>
               <a:rPr lang="ko-KR" altLang="en-US" sz="1400" b="1" dirty="0" smtClean="0">
@@ -5127,7 +5483,25 @@
                 <a:latin typeface="나눔고딕" panose="020D0604000000000000" pitchFamily="50" charset="-127"/>
                 <a:ea typeface="나눔고딕" panose="020D0604000000000000" pitchFamily="50" charset="-127"/>
               </a:rPr>
-              <a:t>회원가입</a:t>
+              <a:t>서브페이지</a:t>
+            </a:r>
+            <a:r>
+              <a:rPr lang="en-US" altLang="ko-KR" sz="1400" b="1" dirty="0" smtClean="0">
+                <a:gradFill>
+                  <a:gsLst>
+                    <a:gs pos="0">
+                      <a:schemeClr val="bg1"/>
+                    </a:gs>
+                    <a:gs pos="100000">
+                      <a:schemeClr val="bg1"/>
+                    </a:gs>
+                  </a:gsLst>
+                  <a:lin ang="5400000" scaled="1"/>
+                </a:gradFill>
+                <a:latin typeface="나눔고딕" panose="020D0604000000000000" pitchFamily="50" charset="-127"/>
+                <a:ea typeface="나눔고딕" panose="020D0604000000000000" pitchFamily="50" charset="-127"/>
+              </a:rPr>
+              <a:t>1</a:t>
             </a:r>
             <a:endParaRPr lang="en-US" altLang="ko-KR" sz="1400" b="1" dirty="0">
               <a:gradFill>
@@ -5324,7 +5698,7 @@
       </p:sp>
       <p:pic>
         <p:nvPicPr>
-          <p:cNvPr id="10" name="그림 9"/>
+          <p:cNvPr id="7" name="그림 6"/>
           <p:cNvPicPr>
             <a:picLocks noChangeAspect="1"/>
           </p:cNvPicPr>
@@ -5344,8 +5718,8 @@
         </p:blipFill>
         <p:spPr>
           <a:xfrm>
-            <a:off x="669056" y="1990677"/>
-            <a:ext cx="7758188" cy="4296021"/>
+            <a:off x="2024861" y="1442977"/>
+            <a:ext cx="5184576" cy="4908147"/>
           </a:xfrm>
           <a:prstGeom prst="rect">
             <a:avLst/>
@@ -5355,7 +5729,7 @@
     </p:spTree>
     <p:extLst>
       <p:ext uri="{BB962C8B-B14F-4D97-AF65-F5344CB8AC3E}">
-        <p14:creationId xmlns:p14="http://schemas.microsoft.com/office/powerpoint/2010/main" val="2047888574"/>
+        <p14:creationId xmlns:p14="http://schemas.microsoft.com/office/powerpoint/2010/main" val="707372677"/>
       </p:ext>
     </p:extLst>
   </p:cSld>
@@ -5372,7 +5746,7 @@
 </p:sld>
 </file>
 
-<file path=ppt/slides/slide17.xml><?xml version="1.0" encoding="utf-8"?>
+<file path=ppt/slides/slide18.xml><?xml version="1.0" encoding="utf-8"?>
 <p:sld xmlns:a="http://schemas.openxmlformats.org/drawingml/2006/main" xmlns:r="http://schemas.openxmlformats.org/officeDocument/2006/relationships" xmlns:p="http://schemas.openxmlformats.org/presentationml/2006/main">
   <p:cSld>
     <p:spTree>
@@ -5469,7 +5843,7 @@
                 <a:latin typeface="나눔고딕" panose="020D0604000000000000" pitchFamily="50" charset="-127"/>
                 <a:ea typeface="나눔고딕" panose="020D0604000000000000" pitchFamily="50" charset="-127"/>
               </a:rPr>
-              <a:t>- </a:t>
+              <a:t>– </a:t>
             </a:r>
             <a:r>
               <a:rPr lang="ko-KR" altLang="en-US" sz="1400" b="1" dirty="0" smtClean="0">
@@ -5487,7 +5861,25 @@
                 <a:latin typeface="나눔고딕" panose="020D0604000000000000" pitchFamily="50" charset="-127"/>
                 <a:ea typeface="나눔고딕" panose="020D0604000000000000" pitchFamily="50" charset="-127"/>
               </a:rPr>
-              <a:t>회원가입</a:t>
+              <a:t>서브페이지</a:t>
+            </a:r>
+            <a:r>
+              <a:rPr lang="en-US" altLang="ko-KR" sz="1400" b="1" dirty="0" smtClean="0">
+                <a:gradFill>
+                  <a:gsLst>
+                    <a:gs pos="0">
+                      <a:schemeClr val="bg1"/>
+                    </a:gs>
+                    <a:gs pos="100000">
+                      <a:schemeClr val="bg1"/>
+                    </a:gs>
+                  </a:gsLst>
+                  <a:lin ang="5400000" scaled="1"/>
+                </a:gradFill>
+                <a:latin typeface="나눔고딕" panose="020D0604000000000000" pitchFamily="50" charset="-127"/>
+                <a:ea typeface="나눔고딕" panose="020D0604000000000000" pitchFamily="50" charset="-127"/>
+              </a:rPr>
+              <a:t>1</a:t>
             </a:r>
             <a:endParaRPr lang="en-US" altLang="ko-KR" sz="1400" b="1" dirty="0">
               <a:gradFill>
@@ -5684,7 +6076,7 @@
       </p:sp>
       <p:pic>
         <p:nvPicPr>
-          <p:cNvPr id="2" name="그림 1"/>
+          <p:cNvPr id="7" name="그림 6"/>
           <p:cNvPicPr>
             <a:picLocks noChangeAspect="1"/>
           </p:cNvPicPr>
@@ -5704,8 +6096,8 @@
         </p:blipFill>
         <p:spPr>
           <a:xfrm>
-            <a:off x="840718" y="1734027"/>
-            <a:ext cx="7647360" cy="4560305"/>
+            <a:off x="1389678" y="1412776"/>
+            <a:ext cx="6454942" cy="4906971"/>
           </a:xfrm>
           <a:prstGeom prst="rect">
             <a:avLst/>
@@ -5715,7 +6107,7 @@
     </p:spTree>
     <p:extLst>
       <p:ext uri="{BB962C8B-B14F-4D97-AF65-F5344CB8AC3E}">
-        <p14:creationId xmlns:p14="http://schemas.microsoft.com/office/powerpoint/2010/main" val="2606606622"/>
+        <p14:creationId xmlns:p14="http://schemas.microsoft.com/office/powerpoint/2010/main" val="76216143"/>
       </p:ext>
     </p:extLst>
   </p:cSld>
@@ -5732,7 +6124,7 @@
 </p:sld>
 </file>
 
-<file path=ppt/slides/slide18.xml><?xml version="1.0" encoding="utf-8"?>
+<file path=ppt/slides/slide19.xml><?xml version="1.0" encoding="utf-8"?>
 <p:sld xmlns:a="http://schemas.openxmlformats.org/drawingml/2006/main" xmlns:r="http://schemas.openxmlformats.org/officeDocument/2006/relationships" xmlns:p="http://schemas.openxmlformats.org/presentationml/2006/main">
   <p:cSld>
     <p:spTree>
@@ -5847,7 +6239,7 @@
                 <a:latin typeface="나눔고딕" panose="020D0604000000000000" pitchFamily="50" charset="-127"/>
                 <a:ea typeface="나눔고딕" panose="020D0604000000000000" pitchFamily="50" charset="-127"/>
               </a:rPr>
-              <a:t>장바구니</a:t>
+              <a:t>회원가입</a:t>
             </a:r>
             <a:endParaRPr lang="en-US" altLang="ko-KR" sz="1400" b="1" dirty="0">
               <a:gradFill>
@@ -6044,7 +6436,7 @@
       </p:sp>
       <p:pic>
         <p:nvPicPr>
-          <p:cNvPr id="2" name="그림 1"/>
+          <p:cNvPr id="10" name="그림 9"/>
           <p:cNvPicPr>
             <a:picLocks noChangeAspect="1"/>
           </p:cNvPicPr>
@@ -6064,8 +6456,8 @@
         </p:blipFill>
         <p:spPr>
           <a:xfrm>
-            <a:off x="1413508" y="1634520"/>
-            <a:ext cx="6407282" cy="4525062"/>
+            <a:off x="669056" y="1990677"/>
+            <a:ext cx="7758188" cy="4296021"/>
           </a:xfrm>
           <a:prstGeom prst="rect">
             <a:avLst/>
@@ -6075,7 +6467,7 @@
     </p:spTree>
     <p:extLst>
       <p:ext uri="{BB962C8B-B14F-4D97-AF65-F5344CB8AC3E}">
-        <p14:creationId xmlns:p14="http://schemas.microsoft.com/office/powerpoint/2010/main" val="3968447729"/>
+        <p14:creationId xmlns:p14="http://schemas.microsoft.com/office/powerpoint/2010/main" val="2047888574"/>
       </p:ext>
     </p:extLst>
   </p:cSld>
@@ -6092,7 +6484,701 @@
 </p:sld>
 </file>
 
-<file path=ppt/slides/slide19.xml><?xml version="1.0" encoding="utf-8"?>
+<file path=ppt/slides/slide2.xml><?xml version="1.0" encoding="utf-8"?>
+<p:sld xmlns:a="http://schemas.openxmlformats.org/drawingml/2006/main" xmlns:r="http://schemas.openxmlformats.org/officeDocument/2006/relationships" xmlns:p="http://schemas.openxmlformats.org/presentationml/2006/main">
+  <p:cSld>
+    <p:spTree>
+      <p:nvGrpSpPr>
+        <p:cNvPr id="1" name=""/>
+        <p:cNvGrpSpPr/>
+        <p:nvPr/>
+      </p:nvGrpSpPr>
+      <p:grpSpPr>
+        <a:xfrm>
+          <a:off x="0" y="0"/>
+          <a:ext cx="0" cy="0"/>
+          <a:chOff x="0" y="0"/>
+          <a:chExt cx="0" cy="0"/>
+        </a:xfrm>
+      </p:grpSpPr>
+      <p:sp>
+        <p:nvSpPr>
+          <p:cNvPr id="5" name="TextBox 4"/>
+          <p:cNvSpPr txBox="1"/>
+          <p:nvPr/>
+        </p:nvSpPr>
+        <p:spPr>
+          <a:xfrm>
+            <a:off x="6588224" y="2132856"/>
+            <a:ext cx="2042547" cy="4314001"/>
+          </a:xfrm>
+          <a:prstGeom prst="rect">
+            <a:avLst/>
+          </a:prstGeom>
+        </p:spPr>
+        <p:txBody>
+          <a:bodyPr wrap="none" rtlCol="0">
+            <a:spAutoFit/>
+          </a:bodyPr>
+          <a:lstStyle/>
+          <a:p>
+            <a:pPr>
+              <a:lnSpc>
+                <a:spcPct val="150000"/>
+              </a:lnSpc>
+              <a:spcBef>
+                <a:spcPts val="1000"/>
+              </a:spcBef>
+            </a:pPr>
+            <a:r>
+              <a:rPr lang="en-US" altLang="ko-KR" sz="1400" dirty="0" smtClean="0">
+                <a:gradFill>
+                  <a:gsLst>
+                    <a:gs pos="0">
+                      <a:srgbClr val="766C62"/>
+                    </a:gs>
+                    <a:gs pos="100000">
+                      <a:srgbClr val="766C62"/>
+                    </a:gs>
+                  </a:gsLst>
+                  <a:lin ang="5400000" scaled="1"/>
+                </a:gradFill>
+                <a:latin typeface="나눔고딕" panose="020D0604000000000000" pitchFamily="50" charset="-127"/>
+                <a:ea typeface="나눔고딕" panose="020D0604000000000000" pitchFamily="50" charset="-127"/>
+              </a:rPr>
+              <a:t>01</a:t>
+            </a:r>
+            <a:r>
+              <a:rPr lang="en-US" altLang="ko-KR" dirty="0" smtClean="0">
+                <a:gradFill>
+                  <a:gsLst>
+                    <a:gs pos="0">
+                      <a:srgbClr val="766C62"/>
+                    </a:gs>
+                    <a:gs pos="100000">
+                      <a:srgbClr val="766C62"/>
+                    </a:gs>
+                  </a:gsLst>
+                  <a:lin ang="5400000" scaled="1"/>
+                </a:gradFill>
+                <a:latin typeface="나눔고딕" panose="020D0604000000000000" pitchFamily="50" charset="-127"/>
+                <a:ea typeface="나눔고딕" panose="020D0604000000000000" pitchFamily="50" charset="-127"/>
+              </a:rPr>
+              <a:t>  </a:t>
+            </a:r>
+            <a:r>
+              <a:rPr lang="ko-KR" altLang="en-US" dirty="0" smtClean="0">
+                <a:gradFill>
+                  <a:gsLst>
+                    <a:gs pos="0">
+                      <a:srgbClr val="766C62"/>
+                    </a:gs>
+                    <a:gs pos="100000">
+                      <a:srgbClr val="766C62"/>
+                    </a:gs>
+                  </a:gsLst>
+                  <a:lin ang="5400000" scaled="1"/>
+                </a:gradFill>
+                <a:latin typeface="나눔고딕" panose="020D0604000000000000" pitchFamily="50" charset="-127"/>
+                <a:ea typeface="나눔고딕" panose="020D0604000000000000" pitchFamily="50" charset="-127"/>
+              </a:rPr>
+              <a:t>역할 분담</a:t>
+            </a:r>
+            <a:endParaRPr lang="en-US" altLang="ko-KR" dirty="0" smtClean="0">
+              <a:gradFill>
+                <a:gsLst>
+                  <a:gs pos="0">
+                    <a:srgbClr val="766C62"/>
+                  </a:gs>
+                  <a:gs pos="100000">
+                    <a:srgbClr val="766C62"/>
+                  </a:gs>
+                </a:gsLst>
+                <a:lin ang="5400000" scaled="1"/>
+              </a:gradFill>
+              <a:latin typeface="나눔고딕" panose="020D0604000000000000" pitchFamily="50" charset="-127"/>
+              <a:ea typeface="나눔고딕" panose="020D0604000000000000" pitchFamily="50" charset="-127"/>
+            </a:endParaRPr>
+          </a:p>
+          <a:p>
+            <a:pPr>
+              <a:lnSpc>
+                <a:spcPct val="150000"/>
+              </a:lnSpc>
+              <a:spcBef>
+                <a:spcPts val="1000"/>
+              </a:spcBef>
+            </a:pPr>
+            <a:r>
+              <a:rPr lang="en-US" altLang="ko-KR" sz="1400" dirty="0" smtClean="0">
+                <a:gradFill>
+                  <a:gsLst>
+                    <a:gs pos="0">
+                      <a:srgbClr val="766C62"/>
+                    </a:gs>
+                    <a:gs pos="100000">
+                      <a:srgbClr val="766C62"/>
+                    </a:gs>
+                  </a:gsLst>
+                  <a:lin ang="5400000" scaled="1"/>
+                </a:gradFill>
+                <a:latin typeface="나눔고딕" panose="020D0604000000000000" pitchFamily="50" charset="-127"/>
+                <a:ea typeface="나눔고딕" panose="020D0604000000000000" pitchFamily="50" charset="-127"/>
+              </a:rPr>
+              <a:t>02 </a:t>
+            </a:r>
+            <a:r>
+              <a:rPr lang="en-US" altLang="ko-KR" dirty="0" smtClean="0">
+                <a:gradFill>
+                  <a:gsLst>
+                    <a:gs pos="0">
+                      <a:srgbClr val="766C62"/>
+                    </a:gs>
+                    <a:gs pos="100000">
+                      <a:srgbClr val="766C62"/>
+                    </a:gs>
+                  </a:gsLst>
+                  <a:lin ang="5400000" scaled="1"/>
+                </a:gradFill>
+                <a:latin typeface="나눔고딕" panose="020D0604000000000000" pitchFamily="50" charset="-127"/>
+                <a:ea typeface="나눔고딕" panose="020D0604000000000000" pitchFamily="50" charset="-127"/>
+              </a:rPr>
+              <a:t> </a:t>
+            </a:r>
+            <a:r>
+              <a:rPr lang="ko-KR" altLang="en-US" dirty="0" smtClean="0">
+                <a:gradFill>
+                  <a:gsLst>
+                    <a:gs pos="0">
+                      <a:srgbClr val="766C62"/>
+                    </a:gs>
+                    <a:gs pos="100000">
+                      <a:srgbClr val="766C62"/>
+                    </a:gs>
+                  </a:gsLst>
+                  <a:lin ang="5400000" scaled="1"/>
+                </a:gradFill>
+                <a:latin typeface="나눔고딕" panose="020D0604000000000000" pitchFamily="50" charset="-127"/>
+                <a:ea typeface="나눔고딕" panose="020D0604000000000000" pitchFamily="50" charset="-127"/>
+              </a:rPr>
+              <a:t>프로젝트 소개</a:t>
+            </a:r>
+          </a:p>
+          <a:p>
+            <a:pPr>
+              <a:lnSpc>
+                <a:spcPct val="150000"/>
+              </a:lnSpc>
+              <a:spcBef>
+                <a:spcPts val="1000"/>
+              </a:spcBef>
+            </a:pPr>
+            <a:r>
+              <a:rPr lang="en-US" altLang="ko-KR" sz="1400" dirty="0" smtClean="0">
+                <a:gradFill>
+                  <a:gsLst>
+                    <a:gs pos="0">
+                      <a:srgbClr val="766C62"/>
+                    </a:gs>
+                    <a:gs pos="100000">
+                      <a:srgbClr val="766C62"/>
+                    </a:gs>
+                  </a:gsLst>
+                  <a:lin ang="5400000" scaled="1"/>
+                </a:gradFill>
+                <a:latin typeface="나눔고딕" panose="020D0604000000000000" pitchFamily="50" charset="-127"/>
+                <a:ea typeface="나눔고딕" panose="020D0604000000000000" pitchFamily="50" charset="-127"/>
+              </a:rPr>
+              <a:t>03</a:t>
+            </a:r>
+            <a:r>
+              <a:rPr lang="en-US" altLang="ko-KR" dirty="0" smtClean="0">
+                <a:gradFill>
+                  <a:gsLst>
+                    <a:gs pos="0">
+                      <a:srgbClr val="766C62"/>
+                    </a:gs>
+                    <a:gs pos="100000">
+                      <a:srgbClr val="766C62"/>
+                    </a:gs>
+                  </a:gsLst>
+                  <a:lin ang="5400000" scaled="1"/>
+                </a:gradFill>
+                <a:latin typeface="나눔고딕" panose="020D0604000000000000" pitchFamily="50" charset="-127"/>
+                <a:ea typeface="나눔고딕" panose="020D0604000000000000" pitchFamily="50" charset="-127"/>
+              </a:rPr>
+              <a:t>  </a:t>
+            </a:r>
+            <a:r>
+              <a:rPr lang="ko-KR" altLang="en-US" dirty="0" smtClean="0">
+                <a:gradFill>
+                  <a:gsLst>
+                    <a:gs pos="0">
+                      <a:srgbClr val="766C62"/>
+                    </a:gs>
+                    <a:gs pos="100000">
+                      <a:srgbClr val="766C62"/>
+                    </a:gs>
+                  </a:gsLst>
+                  <a:lin ang="5400000" scaled="1"/>
+                </a:gradFill>
+                <a:latin typeface="나눔고딕" panose="020D0604000000000000" pitchFamily="50" charset="-127"/>
+                <a:ea typeface="나눔고딕" panose="020D0604000000000000" pitchFamily="50" charset="-127"/>
+              </a:rPr>
+              <a:t>기획 의도</a:t>
+            </a:r>
+            <a:endParaRPr lang="ko-KR" altLang="en-US" dirty="0" smtClean="0">
+              <a:gradFill>
+                <a:gsLst>
+                  <a:gs pos="0">
+                    <a:srgbClr val="766C62"/>
+                  </a:gs>
+                  <a:gs pos="100000">
+                    <a:srgbClr val="766C62"/>
+                  </a:gs>
+                </a:gsLst>
+                <a:lin ang="5400000" scaled="1"/>
+              </a:gradFill>
+              <a:latin typeface="나눔고딕" panose="020D0604000000000000" pitchFamily="50" charset="-127"/>
+              <a:ea typeface="나눔고딕" panose="020D0604000000000000" pitchFamily="50" charset="-127"/>
+            </a:endParaRPr>
+          </a:p>
+          <a:p>
+            <a:pPr>
+              <a:lnSpc>
+                <a:spcPct val="150000"/>
+              </a:lnSpc>
+              <a:spcBef>
+                <a:spcPts val="1000"/>
+              </a:spcBef>
+            </a:pPr>
+            <a:r>
+              <a:rPr lang="en-US" altLang="ko-KR" sz="1400" dirty="0" smtClean="0">
+                <a:gradFill>
+                  <a:gsLst>
+                    <a:gs pos="0">
+                      <a:srgbClr val="766C62"/>
+                    </a:gs>
+                    <a:gs pos="100000">
+                      <a:srgbClr val="766C62"/>
+                    </a:gs>
+                  </a:gsLst>
+                  <a:lin ang="5400000" scaled="1"/>
+                </a:gradFill>
+                <a:latin typeface="나눔고딕" panose="020D0604000000000000" pitchFamily="50" charset="-127"/>
+                <a:ea typeface="나눔고딕" panose="020D0604000000000000" pitchFamily="50" charset="-127"/>
+              </a:rPr>
+              <a:t>04</a:t>
+            </a:r>
+            <a:r>
+              <a:rPr lang="en-US" altLang="ko-KR" dirty="0" smtClean="0">
+                <a:gradFill>
+                  <a:gsLst>
+                    <a:gs pos="0">
+                      <a:srgbClr val="766C62"/>
+                    </a:gs>
+                    <a:gs pos="100000">
+                      <a:srgbClr val="766C62"/>
+                    </a:gs>
+                  </a:gsLst>
+                  <a:lin ang="5400000" scaled="1"/>
+                </a:gradFill>
+                <a:latin typeface="나눔고딕" panose="020D0604000000000000" pitchFamily="50" charset="-127"/>
+                <a:ea typeface="나눔고딕" panose="020D0604000000000000" pitchFamily="50" charset="-127"/>
+              </a:rPr>
+              <a:t>  </a:t>
+            </a:r>
+            <a:r>
+              <a:rPr lang="ko-KR" altLang="en-US" dirty="0" err="1" smtClean="0">
+                <a:gradFill>
+                  <a:gsLst>
+                    <a:gs pos="0">
+                      <a:srgbClr val="766C62"/>
+                    </a:gs>
+                    <a:gs pos="100000">
+                      <a:srgbClr val="766C62"/>
+                    </a:gs>
+                  </a:gsLst>
+                  <a:lin ang="5400000" scaled="1"/>
+                </a:gradFill>
+                <a:latin typeface="나눔고딕" panose="020D0604000000000000" pitchFamily="50" charset="-127"/>
+                <a:ea typeface="나눔고딕" panose="020D0604000000000000" pitchFamily="50" charset="-127"/>
+              </a:rPr>
+              <a:t>플로우</a:t>
+            </a:r>
+            <a:r>
+              <a:rPr lang="ko-KR" altLang="en-US" dirty="0" smtClean="0">
+                <a:gradFill>
+                  <a:gsLst>
+                    <a:gs pos="0">
+                      <a:srgbClr val="766C62"/>
+                    </a:gs>
+                    <a:gs pos="100000">
+                      <a:srgbClr val="766C62"/>
+                    </a:gs>
+                  </a:gsLst>
+                  <a:lin ang="5400000" scaled="1"/>
+                </a:gradFill>
+                <a:latin typeface="나눔고딕" panose="020D0604000000000000" pitchFamily="50" charset="-127"/>
+                <a:ea typeface="나눔고딕" panose="020D0604000000000000" pitchFamily="50" charset="-127"/>
+              </a:rPr>
+              <a:t> 차트</a:t>
+            </a:r>
+            <a:endParaRPr lang="en-US" altLang="ko-KR" dirty="0" smtClean="0">
+              <a:gradFill>
+                <a:gsLst>
+                  <a:gs pos="0">
+                    <a:srgbClr val="766C62"/>
+                  </a:gs>
+                  <a:gs pos="100000">
+                    <a:srgbClr val="766C62"/>
+                  </a:gs>
+                </a:gsLst>
+                <a:lin ang="5400000" scaled="1"/>
+              </a:gradFill>
+              <a:latin typeface="나눔고딕" panose="020D0604000000000000" pitchFamily="50" charset="-127"/>
+              <a:ea typeface="나눔고딕" panose="020D0604000000000000" pitchFamily="50" charset="-127"/>
+            </a:endParaRPr>
+          </a:p>
+          <a:p>
+            <a:pPr>
+              <a:lnSpc>
+                <a:spcPct val="150000"/>
+              </a:lnSpc>
+              <a:spcBef>
+                <a:spcPts val="1000"/>
+              </a:spcBef>
+            </a:pPr>
+            <a:r>
+              <a:rPr lang="en-US" altLang="ko-KR" sz="1400" dirty="0" smtClean="0">
+                <a:gradFill>
+                  <a:gsLst>
+                    <a:gs pos="0">
+                      <a:srgbClr val="766C62"/>
+                    </a:gs>
+                    <a:gs pos="100000">
+                      <a:srgbClr val="766C62"/>
+                    </a:gs>
+                  </a:gsLst>
+                  <a:lin ang="5400000" scaled="1"/>
+                </a:gradFill>
+                <a:latin typeface="나눔고딕" panose="020D0604000000000000" pitchFamily="50" charset="-127"/>
+                <a:ea typeface="나눔고딕" panose="020D0604000000000000" pitchFamily="50" charset="-127"/>
+              </a:rPr>
+              <a:t>05</a:t>
+            </a:r>
+            <a:r>
+              <a:rPr lang="en-US" altLang="ko-KR" dirty="0" smtClean="0">
+                <a:gradFill>
+                  <a:gsLst>
+                    <a:gs pos="0">
+                      <a:srgbClr val="766C62"/>
+                    </a:gs>
+                    <a:gs pos="100000">
+                      <a:srgbClr val="766C62"/>
+                    </a:gs>
+                  </a:gsLst>
+                  <a:lin ang="5400000" scaled="1"/>
+                </a:gradFill>
+                <a:latin typeface="나눔고딕" panose="020D0604000000000000" pitchFamily="50" charset="-127"/>
+                <a:ea typeface="나눔고딕" panose="020D0604000000000000" pitchFamily="50" charset="-127"/>
+              </a:rPr>
+              <a:t>  </a:t>
+            </a:r>
+            <a:r>
+              <a:rPr lang="ko-KR" altLang="en-US" dirty="0" smtClean="0">
+                <a:gradFill>
+                  <a:gsLst>
+                    <a:gs pos="0">
+                      <a:srgbClr val="766C62"/>
+                    </a:gs>
+                    <a:gs pos="100000">
+                      <a:srgbClr val="766C62"/>
+                    </a:gs>
+                  </a:gsLst>
+                  <a:lin ang="5400000" scaled="1"/>
+                </a:gradFill>
+                <a:latin typeface="나눔고딕" panose="020D0604000000000000" pitchFamily="50" charset="-127"/>
+                <a:ea typeface="나눔고딕" panose="020D0604000000000000" pitchFamily="50" charset="-127"/>
+              </a:rPr>
+              <a:t>와이어프레임</a:t>
+            </a:r>
+            <a:endParaRPr lang="en-US" altLang="ko-KR" dirty="0" smtClean="0">
+              <a:gradFill>
+                <a:gsLst>
+                  <a:gs pos="0">
+                    <a:srgbClr val="766C62"/>
+                  </a:gs>
+                  <a:gs pos="100000">
+                    <a:srgbClr val="766C62"/>
+                  </a:gs>
+                </a:gsLst>
+                <a:lin ang="5400000" scaled="1"/>
+              </a:gradFill>
+              <a:latin typeface="나눔고딕" panose="020D0604000000000000" pitchFamily="50" charset="-127"/>
+              <a:ea typeface="나눔고딕" panose="020D0604000000000000" pitchFamily="50" charset="-127"/>
+            </a:endParaRPr>
+          </a:p>
+          <a:p>
+            <a:pPr>
+              <a:lnSpc>
+                <a:spcPct val="150000"/>
+              </a:lnSpc>
+              <a:spcBef>
+                <a:spcPts val="1000"/>
+              </a:spcBef>
+            </a:pPr>
+            <a:r>
+              <a:rPr lang="en-US" altLang="ko-KR" sz="1400" dirty="0" smtClean="0">
+                <a:gradFill>
+                  <a:gsLst>
+                    <a:gs pos="0">
+                      <a:srgbClr val="766C62"/>
+                    </a:gs>
+                    <a:gs pos="100000">
+                      <a:srgbClr val="766C62"/>
+                    </a:gs>
+                  </a:gsLst>
+                  <a:lin ang="5400000" scaled="1"/>
+                </a:gradFill>
+                <a:latin typeface="나눔고딕" panose="020D0604000000000000" pitchFamily="50" charset="-127"/>
+                <a:ea typeface="나눔고딕" panose="020D0604000000000000" pitchFamily="50" charset="-127"/>
+              </a:rPr>
+              <a:t>06</a:t>
+            </a:r>
+            <a:r>
+              <a:rPr lang="en-US" altLang="ko-KR" dirty="0" smtClean="0">
+                <a:gradFill>
+                  <a:gsLst>
+                    <a:gs pos="0">
+                      <a:srgbClr val="766C62"/>
+                    </a:gs>
+                    <a:gs pos="100000">
+                      <a:srgbClr val="766C62"/>
+                    </a:gs>
+                  </a:gsLst>
+                  <a:lin ang="5400000" scaled="1"/>
+                </a:gradFill>
+                <a:latin typeface="나눔고딕" panose="020D0604000000000000" pitchFamily="50" charset="-127"/>
+                <a:ea typeface="나눔고딕" panose="020D0604000000000000" pitchFamily="50" charset="-127"/>
+              </a:rPr>
+              <a:t>  </a:t>
+            </a:r>
+            <a:r>
+              <a:rPr lang="ko-KR" altLang="en-US" dirty="0" smtClean="0">
+                <a:gradFill>
+                  <a:gsLst>
+                    <a:gs pos="0">
+                      <a:srgbClr val="766C62"/>
+                    </a:gs>
+                    <a:gs pos="100000">
+                      <a:srgbClr val="766C62"/>
+                    </a:gs>
+                  </a:gsLst>
+                  <a:lin ang="5400000" scaled="1"/>
+                </a:gradFill>
+                <a:latin typeface="나눔고딕" panose="020D0604000000000000" pitchFamily="50" charset="-127"/>
+                <a:ea typeface="나눔고딕" panose="020D0604000000000000" pitchFamily="50" charset="-127"/>
+              </a:rPr>
+              <a:t>페이지 소개</a:t>
+            </a:r>
+            <a:endParaRPr lang="en-US" altLang="ko-KR" dirty="0" smtClean="0">
+              <a:gradFill>
+                <a:gsLst>
+                  <a:gs pos="0">
+                    <a:srgbClr val="766C62"/>
+                  </a:gs>
+                  <a:gs pos="100000">
+                    <a:srgbClr val="766C62"/>
+                  </a:gs>
+                </a:gsLst>
+                <a:lin ang="5400000" scaled="1"/>
+              </a:gradFill>
+              <a:latin typeface="나눔고딕" panose="020D0604000000000000" pitchFamily="50" charset="-127"/>
+              <a:ea typeface="나눔고딕" panose="020D0604000000000000" pitchFamily="50" charset="-127"/>
+            </a:endParaRPr>
+          </a:p>
+          <a:p>
+            <a:pPr>
+              <a:lnSpc>
+                <a:spcPct val="150000"/>
+              </a:lnSpc>
+              <a:spcBef>
+                <a:spcPts val="1000"/>
+              </a:spcBef>
+            </a:pPr>
+            <a:r>
+              <a:rPr lang="en-US" altLang="ko-KR" sz="1400" dirty="0" smtClean="0">
+                <a:gradFill>
+                  <a:gsLst>
+                    <a:gs pos="0">
+                      <a:srgbClr val="766C62"/>
+                    </a:gs>
+                    <a:gs pos="100000">
+                      <a:srgbClr val="766C62"/>
+                    </a:gs>
+                  </a:gsLst>
+                  <a:lin ang="5400000" scaled="1"/>
+                </a:gradFill>
+                <a:latin typeface="나눔고딕" panose="020D0604000000000000" pitchFamily="50" charset="-127"/>
+                <a:ea typeface="나눔고딕" panose="020D0604000000000000" pitchFamily="50" charset="-127"/>
+              </a:rPr>
+              <a:t>07</a:t>
+            </a:r>
+            <a:r>
+              <a:rPr lang="en-US" altLang="ko-KR" dirty="0" smtClean="0">
+                <a:gradFill>
+                  <a:gsLst>
+                    <a:gs pos="0">
+                      <a:srgbClr val="766C62"/>
+                    </a:gs>
+                    <a:gs pos="100000">
+                      <a:srgbClr val="766C62"/>
+                    </a:gs>
+                  </a:gsLst>
+                  <a:lin ang="5400000" scaled="1"/>
+                </a:gradFill>
+                <a:latin typeface="나눔고딕" panose="020D0604000000000000" pitchFamily="50" charset="-127"/>
+                <a:ea typeface="나눔고딕" panose="020D0604000000000000" pitchFamily="50" charset="-127"/>
+              </a:rPr>
+              <a:t>  </a:t>
+            </a:r>
+            <a:r>
+              <a:rPr lang="ko-KR" altLang="en-US" dirty="0" smtClean="0">
+                <a:gradFill>
+                  <a:gsLst>
+                    <a:gs pos="0">
+                      <a:srgbClr val="766C62"/>
+                    </a:gs>
+                    <a:gs pos="100000">
+                      <a:srgbClr val="766C62"/>
+                    </a:gs>
+                  </a:gsLst>
+                  <a:lin ang="5400000" scaled="1"/>
+                </a:gradFill>
+                <a:latin typeface="나눔고딕" panose="020D0604000000000000" pitchFamily="50" charset="-127"/>
+                <a:ea typeface="나눔고딕" panose="020D0604000000000000" pitchFamily="50" charset="-127"/>
+              </a:rPr>
+              <a:t>프로젝트 후기</a:t>
+            </a:r>
+            <a:endParaRPr lang="en-US" altLang="ko-KR" dirty="0" smtClean="0">
+              <a:gradFill>
+                <a:gsLst>
+                  <a:gs pos="0">
+                    <a:srgbClr val="766C62"/>
+                  </a:gs>
+                  <a:gs pos="100000">
+                    <a:srgbClr val="766C62"/>
+                  </a:gs>
+                </a:gsLst>
+                <a:lin ang="5400000" scaled="1"/>
+              </a:gradFill>
+              <a:latin typeface="나눔고딕" panose="020D0604000000000000" pitchFamily="50" charset="-127"/>
+              <a:ea typeface="나눔고딕" panose="020D0604000000000000" pitchFamily="50" charset="-127"/>
+            </a:endParaRPr>
+          </a:p>
+          <a:p>
+            <a:pPr>
+              <a:lnSpc>
+                <a:spcPct val="150000"/>
+              </a:lnSpc>
+              <a:spcBef>
+                <a:spcPts val="1000"/>
+              </a:spcBef>
+            </a:pPr>
+            <a:r>
+              <a:rPr lang="en-US" altLang="ko-KR" sz="1400" dirty="0" smtClean="0">
+                <a:gradFill>
+                  <a:gsLst>
+                    <a:gs pos="0">
+                      <a:srgbClr val="766C62"/>
+                    </a:gs>
+                    <a:gs pos="100000">
+                      <a:srgbClr val="766C62"/>
+                    </a:gs>
+                  </a:gsLst>
+                  <a:lin ang="5400000" scaled="1"/>
+                </a:gradFill>
+                <a:latin typeface="나눔고딕" panose="020D0604000000000000" pitchFamily="50" charset="-127"/>
+                <a:ea typeface="나눔고딕" panose="020D0604000000000000" pitchFamily="50" charset="-127"/>
+              </a:rPr>
+              <a:t>08</a:t>
+            </a:r>
+            <a:r>
+              <a:rPr lang="en-US" altLang="ko-KR" dirty="0" smtClean="0">
+                <a:gradFill>
+                  <a:gsLst>
+                    <a:gs pos="0">
+                      <a:srgbClr val="766C62"/>
+                    </a:gs>
+                    <a:gs pos="100000">
+                      <a:srgbClr val="766C62"/>
+                    </a:gs>
+                  </a:gsLst>
+                  <a:lin ang="5400000" scaled="1"/>
+                </a:gradFill>
+                <a:latin typeface="나눔고딕" panose="020D0604000000000000" pitchFamily="50" charset="-127"/>
+                <a:ea typeface="나눔고딕" panose="020D0604000000000000" pitchFamily="50" charset="-127"/>
+              </a:rPr>
+              <a:t>  </a:t>
+            </a:r>
+            <a:r>
+              <a:rPr lang="en-US" altLang="ko-KR" dirty="0" err="1" smtClean="0">
+                <a:gradFill>
+                  <a:gsLst>
+                    <a:gs pos="0">
+                      <a:srgbClr val="766C62"/>
+                    </a:gs>
+                    <a:gs pos="100000">
+                      <a:srgbClr val="766C62"/>
+                    </a:gs>
+                  </a:gsLst>
+                  <a:lin ang="5400000" scaled="1"/>
+                </a:gradFill>
+                <a:latin typeface="나눔고딕" panose="020D0604000000000000" pitchFamily="50" charset="-127"/>
+                <a:ea typeface="나눔고딕" panose="020D0604000000000000" pitchFamily="50" charset="-127"/>
+              </a:rPr>
+              <a:t>QnA</a:t>
+            </a:r>
+            <a:endParaRPr lang="en-US" altLang="ko-KR" dirty="0">
+              <a:gradFill>
+                <a:gsLst>
+                  <a:gs pos="0">
+                    <a:srgbClr val="766C62"/>
+                  </a:gs>
+                  <a:gs pos="100000">
+                    <a:srgbClr val="766C62"/>
+                  </a:gs>
+                </a:gsLst>
+                <a:lin ang="5400000" scaled="1"/>
+              </a:gradFill>
+              <a:latin typeface="나눔고딕" panose="020D0604000000000000" pitchFamily="50" charset="-127"/>
+              <a:ea typeface="나눔고딕" panose="020D0604000000000000" pitchFamily="50" charset="-127"/>
+            </a:endParaRPr>
+          </a:p>
+        </p:txBody>
+      </p:sp>
+    </p:spTree>
+    <p:extLst>
+      <p:ext uri="{BB962C8B-B14F-4D97-AF65-F5344CB8AC3E}">
+        <p14:creationId xmlns:p14="http://schemas.microsoft.com/office/powerpoint/2010/main" val="743045004"/>
+      </p:ext>
+    </p:extLst>
+  </p:cSld>
+  <p:clrMapOvr>
+    <a:masterClrMapping/>
+  </p:clrMapOvr>
+  <p:timing>
+    <p:tnLst>
+      <p:par>
+        <p:cTn id="1" dur="indefinite" restart="never" nodeType="tmRoot"/>
+      </p:par>
+    </p:tnLst>
+  </p:timing>
+</p:sld>
+</file>
+
+<file path=ppt/slides/slide20.xml><?xml version="1.0" encoding="utf-8"?>
 <p:sld xmlns:a="http://schemas.openxmlformats.org/drawingml/2006/main" xmlns:r="http://schemas.openxmlformats.org/officeDocument/2006/relationships" xmlns:p="http://schemas.openxmlformats.org/presentationml/2006/main">
   <p:cSld>
     <p:spTree>
@@ -6207,7 +7293,7 @@
                 <a:latin typeface="나눔고딕" panose="020D0604000000000000" pitchFamily="50" charset="-127"/>
                 <a:ea typeface="나눔고딕" panose="020D0604000000000000" pitchFamily="50" charset="-127"/>
               </a:rPr>
-              <a:t>장바구니</a:t>
+              <a:t>회원가입</a:t>
             </a:r>
             <a:endParaRPr lang="en-US" altLang="ko-KR" sz="1400" b="1" dirty="0">
               <a:gradFill>
@@ -6404,7 +7490,7 @@
       </p:sp>
       <p:pic>
         <p:nvPicPr>
-          <p:cNvPr id="7" name="그림 6"/>
+          <p:cNvPr id="2" name="그림 1"/>
           <p:cNvPicPr>
             <a:picLocks noChangeAspect="1"/>
           </p:cNvPicPr>
@@ -6424,8 +7510,8 @@
         </p:blipFill>
         <p:spPr>
           <a:xfrm>
-            <a:off x="1403648" y="1626757"/>
-            <a:ext cx="6567240" cy="4540587"/>
+            <a:off x="840718" y="1734027"/>
+            <a:ext cx="7647360" cy="4560305"/>
           </a:xfrm>
           <a:prstGeom prst="rect">
             <a:avLst/>
@@ -6435,7 +7521,7 @@
     </p:spTree>
     <p:extLst>
       <p:ext uri="{BB962C8B-B14F-4D97-AF65-F5344CB8AC3E}">
-        <p14:creationId xmlns:p14="http://schemas.microsoft.com/office/powerpoint/2010/main" val="1241897838"/>
+        <p14:creationId xmlns:p14="http://schemas.microsoft.com/office/powerpoint/2010/main" val="2606606622"/>
       </p:ext>
     </p:extLst>
   </p:cSld>
@@ -6452,1728 +7538,7 @@
 </p:sld>
 </file>
 
-<file path=ppt/slides/slide2.xml><?xml version="1.0" encoding="utf-8"?>
-<p:sld xmlns:a="http://schemas.openxmlformats.org/drawingml/2006/main" xmlns:r="http://schemas.openxmlformats.org/officeDocument/2006/relationships" xmlns:p="http://schemas.openxmlformats.org/presentationml/2006/main">
-  <p:cSld>
-    <p:spTree>
-      <p:nvGrpSpPr>
-        <p:cNvPr id="1" name=""/>
-        <p:cNvGrpSpPr/>
-        <p:nvPr/>
-      </p:nvGrpSpPr>
-      <p:grpSpPr>
-        <a:xfrm>
-          <a:off x="0" y="0"/>
-          <a:ext cx="0" cy="0"/>
-          <a:chOff x="0" y="0"/>
-          <a:chExt cx="0" cy="0"/>
-        </a:xfrm>
-      </p:grpSpPr>
-      <p:sp>
-        <p:nvSpPr>
-          <p:cNvPr id="5" name="TextBox 4"/>
-          <p:cNvSpPr txBox="1"/>
-          <p:nvPr/>
-        </p:nvSpPr>
-        <p:spPr>
-          <a:xfrm>
-            <a:off x="6676181" y="4005064"/>
-            <a:ext cx="2023311" cy="3226524"/>
-          </a:xfrm>
-          <a:prstGeom prst="rect">
-            <a:avLst/>
-          </a:prstGeom>
-        </p:spPr>
-        <p:txBody>
-          <a:bodyPr wrap="none" rtlCol="0">
-            <a:spAutoFit/>
-          </a:bodyPr>
-          <a:lstStyle/>
-          <a:p>
-            <a:pPr>
-              <a:lnSpc>
-                <a:spcPct val="150000"/>
-              </a:lnSpc>
-              <a:spcBef>
-                <a:spcPts val="1000"/>
-              </a:spcBef>
-            </a:pPr>
-            <a:r>
-              <a:rPr lang="en-US" altLang="ko-KR" sz="1400" dirty="0" smtClean="0">
-                <a:gradFill>
-                  <a:gsLst>
-                    <a:gs pos="0">
-                      <a:srgbClr val="766C62"/>
-                    </a:gs>
-                    <a:gs pos="100000">
-                      <a:srgbClr val="766C62"/>
-                    </a:gs>
-                  </a:gsLst>
-                  <a:lin ang="5400000" scaled="1"/>
-                </a:gradFill>
-                <a:latin typeface="나눔고딕" panose="020D0604000000000000" pitchFamily="50" charset="-127"/>
-                <a:ea typeface="나눔고딕" panose="020D0604000000000000" pitchFamily="50" charset="-127"/>
-              </a:rPr>
-              <a:t>01</a:t>
-            </a:r>
-            <a:r>
-              <a:rPr lang="en-US" altLang="ko-KR" dirty="0" smtClean="0">
-                <a:gradFill>
-                  <a:gsLst>
-                    <a:gs pos="0">
-                      <a:srgbClr val="766C62"/>
-                    </a:gs>
-                    <a:gs pos="100000">
-                      <a:srgbClr val="766C62"/>
-                    </a:gs>
-                  </a:gsLst>
-                  <a:lin ang="5400000" scaled="1"/>
-                </a:gradFill>
-                <a:latin typeface="나눔고딕" panose="020D0604000000000000" pitchFamily="50" charset="-127"/>
-                <a:ea typeface="나눔고딕" panose="020D0604000000000000" pitchFamily="50" charset="-127"/>
-              </a:rPr>
-              <a:t>  </a:t>
-            </a:r>
-            <a:r>
-              <a:rPr lang="ko-KR" altLang="en-US" dirty="0" smtClean="0">
-                <a:gradFill>
-                  <a:gsLst>
-                    <a:gs pos="0">
-                      <a:srgbClr val="766C62"/>
-                    </a:gs>
-                    <a:gs pos="100000">
-                      <a:srgbClr val="766C62"/>
-                    </a:gs>
-                  </a:gsLst>
-                  <a:lin ang="5400000" scaled="1"/>
-                </a:gradFill>
-                <a:latin typeface="나눔고딕" panose="020D0604000000000000" pitchFamily="50" charset="-127"/>
-                <a:ea typeface="나눔고딕" panose="020D0604000000000000" pitchFamily="50" charset="-127"/>
-              </a:rPr>
-              <a:t>팀원 소개</a:t>
-            </a:r>
-            <a:endParaRPr lang="en-US" altLang="ko-KR" dirty="0" smtClean="0">
-              <a:gradFill>
-                <a:gsLst>
-                  <a:gs pos="0">
-                    <a:srgbClr val="766C62"/>
-                  </a:gs>
-                  <a:gs pos="100000">
-                    <a:srgbClr val="766C62"/>
-                  </a:gs>
-                </a:gsLst>
-                <a:lin ang="5400000" scaled="1"/>
-              </a:gradFill>
-              <a:latin typeface="나눔고딕" panose="020D0604000000000000" pitchFamily="50" charset="-127"/>
-              <a:ea typeface="나눔고딕" panose="020D0604000000000000" pitchFamily="50" charset="-127"/>
-            </a:endParaRPr>
-          </a:p>
-          <a:p>
-            <a:pPr>
-              <a:lnSpc>
-                <a:spcPct val="150000"/>
-              </a:lnSpc>
-              <a:spcBef>
-                <a:spcPts val="1000"/>
-              </a:spcBef>
-            </a:pPr>
-            <a:r>
-              <a:rPr lang="en-US" altLang="ko-KR" sz="1400" dirty="0" smtClean="0">
-                <a:gradFill>
-                  <a:gsLst>
-                    <a:gs pos="0">
-                      <a:srgbClr val="766C62"/>
-                    </a:gs>
-                    <a:gs pos="100000">
-                      <a:srgbClr val="766C62"/>
-                    </a:gs>
-                  </a:gsLst>
-                  <a:lin ang="5400000" scaled="1"/>
-                </a:gradFill>
-                <a:latin typeface="나눔고딕" panose="020D0604000000000000" pitchFamily="50" charset="-127"/>
-                <a:ea typeface="나눔고딕" panose="020D0604000000000000" pitchFamily="50" charset="-127"/>
-              </a:rPr>
-              <a:t>02 </a:t>
-            </a:r>
-            <a:r>
-              <a:rPr lang="en-US" altLang="ko-KR" dirty="0" smtClean="0">
-                <a:gradFill>
-                  <a:gsLst>
-                    <a:gs pos="0">
-                      <a:srgbClr val="766C62"/>
-                    </a:gs>
-                    <a:gs pos="100000">
-                      <a:srgbClr val="766C62"/>
-                    </a:gs>
-                  </a:gsLst>
-                  <a:lin ang="5400000" scaled="1"/>
-                </a:gradFill>
-                <a:latin typeface="나눔고딕" panose="020D0604000000000000" pitchFamily="50" charset="-127"/>
-                <a:ea typeface="나눔고딕" panose="020D0604000000000000" pitchFamily="50" charset="-127"/>
-              </a:rPr>
-              <a:t> </a:t>
-            </a:r>
-            <a:r>
-              <a:rPr lang="ko-KR" altLang="en-US" dirty="0" smtClean="0">
-                <a:gradFill>
-                  <a:gsLst>
-                    <a:gs pos="0">
-                      <a:srgbClr val="766C62"/>
-                    </a:gs>
-                    <a:gs pos="100000">
-                      <a:srgbClr val="766C62"/>
-                    </a:gs>
-                  </a:gsLst>
-                  <a:lin ang="5400000" scaled="1"/>
-                </a:gradFill>
-                <a:latin typeface="나눔고딕" panose="020D0604000000000000" pitchFamily="50" charset="-127"/>
-                <a:ea typeface="나눔고딕" panose="020D0604000000000000" pitchFamily="50" charset="-127"/>
-              </a:rPr>
-              <a:t>프로젝트 소개</a:t>
-            </a:r>
-          </a:p>
-          <a:p>
-            <a:pPr>
-              <a:lnSpc>
-                <a:spcPct val="150000"/>
-              </a:lnSpc>
-              <a:spcBef>
-                <a:spcPts val="1000"/>
-              </a:spcBef>
-            </a:pPr>
-            <a:r>
-              <a:rPr lang="en-US" altLang="ko-KR" sz="1400" dirty="0" smtClean="0">
-                <a:gradFill>
-                  <a:gsLst>
-                    <a:gs pos="0">
-                      <a:srgbClr val="766C62"/>
-                    </a:gs>
-                    <a:gs pos="100000">
-                      <a:srgbClr val="766C62"/>
-                    </a:gs>
-                  </a:gsLst>
-                  <a:lin ang="5400000" scaled="1"/>
-                </a:gradFill>
-                <a:latin typeface="나눔고딕" panose="020D0604000000000000" pitchFamily="50" charset="-127"/>
-                <a:ea typeface="나눔고딕" panose="020D0604000000000000" pitchFamily="50" charset="-127"/>
-              </a:rPr>
-              <a:t>03</a:t>
-            </a:r>
-            <a:r>
-              <a:rPr lang="en-US" altLang="ko-KR" dirty="0" smtClean="0">
-                <a:gradFill>
-                  <a:gsLst>
-                    <a:gs pos="0">
-                      <a:srgbClr val="766C62"/>
-                    </a:gs>
-                    <a:gs pos="100000">
-                      <a:srgbClr val="766C62"/>
-                    </a:gs>
-                  </a:gsLst>
-                  <a:lin ang="5400000" scaled="1"/>
-                </a:gradFill>
-                <a:latin typeface="나눔고딕" panose="020D0604000000000000" pitchFamily="50" charset="-127"/>
-                <a:ea typeface="나눔고딕" panose="020D0604000000000000" pitchFamily="50" charset="-127"/>
-              </a:rPr>
-              <a:t>  </a:t>
-            </a:r>
-            <a:r>
-              <a:rPr lang="ko-KR" altLang="en-US" dirty="0" smtClean="0">
-                <a:gradFill>
-                  <a:gsLst>
-                    <a:gs pos="0">
-                      <a:srgbClr val="766C62"/>
-                    </a:gs>
-                    <a:gs pos="100000">
-                      <a:srgbClr val="766C62"/>
-                    </a:gs>
-                  </a:gsLst>
-                  <a:lin ang="5400000" scaled="1"/>
-                </a:gradFill>
-                <a:latin typeface="나눔고딕" panose="020D0604000000000000" pitchFamily="50" charset="-127"/>
-                <a:ea typeface="나눔고딕" panose="020D0604000000000000" pitchFamily="50" charset="-127"/>
-              </a:rPr>
-              <a:t>기획의도</a:t>
-            </a:r>
-          </a:p>
-          <a:p>
-            <a:pPr>
-              <a:lnSpc>
-                <a:spcPct val="150000"/>
-              </a:lnSpc>
-              <a:spcBef>
-                <a:spcPts val="1000"/>
-              </a:spcBef>
-            </a:pPr>
-            <a:r>
-              <a:rPr lang="en-US" altLang="ko-KR" sz="1400" dirty="0" smtClean="0">
-                <a:gradFill>
-                  <a:gsLst>
-                    <a:gs pos="0">
-                      <a:srgbClr val="766C62"/>
-                    </a:gs>
-                    <a:gs pos="100000">
-                      <a:srgbClr val="766C62"/>
-                    </a:gs>
-                  </a:gsLst>
-                  <a:lin ang="5400000" scaled="1"/>
-                </a:gradFill>
-                <a:latin typeface="나눔고딕" panose="020D0604000000000000" pitchFamily="50" charset="-127"/>
-                <a:ea typeface="나눔고딕" panose="020D0604000000000000" pitchFamily="50" charset="-127"/>
-              </a:rPr>
-              <a:t>04</a:t>
-            </a:r>
-            <a:r>
-              <a:rPr lang="en-US" altLang="ko-KR" dirty="0" smtClean="0">
-                <a:gradFill>
-                  <a:gsLst>
-                    <a:gs pos="0">
-                      <a:srgbClr val="766C62"/>
-                    </a:gs>
-                    <a:gs pos="100000">
-                      <a:srgbClr val="766C62"/>
-                    </a:gs>
-                  </a:gsLst>
-                  <a:lin ang="5400000" scaled="1"/>
-                </a:gradFill>
-                <a:latin typeface="나눔고딕" panose="020D0604000000000000" pitchFamily="50" charset="-127"/>
-                <a:ea typeface="나눔고딕" panose="020D0604000000000000" pitchFamily="50" charset="-127"/>
-              </a:rPr>
-              <a:t>  </a:t>
-            </a:r>
-            <a:r>
-              <a:rPr lang="ko-KR" altLang="en-US" dirty="0" err="1" smtClean="0">
-                <a:gradFill>
-                  <a:gsLst>
-                    <a:gs pos="0">
-                      <a:srgbClr val="766C62"/>
-                    </a:gs>
-                    <a:gs pos="100000">
-                      <a:srgbClr val="766C62"/>
-                    </a:gs>
-                  </a:gsLst>
-                  <a:lin ang="5400000" scaled="1"/>
-                </a:gradFill>
-                <a:latin typeface="나눔고딕" panose="020D0604000000000000" pitchFamily="50" charset="-127"/>
-                <a:ea typeface="나눔고딕" panose="020D0604000000000000" pitchFamily="50" charset="-127"/>
-              </a:rPr>
-              <a:t>플로우</a:t>
-            </a:r>
-            <a:r>
-              <a:rPr lang="ko-KR" altLang="en-US" dirty="0" smtClean="0">
-                <a:gradFill>
-                  <a:gsLst>
-                    <a:gs pos="0">
-                      <a:srgbClr val="766C62"/>
-                    </a:gs>
-                    <a:gs pos="100000">
-                      <a:srgbClr val="766C62"/>
-                    </a:gs>
-                  </a:gsLst>
-                  <a:lin ang="5400000" scaled="1"/>
-                </a:gradFill>
-                <a:latin typeface="나눔고딕" panose="020D0604000000000000" pitchFamily="50" charset="-127"/>
-                <a:ea typeface="나눔고딕" panose="020D0604000000000000" pitchFamily="50" charset="-127"/>
-              </a:rPr>
-              <a:t> 차트</a:t>
-            </a:r>
-            <a:endParaRPr lang="en-US" altLang="ko-KR" dirty="0" smtClean="0">
-              <a:gradFill>
-                <a:gsLst>
-                  <a:gs pos="0">
-                    <a:srgbClr val="766C62"/>
-                  </a:gs>
-                  <a:gs pos="100000">
-                    <a:srgbClr val="766C62"/>
-                  </a:gs>
-                </a:gsLst>
-                <a:lin ang="5400000" scaled="1"/>
-              </a:gradFill>
-              <a:latin typeface="나눔고딕" panose="020D0604000000000000" pitchFamily="50" charset="-127"/>
-              <a:ea typeface="나눔고딕" panose="020D0604000000000000" pitchFamily="50" charset="-127"/>
-            </a:endParaRPr>
-          </a:p>
-          <a:p>
-            <a:pPr>
-              <a:lnSpc>
-                <a:spcPct val="150000"/>
-              </a:lnSpc>
-              <a:spcBef>
-                <a:spcPts val="1000"/>
-              </a:spcBef>
-            </a:pPr>
-            <a:r>
-              <a:rPr lang="en-US" altLang="ko-KR" sz="1400" dirty="0" smtClean="0">
-                <a:gradFill>
-                  <a:gsLst>
-                    <a:gs pos="0">
-                      <a:srgbClr val="766C62"/>
-                    </a:gs>
-                    <a:gs pos="100000">
-                      <a:srgbClr val="766C62"/>
-                    </a:gs>
-                  </a:gsLst>
-                  <a:lin ang="5400000" scaled="1"/>
-                </a:gradFill>
-                <a:latin typeface="나눔고딕" panose="020D0604000000000000" pitchFamily="50" charset="-127"/>
-                <a:ea typeface="나눔고딕" panose="020D0604000000000000" pitchFamily="50" charset="-127"/>
-              </a:rPr>
-              <a:t>05</a:t>
-            </a:r>
-            <a:r>
-              <a:rPr lang="en-US" altLang="ko-KR" dirty="0" smtClean="0">
-                <a:gradFill>
-                  <a:gsLst>
-                    <a:gs pos="0">
-                      <a:srgbClr val="766C62"/>
-                    </a:gs>
-                    <a:gs pos="100000">
-                      <a:srgbClr val="766C62"/>
-                    </a:gs>
-                  </a:gsLst>
-                  <a:lin ang="5400000" scaled="1"/>
-                </a:gradFill>
-                <a:latin typeface="나눔고딕" panose="020D0604000000000000" pitchFamily="50" charset="-127"/>
-                <a:ea typeface="나눔고딕" panose="020D0604000000000000" pitchFamily="50" charset="-127"/>
-              </a:rPr>
-              <a:t>  </a:t>
-            </a:r>
-            <a:r>
-              <a:rPr lang="ko-KR" altLang="en-US" dirty="0" smtClean="0">
-                <a:gradFill>
-                  <a:gsLst>
-                    <a:gs pos="0">
-                      <a:srgbClr val="766C62"/>
-                    </a:gs>
-                    <a:gs pos="100000">
-                      <a:srgbClr val="766C62"/>
-                    </a:gs>
-                  </a:gsLst>
-                  <a:lin ang="5400000" scaled="1"/>
-                </a:gradFill>
-                <a:latin typeface="나눔고딕" panose="020D0604000000000000" pitchFamily="50" charset="-127"/>
-                <a:ea typeface="나눔고딕" panose="020D0604000000000000" pitchFamily="50" charset="-127"/>
-              </a:rPr>
-              <a:t>와이어프레임</a:t>
-            </a:r>
-            <a:endParaRPr lang="en-US" altLang="ko-KR" dirty="0" smtClean="0">
-              <a:gradFill>
-                <a:gsLst>
-                  <a:gs pos="0">
-                    <a:srgbClr val="766C62"/>
-                  </a:gs>
-                  <a:gs pos="100000">
-                    <a:srgbClr val="766C62"/>
-                  </a:gs>
-                </a:gsLst>
-                <a:lin ang="5400000" scaled="1"/>
-              </a:gradFill>
-              <a:latin typeface="나눔고딕" panose="020D0604000000000000" pitchFamily="50" charset="-127"/>
-              <a:ea typeface="나눔고딕" panose="020D0604000000000000" pitchFamily="50" charset="-127"/>
-            </a:endParaRPr>
-          </a:p>
-          <a:p>
-            <a:pPr>
-              <a:lnSpc>
-                <a:spcPct val="150000"/>
-              </a:lnSpc>
-              <a:spcBef>
-                <a:spcPts val="1000"/>
-              </a:spcBef>
-            </a:pPr>
-            <a:endParaRPr lang="en-US" altLang="ko-KR" dirty="0" smtClean="0">
-              <a:gradFill>
-                <a:gsLst>
-                  <a:gs pos="0">
-                    <a:srgbClr val="766C62"/>
-                  </a:gs>
-                  <a:gs pos="100000">
-                    <a:srgbClr val="766C62"/>
-                  </a:gs>
-                </a:gsLst>
-                <a:lin ang="5400000" scaled="1"/>
-              </a:gradFill>
-              <a:latin typeface="나눔고딕" panose="020D0604000000000000" pitchFamily="50" charset="-127"/>
-              <a:ea typeface="나눔고딕" panose="020D0604000000000000" pitchFamily="50" charset="-127"/>
-            </a:endParaRPr>
-          </a:p>
-        </p:txBody>
-      </p:sp>
-    </p:spTree>
-    <p:extLst>
-      <p:ext uri="{BB962C8B-B14F-4D97-AF65-F5344CB8AC3E}">
-        <p14:creationId xmlns:p14="http://schemas.microsoft.com/office/powerpoint/2010/main" val="743045004"/>
-      </p:ext>
-    </p:extLst>
-  </p:cSld>
-  <p:clrMapOvr>
-    <a:masterClrMapping/>
-  </p:clrMapOvr>
-  <p:timing>
-    <p:tnLst>
-      <p:par>
-        <p:cTn id="1" dur="indefinite" restart="never" nodeType="tmRoot"/>
-      </p:par>
-    </p:tnLst>
-  </p:timing>
-</p:sld>
-</file>
-
-<file path=ppt/slides/slide20.xml><?xml version="1.0" encoding="utf-8"?>
-<p:sld xmlns:a="http://schemas.openxmlformats.org/drawingml/2006/main" xmlns:r="http://schemas.openxmlformats.org/officeDocument/2006/relationships" xmlns:p="http://schemas.openxmlformats.org/presentationml/2006/main">
-  <p:cSld>
-    <p:spTree>
-      <p:nvGrpSpPr>
-        <p:cNvPr id="1" name=""/>
-        <p:cNvGrpSpPr/>
-        <p:nvPr/>
-      </p:nvGrpSpPr>
-      <p:grpSpPr>
-        <a:xfrm>
-          <a:off x="0" y="0"/>
-          <a:ext cx="0" cy="0"/>
-          <a:chOff x="0" y="0"/>
-          <a:chExt cx="0" cy="0"/>
-        </a:xfrm>
-      </p:grpSpPr>
-      <p:sp>
-        <p:nvSpPr>
-          <p:cNvPr id="4" name="TextBox 3"/>
-          <p:cNvSpPr txBox="1"/>
-          <p:nvPr/>
-        </p:nvSpPr>
-        <p:spPr>
-          <a:xfrm>
-            <a:off x="4433467" y="1997551"/>
-            <a:ext cx="401072" cy="411908"/>
-          </a:xfrm>
-          <a:prstGeom prst="rect">
-            <a:avLst/>
-          </a:prstGeom>
-        </p:spPr>
-        <p:txBody>
-          <a:bodyPr wrap="none" rtlCol="0">
-            <a:spAutoFit/>
-          </a:bodyPr>
-          <a:lstStyle>
-            <a:defPPr>
-              <a:defRPr lang="ko-KR"/>
-            </a:defPPr>
-            <a:lvl1pPr algn="r">
-              <a:lnSpc>
-                <a:spcPct val="150000"/>
-              </a:lnSpc>
-              <a:spcBef>
-                <a:spcPts val="1000"/>
-              </a:spcBef>
-              <a:defRPr sz="1400">
-                <a:gradFill>
-                  <a:gsLst>
-                    <a:gs pos="0">
-                      <a:srgbClr val="766C62"/>
-                    </a:gs>
-                    <a:gs pos="100000">
-                      <a:srgbClr val="766C62"/>
-                    </a:gs>
-                  </a:gsLst>
-                  <a:lin ang="5400000" scaled="1"/>
-                </a:gradFill>
-                <a:latin typeface="나눔고딕" panose="020D0604000000000000" pitchFamily="50" charset="-127"/>
-                <a:ea typeface="나눔고딕" panose="020D0604000000000000" pitchFamily="50" charset="-127"/>
-              </a:defRPr>
-            </a:lvl1pPr>
-          </a:lstStyle>
-          <a:p>
-            <a:pPr algn="ctr"/>
-            <a:r>
-              <a:rPr lang="en-US" altLang="ko-KR" sz="1600" u="sng" dirty="0" smtClean="0">
-                <a:solidFill>
-                  <a:schemeClr val="bg2">
-                    <a:lumMod val="75000"/>
-                  </a:schemeClr>
-                </a:solidFill>
-              </a:rPr>
-              <a:t>I4</a:t>
-            </a:r>
-            <a:endParaRPr lang="ko-KR" altLang="en-US" sz="1600" u="sng" dirty="0">
-              <a:solidFill>
-                <a:schemeClr val="bg2">
-                  <a:lumMod val="75000"/>
-                </a:schemeClr>
-              </a:solidFill>
-            </a:endParaRPr>
-          </a:p>
-        </p:txBody>
-      </p:sp>
-      <p:sp>
-        <p:nvSpPr>
-          <p:cNvPr id="7" name="TextBox 6"/>
-          <p:cNvSpPr txBox="1"/>
-          <p:nvPr/>
-        </p:nvSpPr>
-        <p:spPr>
-          <a:xfrm>
-            <a:off x="1704869" y="4850817"/>
-            <a:ext cx="5734262" cy="253916"/>
-          </a:xfrm>
-          <a:prstGeom prst="rect">
-            <a:avLst/>
-          </a:prstGeom>
-          <a:noFill/>
-        </p:spPr>
-        <p:txBody>
-          <a:bodyPr wrap="none" rtlCol="0">
-            <a:spAutoFit/>
-          </a:bodyPr>
-          <a:lstStyle/>
-          <a:p>
-            <a:pPr algn="ctr"/>
-            <a:r>
-              <a:rPr lang="en-US" altLang="ko-KR" sz="1050" u="sng" spc="-150" dirty="0">
-                <a:gradFill>
-                  <a:gsLst>
-                    <a:gs pos="0">
-                      <a:schemeClr val="bg1">
-                        <a:lumMod val="85000"/>
-                      </a:schemeClr>
-                    </a:gs>
-                    <a:gs pos="100000">
-                      <a:schemeClr val="bg1">
-                        <a:lumMod val="85000"/>
-                      </a:schemeClr>
-                    </a:gs>
-                  </a:gsLst>
-                  <a:lin ang="5400000" scaled="1"/>
-                </a:gradFill>
-                <a:latin typeface="나눔고딕" panose="020D0604000000000000" pitchFamily="50" charset="-127"/>
-                <a:ea typeface="나눔고딕" panose="020D0604000000000000" pitchFamily="50" charset="-127"/>
-              </a:rPr>
-              <a:t>ever since the 1500s, when an unknown printer took a galley of type and scrambled it to make a type specimen</a:t>
-            </a:r>
-            <a:endParaRPr lang="ko-KR" altLang="en-US" sz="1050" u="sng" spc="-150" dirty="0">
-              <a:gradFill>
-                <a:gsLst>
-                  <a:gs pos="0">
-                    <a:schemeClr val="bg1">
-                      <a:lumMod val="85000"/>
-                    </a:schemeClr>
-                  </a:gs>
-                  <a:gs pos="100000">
-                    <a:schemeClr val="bg1">
-                      <a:lumMod val="85000"/>
-                    </a:schemeClr>
-                  </a:gs>
-                </a:gsLst>
-                <a:lin ang="5400000" scaled="1"/>
-              </a:gradFill>
-              <a:latin typeface="나눔고딕" panose="020D0604000000000000" pitchFamily="50" charset="-127"/>
-              <a:ea typeface="나눔고딕" panose="020D0604000000000000" pitchFamily="50" charset="-127"/>
-            </a:endParaRPr>
-          </a:p>
-        </p:txBody>
-      </p:sp>
-      <p:sp>
-        <p:nvSpPr>
-          <p:cNvPr id="9" name="TextBox 8"/>
-          <p:cNvSpPr txBox="1"/>
-          <p:nvPr/>
-        </p:nvSpPr>
-        <p:spPr>
-          <a:xfrm>
-            <a:off x="3370676" y="2913919"/>
-            <a:ext cx="2526654" cy="307777"/>
-          </a:xfrm>
-          <a:prstGeom prst="rect">
-            <a:avLst/>
-          </a:prstGeom>
-        </p:spPr>
-        <p:txBody>
-          <a:bodyPr wrap="none" rtlCol="0">
-            <a:spAutoFit/>
-          </a:bodyPr>
-          <a:lstStyle>
-            <a:defPPr>
-              <a:defRPr lang="ko-KR"/>
-            </a:defPPr>
-            <a:lvl1pPr algn="r">
-              <a:lnSpc>
-                <a:spcPct val="150000"/>
-              </a:lnSpc>
-              <a:spcBef>
-                <a:spcPts val="1000"/>
-              </a:spcBef>
-              <a:defRPr sz="1400">
-                <a:gradFill>
-                  <a:gsLst>
-                    <a:gs pos="0">
-                      <a:srgbClr val="766C62"/>
-                    </a:gs>
-                    <a:gs pos="100000">
-                      <a:srgbClr val="766C62"/>
-                    </a:gs>
-                  </a:gsLst>
-                  <a:lin ang="5400000" scaled="1"/>
-                </a:gradFill>
-                <a:latin typeface="나눔고딕" panose="020D0604000000000000" pitchFamily="50" charset="-127"/>
-                <a:ea typeface="나눔고딕" panose="020D0604000000000000" pitchFamily="50" charset="-127"/>
-              </a:defRPr>
-            </a:lvl1pPr>
-          </a:lstStyle>
-          <a:p>
-            <a:pPr algn="ctr">
-              <a:lnSpc>
-                <a:spcPct val="100000"/>
-              </a:lnSpc>
-            </a:pPr>
-            <a:r>
-              <a:rPr lang="ko-KR" altLang="en-US" dirty="0" err="1" smtClean="0"/>
-              <a:t>연제승</a:t>
-            </a:r>
-            <a:r>
-              <a:rPr lang="ko-KR" altLang="en-US" dirty="0" smtClean="0"/>
-              <a:t> 신혜진 </a:t>
-            </a:r>
-            <a:r>
-              <a:rPr lang="ko-KR" altLang="en-US" dirty="0" err="1" smtClean="0"/>
-              <a:t>남우리</a:t>
-            </a:r>
-            <a:r>
-              <a:rPr lang="ko-KR" altLang="en-US" dirty="0" smtClean="0"/>
-              <a:t> 설수현</a:t>
-            </a:r>
-            <a:endParaRPr lang="en-US" altLang="ko-KR" b="1" dirty="0"/>
-          </a:p>
-        </p:txBody>
-      </p:sp>
-      <p:sp>
-        <p:nvSpPr>
-          <p:cNvPr id="6" name="TextBox 5"/>
-          <p:cNvSpPr txBox="1"/>
-          <p:nvPr/>
-        </p:nvSpPr>
-        <p:spPr>
-          <a:xfrm>
-            <a:off x="1828876" y="2369301"/>
-            <a:ext cx="5610255" cy="584775"/>
-          </a:xfrm>
-          <a:prstGeom prst="rect">
-            <a:avLst/>
-          </a:prstGeom>
-        </p:spPr>
-        <p:txBody>
-          <a:bodyPr wrap="none" rtlCol="0">
-            <a:spAutoFit/>
-          </a:bodyPr>
-          <a:lstStyle>
-            <a:defPPr>
-              <a:defRPr lang="ko-KR"/>
-            </a:defPPr>
-            <a:lvl1pPr algn="r">
-              <a:lnSpc>
-                <a:spcPct val="150000"/>
-              </a:lnSpc>
-              <a:spcBef>
-                <a:spcPts val="1000"/>
-              </a:spcBef>
-              <a:defRPr sz="1400">
-                <a:gradFill>
-                  <a:gsLst>
-                    <a:gs pos="0">
-                      <a:srgbClr val="766C62"/>
-                    </a:gs>
-                    <a:gs pos="100000">
-                      <a:srgbClr val="766C62"/>
-                    </a:gs>
-                  </a:gsLst>
-                  <a:lin ang="5400000" scaled="1"/>
-                </a:gradFill>
-                <a:latin typeface="나눔고딕" panose="020D0604000000000000" pitchFamily="50" charset="-127"/>
-                <a:ea typeface="나눔고딕" panose="020D0604000000000000" pitchFamily="50" charset="-127"/>
-              </a:defRPr>
-            </a:lvl1pPr>
-          </a:lstStyle>
-          <a:p>
-            <a:pPr>
-              <a:lnSpc>
-                <a:spcPct val="100000"/>
-              </a:lnSpc>
-            </a:pPr>
-            <a:r>
-              <a:rPr lang="en-US" altLang="ko-KR" sz="3200" u="sng" dirty="0" smtClean="0">
-                <a:gradFill>
-                  <a:gsLst>
-                    <a:gs pos="0">
-                      <a:srgbClr val="FFC000"/>
-                    </a:gs>
-                    <a:gs pos="100000">
-                      <a:srgbClr val="FFC000"/>
-                    </a:gs>
-                  </a:gsLst>
-                  <a:lin ang="5400000" scaled="1"/>
-                </a:gradFill>
-                <a:latin typeface="나눔고딕 ExtraBold" panose="020D0904000000000000" pitchFamily="50" charset="-127"/>
-                <a:ea typeface="나눔고딕 ExtraBold" panose="020D0904000000000000" pitchFamily="50" charset="-127"/>
-              </a:rPr>
-              <a:t>HTML/CSS Team </a:t>
-            </a:r>
-            <a:r>
-              <a:rPr lang="en-US" altLang="ko-KR" sz="3200" u="sng" dirty="0">
-                <a:gradFill>
-                  <a:gsLst>
-                    <a:gs pos="0">
-                      <a:srgbClr val="FFC000"/>
-                    </a:gs>
-                    <a:gs pos="100000">
-                      <a:srgbClr val="FFC000"/>
-                    </a:gs>
-                  </a:gsLst>
-                  <a:lin ang="5400000" scaled="1"/>
-                </a:gradFill>
-                <a:latin typeface="나눔고딕 ExtraBold" panose="020D0904000000000000" pitchFamily="50" charset="-127"/>
-                <a:ea typeface="나눔고딕 ExtraBold" panose="020D0904000000000000" pitchFamily="50" charset="-127"/>
-              </a:rPr>
-              <a:t>Project</a:t>
-            </a:r>
-          </a:p>
-        </p:txBody>
-      </p:sp>
-    </p:spTree>
-    <p:extLst>
-      <p:ext uri="{BB962C8B-B14F-4D97-AF65-F5344CB8AC3E}">
-        <p14:creationId xmlns:p14="http://schemas.microsoft.com/office/powerpoint/2010/main" val="3002995531"/>
-      </p:ext>
-    </p:extLst>
-  </p:cSld>
-  <p:clrMapOvr>
-    <a:masterClrMapping/>
-  </p:clrMapOvr>
-  <p:timing>
-    <p:tnLst>
-      <p:par>
-        <p:cTn id="1" dur="indefinite" restart="never" nodeType="tmRoot"/>
-      </p:par>
-    </p:tnLst>
-  </p:timing>
-</p:sld>
-</file>
-
-<file path=ppt/slides/slide3.xml><?xml version="1.0" encoding="utf-8"?>
-<p:sld xmlns:a="http://schemas.openxmlformats.org/drawingml/2006/main" xmlns:r="http://schemas.openxmlformats.org/officeDocument/2006/relationships" xmlns:p="http://schemas.openxmlformats.org/presentationml/2006/main">
-  <p:cSld>
-    <p:spTree>
-      <p:nvGrpSpPr>
-        <p:cNvPr id="1" name=""/>
-        <p:cNvGrpSpPr/>
-        <p:nvPr/>
-      </p:nvGrpSpPr>
-      <p:grpSpPr>
-        <a:xfrm>
-          <a:off x="0" y="0"/>
-          <a:ext cx="0" cy="0"/>
-          <a:chOff x="0" y="0"/>
-          <a:chExt cx="0" cy="0"/>
-        </a:xfrm>
-      </p:grpSpPr>
-      <p:sp>
-        <p:nvSpPr>
-          <p:cNvPr id="3" name="TextBox 2"/>
-          <p:cNvSpPr txBox="1"/>
-          <p:nvPr/>
-        </p:nvSpPr>
-        <p:spPr>
-          <a:xfrm>
-            <a:off x="1766841" y="2970287"/>
-            <a:ext cx="5610318" cy="1205458"/>
-          </a:xfrm>
-          <a:prstGeom prst="rect">
-            <a:avLst/>
-          </a:prstGeom>
-        </p:spPr>
-        <p:txBody>
-          <a:bodyPr wrap="none" rtlCol="0">
-            <a:spAutoFit/>
-          </a:bodyPr>
-          <a:lstStyle>
-            <a:defPPr>
-              <a:defRPr lang="ko-KR"/>
-            </a:defPPr>
-            <a:lvl1pPr algn="r">
-              <a:lnSpc>
-                <a:spcPct val="150000"/>
-              </a:lnSpc>
-              <a:spcBef>
-                <a:spcPts val="1000"/>
-              </a:spcBef>
-              <a:defRPr sz="1400">
-                <a:gradFill>
-                  <a:gsLst>
-                    <a:gs pos="0">
-                      <a:srgbClr val="766C62"/>
-                    </a:gs>
-                    <a:gs pos="100000">
-                      <a:srgbClr val="766C62"/>
-                    </a:gs>
-                  </a:gsLst>
-                  <a:lin ang="5400000" scaled="1"/>
-                </a:gradFill>
-                <a:latin typeface="나눔고딕" panose="020D0604000000000000" pitchFamily="50" charset="-127"/>
-                <a:ea typeface="나눔고딕" panose="020D0604000000000000" pitchFamily="50" charset="-127"/>
-              </a:defRPr>
-            </a:lvl1pPr>
-          </a:lstStyle>
-          <a:p>
-            <a:pPr>
-              <a:lnSpc>
-                <a:spcPct val="100000"/>
-              </a:lnSpc>
-            </a:pPr>
-            <a:r>
-              <a:rPr lang="en-US" altLang="ko-KR" sz="3200" dirty="0">
-                <a:gradFill>
-                  <a:gsLst>
-                    <a:gs pos="0">
-                      <a:srgbClr val="FFC000"/>
-                    </a:gs>
-                    <a:gs pos="100000">
-                      <a:srgbClr val="FFC000"/>
-                    </a:gs>
-                  </a:gsLst>
-                  <a:lin ang="5400000" scaled="1"/>
-                </a:gradFill>
-                <a:latin typeface="나눔고딕 ExtraBold" panose="020D0904000000000000" pitchFamily="50" charset="-127"/>
-                <a:ea typeface="나눔고딕 ExtraBold" panose="020D0904000000000000" pitchFamily="50" charset="-127"/>
-              </a:rPr>
-              <a:t>HTML/CSS Team Project</a:t>
-            </a:r>
-          </a:p>
-          <a:p>
-            <a:pPr>
-              <a:lnSpc>
-                <a:spcPct val="100000"/>
-              </a:lnSpc>
-            </a:pPr>
-            <a:endParaRPr lang="en-US" altLang="ko-KR" sz="3200" dirty="0">
-              <a:gradFill>
-                <a:gsLst>
-                  <a:gs pos="0">
-                    <a:srgbClr val="FFC000"/>
-                  </a:gs>
-                  <a:gs pos="100000">
-                    <a:srgbClr val="FFC000"/>
-                  </a:gs>
-                </a:gsLst>
-                <a:lin ang="5400000" scaled="1"/>
-              </a:gradFill>
-              <a:latin typeface="나눔고딕 ExtraBold" panose="020D0904000000000000" pitchFamily="50" charset="-127"/>
-              <a:ea typeface="나눔고딕 ExtraBold" panose="020D0904000000000000" pitchFamily="50" charset="-127"/>
-            </a:endParaRPr>
-          </a:p>
-        </p:txBody>
-      </p:sp>
-      <p:sp>
-        <p:nvSpPr>
-          <p:cNvPr id="4" name="TextBox 3"/>
-          <p:cNvSpPr txBox="1"/>
-          <p:nvPr/>
-        </p:nvSpPr>
-        <p:spPr>
-          <a:xfrm>
-            <a:off x="3635896" y="3573016"/>
-            <a:ext cx="1566454" cy="369332"/>
-          </a:xfrm>
-          <a:prstGeom prst="rect">
-            <a:avLst/>
-          </a:prstGeom>
-        </p:spPr>
-        <p:txBody>
-          <a:bodyPr wrap="none" rtlCol="0">
-            <a:spAutoFit/>
-          </a:bodyPr>
-          <a:lstStyle>
-            <a:defPPr>
-              <a:defRPr lang="ko-KR"/>
-            </a:defPPr>
-            <a:lvl1pPr algn="r">
-              <a:lnSpc>
-                <a:spcPct val="150000"/>
-              </a:lnSpc>
-              <a:spcBef>
-                <a:spcPts val="1000"/>
-              </a:spcBef>
-              <a:defRPr sz="1400">
-                <a:gradFill>
-                  <a:gsLst>
-                    <a:gs pos="0">
-                      <a:srgbClr val="766C62"/>
-                    </a:gs>
-                    <a:gs pos="100000">
-                      <a:srgbClr val="766C62"/>
-                    </a:gs>
-                  </a:gsLst>
-                  <a:lin ang="5400000" scaled="1"/>
-                </a:gradFill>
-                <a:latin typeface="나눔고딕" panose="020D0604000000000000" pitchFamily="50" charset="-127"/>
-                <a:ea typeface="나눔고딕" panose="020D0604000000000000" pitchFamily="50" charset="-127"/>
-              </a:defRPr>
-            </a:lvl1pPr>
-          </a:lstStyle>
-          <a:p>
-            <a:pPr>
-              <a:lnSpc>
-                <a:spcPct val="100000"/>
-              </a:lnSpc>
-            </a:pPr>
-            <a:r>
-              <a:rPr lang="en-US" altLang="ko-KR" sz="1800" b="1" dirty="0" smtClean="0"/>
-              <a:t>01 </a:t>
-            </a:r>
-            <a:r>
-              <a:rPr lang="ko-KR" altLang="en-US" sz="1800" dirty="0" smtClean="0"/>
-              <a:t>팀원 소개</a:t>
-            </a:r>
-            <a:endParaRPr lang="en-US" altLang="ko-KR" sz="1800" b="1" dirty="0" smtClean="0"/>
-          </a:p>
-        </p:txBody>
-      </p:sp>
-      <p:pic>
-        <p:nvPicPr>
-          <p:cNvPr id="2" name="그림 1" descr="화면 캡처"/>
-          <p:cNvPicPr>
-            <a:picLocks noChangeAspect="1"/>
-          </p:cNvPicPr>
-          <p:nvPr/>
-        </p:nvPicPr>
-        <p:blipFill>
-          <a:blip r:embed="rId3">
-            <a:extLst>
-              <a:ext uri="{28A0092B-C50C-407E-A947-70E740481C1C}">
-                <a14:useLocalDpi xmlns:a14="http://schemas.microsoft.com/office/drawing/2010/main" val="0"/>
-              </a:ext>
-            </a:extLst>
-          </a:blip>
-          <a:stretch>
-            <a:fillRect/>
-          </a:stretch>
-        </p:blipFill>
-        <p:spPr>
-          <a:xfrm>
-            <a:off x="-5348" y="5157192"/>
-            <a:ext cx="9144000" cy="1700808"/>
-          </a:xfrm>
-          <a:prstGeom prst="rect">
-            <a:avLst/>
-          </a:prstGeom>
-        </p:spPr>
-      </p:pic>
-    </p:spTree>
-    <p:extLst>
-      <p:ext uri="{BB962C8B-B14F-4D97-AF65-F5344CB8AC3E}">
-        <p14:creationId xmlns:p14="http://schemas.microsoft.com/office/powerpoint/2010/main" val="2796836606"/>
-      </p:ext>
-    </p:extLst>
-  </p:cSld>
-  <p:clrMapOvr>
-    <a:masterClrMapping/>
-  </p:clrMapOvr>
-  <p:timing>
-    <p:tnLst>
-      <p:par>
-        <p:cTn id="1" dur="indefinite" restart="never" nodeType="tmRoot"/>
-      </p:par>
-    </p:tnLst>
-  </p:timing>
-</p:sld>
-</file>
-
-<file path=ppt/slides/slide4.xml><?xml version="1.0" encoding="utf-8"?>
-<p:sld xmlns:a="http://schemas.openxmlformats.org/drawingml/2006/main" xmlns:r="http://schemas.openxmlformats.org/officeDocument/2006/relationships" xmlns:p="http://schemas.openxmlformats.org/presentationml/2006/main">
-  <p:cSld>
-    <p:spTree>
-      <p:nvGrpSpPr>
-        <p:cNvPr id="1" name=""/>
-        <p:cNvGrpSpPr/>
-        <p:nvPr/>
-      </p:nvGrpSpPr>
-      <p:grpSpPr>
-        <a:xfrm>
-          <a:off x="0" y="0"/>
-          <a:ext cx="0" cy="0"/>
-          <a:chOff x="0" y="0"/>
-          <a:chExt cx="0" cy="0"/>
-        </a:xfrm>
-      </p:grpSpPr>
-      <p:sp>
-        <p:nvSpPr>
-          <p:cNvPr id="3" name="TextBox 2"/>
-          <p:cNvSpPr txBox="1"/>
-          <p:nvPr/>
-        </p:nvSpPr>
-        <p:spPr>
-          <a:xfrm>
-            <a:off x="1766841" y="2970287"/>
-            <a:ext cx="5610318" cy="1205458"/>
-          </a:xfrm>
-          <a:prstGeom prst="rect">
-            <a:avLst/>
-          </a:prstGeom>
-        </p:spPr>
-        <p:txBody>
-          <a:bodyPr wrap="none" rtlCol="0">
-            <a:spAutoFit/>
-          </a:bodyPr>
-          <a:lstStyle>
-            <a:defPPr>
-              <a:defRPr lang="ko-KR"/>
-            </a:defPPr>
-            <a:lvl1pPr algn="r">
-              <a:lnSpc>
-                <a:spcPct val="150000"/>
-              </a:lnSpc>
-              <a:spcBef>
-                <a:spcPts val="1000"/>
-              </a:spcBef>
-              <a:defRPr sz="1400">
-                <a:gradFill>
-                  <a:gsLst>
-                    <a:gs pos="0">
-                      <a:srgbClr val="766C62"/>
-                    </a:gs>
-                    <a:gs pos="100000">
-                      <a:srgbClr val="766C62"/>
-                    </a:gs>
-                  </a:gsLst>
-                  <a:lin ang="5400000" scaled="1"/>
-                </a:gradFill>
-                <a:latin typeface="나눔고딕" panose="020D0604000000000000" pitchFamily="50" charset="-127"/>
-                <a:ea typeface="나눔고딕" panose="020D0604000000000000" pitchFamily="50" charset="-127"/>
-              </a:defRPr>
-            </a:lvl1pPr>
-          </a:lstStyle>
-          <a:p>
-            <a:pPr>
-              <a:lnSpc>
-                <a:spcPct val="100000"/>
-              </a:lnSpc>
-            </a:pPr>
-            <a:r>
-              <a:rPr lang="en-US" altLang="ko-KR" sz="3200" dirty="0">
-                <a:gradFill>
-                  <a:gsLst>
-                    <a:gs pos="0">
-                      <a:srgbClr val="FFC000"/>
-                    </a:gs>
-                    <a:gs pos="100000">
-                      <a:srgbClr val="FFC000"/>
-                    </a:gs>
-                  </a:gsLst>
-                  <a:lin ang="5400000" scaled="1"/>
-                </a:gradFill>
-                <a:latin typeface="나눔고딕 ExtraBold" panose="020D0904000000000000" pitchFamily="50" charset="-127"/>
-                <a:ea typeface="나눔고딕 ExtraBold" panose="020D0904000000000000" pitchFamily="50" charset="-127"/>
-              </a:rPr>
-              <a:t>HTML/CSS Team Project</a:t>
-            </a:r>
-          </a:p>
-          <a:p>
-            <a:pPr>
-              <a:lnSpc>
-                <a:spcPct val="100000"/>
-              </a:lnSpc>
-            </a:pPr>
-            <a:endParaRPr lang="en-US" altLang="ko-KR" sz="3200" dirty="0">
-              <a:gradFill>
-                <a:gsLst>
-                  <a:gs pos="0">
-                    <a:srgbClr val="FFC000"/>
-                  </a:gs>
-                  <a:gs pos="100000">
-                    <a:srgbClr val="FFC000"/>
-                  </a:gs>
-                </a:gsLst>
-                <a:lin ang="5400000" scaled="1"/>
-              </a:gradFill>
-              <a:latin typeface="나눔고딕 ExtraBold" panose="020D0904000000000000" pitchFamily="50" charset="-127"/>
-              <a:ea typeface="나눔고딕 ExtraBold" panose="020D0904000000000000" pitchFamily="50" charset="-127"/>
-            </a:endParaRPr>
-          </a:p>
-        </p:txBody>
-      </p:sp>
-      <p:sp>
-        <p:nvSpPr>
-          <p:cNvPr id="4" name="TextBox 3"/>
-          <p:cNvSpPr txBox="1"/>
-          <p:nvPr/>
-        </p:nvSpPr>
-        <p:spPr>
-          <a:xfrm>
-            <a:off x="3347864" y="3645024"/>
-            <a:ext cx="2028119" cy="369332"/>
-          </a:xfrm>
-          <a:prstGeom prst="rect">
-            <a:avLst/>
-          </a:prstGeom>
-        </p:spPr>
-        <p:txBody>
-          <a:bodyPr wrap="none" rtlCol="0">
-            <a:spAutoFit/>
-          </a:bodyPr>
-          <a:lstStyle>
-            <a:defPPr>
-              <a:defRPr lang="ko-KR"/>
-            </a:defPPr>
-            <a:lvl1pPr algn="r">
-              <a:lnSpc>
-                <a:spcPct val="150000"/>
-              </a:lnSpc>
-              <a:spcBef>
-                <a:spcPts val="1000"/>
-              </a:spcBef>
-              <a:defRPr sz="1400">
-                <a:gradFill>
-                  <a:gsLst>
-                    <a:gs pos="0">
-                      <a:srgbClr val="766C62"/>
-                    </a:gs>
-                    <a:gs pos="100000">
-                      <a:srgbClr val="766C62"/>
-                    </a:gs>
-                  </a:gsLst>
-                  <a:lin ang="5400000" scaled="1"/>
-                </a:gradFill>
-                <a:latin typeface="나눔고딕" panose="020D0604000000000000" pitchFamily="50" charset="-127"/>
-                <a:ea typeface="나눔고딕" panose="020D0604000000000000" pitchFamily="50" charset="-127"/>
-              </a:defRPr>
-            </a:lvl1pPr>
-          </a:lstStyle>
-          <a:p>
-            <a:pPr>
-              <a:lnSpc>
-                <a:spcPct val="100000"/>
-              </a:lnSpc>
-            </a:pPr>
-            <a:r>
-              <a:rPr lang="en-US" altLang="ko-KR" sz="1800" b="1" dirty="0" smtClean="0"/>
-              <a:t>02 </a:t>
-            </a:r>
-            <a:r>
-              <a:rPr lang="ko-KR" altLang="en-US" sz="1800" dirty="0" smtClean="0"/>
-              <a:t>프로젝트 소개</a:t>
-            </a:r>
-            <a:endParaRPr lang="en-US" altLang="ko-KR" sz="1800" dirty="0" smtClean="0"/>
-          </a:p>
-        </p:txBody>
-      </p:sp>
-      <p:pic>
-        <p:nvPicPr>
-          <p:cNvPr id="2" name="그림 1" descr="화면 캡처"/>
-          <p:cNvPicPr>
-            <a:picLocks noChangeAspect="1"/>
-          </p:cNvPicPr>
-          <p:nvPr/>
-        </p:nvPicPr>
-        <p:blipFill>
-          <a:blip r:embed="rId3">
-            <a:extLst>
-              <a:ext uri="{28A0092B-C50C-407E-A947-70E740481C1C}">
-                <a14:useLocalDpi xmlns:a14="http://schemas.microsoft.com/office/drawing/2010/main" val="0"/>
-              </a:ext>
-            </a:extLst>
-          </a:blip>
-          <a:stretch>
-            <a:fillRect/>
-          </a:stretch>
-        </p:blipFill>
-        <p:spPr>
-          <a:xfrm>
-            <a:off x="-5348" y="5157192"/>
-            <a:ext cx="9144000" cy="1700808"/>
-          </a:xfrm>
-          <a:prstGeom prst="rect">
-            <a:avLst/>
-          </a:prstGeom>
-        </p:spPr>
-      </p:pic>
-    </p:spTree>
-    <p:extLst>
-      <p:ext uri="{BB962C8B-B14F-4D97-AF65-F5344CB8AC3E}">
-        <p14:creationId xmlns:p14="http://schemas.microsoft.com/office/powerpoint/2010/main" val="423248507"/>
-      </p:ext>
-    </p:extLst>
-  </p:cSld>
-  <p:clrMapOvr>
-    <a:masterClrMapping/>
-  </p:clrMapOvr>
-  <p:timing>
-    <p:tnLst>
-      <p:par>
-        <p:cTn id="1" dur="indefinite" restart="never" nodeType="tmRoot"/>
-      </p:par>
-    </p:tnLst>
-  </p:timing>
-</p:sld>
-</file>
-
-<file path=ppt/slides/slide5.xml><?xml version="1.0" encoding="utf-8"?>
-<p:sld xmlns:a="http://schemas.openxmlformats.org/drawingml/2006/main" xmlns:r="http://schemas.openxmlformats.org/officeDocument/2006/relationships" xmlns:p="http://schemas.openxmlformats.org/presentationml/2006/main">
-  <p:cSld>
-    <p:spTree>
-      <p:nvGrpSpPr>
-        <p:cNvPr id="1" name=""/>
-        <p:cNvGrpSpPr/>
-        <p:nvPr/>
-      </p:nvGrpSpPr>
-      <p:grpSpPr>
-        <a:xfrm>
-          <a:off x="0" y="0"/>
-          <a:ext cx="0" cy="0"/>
-          <a:chOff x="0" y="0"/>
-          <a:chExt cx="0" cy="0"/>
-        </a:xfrm>
-      </p:grpSpPr>
-      <p:sp>
-        <p:nvSpPr>
-          <p:cNvPr id="3" name="TextBox 2"/>
-          <p:cNvSpPr txBox="1"/>
-          <p:nvPr/>
-        </p:nvSpPr>
-        <p:spPr>
-          <a:xfrm>
-            <a:off x="1766841" y="2970287"/>
-            <a:ext cx="5610318" cy="1205458"/>
-          </a:xfrm>
-          <a:prstGeom prst="rect">
-            <a:avLst/>
-          </a:prstGeom>
-        </p:spPr>
-        <p:txBody>
-          <a:bodyPr wrap="none" rtlCol="0">
-            <a:spAutoFit/>
-          </a:bodyPr>
-          <a:lstStyle>
-            <a:defPPr>
-              <a:defRPr lang="ko-KR"/>
-            </a:defPPr>
-            <a:lvl1pPr algn="r">
-              <a:lnSpc>
-                <a:spcPct val="150000"/>
-              </a:lnSpc>
-              <a:spcBef>
-                <a:spcPts val="1000"/>
-              </a:spcBef>
-              <a:defRPr sz="1400">
-                <a:gradFill>
-                  <a:gsLst>
-                    <a:gs pos="0">
-                      <a:srgbClr val="766C62"/>
-                    </a:gs>
-                    <a:gs pos="100000">
-                      <a:srgbClr val="766C62"/>
-                    </a:gs>
-                  </a:gsLst>
-                  <a:lin ang="5400000" scaled="1"/>
-                </a:gradFill>
-                <a:latin typeface="나눔고딕" panose="020D0604000000000000" pitchFamily="50" charset="-127"/>
-                <a:ea typeface="나눔고딕" panose="020D0604000000000000" pitchFamily="50" charset="-127"/>
-              </a:defRPr>
-            </a:lvl1pPr>
-          </a:lstStyle>
-          <a:p>
-            <a:pPr>
-              <a:lnSpc>
-                <a:spcPct val="100000"/>
-              </a:lnSpc>
-            </a:pPr>
-            <a:r>
-              <a:rPr lang="en-US" altLang="ko-KR" sz="3200" dirty="0">
-                <a:gradFill>
-                  <a:gsLst>
-                    <a:gs pos="0">
-                      <a:srgbClr val="FFC000"/>
-                    </a:gs>
-                    <a:gs pos="100000">
-                      <a:srgbClr val="FFC000"/>
-                    </a:gs>
-                  </a:gsLst>
-                  <a:lin ang="5400000" scaled="1"/>
-                </a:gradFill>
-                <a:latin typeface="나눔고딕 ExtraBold" panose="020D0904000000000000" pitchFamily="50" charset="-127"/>
-                <a:ea typeface="나눔고딕 ExtraBold" panose="020D0904000000000000" pitchFamily="50" charset="-127"/>
-              </a:rPr>
-              <a:t>HTML/CSS Team Project</a:t>
-            </a:r>
-          </a:p>
-          <a:p>
-            <a:pPr>
-              <a:lnSpc>
-                <a:spcPct val="100000"/>
-              </a:lnSpc>
-            </a:pPr>
-            <a:endParaRPr lang="en-US" altLang="ko-KR" sz="3200" dirty="0">
-              <a:gradFill>
-                <a:gsLst>
-                  <a:gs pos="0">
-                    <a:srgbClr val="FFC000"/>
-                  </a:gs>
-                  <a:gs pos="100000">
-                    <a:srgbClr val="FFC000"/>
-                  </a:gs>
-                </a:gsLst>
-                <a:lin ang="5400000" scaled="1"/>
-              </a:gradFill>
-              <a:latin typeface="나눔고딕 ExtraBold" panose="020D0904000000000000" pitchFamily="50" charset="-127"/>
-              <a:ea typeface="나눔고딕 ExtraBold" panose="020D0904000000000000" pitchFamily="50" charset="-127"/>
-            </a:endParaRPr>
-          </a:p>
-        </p:txBody>
-      </p:sp>
-      <p:sp>
-        <p:nvSpPr>
-          <p:cNvPr id="4" name="TextBox 3"/>
-          <p:cNvSpPr txBox="1"/>
-          <p:nvPr/>
-        </p:nvSpPr>
-        <p:spPr>
-          <a:xfrm>
-            <a:off x="3824301" y="3645024"/>
-            <a:ext cx="1484702" cy="369332"/>
-          </a:xfrm>
-          <a:prstGeom prst="rect">
-            <a:avLst/>
-          </a:prstGeom>
-        </p:spPr>
-        <p:txBody>
-          <a:bodyPr wrap="none" rtlCol="0">
-            <a:spAutoFit/>
-          </a:bodyPr>
-          <a:lstStyle>
-            <a:defPPr>
-              <a:defRPr lang="ko-KR"/>
-            </a:defPPr>
-            <a:lvl1pPr algn="r">
-              <a:lnSpc>
-                <a:spcPct val="150000"/>
-              </a:lnSpc>
-              <a:spcBef>
-                <a:spcPts val="1000"/>
-              </a:spcBef>
-              <a:defRPr sz="1400">
-                <a:gradFill>
-                  <a:gsLst>
-                    <a:gs pos="0">
-                      <a:srgbClr val="766C62"/>
-                    </a:gs>
-                    <a:gs pos="100000">
-                      <a:srgbClr val="766C62"/>
-                    </a:gs>
-                  </a:gsLst>
-                  <a:lin ang="5400000" scaled="1"/>
-                </a:gradFill>
-                <a:latin typeface="나눔고딕" panose="020D0604000000000000" pitchFamily="50" charset="-127"/>
-                <a:ea typeface="나눔고딕" panose="020D0604000000000000" pitchFamily="50" charset="-127"/>
-              </a:defRPr>
-            </a:lvl1pPr>
-          </a:lstStyle>
-          <a:p>
-            <a:pPr>
-              <a:lnSpc>
-                <a:spcPct val="100000"/>
-              </a:lnSpc>
-            </a:pPr>
-            <a:r>
-              <a:rPr lang="en-US" altLang="ko-KR" sz="1800" b="1" dirty="0" smtClean="0"/>
-              <a:t>03 </a:t>
-            </a:r>
-            <a:r>
-              <a:rPr lang="ko-KR" altLang="en-US" sz="1800" dirty="0" smtClean="0"/>
-              <a:t>기획의도</a:t>
-            </a:r>
-            <a:endParaRPr lang="en-US" altLang="ko-KR" sz="1800" dirty="0" smtClean="0"/>
-          </a:p>
-        </p:txBody>
-      </p:sp>
-      <p:pic>
-        <p:nvPicPr>
-          <p:cNvPr id="2" name="그림 1" descr="화면 캡처"/>
-          <p:cNvPicPr>
-            <a:picLocks noChangeAspect="1"/>
-          </p:cNvPicPr>
-          <p:nvPr/>
-        </p:nvPicPr>
-        <p:blipFill>
-          <a:blip r:embed="rId3">
-            <a:extLst>
-              <a:ext uri="{28A0092B-C50C-407E-A947-70E740481C1C}">
-                <a14:useLocalDpi xmlns:a14="http://schemas.microsoft.com/office/drawing/2010/main" val="0"/>
-              </a:ext>
-            </a:extLst>
-          </a:blip>
-          <a:stretch>
-            <a:fillRect/>
-          </a:stretch>
-        </p:blipFill>
-        <p:spPr>
-          <a:xfrm>
-            <a:off x="-5348" y="5157192"/>
-            <a:ext cx="9144000" cy="1700808"/>
-          </a:xfrm>
-          <a:prstGeom prst="rect">
-            <a:avLst/>
-          </a:prstGeom>
-        </p:spPr>
-      </p:pic>
-    </p:spTree>
-    <p:extLst>
-      <p:ext uri="{BB962C8B-B14F-4D97-AF65-F5344CB8AC3E}">
-        <p14:creationId xmlns:p14="http://schemas.microsoft.com/office/powerpoint/2010/main" val="216330100"/>
-      </p:ext>
-    </p:extLst>
-  </p:cSld>
-  <p:clrMapOvr>
-    <a:masterClrMapping/>
-  </p:clrMapOvr>
-  <p:timing>
-    <p:tnLst>
-      <p:par>
-        <p:cTn id="1" dur="indefinite" restart="never" nodeType="tmRoot"/>
-      </p:par>
-    </p:tnLst>
-  </p:timing>
-</p:sld>
-</file>
-
-<file path=ppt/slides/slide6.xml><?xml version="1.0" encoding="utf-8"?>
-<p:sld xmlns:a="http://schemas.openxmlformats.org/drawingml/2006/main" xmlns:r="http://schemas.openxmlformats.org/officeDocument/2006/relationships" xmlns:p="http://schemas.openxmlformats.org/presentationml/2006/main">
-  <p:cSld>
-    <p:spTree>
-      <p:nvGrpSpPr>
-        <p:cNvPr id="1" name=""/>
-        <p:cNvGrpSpPr/>
-        <p:nvPr/>
-      </p:nvGrpSpPr>
-      <p:grpSpPr>
-        <a:xfrm>
-          <a:off x="0" y="0"/>
-          <a:ext cx="0" cy="0"/>
-          <a:chOff x="0" y="0"/>
-          <a:chExt cx="0" cy="0"/>
-        </a:xfrm>
-      </p:grpSpPr>
-      <p:sp>
-        <p:nvSpPr>
-          <p:cNvPr id="3" name="TextBox 2"/>
-          <p:cNvSpPr txBox="1"/>
-          <p:nvPr/>
-        </p:nvSpPr>
-        <p:spPr>
-          <a:xfrm>
-            <a:off x="1766841" y="2970287"/>
-            <a:ext cx="5610318" cy="1205458"/>
-          </a:xfrm>
-          <a:prstGeom prst="rect">
-            <a:avLst/>
-          </a:prstGeom>
-        </p:spPr>
-        <p:txBody>
-          <a:bodyPr wrap="none" rtlCol="0">
-            <a:spAutoFit/>
-          </a:bodyPr>
-          <a:lstStyle>
-            <a:defPPr>
-              <a:defRPr lang="ko-KR"/>
-            </a:defPPr>
-            <a:lvl1pPr algn="r">
-              <a:lnSpc>
-                <a:spcPct val="150000"/>
-              </a:lnSpc>
-              <a:spcBef>
-                <a:spcPts val="1000"/>
-              </a:spcBef>
-              <a:defRPr sz="1400">
-                <a:gradFill>
-                  <a:gsLst>
-                    <a:gs pos="0">
-                      <a:srgbClr val="766C62"/>
-                    </a:gs>
-                    <a:gs pos="100000">
-                      <a:srgbClr val="766C62"/>
-                    </a:gs>
-                  </a:gsLst>
-                  <a:lin ang="5400000" scaled="1"/>
-                </a:gradFill>
-                <a:latin typeface="나눔고딕" panose="020D0604000000000000" pitchFamily="50" charset="-127"/>
-                <a:ea typeface="나눔고딕" panose="020D0604000000000000" pitchFamily="50" charset="-127"/>
-              </a:defRPr>
-            </a:lvl1pPr>
-          </a:lstStyle>
-          <a:p>
-            <a:pPr>
-              <a:lnSpc>
-                <a:spcPct val="100000"/>
-              </a:lnSpc>
-            </a:pPr>
-            <a:r>
-              <a:rPr lang="en-US" altLang="ko-KR" sz="3200" dirty="0">
-                <a:gradFill>
-                  <a:gsLst>
-                    <a:gs pos="0">
-                      <a:srgbClr val="FFC000"/>
-                    </a:gs>
-                    <a:gs pos="100000">
-                      <a:srgbClr val="FFC000"/>
-                    </a:gs>
-                  </a:gsLst>
-                  <a:lin ang="5400000" scaled="1"/>
-                </a:gradFill>
-                <a:latin typeface="나눔고딕 ExtraBold" panose="020D0904000000000000" pitchFamily="50" charset="-127"/>
-                <a:ea typeface="나눔고딕 ExtraBold" panose="020D0904000000000000" pitchFamily="50" charset="-127"/>
-              </a:rPr>
-              <a:t>HTML/CSS Team Project</a:t>
-            </a:r>
-          </a:p>
-          <a:p>
-            <a:pPr>
-              <a:lnSpc>
-                <a:spcPct val="100000"/>
-              </a:lnSpc>
-            </a:pPr>
-            <a:endParaRPr lang="en-US" altLang="ko-KR" sz="3200" dirty="0">
-              <a:gradFill>
-                <a:gsLst>
-                  <a:gs pos="0">
-                    <a:srgbClr val="FFC000"/>
-                  </a:gs>
-                  <a:gs pos="100000">
-                    <a:srgbClr val="FFC000"/>
-                  </a:gs>
-                </a:gsLst>
-                <a:lin ang="5400000" scaled="1"/>
-              </a:gradFill>
-              <a:latin typeface="나눔고딕 ExtraBold" panose="020D0904000000000000" pitchFamily="50" charset="-127"/>
-              <a:ea typeface="나눔고딕 ExtraBold" panose="020D0904000000000000" pitchFamily="50" charset="-127"/>
-            </a:endParaRPr>
-          </a:p>
-        </p:txBody>
-      </p:sp>
-      <p:sp>
-        <p:nvSpPr>
-          <p:cNvPr id="4" name="TextBox 3"/>
-          <p:cNvSpPr txBox="1"/>
-          <p:nvPr/>
-        </p:nvSpPr>
-        <p:spPr>
-          <a:xfrm>
-            <a:off x="3563889" y="3645024"/>
-            <a:ext cx="1797287" cy="369332"/>
-          </a:xfrm>
-          <a:prstGeom prst="rect">
-            <a:avLst/>
-          </a:prstGeom>
-        </p:spPr>
-        <p:txBody>
-          <a:bodyPr wrap="none" rtlCol="0">
-            <a:spAutoFit/>
-          </a:bodyPr>
-          <a:lstStyle>
-            <a:defPPr>
-              <a:defRPr lang="ko-KR"/>
-            </a:defPPr>
-            <a:lvl1pPr algn="r">
-              <a:lnSpc>
-                <a:spcPct val="150000"/>
-              </a:lnSpc>
-              <a:spcBef>
-                <a:spcPts val="1000"/>
-              </a:spcBef>
-              <a:defRPr sz="1400">
-                <a:gradFill>
-                  <a:gsLst>
-                    <a:gs pos="0">
-                      <a:srgbClr val="766C62"/>
-                    </a:gs>
-                    <a:gs pos="100000">
-                      <a:srgbClr val="766C62"/>
-                    </a:gs>
-                  </a:gsLst>
-                  <a:lin ang="5400000" scaled="1"/>
-                </a:gradFill>
-                <a:latin typeface="나눔고딕" panose="020D0604000000000000" pitchFamily="50" charset="-127"/>
-                <a:ea typeface="나눔고딕" panose="020D0604000000000000" pitchFamily="50" charset="-127"/>
-              </a:defRPr>
-            </a:lvl1pPr>
-          </a:lstStyle>
-          <a:p>
-            <a:pPr>
-              <a:lnSpc>
-                <a:spcPct val="100000"/>
-              </a:lnSpc>
-            </a:pPr>
-            <a:r>
-              <a:rPr lang="en-US" altLang="ko-KR" sz="1800" b="1" dirty="0" smtClean="0"/>
-              <a:t>04 </a:t>
-            </a:r>
-            <a:r>
-              <a:rPr lang="ko-KR" altLang="en-US" sz="1800" dirty="0" err="1" smtClean="0"/>
-              <a:t>플로우</a:t>
-            </a:r>
-            <a:r>
-              <a:rPr lang="ko-KR" altLang="en-US" sz="1800" dirty="0" smtClean="0"/>
-              <a:t> 차트</a:t>
-            </a:r>
-            <a:endParaRPr lang="en-US" altLang="ko-KR" sz="1800" dirty="0" smtClean="0"/>
-          </a:p>
-        </p:txBody>
-      </p:sp>
-      <p:pic>
-        <p:nvPicPr>
-          <p:cNvPr id="2" name="그림 1" descr="화면 캡처"/>
-          <p:cNvPicPr>
-            <a:picLocks noChangeAspect="1"/>
-          </p:cNvPicPr>
-          <p:nvPr/>
-        </p:nvPicPr>
-        <p:blipFill>
-          <a:blip r:embed="rId3">
-            <a:extLst>
-              <a:ext uri="{28A0092B-C50C-407E-A947-70E740481C1C}">
-                <a14:useLocalDpi xmlns:a14="http://schemas.microsoft.com/office/drawing/2010/main" val="0"/>
-              </a:ext>
-            </a:extLst>
-          </a:blip>
-          <a:stretch>
-            <a:fillRect/>
-          </a:stretch>
-        </p:blipFill>
-        <p:spPr>
-          <a:xfrm>
-            <a:off x="-5348" y="5157192"/>
-            <a:ext cx="9144000" cy="1700808"/>
-          </a:xfrm>
-          <a:prstGeom prst="rect">
-            <a:avLst/>
-          </a:prstGeom>
-        </p:spPr>
-      </p:pic>
-    </p:spTree>
-    <p:extLst>
-      <p:ext uri="{BB962C8B-B14F-4D97-AF65-F5344CB8AC3E}">
-        <p14:creationId xmlns:p14="http://schemas.microsoft.com/office/powerpoint/2010/main" val="3914098484"/>
-      </p:ext>
-    </p:extLst>
-  </p:cSld>
-  <p:clrMapOvr>
-    <a:masterClrMapping/>
-  </p:clrMapOvr>
-  <p:timing>
-    <p:tnLst>
-      <p:par>
-        <p:cTn id="1" dur="indefinite" restart="never" nodeType="tmRoot"/>
-      </p:par>
-    </p:tnLst>
-  </p:timing>
-</p:sld>
-</file>
-
-<file path=ppt/slides/slide7.xml><?xml version="1.0" encoding="utf-8"?>
+<file path=ppt/slides/slide21.xml><?xml version="1.0" encoding="utf-8"?>
 <p:sld xmlns:a="http://schemas.openxmlformats.org/drawingml/2006/main" xmlns:r="http://schemas.openxmlformats.org/officeDocument/2006/relationships" xmlns:p="http://schemas.openxmlformats.org/presentationml/2006/main">
   <p:cSld>
     <p:spTree>
@@ -8237,7 +7602,7 @@
           <a:p>
             <a:pPr algn="ctr"/>
             <a:r>
-              <a:rPr lang="ko-KR" altLang="en-US" sz="1400" b="1" dirty="0" err="1" smtClean="0">
+              <a:rPr lang="ko-KR" altLang="en-US" sz="1400" b="1" dirty="0" smtClean="0">
                 <a:gradFill>
                   <a:gsLst>
                     <a:gs pos="0">
@@ -8252,10 +7617,10 @@
                 <a:latin typeface="나눔고딕" panose="020D0604000000000000" pitchFamily="50" charset="-127"/>
                 <a:ea typeface="나눔고딕" panose="020D0604000000000000" pitchFamily="50" charset="-127"/>
               </a:rPr>
-              <a:t>플로우</a:t>
-            </a:r>
-            <a:r>
-              <a:rPr lang="ko-KR" altLang="en-US" sz="1400" b="1" dirty="0" smtClean="0">
+              <a:t>와이어 프레임 </a:t>
+            </a:r>
+            <a:r>
+              <a:rPr lang="en-US" altLang="ko-KR" sz="1400" b="1" dirty="0" smtClean="0">
                 <a:gradFill>
                   <a:gsLst>
                     <a:gs pos="0">
@@ -8270,7 +7635,25 @@
                 <a:latin typeface="나눔고딕" panose="020D0604000000000000" pitchFamily="50" charset="-127"/>
                 <a:ea typeface="나눔고딕" panose="020D0604000000000000" pitchFamily="50" charset="-127"/>
               </a:rPr>
-              <a:t> 차트</a:t>
+              <a:t>- </a:t>
+            </a:r>
+            <a:r>
+              <a:rPr lang="ko-KR" altLang="en-US" sz="1400" b="1" dirty="0" smtClean="0">
+                <a:gradFill>
+                  <a:gsLst>
+                    <a:gs pos="0">
+                      <a:schemeClr val="bg1"/>
+                    </a:gs>
+                    <a:gs pos="100000">
+                      <a:schemeClr val="bg1"/>
+                    </a:gs>
+                  </a:gsLst>
+                  <a:lin ang="5400000" scaled="1"/>
+                </a:gradFill>
+                <a:latin typeface="나눔고딕" panose="020D0604000000000000" pitchFamily="50" charset="-127"/>
+                <a:ea typeface="나눔고딕" panose="020D0604000000000000" pitchFamily="50" charset="-127"/>
+              </a:rPr>
+              <a:t>장바구니</a:t>
             </a:r>
             <a:endParaRPr lang="en-US" altLang="ko-KR" sz="1400" b="1" dirty="0">
               <a:gradFill>
@@ -8411,7 +7794,7 @@
       </p:grpSp>
       <p:sp>
         <p:nvSpPr>
-          <p:cNvPr id="13" name="텍스트 개체 틀 12"/>
+          <p:cNvPr id="16" name="텍스트 개체 틀 12"/>
           <p:cNvSpPr>
             <a:spLocks noGrp="1"/>
           </p:cNvSpPr>
@@ -8419,14 +7802,19 @@
             <p:ph type="body" sz="quarter" idx="10"/>
           </p:nvPr>
         </p:nvSpPr>
-        <p:spPr/>
+        <p:spPr>
+          <a:xfrm>
+            <a:off x="441584" y="385149"/>
+            <a:ext cx="352541" cy="264869"/>
+          </a:xfrm>
+        </p:spPr>
         <p:txBody>
           <a:bodyPr/>
           <a:lstStyle/>
           <a:p>
             <a:r>
               <a:rPr lang="en-US" altLang="ko-KR" dirty="0" smtClean="0"/>
-              <a:t>04</a:t>
+              <a:t>05</a:t>
             </a:r>
             <a:endParaRPr lang="ko-KR" altLang="en-US" dirty="0"/>
           </a:p>
@@ -8434,7 +7822,7 @@
       </p:sp>
       <p:sp>
         <p:nvSpPr>
-          <p:cNvPr id="23" name="텍스트 개체 틀 22"/>
+          <p:cNvPr id="17" name="텍스트 개체 틀 22"/>
           <p:cNvSpPr>
             <a:spLocks noGrp="1"/>
           </p:cNvSpPr>
@@ -8462,7 +7850,7 @@
       </p:sp>
       <p:pic>
         <p:nvPicPr>
-          <p:cNvPr id="8" name="그림 7"/>
+          <p:cNvPr id="2" name="그림 1"/>
           <p:cNvPicPr>
             <a:picLocks noChangeAspect="1"/>
           </p:cNvPicPr>
@@ -8482,8 +7870,8 @@
         </p:blipFill>
         <p:spPr>
           <a:xfrm>
-            <a:off x="1140080" y="1552740"/>
-            <a:ext cx="6954138" cy="4785089"/>
+            <a:off x="1413508" y="1634520"/>
+            <a:ext cx="6407282" cy="4525062"/>
           </a:xfrm>
           <a:prstGeom prst="rect">
             <a:avLst/>
@@ -8493,7 +7881,7 @@
     </p:spTree>
     <p:extLst>
       <p:ext uri="{BB962C8B-B14F-4D97-AF65-F5344CB8AC3E}">
-        <p14:creationId xmlns:p14="http://schemas.microsoft.com/office/powerpoint/2010/main" val="1593838509"/>
+        <p14:creationId xmlns:p14="http://schemas.microsoft.com/office/powerpoint/2010/main" val="3968447729"/>
       </p:ext>
     </p:extLst>
   </p:cSld>
@@ -8510,7 +7898,7 @@
 </p:sld>
 </file>
 
-<file path=ppt/slides/slide8.xml><?xml version="1.0" encoding="utf-8"?>
+<file path=ppt/slides/slide22.xml><?xml version="1.0" encoding="utf-8"?>
 <p:sld xmlns:a="http://schemas.openxmlformats.org/drawingml/2006/main" xmlns:r="http://schemas.openxmlformats.org/officeDocument/2006/relationships" xmlns:p="http://schemas.openxmlformats.org/presentationml/2006/main">
   <p:cSld>
     <p:spTree>
@@ -8574,7 +7962,7 @@
           <a:p>
             <a:pPr algn="ctr"/>
             <a:r>
-              <a:rPr lang="ko-KR" altLang="en-US" sz="1400" b="1" dirty="0" err="1" smtClean="0">
+              <a:rPr lang="ko-KR" altLang="en-US" sz="1400" b="1" dirty="0" smtClean="0">
                 <a:gradFill>
                   <a:gsLst>
                     <a:gs pos="0">
@@ -8589,10 +7977,10 @@
                 <a:latin typeface="나눔고딕" panose="020D0604000000000000" pitchFamily="50" charset="-127"/>
                 <a:ea typeface="나눔고딕" panose="020D0604000000000000" pitchFamily="50" charset="-127"/>
               </a:rPr>
-              <a:t>플로우</a:t>
-            </a:r>
-            <a:r>
-              <a:rPr lang="ko-KR" altLang="en-US" sz="1400" b="1" dirty="0" smtClean="0">
+              <a:t>디자인 시안 </a:t>
+            </a:r>
+            <a:r>
+              <a:rPr lang="en-US" altLang="ko-KR" sz="1400" b="1" dirty="0" smtClean="0">
                 <a:gradFill>
                   <a:gsLst>
                     <a:gs pos="0">
@@ -8607,7 +7995,25 @@
                 <a:latin typeface="나눔고딕" panose="020D0604000000000000" pitchFamily="50" charset="-127"/>
                 <a:ea typeface="나눔고딕" panose="020D0604000000000000" pitchFamily="50" charset="-127"/>
               </a:rPr>
-              <a:t> 차트</a:t>
+              <a:t>- </a:t>
+            </a:r>
+            <a:r>
+              <a:rPr lang="ko-KR" altLang="en-US" sz="1400" b="1" dirty="0" smtClean="0">
+                <a:gradFill>
+                  <a:gsLst>
+                    <a:gs pos="0">
+                      <a:schemeClr val="bg1"/>
+                    </a:gs>
+                    <a:gs pos="100000">
+                      <a:schemeClr val="bg1"/>
+                    </a:gs>
+                  </a:gsLst>
+                  <a:lin ang="5400000" scaled="1"/>
+                </a:gradFill>
+                <a:latin typeface="나눔고딕" panose="020D0604000000000000" pitchFamily="50" charset="-127"/>
+                <a:ea typeface="나눔고딕" panose="020D0604000000000000" pitchFamily="50" charset="-127"/>
+              </a:rPr>
+              <a:t>장바구니</a:t>
             </a:r>
             <a:endParaRPr lang="en-US" altLang="ko-KR" sz="1400" b="1" dirty="0">
               <a:gradFill>
@@ -8748,7 +8154,7 @@
       </p:grpSp>
       <p:sp>
         <p:nvSpPr>
-          <p:cNvPr id="13" name="텍스트 개체 틀 12"/>
+          <p:cNvPr id="16" name="텍스트 개체 틀 12"/>
           <p:cNvSpPr>
             <a:spLocks noGrp="1"/>
           </p:cNvSpPr>
@@ -8756,14 +8162,19 @@
             <p:ph type="body" sz="quarter" idx="10"/>
           </p:nvPr>
         </p:nvSpPr>
-        <p:spPr/>
+        <p:spPr>
+          <a:xfrm>
+            <a:off x="441584" y="385149"/>
+            <a:ext cx="352541" cy="264869"/>
+          </a:xfrm>
+        </p:spPr>
         <p:txBody>
           <a:bodyPr/>
           <a:lstStyle/>
           <a:p>
             <a:r>
               <a:rPr lang="en-US" altLang="ko-KR" dirty="0" smtClean="0"/>
-              <a:t>04</a:t>
+              <a:t>05</a:t>
             </a:r>
             <a:endParaRPr lang="ko-KR" altLang="en-US" dirty="0"/>
           </a:p>
@@ -8771,7 +8182,7 @@
       </p:sp>
       <p:sp>
         <p:nvSpPr>
-          <p:cNvPr id="23" name="텍스트 개체 틀 22"/>
+          <p:cNvPr id="17" name="텍스트 개체 틀 22"/>
           <p:cNvSpPr>
             <a:spLocks noGrp="1"/>
           </p:cNvSpPr>
@@ -8819,8 +8230,8 @@
         </p:blipFill>
         <p:spPr>
           <a:xfrm>
-            <a:off x="1520806" y="1608381"/>
-            <a:ext cx="6192688" cy="4667283"/>
+            <a:off x="1403648" y="1626757"/>
+            <a:ext cx="6567240" cy="4540587"/>
           </a:xfrm>
           <a:prstGeom prst="rect">
             <a:avLst/>
@@ -8830,7 +8241,4050 @@
     </p:spTree>
     <p:extLst>
       <p:ext uri="{BB962C8B-B14F-4D97-AF65-F5344CB8AC3E}">
-        <p14:creationId xmlns:p14="http://schemas.microsoft.com/office/powerpoint/2010/main" val="3443677013"/>
+        <p14:creationId xmlns:p14="http://schemas.microsoft.com/office/powerpoint/2010/main" val="1241897838"/>
+      </p:ext>
+    </p:extLst>
+  </p:cSld>
+  <p:clrMapOvr>
+    <a:masterClrMapping/>
+  </p:clrMapOvr>
+  <p:timing>
+    <p:tnLst>
+      <p:par>
+        <p:cTn id="1" dur="indefinite" restart="never" nodeType="tmRoot"/>
+      </p:par>
+    </p:tnLst>
+  </p:timing>
+</p:sld>
+</file>
+
+<file path=ppt/slides/slide23.xml><?xml version="1.0" encoding="utf-8"?>
+<p:sld xmlns:a="http://schemas.openxmlformats.org/drawingml/2006/main" xmlns:r="http://schemas.openxmlformats.org/officeDocument/2006/relationships" xmlns:p="http://schemas.openxmlformats.org/presentationml/2006/main">
+  <p:cSld>
+    <p:spTree>
+      <p:nvGrpSpPr>
+        <p:cNvPr id="1" name=""/>
+        <p:cNvGrpSpPr/>
+        <p:nvPr/>
+      </p:nvGrpSpPr>
+      <p:grpSpPr>
+        <a:xfrm>
+          <a:off x="0" y="0"/>
+          <a:ext cx="0" cy="0"/>
+          <a:chOff x="0" y="0"/>
+          <a:chExt cx="0" cy="0"/>
+        </a:xfrm>
+      </p:grpSpPr>
+      <p:sp>
+        <p:nvSpPr>
+          <p:cNvPr id="3" name="TextBox 2"/>
+          <p:cNvSpPr txBox="1"/>
+          <p:nvPr/>
+        </p:nvSpPr>
+        <p:spPr>
+          <a:xfrm>
+            <a:off x="1766841" y="2970287"/>
+            <a:ext cx="5610318" cy="1205458"/>
+          </a:xfrm>
+          <a:prstGeom prst="rect">
+            <a:avLst/>
+          </a:prstGeom>
+        </p:spPr>
+        <p:txBody>
+          <a:bodyPr wrap="none" rtlCol="0">
+            <a:spAutoFit/>
+          </a:bodyPr>
+          <a:lstStyle>
+            <a:defPPr>
+              <a:defRPr lang="ko-KR"/>
+            </a:defPPr>
+            <a:lvl1pPr algn="r">
+              <a:lnSpc>
+                <a:spcPct val="150000"/>
+              </a:lnSpc>
+              <a:spcBef>
+                <a:spcPts val="1000"/>
+              </a:spcBef>
+              <a:defRPr sz="1400">
+                <a:gradFill>
+                  <a:gsLst>
+                    <a:gs pos="0">
+                      <a:srgbClr val="766C62"/>
+                    </a:gs>
+                    <a:gs pos="100000">
+                      <a:srgbClr val="766C62"/>
+                    </a:gs>
+                  </a:gsLst>
+                  <a:lin ang="5400000" scaled="1"/>
+                </a:gradFill>
+                <a:latin typeface="나눔고딕" panose="020D0604000000000000" pitchFamily="50" charset="-127"/>
+                <a:ea typeface="나눔고딕" panose="020D0604000000000000" pitchFamily="50" charset="-127"/>
+              </a:defRPr>
+            </a:lvl1pPr>
+          </a:lstStyle>
+          <a:p>
+            <a:pPr>
+              <a:lnSpc>
+                <a:spcPct val="100000"/>
+              </a:lnSpc>
+            </a:pPr>
+            <a:r>
+              <a:rPr lang="en-US" altLang="ko-KR" sz="3200" dirty="0">
+                <a:gradFill>
+                  <a:gsLst>
+                    <a:gs pos="0">
+                      <a:srgbClr val="FFC000"/>
+                    </a:gs>
+                    <a:gs pos="100000">
+                      <a:srgbClr val="FFC000"/>
+                    </a:gs>
+                  </a:gsLst>
+                  <a:lin ang="5400000" scaled="1"/>
+                </a:gradFill>
+                <a:latin typeface="나눔고딕 ExtraBold" panose="020D0904000000000000" pitchFamily="50" charset="-127"/>
+                <a:ea typeface="나눔고딕 ExtraBold" panose="020D0904000000000000" pitchFamily="50" charset="-127"/>
+              </a:rPr>
+              <a:t>HTML/CSS Team Project</a:t>
+            </a:r>
+          </a:p>
+          <a:p>
+            <a:pPr>
+              <a:lnSpc>
+                <a:spcPct val="100000"/>
+              </a:lnSpc>
+            </a:pPr>
+            <a:endParaRPr lang="en-US" altLang="ko-KR" sz="3200" b="1" dirty="0">
+              <a:gradFill>
+                <a:gsLst>
+                  <a:gs pos="0">
+                    <a:srgbClr val="FFC000"/>
+                  </a:gs>
+                  <a:gs pos="100000">
+                    <a:srgbClr val="FFC000"/>
+                  </a:gs>
+                </a:gsLst>
+                <a:lin ang="5400000" scaled="1"/>
+              </a:gradFill>
+              <a:latin typeface="나눔고딕 ExtraBold" panose="020D0904000000000000" pitchFamily="50" charset="-127"/>
+              <a:ea typeface="나눔고딕 ExtraBold" panose="020D0904000000000000" pitchFamily="50" charset="-127"/>
+            </a:endParaRPr>
+          </a:p>
+        </p:txBody>
+      </p:sp>
+      <p:sp>
+        <p:nvSpPr>
+          <p:cNvPr id="4" name="TextBox 3"/>
+          <p:cNvSpPr txBox="1"/>
+          <p:nvPr/>
+        </p:nvSpPr>
+        <p:spPr>
+          <a:xfrm>
+            <a:off x="3552592" y="3645024"/>
+            <a:ext cx="2028119" cy="369332"/>
+          </a:xfrm>
+          <a:prstGeom prst="rect">
+            <a:avLst/>
+          </a:prstGeom>
+        </p:spPr>
+        <p:txBody>
+          <a:bodyPr wrap="none" rtlCol="0">
+            <a:spAutoFit/>
+          </a:bodyPr>
+          <a:lstStyle>
+            <a:defPPr>
+              <a:defRPr lang="ko-KR"/>
+            </a:defPPr>
+            <a:lvl1pPr algn="r">
+              <a:lnSpc>
+                <a:spcPct val="150000"/>
+              </a:lnSpc>
+              <a:spcBef>
+                <a:spcPts val="1000"/>
+              </a:spcBef>
+              <a:defRPr sz="1400">
+                <a:gradFill>
+                  <a:gsLst>
+                    <a:gs pos="0">
+                      <a:srgbClr val="766C62"/>
+                    </a:gs>
+                    <a:gs pos="100000">
+                      <a:srgbClr val="766C62"/>
+                    </a:gs>
+                  </a:gsLst>
+                  <a:lin ang="5400000" scaled="1"/>
+                </a:gradFill>
+                <a:latin typeface="나눔고딕" panose="020D0604000000000000" pitchFamily="50" charset="-127"/>
+                <a:ea typeface="나눔고딕" panose="020D0604000000000000" pitchFamily="50" charset="-127"/>
+              </a:defRPr>
+            </a:lvl1pPr>
+          </a:lstStyle>
+          <a:p>
+            <a:pPr algn="ctr">
+              <a:lnSpc>
+                <a:spcPct val="100000"/>
+              </a:lnSpc>
+            </a:pPr>
+            <a:r>
+              <a:rPr lang="en-US" altLang="ko-KR" sz="1800" b="1" dirty="0" smtClean="0"/>
+              <a:t>07 </a:t>
+            </a:r>
+            <a:r>
+              <a:rPr lang="ko-KR" altLang="en-US" sz="1800" dirty="0" smtClean="0"/>
+              <a:t>프로젝트 후기</a:t>
+            </a:r>
+            <a:endParaRPr lang="en-US" altLang="ko-KR" sz="1800" dirty="0" smtClean="0"/>
+          </a:p>
+        </p:txBody>
+      </p:sp>
+      <p:pic>
+        <p:nvPicPr>
+          <p:cNvPr id="2" name="그림 1" descr="화면 캡처"/>
+          <p:cNvPicPr>
+            <a:picLocks noChangeAspect="1"/>
+          </p:cNvPicPr>
+          <p:nvPr/>
+        </p:nvPicPr>
+        <p:blipFill>
+          <a:blip r:embed="rId3">
+            <a:extLst>
+              <a:ext uri="{28A0092B-C50C-407E-A947-70E740481C1C}">
+                <a14:useLocalDpi xmlns:a14="http://schemas.microsoft.com/office/drawing/2010/main" val="0"/>
+              </a:ext>
+            </a:extLst>
+          </a:blip>
+          <a:stretch>
+            <a:fillRect/>
+          </a:stretch>
+        </p:blipFill>
+        <p:spPr>
+          <a:xfrm>
+            <a:off x="-5348" y="5157192"/>
+            <a:ext cx="9144000" cy="1700808"/>
+          </a:xfrm>
+          <a:prstGeom prst="rect">
+            <a:avLst/>
+          </a:prstGeom>
+        </p:spPr>
+      </p:pic>
+    </p:spTree>
+    <p:extLst>
+      <p:ext uri="{BB962C8B-B14F-4D97-AF65-F5344CB8AC3E}">
+        <p14:creationId xmlns:p14="http://schemas.microsoft.com/office/powerpoint/2010/main" val="1966294108"/>
+      </p:ext>
+    </p:extLst>
+  </p:cSld>
+  <p:clrMapOvr>
+    <a:masterClrMapping/>
+  </p:clrMapOvr>
+  <p:timing>
+    <p:tnLst>
+      <p:par>
+        <p:cTn id="1" dur="indefinite" restart="never" nodeType="tmRoot"/>
+      </p:par>
+    </p:tnLst>
+  </p:timing>
+</p:sld>
+</file>
+
+<file path=ppt/slides/slide24.xml><?xml version="1.0" encoding="utf-8"?>
+<p:sld xmlns:a="http://schemas.openxmlformats.org/drawingml/2006/main" xmlns:r="http://schemas.openxmlformats.org/officeDocument/2006/relationships" xmlns:p="http://schemas.openxmlformats.org/presentationml/2006/main">
+  <p:cSld>
+    <p:spTree>
+      <p:nvGrpSpPr>
+        <p:cNvPr id="1" name=""/>
+        <p:cNvGrpSpPr/>
+        <p:nvPr/>
+      </p:nvGrpSpPr>
+      <p:grpSpPr>
+        <a:xfrm>
+          <a:off x="0" y="0"/>
+          <a:ext cx="0" cy="0"/>
+          <a:chOff x="0" y="0"/>
+          <a:chExt cx="0" cy="0"/>
+        </a:xfrm>
+      </p:grpSpPr>
+      <p:grpSp>
+        <p:nvGrpSpPr>
+          <p:cNvPr id="4" name="그룹 3"/>
+          <p:cNvGrpSpPr/>
+          <p:nvPr/>
+        </p:nvGrpSpPr>
+        <p:grpSpPr>
+          <a:xfrm>
+            <a:off x="593755" y="980728"/>
+            <a:ext cx="8046789" cy="5400599"/>
+            <a:chOff x="811472" y="1479617"/>
+            <a:chExt cx="7521057" cy="2954444"/>
+          </a:xfrm>
+        </p:grpSpPr>
+        <p:sp>
+          <p:nvSpPr>
+            <p:cNvPr id="5" name="직사각형 4"/>
+            <p:cNvSpPr/>
+            <p:nvPr/>
+          </p:nvSpPr>
+          <p:spPr>
+            <a:xfrm>
+              <a:off x="811472" y="1479617"/>
+              <a:ext cx="7521057" cy="2954444"/>
+            </a:xfrm>
+            <a:prstGeom prst="rect">
+              <a:avLst/>
+            </a:prstGeom>
+            <a:solidFill>
+              <a:schemeClr val="bg1">
+                <a:lumMod val="95000"/>
+              </a:schemeClr>
+            </a:solidFill>
+            <a:ln>
+              <a:noFill/>
+            </a:ln>
+          </p:spPr>
+          <p:style>
+            <a:lnRef idx="2">
+              <a:schemeClr val="accent1">
+                <a:shade val="50000"/>
+              </a:schemeClr>
+            </a:lnRef>
+            <a:fillRef idx="1">
+              <a:schemeClr val="accent1"/>
+            </a:fillRef>
+            <a:effectRef idx="0">
+              <a:schemeClr val="accent1"/>
+            </a:effectRef>
+            <a:fontRef idx="minor">
+              <a:schemeClr val="lt1"/>
+            </a:fontRef>
+          </p:style>
+          <p:txBody>
+            <a:bodyPr rot="0" spcFirstLastPara="0" vertOverflow="overflow" horzOverflow="overflow" vert="horz" wrap="square" lIns="91440" tIns="45720" rIns="91440" bIns="45720" numCol="1" spcCol="0" rtlCol="0" fromWordArt="0" anchor="ctr" anchorCtr="0" forceAA="0" compatLnSpc="1">
+              <a:prstTxWarp prst="textNoShape">
+                <a:avLst/>
+              </a:prstTxWarp>
+              <a:noAutofit/>
+            </a:bodyPr>
+            <a:lstStyle/>
+            <a:p>
+              <a:pPr algn="ctr"/>
+              <a:endParaRPr lang="ko-KR" altLang="en-US"/>
+            </a:p>
+          </p:txBody>
+        </p:sp>
+        <p:sp>
+          <p:nvSpPr>
+            <p:cNvPr id="6" name="직사각형 5"/>
+            <p:cNvSpPr/>
+            <p:nvPr/>
+          </p:nvSpPr>
+          <p:spPr>
+            <a:xfrm>
+              <a:off x="881853" y="1531353"/>
+              <a:ext cx="7380295" cy="2850978"/>
+            </a:xfrm>
+            <a:prstGeom prst="rect">
+              <a:avLst/>
+            </a:prstGeom>
+            <a:solidFill>
+              <a:schemeClr val="bg1"/>
+            </a:solidFill>
+            <a:ln>
+              <a:noFill/>
+            </a:ln>
+          </p:spPr>
+          <p:style>
+            <a:lnRef idx="2">
+              <a:schemeClr val="accent1">
+                <a:shade val="50000"/>
+              </a:schemeClr>
+            </a:lnRef>
+            <a:fillRef idx="1">
+              <a:schemeClr val="accent1"/>
+            </a:fillRef>
+            <a:effectRef idx="0">
+              <a:schemeClr val="accent1"/>
+            </a:effectRef>
+            <a:fontRef idx="minor">
+              <a:schemeClr val="lt1"/>
+            </a:fontRef>
+          </p:style>
+          <p:txBody>
+            <a:bodyPr rot="0" spcFirstLastPara="0" vertOverflow="overflow" horzOverflow="overflow" vert="horz" wrap="square" lIns="91440" tIns="45720" rIns="91440" bIns="45720" numCol="1" spcCol="0" rtlCol="0" fromWordArt="0" anchor="ctr" anchorCtr="0" forceAA="0" compatLnSpc="1">
+              <a:prstTxWarp prst="textNoShape">
+                <a:avLst/>
+              </a:prstTxWarp>
+              <a:noAutofit/>
+            </a:bodyPr>
+            <a:lstStyle/>
+            <a:p>
+              <a:pPr algn="ctr"/>
+              <a:endParaRPr lang="ko-KR" altLang="en-US"/>
+            </a:p>
+          </p:txBody>
+        </p:sp>
+      </p:grpSp>
+      <p:sp>
+        <p:nvSpPr>
+          <p:cNvPr id="16" name="텍스트 개체 틀 12"/>
+          <p:cNvSpPr>
+            <a:spLocks noGrp="1"/>
+          </p:cNvSpPr>
+          <p:nvPr>
+            <p:ph type="body" sz="quarter" idx="10"/>
+          </p:nvPr>
+        </p:nvSpPr>
+        <p:spPr>
+          <a:xfrm>
+            <a:off x="441584" y="385149"/>
+            <a:ext cx="352541" cy="264869"/>
+          </a:xfrm>
+        </p:spPr>
+        <p:txBody>
+          <a:bodyPr/>
+          <a:lstStyle/>
+          <a:p>
+            <a:r>
+              <a:rPr lang="en-US" altLang="ko-KR" dirty="0" smtClean="0"/>
+              <a:t>07</a:t>
+            </a:r>
+            <a:endParaRPr lang="ko-KR" altLang="en-US" dirty="0"/>
+          </a:p>
+        </p:txBody>
+      </p:sp>
+      <p:sp>
+        <p:nvSpPr>
+          <p:cNvPr id="17" name="텍스트 개체 틀 22"/>
+          <p:cNvSpPr>
+            <a:spLocks noGrp="1"/>
+          </p:cNvSpPr>
+          <p:nvPr>
+            <p:ph type="body" sz="quarter" idx="11"/>
+          </p:nvPr>
+        </p:nvSpPr>
+        <p:spPr>
+          <a:xfrm>
+            <a:off x="808216" y="380922"/>
+            <a:ext cx="3808934" cy="273323"/>
+          </a:xfrm>
+        </p:spPr>
+        <p:txBody>
+          <a:bodyPr/>
+          <a:lstStyle/>
+          <a:p>
+            <a:r>
+              <a:rPr lang="ko-KR" altLang="en-US" dirty="0" smtClean="0"/>
+              <a:t>프로젝트 후기</a:t>
+            </a:r>
+            <a:endParaRPr lang="ko-KR" altLang="en-US" dirty="0"/>
+          </a:p>
+        </p:txBody>
+      </p:sp>
+      <p:sp>
+        <p:nvSpPr>
+          <p:cNvPr id="15" name="텍스트 개체 틀 22"/>
+          <p:cNvSpPr>
+            <a:spLocks noGrp="1"/>
+          </p:cNvSpPr>
+          <p:nvPr>
+            <p:ph type="body" sz="quarter" idx="11"/>
+          </p:nvPr>
+        </p:nvSpPr>
+        <p:spPr>
+          <a:xfrm>
+            <a:off x="781177" y="1196751"/>
+            <a:ext cx="3835973" cy="2425710"/>
+          </a:xfrm>
+          <a:ln w="12700" cap="rnd">
+            <a:solidFill>
+              <a:schemeClr val="accent3">
+                <a:lumMod val="60000"/>
+                <a:lumOff val="40000"/>
+              </a:schemeClr>
+            </a:solidFill>
+          </a:ln>
+          <a:effectLst/>
+        </p:spPr>
+        <p:txBody>
+          <a:bodyPr lIns="180000"/>
+          <a:lstStyle/>
+          <a:p>
+            <a:r>
+              <a:rPr lang="ko-KR" altLang="en-US" sz="1200" dirty="0" err="1" smtClean="0"/>
+              <a:t>연제승</a:t>
+            </a:r>
+            <a:endParaRPr lang="en-US" altLang="ko-KR" sz="1200" dirty="0" smtClean="0"/>
+          </a:p>
+        </p:txBody>
+      </p:sp>
+      <p:sp>
+        <p:nvSpPr>
+          <p:cNvPr id="20" name="텍스트 개체 틀 22"/>
+          <p:cNvSpPr>
+            <a:spLocks noGrp="1"/>
+          </p:cNvSpPr>
+          <p:nvPr>
+            <p:ph type="body" sz="quarter" idx="11"/>
+          </p:nvPr>
+        </p:nvSpPr>
+        <p:spPr>
+          <a:xfrm>
+            <a:off x="4617149" y="1196306"/>
+            <a:ext cx="3835973" cy="2425710"/>
+          </a:xfrm>
+          <a:ln w="12700" cap="rnd">
+            <a:solidFill>
+              <a:schemeClr val="accent3">
+                <a:lumMod val="60000"/>
+                <a:lumOff val="40000"/>
+              </a:schemeClr>
+            </a:solidFill>
+          </a:ln>
+          <a:effectLst/>
+        </p:spPr>
+        <p:txBody>
+          <a:bodyPr lIns="180000"/>
+          <a:lstStyle/>
+          <a:p>
+            <a:r>
+              <a:rPr lang="ko-KR" altLang="en-US" sz="1200" dirty="0" err="1" smtClean="0"/>
+              <a:t>남우리</a:t>
+            </a:r>
+            <a:endParaRPr lang="en-US" altLang="ko-KR" sz="1200" dirty="0" smtClean="0"/>
+          </a:p>
+        </p:txBody>
+      </p:sp>
+      <p:sp>
+        <p:nvSpPr>
+          <p:cNvPr id="21" name="텍스트 개체 틀 22"/>
+          <p:cNvSpPr>
+            <a:spLocks noGrp="1"/>
+          </p:cNvSpPr>
+          <p:nvPr>
+            <p:ph type="body" sz="quarter" idx="11"/>
+          </p:nvPr>
+        </p:nvSpPr>
+        <p:spPr>
+          <a:xfrm>
+            <a:off x="781176" y="3622016"/>
+            <a:ext cx="3835972" cy="2505852"/>
+          </a:xfrm>
+          <a:ln w="12700" cap="rnd">
+            <a:solidFill>
+              <a:schemeClr val="accent3">
+                <a:lumMod val="60000"/>
+                <a:lumOff val="40000"/>
+              </a:schemeClr>
+            </a:solidFill>
+          </a:ln>
+          <a:effectLst/>
+        </p:spPr>
+        <p:txBody>
+          <a:bodyPr lIns="180000"/>
+          <a:lstStyle/>
+          <a:p>
+            <a:r>
+              <a:rPr lang="ko-KR" altLang="en-US" sz="1200" dirty="0" smtClean="0"/>
+              <a:t>설수현</a:t>
+            </a:r>
+            <a:endParaRPr lang="en-US" altLang="ko-KR" sz="1200" dirty="0" smtClean="0"/>
+          </a:p>
+        </p:txBody>
+      </p:sp>
+      <p:sp>
+        <p:nvSpPr>
+          <p:cNvPr id="22" name="텍스트 개체 틀 22"/>
+          <p:cNvSpPr>
+            <a:spLocks noGrp="1"/>
+          </p:cNvSpPr>
+          <p:nvPr>
+            <p:ph type="body" sz="quarter" idx="11"/>
+          </p:nvPr>
+        </p:nvSpPr>
+        <p:spPr>
+          <a:xfrm>
+            <a:off x="4617150" y="3621794"/>
+            <a:ext cx="3835972" cy="2505852"/>
+          </a:xfrm>
+          <a:ln w="12700" cap="rnd">
+            <a:solidFill>
+              <a:schemeClr val="accent3">
+                <a:lumMod val="60000"/>
+                <a:lumOff val="40000"/>
+              </a:schemeClr>
+            </a:solidFill>
+          </a:ln>
+          <a:effectLst/>
+        </p:spPr>
+        <p:txBody>
+          <a:bodyPr lIns="180000"/>
+          <a:lstStyle/>
+          <a:p>
+            <a:r>
+              <a:rPr lang="ko-KR" altLang="en-US" sz="1200" dirty="0" smtClean="0"/>
+              <a:t>신혜진</a:t>
+            </a:r>
+            <a:endParaRPr lang="en-US" altLang="ko-KR" sz="1200" dirty="0" smtClean="0"/>
+          </a:p>
+        </p:txBody>
+      </p:sp>
+    </p:spTree>
+    <p:extLst>
+      <p:ext uri="{BB962C8B-B14F-4D97-AF65-F5344CB8AC3E}">
+        <p14:creationId xmlns:p14="http://schemas.microsoft.com/office/powerpoint/2010/main" val="3591616369"/>
+      </p:ext>
+    </p:extLst>
+  </p:cSld>
+  <p:clrMapOvr>
+    <a:masterClrMapping/>
+  </p:clrMapOvr>
+  <p:timing>
+    <p:tnLst>
+      <p:par>
+        <p:cTn id="1" dur="indefinite" restart="never" nodeType="tmRoot"/>
+      </p:par>
+    </p:tnLst>
+  </p:timing>
+</p:sld>
+</file>
+
+<file path=ppt/slides/slide25.xml><?xml version="1.0" encoding="utf-8"?>
+<p:sld xmlns:a="http://schemas.openxmlformats.org/drawingml/2006/main" xmlns:r="http://schemas.openxmlformats.org/officeDocument/2006/relationships" xmlns:p="http://schemas.openxmlformats.org/presentationml/2006/main">
+  <p:cSld>
+    <p:spTree>
+      <p:nvGrpSpPr>
+        <p:cNvPr id="1" name=""/>
+        <p:cNvGrpSpPr/>
+        <p:nvPr/>
+      </p:nvGrpSpPr>
+      <p:grpSpPr>
+        <a:xfrm>
+          <a:off x="0" y="0"/>
+          <a:ext cx="0" cy="0"/>
+          <a:chOff x="0" y="0"/>
+          <a:chExt cx="0" cy="0"/>
+        </a:xfrm>
+      </p:grpSpPr>
+      <p:sp>
+        <p:nvSpPr>
+          <p:cNvPr id="3" name="TextBox 2"/>
+          <p:cNvSpPr txBox="1"/>
+          <p:nvPr/>
+        </p:nvSpPr>
+        <p:spPr>
+          <a:xfrm>
+            <a:off x="1761493" y="2007518"/>
+            <a:ext cx="5610318" cy="1205458"/>
+          </a:xfrm>
+          <a:prstGeom prst="rect">
+            <a:avLst/>
+          </a:prstGeom>
+        </p:spPr>
+        <p:txBody>
+          <a:bodyPr wrap="none" rtlCol="0">
+            <a:spAutoFit/>
+          </a:bodyPr>
+          <a:lstStyle>
+            <a:defPPr>
+              <a:defRPr lang="ko-KR"/>
+            </a:defPPr>
+            <a:lvl1pPr algn="r">
+              <a:lnSpc>
+                <a:spcPct val="150000"/>
+              </a:lnSpc>
+              <a:spcBef>
+                <a:spcPts val="1000"/>
+              </a:spcBef>
+              <a:defRPr sz="1400">
+                <a:gradFill>
+                  <a:gsLst>
+                    <a:gs pos="0">
+                      <a:srgbClr val="766C62"/>
+                    </a:gs>
+                    <a:gs pos="100000">
+                      <a:srgbClr val="766C62"/>
+                    </a:gs>
+                  </a:gsLst>
+                  <a:lin ang="5400000" scaled="1"/>
+                </a:gradFill>
+                <a:latin typeface="나눔고딕" panose="020D0604000000000000" pitchFamily="50" charset="-127"/>
+                <a:ea typeface="나눔고딕" panose="020D0604000000000000" pitchFamily="50" charset="-127"/>
+              </a:defRPr>
+            </a:lvl1pPr>
+          </a:lstStyle>
+          <a:p>
+            <a:pPr>
+              <a:lnSpc>
+                <a:spcPct val="100000"/>
+              </a:lnSpc>
+            </a:pPr>
+            <a:r>
+              <a:rPr lang="en-US" altLang="ko-KR" sz="3200" dirty="0">
+                <a:gradFill>
+                  <a:gsLst>
+                    <a:gs pos="0">
+                      <a:srgbClr val="FFC000"/>
+                    </a:gs>
+                    <a:gs pos="100000">
+                      <a:srgbClr val="FFC000"/>
+                    </a:gs>
+                  </a:gsLst>
+                  <a:lin ang="5400000" scaled="1"/>
+                </a:gradFill>
+                <a:latin typeface="나눔고딕 ExtraBold" panose="020D0904000000000000" pitchFamily="50" charset="-127"/>
+                <a:ea typeface="나눔고딕 ExtraBold" panose="020D0904000000000000" pitchFamily="50" charset="-127"/>
+              </a:rPr>
+              <a:t>HTML/CSS Team Project</a:t>
+            </a:r>
+          </a:p>
+          <a:p>
+            <a:pPr>
+              <a:lnSpc>
+                <a:spcPct val="100000"/>
+              </a:lnSpc>
+            </a:pPr>
+            <a:endParaRPr lang="en-US" altLang="ko-KR" sz="3200" dirty="0">
+              <a:gradFill>
+                <a:gsLst>
+                  <a:gs pos="0">
+                    <a:srgbClr val="FFC000"/>
+                  </a:gs>
+                  <a:gs pos="100000">
+                    <a:srgbClr val="FFC000"/>
+                  </a:gs>
+                </a:gsLst>
+                <a:lin ang="5400000" scaled="1"/>
+              </a:gradFill>
+              <a:latin typeface="나눔고딕 ExtraBold" panose="020D0904000000000000" pitchFamily="50" charset="-127"/>
+              <a:ea typeface="나눔고딕 ExtraBold" panose="020D0904000000000000" pitchFamily="50" charset="-127"/>
+            </a:endParaRPr>
+          </a:p>
+        </p:txBody>
+      </p:sp>
+      <p:sp>
+        <p:nvSpPr>
+          <p:cNvPr id="4" name="TextBox 3"/>
+          <p:cNvSpPr txBox="1"/>
+          <p:nvPr/>
+        </p:nvSpPr>
+        <p:spPr>
+          <a:xfrm>
+            <a:off x="3327370" y="3284401"/>
+            <a:ext cx="2478564" cy="830997"/>
+          </a:xfrm>
+          <a:prstGeom prst="rect">
+            <a:avLst/>
+          </a:prstGeom>
+        </p:spPr>
+        <p:txBody>
+          <a:bodyPr wrap="none" rtlCol="0">
+            <a:spAutoFit/>
+          </a:bodyPr>
+          <a:lstStyle>
+            <a:defPPr>
+              <a:defRPr lang="ko-KR"/>
+            </a:defPPr>
+            <a:lvl1pPr algn="r">
+              <a:lnSpc>
+                <a:spcPct val="150000"/>
+              </a:lnSpc>
+              <a:spcBef>
+                <a:spcPts val="1000"/>
+              </a:spcBef>
+              <a:defRPr sz="1400">
+                <a:gradFill>
+                  <a:gsLst>
+                    <a:gs pos="0">
+                      <a:srgbClr val="766C62"/>
+                    </a:gs>
+                    <a:gs pos="100000">
+                      <a:srgbClr val="766C62"/>
+                    </a:gs>
+                  </a:gsLst>
+                  <a:lin ang="5400000" scaled="1"/>
+                </a:gradFill>
+                <a:latin typeface="나눔고딕" panose="020D0604000000000000" pitchFamily="50" charset="-127"/>
+                <a:ea typeface="나눔고딕" panose="020D0604000000000000" pitchFamily="50" charset="-127"/>
+              </a:defRPr>
+            </a:lvl1pPr>
+          </a:lstStyle>
+          <a:p>
+            <a:pPr>
+              <a:lnSpc>
+                <a:spcPct val="100000"/>
+              </a:lnSpc>
+            </a:pPr>
+            <a:r>
+              <a:rPr lang="en-US" altLang="ko-KR" sz="4800" b="1" dirty="0" smtClean="0"/>
+              <a:t>08 </a:t>
+            </a:r>
+            <a:r>
+              <a:rPr lang="en-US" altLang="ko-KR" sz="4800" dirty="0" err="1" smtClean="0"/>
+              <a:t>QnA</a:t>
+            </a:r>
+            <a:endParaRPr lang="en-US" altLang="ko-KR" sz="4800" dirty="0" smtClean="0"/>
+          </a:p>
+        </p:txBody>
+      </p:sp>
+      <p:pic>
+        <p:nvPicPr>
+          <p:cNvPr id="2" name="그림 1" descr="화면 캡처"/>
+          <p:cNvPicPr>
+            <a:picLocks noChangeAspect="1"/>
+          </p:cNvPicPr>
+          <p:nvPr/>
+        </p:nvPicPr>
+        <p:blipFill>
+          <a:blip r:embed="rId3">
+            <a:extLst>
+              <a:ext uri="{28A0092B-C50C-407E-A947-70E740481C1C}">
+                <a14:useLocalDpi xmlns:a14="http://schemas.microsoft.com/office/drawing/2010/main" val="0"/>
+              </a:ext>
+            </a:extLst>
+          </a:blip>
+          <a:stretch>
+            <a:fillRect/>
+          </a:stretch>
+        </p:blipFill>
+        <p:spPr>
+          <a:xfrm>
+            <a:off x="-5348" y="5157192"/>
+            <a:ext cx="9144000" cy="1700808"/>
+          </a:xfrm>
+          <a:prstGeom prst="rect">
+            <a:avLst/>
+          </a:prstGeom>
+        </p:spPr>
+      </p:pic>
+    </p:spTree>
+    <p:extLst>
+      <p:ext uri="{BB962C8B-B14F-4D97-AF65-F5344CB8AC3E}">
+        <p14:creationId xmlns:p14="http://schemas.microsoft.com/office/powerpoint/2010/main" val="1399728628"/>
+      </p:ext>
+    </p:extLst>
+  </p:cSld>
+  <p:clrMapOvr>
+    <a:masterClrMapping/>
+  </p:clrMapOvr>
+  <p:timing>
+    <p:tnLst>
+      <p:par>
+        <p:cTn id="1" dur="indefinite" restart="never" nodeType="tmRoot"/>
+      </p:par>
+    </p:tnLst>
+  </p:timing>
+</p:sld>
+</file>
+
+<file path=ppt/slides/slide26.xml><?xml version="1.0" encoding="utf-8"?>
+<p:sld xmlns:a="http://schemas.openxmlformats.org/drawingml/2006/main" xmlns:r="http://schemas.openxmlformats.org/officeDocument/2006/relationships" xmlns:p="http://schemas.openxmlformats.org/presentationml/2006/main">
+  <p:cSld>
+    <p:spTree>
+      <p:nvGrpSpPr>
+        <p:cNvPr id="1" name=""/>
+        <p:cNvGrpSpPr/>
+        <p:nvPr/>
+      </p:nvGrpSpPr>
+      <p:grpSpPr>
+        <a:xfrm>
+          <a:off x="0" y="0"/>
+          <a:ext cx="0" cy="0"/>
+          <a:chOff x="0" y="0"/>
+          <a:chExt cx="0" cy="0"/>
+        </a:xfrm>
+      </p:grpSpPr>
+      <p:sp>
+        <p:nvSpPr>
+          <p:cNvPr id="4" name="TextBox 3"/>
+          <p:cNvSpPr txBox="1"/>
+          <p:nvPr/>
+        </p:nvSpPr>
+        <p:spPr>
+          <a:xfrm>
+            <a:off x="4433467" y="1997551"/>
+            <a:ext cx="401072" cy="411908"/>
+          </a:xfrm>
+          <a:prstGeom prst="rect">
+            <a:avLst/>
+          </a:prstGeom>
+        </p:spPr>
+        <p:txBody>
+          <a:bodyPr wrap="none" rtlCol="0">
+            <a:spAutoFit/>
+          </a:bodyPr>
+          <a:lstStyle>
+            <a:defPPr>
+              <a:defRPr lang="ko-KR"/>
+            </a:defPPr>
+            <a:lvl1pPr algn="r">
+              <a:lnSpc>
+                <a:spcPct val="150000"/>
+              </a:lnSpc>
+              <a:spcBef>
+                <a:spcPts val="1000"/>
+              </a:spcBef>
+              <a:defRPr sz="1400">
+                <a:gradFill>
+                  <a:gsLst>
+                    <a:gs pos="0">
+                      <a:srgbClr val="766C62"/>
+                    </a:gs>
+                    <a:gs pos="100000">
+                      <a:srgbClr val="766C62"/>
+                    </a:gs>
+                  </a:gsLst>
+                  <a:lin ang="5400000" scaled="1"/>
+                </a:gradFill>
+                <a:latin typeface="나눔고딕" panose="020D0604000000000000" pitchFamily="50" charset="-127"/>
+                <a:ea typeface="나눔고딕" panose="020D0604000000000000" pitchFamily="50" charset="-127"/>
+              </a:defRPr>
+            </a:lvl1pPr>
+          </a:lstStyle>
+          <a:p>
+            <a:pPr algn="ctr"/>
+            <a:r>
+              <a:rPr lang="en-US" altLang="ko-KR" sz="1600" u="sng" dirty="0" smtClean="0">
+                <a:solidFill>
+                  <a:schemeClr val="bg2">
+                    <a:lumMod val="75000"/>
+                  </a:schemeClr>
+                </a:solidFill>
+              </a:rPr>
+              <a:t>I4</a:t>
+            </a:r>
+            <a:endParaRPr lang="ko-KR" altLang="en-US" sz="1600" u="sng" dirty="0">
+              <a:solidFill>
+                <a:schemeClr val="bg2">
+                  <a:lumMod val="75000"/>
+                </a:schemeClr>
+              </a:solidFill>
+            </a:endParaRPr>
+          </a:p>
+        </p:txBody>
+      </p:sp>
+      <p:sp>
+        <p:nvSpPr>
+          <p:cNvPr id="7" name="TextBox 6"/>
+          <p:cNvSpPr txBox="1"/>
+          <p:nvPr/>
+        </p:nvSpPr>
+        <p:spPr>
+          <a:xfrm>
+            <a:off x="1704869" y="4850817"/>
+            <a:ext cx="5734262" cy="253916"/>
+          </a:xfrm>
+          <a:prstGeom prst="rect">
+            <a:avLst/>
+          </a:prstGeom>
+          <a:noFill/>
+        </p:spPr>
+        <p:txBody>
+          <a:bodyPr wrap="none" rtlCol="0">
+            <a:spAutoFit/>
+          </a:bodyPr>
+          <a:lstStyle/>
+          <a:p>
+            <a:pPr algn="ctr"/>
+            <a:r>
+              <a:rPr lang="en-US" altLang="ko-KR" sz="1050" u="sng" spc="-150" dirty="0">
+                <a:gradFill>
+                  <a:gsLst>
+                    <a:gs pos="0">
+                      <a:schemeClr val="bg1">
+                        <a:lumMod val="85000"/>
+                      </a:schemeClr>
+                    </a:gs>
+                    <a:gs pos="100000">
+                      <a:schemeClr val="bg1">
+                        <a:lumMod val="85000"/>
+                      </a:schemeClr>
+                    </a:gs>
+                  </a:gsLst>
+                  <a:lin ang="5400000" scaled="1"/>
+                </a:gradFill>
+                <a:latin typeface="나눔고딕" panose="020D0604000000000000" pitchFamily="50" charset="-127"/>
+                <a:ea typeface="나눔고딕" panose="020D0604000000000000" pitchFamily="50" charset="-127"/>
+              </a:rPr>
+              <a:t>ever since the 1500s, when an unknown printer took a galley of type and scrambled it to make a type specimen</a:t>
+            </a:r>
+            <a:endParaRPr lang="ko-KR" altLang="en-US" sz="1050" u="sng" spc="-150" dirty="0">
+              <a:gradFill>
+                <a:gsLst>
+                  <a:gs pos="0">
+                    <a:schemeClr val="bg1">
+                      <a:lumMod val="85000"/>
+                    </a:schemeClr>
+                  </a:gs>
+                  <a:gs pos="100000">
+                    <a:schemeClr val="bg1">
+                      <a:lumMod val="85000"/>
+                    </a:schemeClr>
+                  </a:gs>
+                </a:gsLst>
+                <a:lin ang="5400000" scaled="1"/>
+              </a:gradFill>
+              <a:latin typeface="나눔고딕" panose="020D0604000000000000" pitchFamily="50" charset="-127"/>
+              <a:ea typeface="나눔고딕" panose="020D0604000000000000" pitchFamily="50" charset="-127"/>
+            </a:endParaRPr>
+          </a:p>
+        </p:txBody>
+      </p:sp>
+      <p:sp>
+        <p:nvSpPr>
+          <p:cNvPr id="9" name="TextBox 8"/>
+          <p:cNvSpPr txBox="1"/>
+          <p:nvPr/>
+        </p:nvSpPr>
+        <p:spPr>
+          <a:xfrm>
+            <a:off x="3370676" y="2913919"/>
+            <a:ext cx="2526654" cy="307777"/>
+          </a:xfrm>
+          <a:prstGeom prst="rect">
+            <a:avLst/>
+          </a:prstGeom>
+        </p:spPr>
+        <p:txBody>
+          <a:bodyPr wrap="none" rtlCol="0">
+            <a:spAutoFit/>
+          </a:bodyPr>
+          <a:lstStyle>
+            <a:defPPr>
+              <a:defRPr lang="ko-KR"/>
+            </a:defPPr>
+            <a:lvl1pPr algn="r">
+              <a:lnSpc>
+                <a:spcPct val="150000"/>
+              </a:lnSpc>
+              <a:spcBef>
+                <a:spcPts val="1000"/>
+              </a:spcBef>
+              <a:defRPr sz="1400">
+                <a:gradFill>
+                  <a:gsLst>
+                    <a:gs pos="0">
+                      <a:srgbClr val="766C62"/>
+                    </a:gs>
+                    <a:gs pos="100000">
+                      <a:srgbClr val="766C62"/>
+                    </a:gs>
+                  </a:gsLst>
+                  <a:lin ang="5400000" scaled="1"/>
+                </a:gradFill>
+                <a:latin typeface="나눔고딕" panose="020D0604000000000000" pitchFamily="50" charset="-127"/>
+                <a:ea typeface="나눔고딕" panose="020D0604000000000000" pitchFamily="50" charset="-127"/>
+              </a:defRPr>
+            </a:lvl1pPr>
+          </a:lstStyle>
+          <a:p>
+            <a:pPr algn="ctr">
+              <a:lnSpc>
+                <a:spcPct val="100000"/>
+              </a:lnSpc>
+            </a:pPr>
+            <a:r>
+              <a:rPr lang="ko-KR" altLang="en-US" dirty="0" err="1" smtClean="0"/>
+              <a:t>연제승</a:t>
+            </a:r>
+            <a:r>
+              <a:rPr lang="ko-KR" altLang="en-US" dirty="0" smtClean="0"/>
+              <a:t> 신혜진 </a:t>
+            </a:r>
+            <a:r>
+              <a:rPr lang="ko-KR" altLang="en-US" dirty="0" err="1" smtClean="0"/>
+              <a:t>남우리</a:t>
+            </a:r>
+            <a:r>
+              <a:rPr lang="ko-KR" altLang="en-US" dirty="0" smtClean="0"/>
+              <a:t> 설수현</a:t>
+            </a:r>
+            <a:endParaRPr lang="en-US" altLang="ko-KR" b="1" dirty="0"/>
+          </a:p>
+        </p:txBody>
+      </p:sp>
+      <p:sp>
+        <p:nvSpPr>
+          <p:cNvPr id="6" name="TextBox 5"/>
+          <p:cNvSpPr txBox="1"/>
+          <p:nvPr/>
+        </p:nvSpPr>
+        <p:spPr>
+          <a:xfrm>
+            <a:off x="1828876" y="2369301"/>
+            <a:ext cx="5610255" cy="584775"/>
+          </a:xfrm>
+          <a:prstGeom prst="rect">
+            <a:avLst/>
+          </a:prstGeom>
+        </p:spPr>
+        <p:txBody>
+          <a:bodyPr wrap="none" rtlCol="0">
+            <a:spAutoFit/>
+          </a:bodyPr>
+          <a:lstStyle>
+            <a:defPPr>
+              <a:defRPr lang="ko-KR"/>
+            </a:defPPr>
+            <a:lvl1pPr algn="r">
+              <a:lnSpc>
+                <a:spcPct val="150000"/>
+              </a:lnSpc>
+              <a:spcBef>
+                <a:spcPts val="1000"/>
+              </a:spcBef>
+              <a:defRPr sz="1400">
+                <a:gradFill>
+                  <a:gsLst>
+                    <a:gs pos="0">
+                      <a:srgbClr val="766C62"/>
+                    </a:gs>
+                    <a:gs pos="100000">
+                      <a:srgbClr val="766C62"/>
+                    </a:gs>
+                  </a:gsLst>
+                  <a:lin ang="5400000" scaled="1"/>
+                </a:gradFill>
+                <a:latin typeface="나눔고딕" panose="020D0604000000000000" pitchFamily="50" charset="-127"/>
+                <a:ea typeface="나눔고딕" panose="020D0604000000000000" pitchFamily="50" charset="-127"/>
+              </a:defRPr>
+            </a:lvl1pPr>
+          </a:lstStyle>
+          <a:p>
+            <a:pPr>
+              <a:lnSpc>
+                <a:spcPct val="100000"/>
+              </a:lnSpc>
+            </a:pPr>
+            <a:r>
+              <a:rPr lang="en-US" altLang="ko-KR" sz="3200" u="sng" dirty="0" smtClean="0">
+                <a:gradFill>
+                  <a:gsLst>
+                    <a:gs pos="0">
+                      <a:srgbClr val="FFC000"/>
+                    </a:gs>
+                    <a:gs pos="100000">
+                      <a:srgbClr val="FFC000"/>
+                    </a:gs>
+                  </a:gsLst>
+                  <a:lin ang="5400000" scaled="1"/>
+                </a:gradFill>
+                <a:latin typeface="나눔고딕 ExtraBold" panose="020D0904000000000000" pitchFamily="50" charset="-127"/>
+                <a:ea typeface="나눔고딕 ExtraBold" panose="020D0904000000000000" pitchFamily="50" charset="-127"/>
+              </a:rPr>
+              <a:t>HTML/CSS Team </a:t>
+            </a:r>
+            <a:r>
+              <a:rPr lang="en-US" altLang="ko-KR" sz="3200" u="sng" dirty="0">
+                <a:gradFill>
+                  <a:gsLst>
+                    <a:gs pos="0">
+                      <a:srgbClr val="FFC000"/>
+                    </a:gs>
+                    <a:gs pos="100000">
+                      <a:srgbClr val="FFC000"/>
+                    </a:gs>
+                  </a:gsLst>
+                  <a:lin ang="5400000" scaled="1"/>
+                </a:gradFill>
+                <a:latin typeface="나눔고딕 ExtraBold" panose="020D0904000000000000" pitchFamily="50" charset="-127"/>
+                <a:ea typeface="나눔고딕 ExtraBold" panose="020D0904000000000000" pitchFamily="50" charset="-127"/>
+              </a:rPr>
+              <a:t>Project</a:t>
+            </a:r>
+          </a:p>
+        </p:txBody>
+      </p:sp>
+    </p:spTree>
+    <p:extLst>
+      <p:ext uri="{BB962C8B-B14F-4D97-AF65-F5344CB8AC3E}">
+        <p14:creationId xmlns:p14="http://schemas.microsoft.com/office/powerpoint/2010/main" val="3002995531"/>
+      </p:ext>
+    </p:extLst>
+  </p:cSld>
+  <p:clrMapOvr>
+    <a:masterClrMapping/>
+  </p:clrMapOvr>
+  <p:timing>
+    <p:tnLst>
+      <p:par>
+        <p:cTn id="1" dur="indefinite" restart="never" nodeType="tmRoot"/>
+      </p:par>
+    </p:tnLst>
+  </p:timing>
+</p:sld>
+</file>
+
+<file path=ppt/slides/slide3.xml><?xml version="1.0" encoding="utf-8"?>
+<p:sld xmlns:a="http://schemas.openxmlformats.org/drawingml/2006/main" xmlns:r="http://schemas.openxmlformats.org/officeDocument/2006/relationships" xmlns:p="http://schemas.openxmlformats.org/presentationml/2006/main">
+  <p:cSld>
+    <p:spTree>
+      <p:nvGrpSpPr>
+        <p:cNvPr id="1" name=""/>
+        <p:cNvGrpSpPr/>
+        <p:nvPr/>
+      </p:nvGrpSpPr>
+      <p:grpSpPr>
+        <a:xfrm>
+          <a:off x="0" y="0"/>
+          <a:ext cx="0" cy="0"/>
+          <a:chOff x="0" y="0"/>
+          <a:chExt cx="0" cy="0"/>
+        </a:xfrm>
+      </p:grpSpPr>
+      <p:sp>
+        <p:nvSpPr>
+          <p:cNvPr id="3" name="TextBox 2"/>
+          <p:cNvSpPr txBox="1"/>
+          <p:nvPr/>
+        </p:nvSpPr>
+        <p:spPr>
+          <a:xfrm>
+            <a:off x="1766841" y="2970287"/>
+            <a:ext cx="5610318" cy="1205458"/>
+          </a:xfrm>
+          <a:prstGeom prst="rect">
+            <a:avLst/>
+          </a:prstGeom>
+        </p:spPr>
+        <p:txBody>
+          <a:bodyPr wrap="none" rtlCol="0">
+            <a:spAutoFit/>
+          </a:bodyPr>
+          <a:lstStyle>
+            <a:defPPr>
+              <a:defRPr lang="ko-KR"/>
+            </a:defPPr>
+            <a:lvl1pPr algn="r">
+              <a:lnSpc>
+                <a:spcPct val="150000"/>
+              </a:lnSpc>
+              <a:spcBef>
+                <a:spcPts val="1000"/>
+              </a:spcBef>
+              <a:defRPr sz="1400">
+                <a:gradFill>
+                  <a:gsLst>
+                    <a:gs pos="0">
+                      <a:srgbClr val="766C62"/>
+                    </a:gs>
+                    <a:gs pos="100000">
+                      <a:srgbClr val="766C62"/>
+                    </a:gs>
+                  </a:gsLst>
+                  <a:lin ang="5400000" scaled="1"/>
+                </a:gradFill>
+                <a:latin typeface="나눔고딕" panose="020D0604000000000000" pitchFamily="50" charset="-127"/>
+                <a:ea typeface="나눔고딕" panose="020D0604000000000000" pitchFamily="50" charset="-127"/>
+              </a:defRPr>
+            </a:lvl1pPr>
+          </a:lstStyle>
+          <a:p>
+            <a:pPr>
+              <a:lnSpc>
+                <a:spcPct val="100000"/>
+              </a:lnSpc>
+            </a:pPr>
+            <a:r>
+              <a:rPr lang="en-US" altLang="ko-KR" sz="3200" dirty="0">
+                <a:gradFill>
+                  <a:gsLst>
+                    <a:gs pos="0">
+                      <a:srgbClr val="FFC000"/>
+                    </a:gs>
+                    <a:gs pos="100000">
+                      <a:srgbClr val="FFC000"/>
+                    </a:gs>
+                  </a:gsLst>
+                  <a:lin ang="5400000" scaled="1"/>
+                </a:gradFill>
+                <a:latin typeface="나눔고딕 ExtraBold" panose="020D0904000000000000" pitchFamily="50" charset="-127"/>
+                <a:ea typeface="나눔고딕 ExtraBold" panose="020D0904000000000000" pitchFamily="50" charset="-127"/>
+              </a:rPr>
+              <a:t>HTML/CSS Team </a:t>
+            </a:r>
+            <a:r>
+              <a:rPr lang="en-US" altLang="ko-KR" sz="3200" dirty="0" smtClean="0">
+                <a:gradFill>
+                  <a:gsLst>
+                    <a:gs pos="0">
+                      <a:srgbClr val="FFC000"/>
+                    </a:gs>
+                    <a:gs pos="100000">
+                      <a:srgbClr val="FFC000"/>
+                    </a:gs>
+                  </a:gsLst>
+                  <a:lin ang="5400000" scaled="1"/>
+                </a:gradFill>
+                <a:latin typeface="나눔고딕 ExtraBold" panose="020D0904000000000000" pitchFamily="50" charset="-127"/>
+                <a:ea typeface="나눔고딕 ExtraBold" panose="020D0904000000000000" pitchFamily="50" charset="-127"/>
+              </a:rPr>
+              <a:t>Project</a:t>
+            </a:r>
+            <a:endParaRPr lang="en-US" altLang="ko-KR" sz="3200" dirty="0">
+              <a:gradFill>
+                <a:gsLst>
+                  <a:gs pos="0">
+                    <a:srgbClr val="FFC000"/>
+                  </a:gs>
+                  <a:gs pos="100000">
+                    <a:srgbClr val="FFC000"/>
+                  </a:gs>
+                </a:gsLst>
+                <a:lin ang="5400000" scaled="1"/>
+              </a:gradFill>
+              <a:latin typeface="나눔고딕 ExtraBold" panose="020D0904000000000000" pitchFamily="50" charset="-127"/>
+              <a:ea typeface="나눔고딕 ExtraBold" panose="020D0904000000000000" pitchFamily="50" charset="-127"/>
+            </a:endParaRPr>
+          </a:p>
+          <a:p>
+            <a:pPr>
+              <a:lnSpc>
+                <a:spcPct val="100000"/>
+              </a:lnSpc>
+            </a:pPr>
+            <a:endParaRPr lang="en-US" altLang="ko-KR" sz="3200" dirty="0">
+              <a:gradFill>
+                <a:gsLst>
+                  <a:gs pos="0">
+                    <a:srgbClr val="FFC000"/>
+                  </a:gs>
+                  <a:gs pos="100000">
+                    <a:srgbClr val="FFC000"/>
+                  </a:gs>
+                </a:gsLst>
+                <a:lin ang="5400000" scaled="1"/>
+              </a:gradFill>
+              <a:latin typeface="나눔고딕 ExtraBold" panose="020D0904000000000000" pitchFamily="50" charset="-127"/>
+              <a:ea typeface="나눔고딕 ExtraBold" panose="020D0904000000000000" pitchFamily="50" charset="-127"/>
+            </a:endParaRPr>
+          </a:p>
+        </p:txBody>
+      </p:sp>
+      <p:sp>
+        <p:nvSpPr>
+          <p:cNvPr id="4" name="TextBox 3"/>
+          <p:cNvSpPr txBox="1"/>
+          <p:nvPr/>
+        </p:nvSpPr>
+        <p:spPr>
+          <a:xfrm>
+            <a:off x="3635896" y="3573016"/>
+            <a:ext cx="1566454" cy="369332"/>
+          </a:xfrm>
+          <a:prstGeom prst="rect">
+            <a:avLst/>
+          </a:prstGeom>
+        </p:spPr>
+        <p:txBody>
+          <a:bodyPr wrap="none" rtlCol="0">
+            <a:spAutoFit/>
+          </a:bodyPr>
+          <a:lstStyle>
+            <a:defPPr>
+              <a:defRPr lang="ko-KR"/>
+            </a:defPPr>
+            <a:lvl1pPr algn="r">
+              <a:lnSpc>
+                <a:spcPct val="150000"/>
+              </a:lnSpc>
+              <a:spcBef>
+                <a:spcPts val="1000"/>
+              </a:spcBef>
+              <a:defRPr sz="1400">
+                <a:gradFill>
+                  <a:gsLst>
+                    <a:gs pos="0">
+                      <a:srgbClr val="766C62"/>
+                    </a:gs>
+                    <a:gs pos="100000">
+                      <a:srgbClr val="766C62"/>
+                    </a:gs>
+                  </a:gsLst>
+                  <a:lin ang="5400000" scaled="1"/>
+                </a:gradFill>
+                <a:latin typeface="나눔고딕" panose="020D0604000000000000" pitchFamily="50" charset="-127"/>
+                <a:ea typeface="나눔고딕" panose="020D0604000000000000" pitchFamily="50" charset="-127"/>
+              </a:defRPr>
+            </a:lvl1pPr>
+          </a:lstStyle>
+          <a:p>
+            <a:pPr>
+              <a:lnSpc>
+                <a:spcPct val="100000"/>
+              </a:lnSpc>
+            </a:pPr>
+            <a:r>
+              <a:rPr lang="en-US" altLang="ko-KR" sz="1800" b="1" dirty="0" smtClean="0"/>
+              <a:t>01 </a:t>
+            </a:r>
+            <a:r>
+              <a:rPr lang="ko-KR" altLang="en-US" sz="1800" dirty="0" smtClean="0"/>
+              <a:t>역할 분담</a:t>
+            </a:r>
+            <a:endParaRPr lang="en-US" altLang="ko-KR" sz="1800" b="1" dirty="0" smtClean="0"/>
+          </a:p>
+        </p:txBody>
+      </p:sp>
+      <p:pic>
+        <p:nvPicPr>
+          <p:cNvPr id="2" name="그림 1" descr="화면 캡처"/>
+          <p:cNvPicPr>
+            <a:picLocks noChangeAspect="1"/>
+          </p:cNvPicPr>
+          <p:nvPr/>
+        </p:nvPicPr>
+        <p:blipFill>
+          <a:blip r:embed="rId3">
+            <a:extLst>
+              <a:ext uri="{28A0092B-C50C-407E-A947-70E740481C1C}">
+                <a14:useLocalDpi xmlns:a14="http://schemas.microsoft.com/office/drawing/2010/main" val="0"/>
+              </a:ext>
+            </a:extLst>
+          </a:blip>
+          <a:stretch>
+            <a:fillRect/>
+          </a:stretch>
+        </p:blipFill>
+        <p:spPr>
+          <a:xfrm>
+            <a:off x="-5348" y="5157192"/>
+            <a:ext cx="9144000" cy="1700808"/>
+          </a:xfrm>
+          <a:prstGeom prst="rect">
+            <a:avLst/>
+          </a:prstGeom>
+        </p:spPr>
+      </p:pic>
+    </p:spTree>
+    <p:extLst>
+      <p:ext uri="{BB962C8B-B14F-4D97-AF65-F5344CB8AC3E}">
+        <p14:creationId xmlns:p14="http://schemas.microsoft.com/office/powerpoint/2010/main" val="2796836606"/>
+      </p:ext>
+    </p:extLst>
+  </p:cSld>
+  <p:clrMapOvr>
+    <a:masterClrMapping/>
+  </p:clrMapOvr>
+  <p:timing>
+    <p:tnLst>
+      <p:par>
+        <p:cTn id="1" dur="indefinite" restart="never" nodeType="tmRoot"/>
+      </p:par>
+    </p:tnLst>
+  </p:timing>
+</p:sld>
+</file>
+
+<file path=ppt/slides/slide4.xml><?xml version="1.0" encoding="utf-8"?>
+<p:sld xmlns:a="http://schemas.openxmlformats.org/drawingml/2006/main" xmlns:r="http://schemas.openxmlformats.org/officeDocument/2006/relationships" xmlns:p="http://schemas.openxmlformats.org/presentationml/2006/main">
+  <p:cSld>
+    <p:spTree>
+      <p:nvGrpSpPr>
+        <p:cNvPr id="1" name=""/>
+        <p:cNvGrpSpPr/>
+        <p:nvPr/>
+      </p:nvGrpSpPr>
+      <p:grpSpPr>
+        <a:xfrm>
+          <a:off x="0" y="0"/>
+          <a:ext cx="0" cy="0"/>
+          <a:chOff x="0" y="0"/>
+          <a:chExt cx="0" cy="0"/>
+        </a:xfrm>
+      </p:grpSpPr>
+      <p:grpSp>
+        <p:nvGrpSpPr>
+          <p:cNvPr id="4" name="그룹 3"/>
+          <p:cNvGrpSpPr/>
+          <p:nvPr/>
+        </p:nvGrpSpPr>
+        <p:grpSpPr>
+          <a:xfrm>
+            <a:off x="593755" y="908720"/>
+            <a:ext cx="8046789" cy="5400599"/>
+            <a:chOff x="811472" y="1479617"/>
+            <a:chExt cx="7521057" cy="2954444"/>
+          </a:xfrm>
+        </p:grpSpPr>
+        <p:sp>
+          <p:nvSpPr>
+            <p:cNvPr id="5" name="직사각형 4"/>
+            <p:cNvSpPr/>
+            <p:nvPr/>
+          </p:nvSpPr>
+          <p:spPr>
+            <a:xfrm>
+              <a:off x="811472" y="1479617"/>
+              <a:ext cx="7521057" cy="2954444"/>
+            </a:xfrm>
+            <a:prstGeom prst="rect">
+              <a:avLst/>
+            </a:prstGeom>
+            <a:solidFill>
+              <a:schemeClr val="bg1">
+                <a:lumMod val="95000"/>
+              </a:schemeClr>
+            </a:solidFill>
+            <a:ln>
+              <a:noFill/>
+            </a:ln>
+          </p:spPr>
+          <p:style>
+            <a:lnRef idx="2">
+              <a:schemeClr val="accent1">
+                <a:shade val="50000"/>
+              </a:schemeClr>
+            </a:lnRef>
+            <a:fillRef idx="1">
+              <a:schemeClr val="accent1"/>
+            </a:fillRef>
+            <a:effectRef idx="0">
+              <a:schemeClr val="accent1"/>
+            </a:effectRef>
+            <a:fontRef idx="minor">
+              <a:schemeClr val="lt1"/>
+            </a:fontRef>
+          </p:style>
+          <p:txBody>
+            <a:bodyPr rot="0" spcFirstLastPara="0" vertOverflow="overflow" horzOverflow="overflow" vert="horz" wrap="square" lIns="91440" tIns="45720" rIns="91440" bIns="45720" numCol="1" spcCol="0" rtlCol="0" fromWordArt="0" anchor="ctr" anchorCtr="0" forceAA="0" compatLnSpc="1">
+              <a:prstTxWarp prst="textNoShape">
+                <a:avLst/>
+              </a:prstTxWarp>
+              <a:noAutofit/>
+            </a:bodyPr>
+            <a:lstStyle/>
+            <a:p>
+              <a:pPr algn="ctr"/>
+              <a:endParaRPr lang="ko-KR" altLang="en-US"/>
+            </a:p>
+          </p:txBody>
+        </p:sp>
+        <p:sp>
+          <p:nvSpPr>
+            <p:cNvPr id="6" name="직사각형 5"/>
+            <p:cNvSpPr/>
+            <p:nvPr/>
+          </p:nvSpPr>
+          <p:spPr>
+            <a:xfrm>
+              <a:off x="881853" y="1531353"/>
+              <a:ext cx="7380295" cy="2850978"/>
+            </a:xfrm>
+            <a:prstGeom prst="rect">
+              <a:avLst/>
+            </a:prstGeom>
+            <a:solidFill>
+              <a:schemeClr val="bg1"/>
+            </a:solidFill>
+            <a:ln>
+              <a:noFill/>
+            </a:ln>
+          </p:spPr>
+          <p:style>
+            <a:lnRef idx="2">
+              <a:schemeClr val="accent1">
+                <a:shade val="50000"/>
+              </a:schemeClr>
+            </a:lnRef>
+            <a:fillRef idx="1">
+              <a:schemeClr val="accent1"/>
+            </a:fillRef>
+            <a:effectRef idx="0">
+              <a:schemeClr val="accent1"/>
+            </a:effectRef>
+            <a:fontRef idx="minor">
+              <a:schemeClr val="lt1"/>
+            </a:fontRef>
+          </p:style>
+          <p:txBody>
+            <a:bodyPr rot="0" spcFirstLastPara="0" vertOverflow="overflow" horzOverflow="overflow" vert="horz" wrap="square" lIns="91440" tIns="45720" rIns="91440" bIns="45720" numCol="1" spcCol="0" rtlCol="0" fromWordArt="0" anchor="ctr" anchorCtr="0" forceAA="0" compatLnSpc="1">
+              <a:prstTxWarp prst="textNoShape">
+                <a:avLst/>
+              </a:prstTxWarp>
+              <a:noAutofit/>
+            </a:bodyPr>
+            <a:lstStyle/>
+            <a:p>
+              <a:pPr algn="ctr"/>
+              <a:endParaRPr lang="ko-KR" altLang="en-US"/>
+            </a:p>
+          </p:txBody>
+        </p:sp>
+      </p:grpSp>
+      <p:sp>
+        <p:nvSpPr>
+          <p:cNvPr id="13" name="텍스트 개체 틀 12"/>
+          <p:cNvSpPr>
+            <a:spLocks noGrp="1"/>
+          </p:cNvSpPr>
+          <p:nvPr>
+            <p:ph type="body" sz="quarter" idx="10"/>
+          </p:nvPr>
+        </p:nvSpPr>
+        <p:spPr/>
+        <p:txBody>
+          <a:bodyPr/>
+          <a:lstStyle/>
+          <a:p>
+            <a:r>
+              <a:rPr lang="en-US" altLang="ko-KR" dirty="0" smtClean="0"/>
+              <a:t>01</a:t>
+            </a:r>
+            <a:endParaRPr lang="ko-KR" altLang="en-US" dirty="0"/>
+          </a:p>
+        </p:txBody>
+      </p:sp>
+      <p:sp>
+        <p:nvSpPr>
+          <p:cNvPr id="23" name="텍스트 개체 틀 22"/>
+          <p:cNvSpPr>
+            <a:spLocks noGrp="1"/>
+          </p:cNvSpPr>
+          <p:nvPr>
+            <p:ph type="body" sz="quarter" idx="11"/>
+          </p:nvPr>
+        </p:nvSpPr>
+        <p:spPr>
+          <a:xfrm>
+            <a:off x="808216" y="380922"/>
+            <a:ext cx="3808934" cy="273323"/>
+          </a:xfrm>
+        </p:spPr>
+        <p:txBody>
+          <a:bodyPr/>
+          <a:lstStyle/>
+          <a:p>
+            <a:r>
+              <a:rPr lang="ko-KR" altLang="en-US" dirty="0" smtClean="0"/>
+              <a:t>역할 분담</a:t>
+            </a:r>
+            <a:endParaRPr lang="ko-KR" altLang="en-US" dirty="0"/>
+          </a:p>
+        </p:txBody>
+      </p:sp>
+      <p:sp>
+        <p:nvSpPr>
+          <p:cNvPr id="9" name="모서리가 둥근 직사각형 8"/>
+          <p:cNvSpPr/>
+          <p:nvPr/>
+        </p:nvSpPr>
+        <p:spPr>
+          <a:xfrm>
+            <a:off x="1344173" y="1503947"/>
+            <a:ext cx="1441276" cy="493539"/>
+          </a:xfrm>
+          <a:prstGeom prst="roundRect">
+            <a:avLst>
+              <a:gd name="adj" fmla="val 50000"/>
+            </a:avLst>
+          </a:prstGeom>
+          <a:solidFill>
+            <a:srgbClr val="996C48"/>
+          </a:solidFill>
+          <a:ln>
+            <a:solidFill>
+              <a:srgbClr val="766C62"/>
+            </a:solidFill>
+          </a:ln>
+        </p:spPr>
+        <p:style>
+          <a:lnRef idx="2">
+            <a:schemeClr val="accent1">
+              <a:shade val="50000"/>
+            </a:schemeClr>
+          </a:lnRef>
+          <a:fillRef idx="1">
+            <a:schemeClr val="accent1"/>
+          </a:fillRef>
+          <a:effectRef idx="0">
+            <a:schemeClr val="accent1"/>
+          </a:effectRef>
+          <a:fontRef idx="minor">
+            <a:schemeClr val="lt1"/>
+          </a:fontRef>
+        </p:style>
+        <p:txBody>
+          <a:bodyPr rtlCol="0" anchor="ctr"/>
+          <a:lstStyle/>
+          <a:p>
+            <a:pPr algn="ctr"/>
+            <a:r>
+              <a:rPr lang="ko-KR" altLang="en-US" sz="2000" b="1" dirty="0" err="1" smtClean="0">
+                <a:gradFill>
+                  <a:gsLst>
+                    <a:gs pos="0">
+                      <a:schemeClr val="bg1"/>
+                    </a:gs>
+                    <a:gs pos="100000">
+                      <a:schemeClr val="bg1"/>
+                    </a:gs>
+                  </a:gsLst>
+                  <a:lin ang="5400000" scaled="1"/>
+                </a:gradFill>
+                <a:latin typeface="나눔고딕" panose="020D0604000000000000" pitchFamily="50" charset="-127"/>
+                <a:ea typeface="나눔고딕" panose="020D0604000000000000" pitchFamily="50" charset="-127"/>
+              </a:rPr>
+              <a:t>연제승</a:t>
+            </a:r>
+            <a:endParaRPr lang="en-US" altLang="ko-KR" sz="2000" b="1" dirty="0">
+              <a:gradFill>
+                <a:gsLst>
+                  <a:gs pos="0">
+                    <a:schemeClr val="bg1"/>
+                  </a:gs>
+                  <a:gs pos="100000">
+                    <a:schemeClr val="bg1"/>
+                  </a:gs>
+                </a:gsLst>
+                <a:lin ang="5400000" scaled="1"/>
+              </a:gradFill>
+              <a:latin typeface="나눔고딕" panose="020D0604000000000000" pitchFamily="50" charset="-127"/>
+              <a:ea typeface="나눔고딕" panose="020D0604000000000000" pitchFamily="50" charset="-127"/>
+            </a:endParaRPr>
+          </a:p>
+        </p:txBody>
+      </p:sp>
+      <p:sp>
+        <p:nvSpPr>
+          <p:cNvPr id="2" name="TextBox 1"/>
+          <p:cNvSpPr txBox="1"/>
+          <p:nvPr/>
+        </p:nvSpPr>
+        <p:spPr>
+          <a:xfrm>
+            <a:off x="3275856" y="1371428"/>
+            <a:ext cx="4086398" cy="369332"/>
+          </a:xfrm>
+          <a:prstGeom prst="rect">
+            <a:avLst/>
+          </a:prstGeom>
+          <a:noFill/>
+        </p:spPr>
+        <p:txBody>
+          <a:bodyPr wrap="square" rtlCol="0">
+            <a:spAutoFit/>
+          </a:bodyPr>
+          <a:lstStyle/>
+          <a:p>
+            <a:endParaRPr lang="ko-KR" altLang="en-US" dirty="0">
+              <a:gradFill>
+                <a:gsLst>
+                  <a:gs pos="0">
+                    <a:schemeClr val="tx1">
+                      <a:lumMod val="95000"/>
+                      <a:lumOff val="5000"/>
+                    </a:schemeClr>
+                  </a:gs>
+                  <a:gs pos="100000">
+                    <a:schemeClr val="tx1">
+                      <a:lumMod val="95000"/>
+                      <a:lumOff val="5000"/>
+                    </a:schemeClr>
+                  </a:gs>
+                </a:gsLst>
+                <a:lin ang="5400000" scaled="1"/>
+              </a:gradFill>
+              <a:latin typeface="HY견고딕" panose="02030600000101010101" pitchFamily="18" charset="-127"/>
+              <a:ea typeface="HY견고딕" panose="02030600000101010101" pitchFamily="18" charset="-127"/>
+            </a:endParaRPr>
+          </a:p>
+        </p:txBody>
+      </p:sp>
+      <p:sp>
+        <p:nvSpPr>
+          <p:cNvPr id="17" name="모서리가 둥근 직사각형 16"/>
+          <p:cNvSpPr/>
+          <p:nvPr/>
+        </p:nvSpPr>
+        <p:spPr>
+          <a:xfrm>
+            <a:off x="1344173" y="2701198"/>
+            <a:ext cx="1441276" cy="493539"/>
+          </a:xfrm>
+          <a:prstGeom prst="roundRect">
+            <a:avLst>
+              <a:gd name="adj" fmla="val 50000"/>
+            </a:avLst>
+          </a:prstGeom>
+          <a:solidFill>
+            <a:srgbClr val="996C48"/>
+          </a:solidFill>
+          <a:ln>
+            <a:solidFill>
+              <a:srgbClr val="766C62"/>
+            </a:solidFill>
+          </a:ln>
+        </p:spPr>
+        <p:style>
+          <a:lnRef idx="2">
+            <a:schemeClr val="accent1">
+              <a:shade val="50000"/>
+            </a:schemeClr>
+          </a:lnRef>
+          <a:fillRef idx="1">
+            <a:schemeClr val="accent1"/>
+          </a:fillRef>
+          <a:effectRef idx="0">
+            <a:schemeClr val="accent1"/>
+          </a:effectRef>
+          <a:fontRef idx="minor">
+            <a:schemeClr val="lt1"/>
+          </a:fontRef>
+        </p:style>
+        <p:txBody>
+          <a:bodyPr rtlCol="0" anchor="ctr"/>
+          <a:lstStyle/>
+          <a:p>
+            <a:pPr algn="ctr"/>
+            <a:r>
+              <a:rPr lang="ko-KR" altLang="en-US" sz="2000" b="1" dirty="0" err="1" smtClean="0">
+                <a:gradFill>
+                  <a:gsLst>
+                    <a:gs pos="0">
+                      <a:schemeClr val="bg1"/>
+                    </a:gs>
+                    <a:gs pos="100000">
+                      <a:schemeClr val="bg1"/>
+                    </a:gs>
+                  </a:gsLst>
+                  <a:lin ang="5400000" scaled="1"/>
+                </a:gradFill>
+                <a:latin typeface="나눔고딕" panose="020D0604000000000000" pitchFamily="50" charset="-127"/>
+                <a:ea typeface="나눔고딕" panose="020D0604000000000000" pitchFamily="50" charset="-127"/>
+              </a:rPr>
+              <a:t>남우리</a:t>
+            </a:r>
+            <a:endParaRPr lang="en-US" altLang="ko-KR" sz="2000" b="1" dirty="0">
+              <a:gradFill>
+                <a:gsLst>
+                  <a:gs pos="0">
+                    <a:schemeClr val="bg1"/>
+                  </a:gs>
+                  <a:gs pos="100000">
+                    <a:schemeClr val="bg1"/>
+                  </a:gs>
+                </a:gsLst>
+                <a:lin ang="5400000" scaled="1"/>
+              </a:gradFill>
+              <a:latin typeface="나눔고딕" panose="020D0604000000000000" pitchFamily="50" charset="-127"/>
+              <a:ea typeface="나눔고딕" panose="020D0604000000000000" pitchFamily="50" charset="-127"/>
+            </a:endParaRPr>
+          </a:p>
+        </p:txBody>
+      </p:sp>
+      <p:sp>
+        <p:nvSpPr>
+          <p:cNvPr id="18" name="모서리가 둥근 직사각형 17"/>
+          <p:cNvSpPr/>
+          <p:nvPr/>
+        </p:nvSpPr>
+        <p:spPr>
+          <a:xfrm>
+            <a:off x="1344173" y="3898449"/>
+            <a:ext cx="1441276" cy="493539"/>
+          </a:xfrm>
+          <a:prstGeom prst="roundRect">
+            <a:avLst>
+              <a:gd name="adj" fmla="val 50000"/>
+            </a:avLst>
+          </a:prstGeom>
+          <a:solidFill>
+            <a:srgbClr val="996C48"/>
+          </a:solidFill>
+          <a:ln>
+            <a:solidFill>
+              <a:srgbClr val="766C62"/>
+            </a:solidFill>
+          </a:ln>
+        </p:spPr>
+        <p:style>
+          <a:lnRef idx="2">
+            <a:schemeClr val="accent1">
+              <a:shade val="50000"/>
+            </a:schemeClr>
+          </a:lnRef>
+          <a:fillRef idx="1">
+            <a:schemeClr val="accent1"/>
+          </a:fillRef>
+          <a:effectRef idx="0">
+            <a:schemeClr val="accent1"/>
+          </a:effectRef>
+          <a:fontRef idx="minor">
+            <a:schemeClr val="lt1"/>
+          </a:fontRef>
+        </p:style>
+        <p:txBody>
+          <a:bodyPr rtlCol="0" anchor="ctr"/>
+          <a:lstStyle/>
+          <a:p>
+            <a:pPr algn="ctr"/>
+            <a:r>
+              <a:rPr lang="ko-KR" altLang="en-US" sz="2000" b="1" dirty="0" smtClean="0">
+                <a:gradFill>
+                  <a:gsLst>
+                    <a:gs pos="0">
+                      <a:schemeClr val="bg1"/>
+                    </a:gs>
+                    <a:gs pos="100000">
+                      <a:schemeClr val="bg1"/>
+                    </a:gs>
+                  </a:gsLst>
+                  <a:lin ang="5400000" scaled="1"/>
+                </a:gradFill>
+                <a:latin typeface="나눔고딕" panose="020D0604000000000000" pitchFamily="50" charset="-127"/>
+                <a:ea typeface="나눔고딕" panose="020D0604000000000000" pitchFamily="50" charset="-127"/>
+              </a:rPr>
+              <a:t>설수현</a:t>
+            </a:r>
+            <a:endParaRPr lang="en-US" altLang="ko-KR" sz="2000" b="1" dirty="0">
+              <a:gradFill>
+                <a:gsLst>
+                  <a:gs pos="0">
+                    <a:schemeClr val="bg1"/>
+                  </a:gs>
+                  <a:gs pos="100000">
+                    <a:schemeClr val="bg1"/>
+                  </a:gs>
+                </a:gsLst>
+                <a:lin ang="5400000" scaled="1"/>
+              </a:gradFill>
+              <a:latin typeface="나눔고딕" panose="020D0604000000000000" pitchFamily="50" charset="-127"/>
+              <a:ea typeface="나눔고딕" panose="020D0604000000000000" pitchFamily="50" charset="-127"/>
+            </a:endParaRPr>
+          </a:p>
+        </p:txBody>
+      </p:sp>
+      <p:sp>
+        <p:nvSpPr>
+          <p:cNvPr id="19" name="모서리가 둥근 직사각형 18"/>
+          <p:cNvSpPr/>
+          <p:nvPr/>
+        </p:nvSpPr>
+        <p:spPr>
+          <a:xfrm>
+            <a:off x="1344173" y="5095701"/>
+            <a:ext cx="1441276" cy="493539"/>
+          </a:xfrm>
+          <a:prstGeom prst="roundRect">
+            <a:avLst>
+              <a:gd name="adj" fmla="val 50000"/>
+            </a:avLst>
+          </a:prstGeom>
+          <a:solidFill>
+            <a:srgbClr val="996C48"/>
+          </a:solidFill>
+          <a:ln>
+            <a:solidFill>
+              <a:srgbClr val="766C62"/>
+            </a:solidFill>
+          </a:ln>
+        </p:spPr>
+        <p:style>
+          <a:lnRef idx="2">
+            <a:schemeClr val="accent1">
+              <a:shade val="50000"/>
+            </a:schemeClr>
+          </a:lnRef>
+          <a:fillRef idx="1">
+            <a:schemeClr val="accent1"/>
+          </a:fillRef>
+          <a:effectRef idx="0">
+            <a:schemeClr val="accent1"/>
+          </a:effectRef>
+          <a:fontRef idx="minor">
+            <a:schemeClr val="lt1"/>
+          </a:fontRef>
+        </p:style>
+        <p:txBody>
+          <a:bodyPr rtlCol="0" anchor="ctr"/>
+          <a:lstStyle/>
+          <a:p>
+            <a:pPr algn="ctr"/>
+            <a:r>
+              <a:rPr lang="ko-KR" altLang="en-US" sz="2000" b="1" dirty="0" smtClean="0">
+                <a:gradFill>
+                  <a:gsLst>
+                    <a:gs pos="0">
+                      <a:schemeClr val="bg1"/>
+                    </a:gs>
+                    <a:gs pos="100000">
+                      <a:schemeClr val="bg1"/>
+                    </a:gs>
+                  </a:gsLst>
+                  <a:lin ang="5400000" scaled="1"/>
+                </a:gradFill>
+                <a:latin typeface="나눔고딕" panose="020D0604000000000000" pitchFamily="50" charset="-127"/>
+                <a:ea typeface="나눔고딕" panose="020D0604000000000000" pitchFamily="50" charset="-127"/>
+              </a:rPr>
+              <a:t>신혜진</a:t>
+            </a:r>
+            <a:endParaRPr lang="en-US" altLang="ko-KR" sz="2000" b="1" dirty="0">
+              <a:gradFill>
+                <a:gsLst>
+                  <a:gs pos="0">
+                    <a:schemeClr val="bg1"/>
+                  </a:gs>
+                  <a:gs pos="100000">
+                    <a:schemeClr val="bg1"/>
+                  </a:gs>
+                </a:gsLst>
+                <a:lin ang="5400000" scaled="1"/>
+              </a:gradFill>
+              <a:latin typeface="나눔고딕" panose="020D0604000000000000" pitchFamily="50" charset="-127"/>
+              <a:ea typeface="나눔고딕" panose="020D0604000000000000" pitchFamily="50" charset="-127"/>
+            </a:endParaRPr>
+          </a:p>
+        </p:txBody>
+      </p:sp>
+      <p:sp>
+        <p:nvSpPr>
+          <p:cNvPr id="20" name="텍스트 개체 틀 22"/>
+          <p:cNvSpPr>
+            <a:spLocks noGrp="1"/>
+          </p:cNvSpPr>
+          <p:nvPr>
+            <p:ph type="body" sz="quarter" idx="11"/>
+          </p:nvPr>
+        </p:nvSpPr>
+        <p:spPr>
+          <a:xfrm>
+            <a:off x="3573974" y="1394609"/>
+            <a:ext cx="4166378" cy="881443"/>
+          </a:xfrm>
+          <a:ln>
+            <a:solidFill>
+              <a:schemeClr val="accent3">
+                <a:lumMod val="60000"/>
+                <a:lumOff val="40000"/>
+              </a:schemeClr>
+            </a:solidFill>
+          </a:ln>
+        </p:spPr>
+        <p:txBody>
+          <a:bodyPr lIns="180000"/>
+          <a:lstStyle/>
+          <a:p>
+            <a:r>
+              <a:rPr lang="ko-KR" altLang="en-US" dirty="0" smtClean="0"/>
+              <a:t>결제 페이지</a:t>
+            </a:r>
+            <a:r>
+              <a:rPr lang="en-US" altLang="ko-KR" dirty="0" smtClean="0"/>
+              <a:t>, </a:t>
+            </a:r>
+            <a:r>
+              <a:rPr lang="ko-KR" altLang="en-US" dirty="0" smtClean="0"/>
+              <a:t>상세 페이지 </a:t>
+            </a:r>
+            <a:endParaRPr lang="en-US" altLang="ko-KR" dirty="0" smtClean="0"/>
+          </a:p>
+          <a:p>
+            <a:r>
+              <a:rPr lang="ko-KR" altLang="en-US" dirty="0" smtClean="0"/>
+              <a:t>와이어프레임 제작 및 웹사이트 구현</a:t>
+            </a:r>
+            <a:endParaRPr lang="ko-KR" altLang="en-US" dirty="0"/>
+          </a:p>
+        </p:txBody>
+      </p:sp>
+      <p:sp>
+        <p:nvSpPr>
+          <p:cNvPr id="21" name="텍스트 개체 틀 22"/>
+          <p:cNvSpPr>
+            <a:spLocks noGrp="1"/>
+          </p:cNvSpPr>
+          <p:nvPr>
+            <p:ph type="body" sz="quarter" idx="11"/>
+          </p:nvPr>
+        </p:nvSpPr>
+        <p:spPr>
+          <a:xfrm>
+            <a:off x="3563888" y="2563655"/>
+            <a:ext cx="4166378" cy="881443"/>
+          </a:xfrm>
+          <a:ln>
+            <a:solidFill>
+              <a:schemeClr val="accent3">
+                <a:lumMod val="60000"/>
+                <a:lumOff val="40000"/>
+              </a:schemeClr>
+            </a:solidFill>
+          </a:ln>
+        </p:spPr>
+        <p:txBody>
+          <a:bodyPr lIns="180000"/>
+          <a:lstStyle/>
+          <a:p>
+            <a:r>
+              <a:rPr lang="ko-KR" altLang="en-US" dirty="0" smtClean="0"/>
+              <a:t>로그인</a:t>
+            </a:r>
+            <a:r>
+              <a:rPr lang="ko-KR" altLang="en-US" dirty="0" smtClean="0"/>
+              <a:t> 페이지</a:t>
+            </a:r>
+            <a:r>
+              <a:rPr lang="en-US" altLang="ko-KR" dirty="0" smtClean="0"/>
+              <a:t>, </a:t>
+            </a:r>
+            <a:r>
+              <a:rPr lang="ko-KR" altLang="en-US" dirty="0" smtClean="0"/>
+              <a:t>고객센터</a:t>
+            </a:r>
+            <a:r>
+              <a:rPr lang="ko-KR" altLang="en-US" dirty="0" smtClean="0"/>
+              <a:t> 페이지 </a:t>
+            </a:r>
+            <a:endParaRPr lang="en-US" altLang="ko-KR" dirty="0" smtClean="0"/>
+          </a:p>
+          <a:p>
+            <a:r>
+              <a:rPr lang="ko-KR" altLang="en-US" dirty="0" smtClean="0"/>
+              <a:t>와이어프레임 제작 및 웹사이트 구현</a:t>
+            </a:r>
+            <a:endParaRPr lang="ko-KR" altLang="en-US" dirty="0"/>
+          </a:p>
+        </p:txBody>
+      </p:sp>
+      <p:sp>
+        <p:nvSpPr>
+          <p:cNvPr id="22" name="텍스트 개체 틀 22"/>
+          <p:cNvSpPr>
+            <a:spLocks noGrp="1"/>
+          </p:cNvSpPr>
+          <p:nvPr>
+            <p:ph type="body" sz="quarter" idx="11"/>
+          </p:nvPr>
+        </p:nvSpPr>
+        <p:spPr>
+          <a:xfrm>
+            <a:off x="3564834" y="3732701"/>
+            <a:ext cx="4166378" cy="881443"/>
+          </a:xfrm>
+          <a:ln>
+            <a:solidFill>
+              <a:schemeClr val="accent3">
+                <a:lumMod val="60000"/>
+                <a:lumOff val="40000"/>
+              </a:schemeClr>
+            </a:solidFill>
+          </a:ln>
+        </p:spPr>
+        <p:txBody>
+          <a:bodyPr lIns="180000"/>
+          <a:lstStyle/>
+          <a:p>
+            <a:r>
+              <a:rPr lang="ko-KR" altLang="en-US" dirty="0" smtClean="0"/>
+              <a:t>회원가입 페이지</a:t>
+            </a:r>
+            <a:r>
+              <a:rPr lang="en-US" altLang="ko-KR" dirty="0" smtClean="0"/>
+              <a:t>, </a:t>
+            </a:r>
+            <a:r>
+              <a:rPr lang="ko-KR" altLang="en-US" dirty="0" smtClean="0"/>
+              <a:t>장바구니</a:t>
+            </a:r>
+            <a:r>
+              <a:rPr lang="ko-KR" altLang="en-US" dirty="0" smtClean="0"/>
+              <a:t> 페이지 </a:t>
+            </a:r>
+            <a:endParaRPr lang="en-US" altLang="ko-KR" dirty="0" smtClean="0"/>
+          </a:p>
+          <a:p>
+            <a:r>
+              <a:rPr lang="ko-KR" altLang="en-US" dirty="0" smtClean="0"/>
+              <a:t>와이어프레임 제작 및 웹사이트 구현</a:t>
+            </a:r>
+            <a:endParaRPr lang="ko-KR" altLang="en-US" dirty="0"/>
+          </a:p>
+        </p:txBody>
+      </p:sp>
+      <p:sp>
+        <p:nvSpPr>
+          <p:cNvPr id="24" name="텍스트 개체 틀 22"/>
+          <p:cNvSpPr>
+            <a:spLocks noGrp="1"/>
+          </p:cNvSpPr>
+          <p:nvPr>
+            <p:ph type="body" sz="quarter" idx="11"/>
+          </p:nvPr>
+        </p:nvSpPr>
+        <p:spPr>
+          <a:xfrm>
+            <a:off x="3564834" y="4901748"/>
+            <a:ext cx="4166378" cy="881443"/>
+          </a:xfrm>
+          <a:ln>
+            <a:solidFill>
+              <a:schemeClr val="accent3">
+                <a:lumMod val="60000"/>
+                <a:lumOff val="40000"/>
+              </a:schemeClr>
+            </a:solidFill>
+          </a:ln>
+        </p:spPr>
+        <p:txBody>
+          <a:bodyPr lIns="180000"/>
+          <a:lstStyle/>
+          <a:p>
+            <a:r>
+              <a:rPr lang="ko-KR" altLang="en-US" dirty="0" smtClean="0"/>
+              <a:t>메인 페이지</a:t>
+            </a:r>
+            <a:r>
+              <a:rPr lang="en-US" altLang="ko-KR" dirty="0" smtClean="0"/>
+              <a:t>, </a:t>
+            </a:r>
+            <a:r>
+              <a:rPr lang="ko-KR" altLang="en-US" dirty="0" smtClean="0"/>
+              <a:t>서브</a:t>
+            </a:r>
+            <a:r>
+              <a:rPr lang="ko-KR" altLang="en-US" dirty="0" smtClean="0"/>
+              <a:t> 페이지 </a:t>
+            </a:r>
+            <a:endParaRPr lang="en-US" altLang="ko-KR" dirty="0" smtClean="0"/>
+          </a:p>
+          <a:p>
+            <a:r>
+              <a:rPr lang="ko-KR" altLang="en-US" dirty="0" smtClean="0"/>
+              <a:t>와이어프레임 제작 및 웹사이트 구현</a:t>
+            </a:r>
+            <a:endParaRPr lang="ko-KR" altLang="en-US" dirty="0"/>
+          </a:p>
+        </p:txBody>
+      </p:sp>
+    </p:spTree>
+    <p:extLst>
+      <p:ext uri="{BB962C8B-B14F-4D97-AF65-F5344CB8AC3E}">
+        <p14:creationId xmlns:p14="http://schemas.microsoft.com/office/powerpoint/2010/main" val="481256"/>
+      </p:ext>
+    </p:extLst>
+  </p:cSld>
+  <p:clrMapOvr>
+    <a:masterClrMapping/>
+  </p:clrMapOvr>
+  <p:timing>
+    <p:tnLst>
+      <p:par>
+        <p:cTn id="1" dur="indefinite" restart="never" nodeType="tmRoot"/>
+      </p:par>
+    </p:tnLst>
+  </p:timing>
+</p:sld>
+</file>
+
+<file path=ppt/slides/slide5.xml><?xml version="1.0" encoding="utf-8"?>
+<p:sld xmlns:a="http://schemas.openxmlformats.org/drawingml/2006/main" xmlns:r="http://schemas.openxmlformats.org/officeDocument/2006/relationships" xmlns:p="http://schemas.openxmlformats.org/presentationml/2006/main">
+  <p:cSld>
+    <p:spTree>
+      <p:nvGrpSpPr>
+        <p:cNvPr id="1" name=""/>
+        <p:cNvGrpSpPr/>
+        <p:nvPr/>
+      </p:nvGrpSpPr>
+      <p:grpSpPr>
+        <a:xfrm>
+          <a:off x="0" y="0"/>
+          <a:ext cx="0" cy="0"/>
+          <a:chOff x="0" y="0"/>
+          <a:chExt cx="0" cy="0"/>
+        </a:xfrm>
+      </p:grpSpPr>
+      <p:sp>
+        <p:nvSpPr>
+          <p:cNvPr id="3" name="TextBox 2"/>
+          <p:cNvSpPr txBox="1"/>
+          <p:nvPr/>
+        </p:nvSpPr>
+        <p:spPr>
+          <a:xfrm>
+            <a:off x="1766841" y="2970287"/>
+            <a:ext cx="5610318" cy="1205458"/>
+          </a:xfrm>
+          <a:prstGeom prst="rect">
+            <a:avLst/>
+          </a:prstGeom>
+        </p:spPr>
+        <p:txBody>
+          <a:bodyPr wrap="none" rtlCol="0">
+            <a:spAutoFit/>
+          </a:bodyPr>
+          <a:lstStyle>
+            <a:defPPr>
+              <a:defRPr lang="ko-KR"/>
+            </a:defPPr>
+            <a:lvl1pPr algn="r">
+              <a:lnSpc>
+                <a:spcPct val="150000"/>
+              </a:lnSpc>
+              <a:spcBef>
+                <a:spcPts val="1000"/>
+              </a:spcBef>
+              <a:defRPr sz="1400">
+                <a:gradFill>
+                  <a:gsLst>
+                    <a:gs pos="0">
+                      <a:srgbClr val="766C62"/>
+                    </a:gs>
+                    <a:gs pos="100000">
+                      <a:srgbClr val="766C62"/>
+                    </a:gs>
+                  </a:gsLst>
+                  <a:lin ang="5400000" scaled="1"/>
+                </a:gradFill>
+                <a:latin typeface="나눔고딕" panose="020D0604000000000000" pitchFamily="50" charset="-127"/>
+                <a:ea typeface="나눔고딕" panose="020D0604000000000000" pitchFamily="50" charset="-127"/>
+              </a:defRPr>
+            </a:lvl1pPr>
+          </a:lstStyle>
+          <a:p>
+            <a:pPr>
+              <a:lnSpc>
+                <a:spcPct val="100000"/>
+              </a:lnSpc>
+            </a:pPr>
+            <a:r>
+              <a:rPr lang="en-US" altLang="ko-KR" sz="3200" dirty="0">
+                <a:gradFill>
+                  <a:gsLst>
+                    <a:gs pos="0">
+                      <a:srgbClr val="FFC000"/>
+                    </a:gs>
+                    <a:gs pos="100000">
+                      <a:srgbClr val="FFC000"/>
+                    </a:gs>
+                  </a:gsLst>
+                  <a:lin ang="5400000" scaled="1"/>
+                </a:gradFill>
+                <a:latin typeface="나눔고딕 ExtraBold" panose="020D0904000000000000" pitchFamily="50" charset="-127"/>
+                <a:ea typeface="나눔고딕 ExtraBold" panose="020D0904000000000000" pitchFamily="50" charset="-127"/>
+              </a:rPr>
+              <a:t>HTML/CSS Team Project</a:t>
+            </a:r>
+          </a:p>
+          <a:p>
+            <a:pPr>
+              <a:lnSpc>
+                <a:spcPct val="100000"/>
+              </a:lnSpc>
+            </a:pPr>
+            <a:endParaRPr lang="en-US" altLang="ko-KR" sz="3200" dirty="0">
+              <a:gradFill>
+                <a:gsLst>
+                  <a:gs pos="0">
+                    <a:srgbClr val="FFC000"/>
+                  </a:gs>
+                  <a:gs pos="100000">
+                    <a:srgbClr val="FFC000"/>
+                  </a:gs>
+                </a:gsLst>
+                <a:lin ang="5400000" scaled="1"/>
+              </a:gradFill>
+              <a:latin typeface="나눔고딕 ExtraBold" panose="020D0904000000000000" pitchFamily="50" charset="-127"/>
+              <a:ea typeface="나눔고딕 ExtraBold" panose="020D0904000000000000" pitchFamily="50" charset="-127"/>
+            </a:endParaRPr>
+          </a:p>
+        </p:txBody>
+      </p:sp>
+      <p:sp>
+        <p:nvSpPr>
+          <p:cNvPr id="4" name="TextBox 3"/>
+          <p:cNvSpPr txBox="1"/>
+          <p:nvPr/>
+        </p:nvSpPr>
+        <p:spPr>
+          <a:xfrm>
+            <a:off x="3347864" y="3645024"/>
+            <a:ext cx="2028119" cy="369332"/>
+          </a:xfrm>
+          <a:prstGeom prst="rect">
+            <a:avLst/>
+          </a:prstGeom>
+        </p:spPr>
+        <p:txBody>
+          <a:bodyPr wrap="none" rtlCol="0">
+            <a:spAutoFit/>
+          </a:bodyPr>
+          <a:lstStyle>
+            <a:defPPr>
+              <a:defRPr lang="ko-KR"/>
+            </a:defPPr>
+            <a:lvl1pPr algn="r">
+              <a:lnSpc>
+                <a:spcPct val="150000"/>
+              </a:lnSpc>
+              <a:spcBef>
+                <a:spcPts val="1000"/>
+              </a:spcBef>
+              <a:defRPr sz="1400">
+                <a:gradFill>
+                  <a:gsLst>
+                    <a:gs pos="0">
+                      <a:srgbClr val="766C62"/>
+                    </a:gs>
+                    <a:gs pos="100000">
+                      <a:srgbClr val="766C62"/>
+                    </a:gs>
+                  </a:gsLst>
+                  <a:lin ang="5400000" scaled="1"/>
+                </a:gradFill>
+                <a:latin typeface="나눔고딕" panose="020D0604000000000000" pitchFamily="50" charset="-127"/>
+                <a:ea typeface="나눔고딕" panose="020D0604000000000000" pitchFamily="50" charset="-127"/>
+              </a:defRPr>
+            </a:lvl1pPr>
+          </a:lstStyle>
+          <a:p>
+            <a:pPr>
+              <a:lnSpc>
+                <a:spcPct val="100000"/>
+              </a:lnSpc>
+            </a:pPr>
+            <a:r>
+              <a:rPr lang="en-US" altLang="ko-KR" sz="1800" b="1" dirty="0" smtClean="0"/>
+              <a:t>02 </a:t>
+            </a:r>
+            <a:r>
+              <a:rPr lang="ko-KR" altLang="en-US" sz="1800" dirty="0" smtClean="0"/>
+              <a:t>프로젝트 소개</a:t>
+            </a:r>
+            <a:endParaRPr lang="en-US" altLang="ko-KR" sz="1800" dirty="0" smtClean="0"/>
+          </a:p>
+        </p:txBody>
+      </p:sp>
+      <p:pic>
+        <p:nvPicPr>
+          <p:cNvPr id="2" name="그림 1" descr="화면 캡처"/>
+          <p:cNvPicPr>
+            <a:picLocks noChangeAspect="1"/>
+          </p:cNvPicPr>
+          <p:nvPr/>
+        </p:nvPicPr>
+        <p:blipFill>
+          <a:blip r:embed="rId3">
+            <a:extLst>
+              <a:ext uri="{28A0092B-C50C-407E-A947-70E740481C1C}">
+                <a14:useLocalDpi xmlns:a14="http://schemas.microsoft.com/office/drawing/2010/main" val="0"/>
+              </a:ext>
+            </a:extLst>
+          </a:blip>
+          <a:stretch>
+            <a:fillRect/>
+          </a:stretch>
+        </p:blipFill>
+        <p:spPr>
+          <a:xfrm>
+            <a:off x="-5348" y="5157192"/>
+            <a:ext cx="9144000" cy="1700808"/>
+          </a:xfrm>
+          <a:prstGeom prst="rect">
+            <a:avLst/>
+          </a:prstGeom>
+        </p:spPr>
+      </p:pic>
+    </p:spTree>
+    <p:extLst>
+      <p:ext uri="{BB962C8B-B14F-4D97-AF65-F5344CB8AC3E}">
+        <p14:creationId xmlns:p14="http://schemas.microsoft.com/office/powerpoint/2010/main" val="423248507"/>
+      </p:ext>
+    </p:extLst>
+  </p:cSld>
+  <p:clrMapOvr>
+    <a:masterClrMapping/>
+  </p:clrMapOvr>
+  <p:timing>
+    <p:tnLst>
+      <p:par>
+        <p:cTn id="1" dur="indefinite" restart="never" nodeType="tmRoot"/>
+      </p:par>
+    </p:tnLst>
+  </p:timing>
+</p:sld>
+</file>
+
+<file path=ppt/slides/slide6.xml><?xml version="1.0" encoding="utf-8"?>
+<p:sld xmlns:a="http://schemas.openxmlformats.org/drawingml/2006/main" xmlns:r="http://schemas.openxmlformats.org/officeDocument/2006/relationships" xmlns:p="http://schemas.openxmlformats.org/presentationml/2006/main">
+  <p:cSld>
+    <p:spTree>
+      <p:nvGrpSpPr>
+        <p:cNvPr id="1" name=""/>
+        <p:cNvGrpSpPr/>
+        <p:nvPr/>
+      </p:nvGrpSpPr>
+      <p:grpSpPr>
+        <a:xfrm>
+          <a:off x="0" y="0"/>
+          <a:ext cx="0" cy="0"/>
+          <a:chOff x="0" y="0"/>
+          <a:chExt cx="0" cy="0"/>
+        </a:xfrm>
+      </p:grpSpPr>
+      <p:grpSp>
+        <p:nvGrpSpPr>
+          <p:cNvPr id="4" name="그룹 3"/>
+          <p:cNvGrpSpPr/>
+          <p:nvPr/>
+        </p:nvGrpSpPr>
+        <p:grpSpPr>
+          <a:xfrm>
+            <a:off x="593755" y="908720"/>
+            <a:ext cx="8046789" cy="5400599"/>
+            <a:chOff x="811472" y="1479617"/>
+            <a:chExt cx="7521057" cy="2954444"/>
+          </a:xfrm>
+        </p:grpSpPr>
+        <p:sp>
+          <p:nvSpPr>
+            <p:cNvPr id="5" name="직사각형 4"/>
+            <p:cNvSpPr/>
+            <p:nvPr/>
+          </p:nvSpPr>
+          <p:spPr>
+            <a:xfrm>
+              <a:off x="811472" y="1479617"/>
+              <a:ext cx="7521057" cy="2954444"/>
+            </a:xfrm>
+            <a:prstGeom prst="rect">
+              <a:avLst/>
+            </a:prstGeom>
+            <a:solidFill>
+              <a:schemeClr val="bg1">
+                <a:lumMod val="95000"/>
+              </a:schemeClr>
+            </a:solidFill>
+            <a:ln>
+              <a:noFill/>
+            </a:ln>
+          </p:spPr>
+          <p:style>
+            <a:lnRef idx="2">
+              <a:schemeClr val="accent1">
+                <a:shade val="50000"/>
+              </a:schemeClr>
+            </a:lnRef>
+            <a:fillRef idx="1">
+              <a:schemeClr val="accent1"/>
+            </a:fillRef>
+            <a:effectRef idx="0">
+              <a:schemeClr val="accent1"/>
+            </a:effectRef>
+            <a:fontRef idx="minor">
+              <a:schemeClr val="lt1"/>
+            </a:fontRef>
+          </p:style>
+          <p:txBody>
+            <a:bodyPr rot="0" spcFirstLastPara="0" vertOverflow="overflow" horzOverflow="overflow" vert="horz" wrap="square" lIns="91440" tIns="45720" rIns="91440" bIns="45720" numCol="1" spcCol="0" rtlCol="0" fromWordArt="0" anchor="ctr" anchorCtr="0" forceAA="0" compatLnSpc="1">
+              <a:prstTxWarp prst="textNoShape">
+                <a:avLst/>
+              </a:prstTxWarp>
+              <a:noAutofit/>
+            </a:bodyPr>
+            <a:lstStyle/>
+            <a:p>
+              <a:pPr algn="ctr"/>
+              <a:endParaRPr lang="ko-KR" altLang="en-US"/>
+            </a:p>
+          </p:txBody>
+        </p:sp>
+        <p:sp>
+          <p:nvSpPr>
+            <p:cNvPr id="6" name="직사각형 5"/>
+            <p:cNvSpPr/>
+            <p:nvPr/>
+          </p:nvSpPr>
+          <p:spPr>
+            <a:xfrm>
+              <a:off x="881853" y="1531353"/>
+              <a:ext cx="7380295" cy="2850978"/>
+            </a:xfrm>
+            <a:prstGeom prst="rect">
+              <a:avLst/>
+            </a:prstGeom>
+            <a:solidFill>
+              <a:schemeClr val="bg1"/>
+            </a:solidFill>
+            <a:ln>
+              <a:noFill/>
+            </a:ln>
+          </p:spPr>
+          <p:style>
+            <a:lnRef idx="2">
+              <a:schemeClr val="accent1">
+                <a:shade val="50000"/>
+              </a:schemeClr>
+            </a:lnRef>
+            <a:fillRef idx="1">
+              <a:schemeClr val="accent1"/>
+            </a:fillRef>
+            <a:effectRef idx="0">
+              <a:schemeClr val="accent1"/>
+            </a:effectRef>
+            <a:fontRef idx="minor">
+              <a:schemeClr val="lt1"/>
+            </a:fontRef>
+          </p:style>
+          <p:txBody>
+            <a:bodyPr rot="0" spcFirstLastPara="0" vertOverflow="overflow" horzOverflow="overflow" vert="horz" wrap="square" lIns="91440" tIns="45720" rIns="91440" bIns="45720" numCol="1" spcCol="0" rtlCol="0" fromWordArt="0" anchor="ctr" anchorCtr="0" forceAA="0" compatLnSpc="1">
+              <a:prstTxWarp prst="textNoShape">
+                <a:avLst/>
+              </a:prstTxWarp>
+              <a:noAutofit/>
+            </a:bodyPr>
+            <a:lstStyle/>
+            <a:p>
+              <a:pPr algn="ctr"/>
+              <a:endParaRPr lang="ko-KR" altLang="en-US"/>
+            </a:p>
+          </p:txBody>
+        </p:sp>
+      </p:grpSp>
+      <p:sp>
+        <p:nvSpPr>
+          <p:cNvPr id="13" name="텍스트 개체 틀 12"/>
+          <p:cNvSpPr>
+            <a:spLocks noGrp="1"/>
+          </p:cNvSpPr>
+          <p:nvPr>
+            <p:ph type="body" sz="quarter" idx="10"/>
+          </p:nvPr>
+        </p:nvSpPr>
+        <p:spPr/>
+        <p:txBody>
+          <a:bodyPr/>
+          <a:lstStyle/>
+          <a:p>
+            <a:r>
+              <a:rPr lang="en-US" altLang="ko-KR" dirty="0" smtClean="0"/>
+              <a:t>02</a:t>
+            </a:r>
+            <a:endParaRPr lang="ko-KR" altLang="en-US" dirty="0"/>
+          </a:p>
+        </p:txBody>
+      </p:sp>
+      <p:sp>
+        <p:nvSpPr>
+          <p:cNvPr id="23" name="텍스트 개체 틀 22"/>
+          <p:cNvSpPr>
+            <a:spLocks noGrp="1"/>
+          </p:cNvSpPr>
+          <p:nvPr>
+            <p:ph type="body" sz="quarter" idx="11"/>
+          </p:nvPr>
+        </p:nvSpPr>
+        <p:spPr>
+          <a:xfrm>
+            <a:off x="808216" y="380922"/>
+            <a:ext cx="3808934" cy="273323"/>
+          </a:xfrm>
+        </p:spPr>
+        <p:txBody>
+          <a:bodyPr/>
+          <a:lstStyle/>
+          <a:p>
+            <a:r>
+              <a:rPr lang="ko-KR" altLang="en-US" dirty="0" smtClean="0"/>
+              <a:t>프로젝트 소개</a:t>
+            </a:r>
+            <a:endParaRPr lang="ko-KR" altLang="en-US" dirty="0"/>
+          </a:p>
+        </p:txBody>
+      </p:sp>
+      <p:sp>
+        <p:nvSpPr>
+          <p:cNvPr id="9" name="모서리가 둥근 직사각형 8"/>
+          <p:cNvSpPr/>
+          <p:nvPr/>
+        </p:nvSpPr>
+        <p:spPr>
+          <a:xfrm>
+            <a:off x="1172994" y="1613155"/>
+            <a:ext cx="1813849" cy="493539"/>
+          </a:xfrm>
+          <a:prstGeom prst="roundRect">
+            <a:avLst>
+              <a:gd name="adj" fmla="val 50000"/>
+            </a:avLst>
+          </a:prstGeom>
+          <a:solidFill>
+            <a:srgbClr val="996C48"/>
+          </a:solidFill>
+          <a:ln>
+            <a:solidFill>
+              <a:srgbClr val="766C62"/>
+            </a:solidFill>
+          </a:ln>
+        </p:spPr>
+        <p:style>
+          <a:lnRef idx="2">
+            <a:schemeClr val="accent1">
+              <a:shade val="50000"/>
+            </a:schemeClr>
+          </a:lnRef>
+          <a:fillRef idx="1">
+            <a:schemeClr val="accent1"/>
+          </a:fillRef>
+          <a:effectRef idx="0">
+            <a:schemeClr val="accent1"/>
+          </a:effectRef>
+          <a:fontRef idx="minor">
+            <a:schemeClr val="lt1"/>
+          </a:fontRef>
+        </p:style>
+        <p:txBody>
+          <a:bodyPr rtlCol="0" anchor="ctr"/>
+          <a:lstStyle/>
+          <a:p>
+            <a:pPr algn="ctr"/>
+            <a:r>
+              <a:rPr lang="ko-KR" altLang="en-US" sz="2000" b="1" dirty="0" err="1" smtClean="0">
+                <a:gradFill>
+                  <a:gsLst>
+                    <a:gs pos="0">
+                      <a:schemeClr val="bg1"/>
+                    </a:gs>
+                    <a:gs pos="100000">
+                      <a:schemeClr val="bg1"/>
+                    </a:gs>
+                  </a:gsLst>
+                  <a:lin ang="5400000" scaled="1"/>
+                </a:gradFill>
+                <a:latin typeface="나눔고딕" panose="020D0604000000000000" pitchFamily="50" charset="-127"/>
+                <a:ea typeface="나눔고딕" panose="020D0604000000000000" pitchFamily="50" charset="-127"/>
+              </a:rPr>
+              <a:t>프로젝트명</a:t>
+            </a:r>
+            <a:endParaRPr lang="en-US" altLang="ko-KR" sz="2000" b="1" dirty="0">
+              <a:gradFill>
+                <a:gsLst>
+                  <a:gs pos="0">
+                    <a:schemeClr val="bg1"/>
+                  </a:gs>
+                  <a:gs pos="100000">
+                    <a:schemeClr val="bg1"/>
+                  </a:gs>
+                </a:gsLst>
+                <a:lin ang="5400000" scaled="1"/>
+              </a:gradFill>
+              <a:latin typeface="나눔고딕" panose="020D0604000000000000" pitchFamily="50" charset="-127"/>
+              <a:ea typeface="나눔고딕" panose="020D0604000000000000" pitchFamily="50" charset="-127"/>
+            </a:endParaRPr>
+          </a:p>
+        </p:txBody>
+      </p:sp>
+      <p:sp>
+        <p:nvSpPr>
+          <p:cNvPr id="2" name="TextBox 1"/>
+          <p:cNvSpPr txBox="1"/>
+          <p:nvPr/>
+        </p:nvSpPr>
+        <p:spPr>
+          <a:xfrm>
+            <a:off x="3275856" y="1371428"/>
+            <a:ext cx="4086398" cy="369332"/>
+          </a:xfrm>
+          <a:prstGeom prst="rect">
+            <a:avLst/>
+          </a:prstGeom>
+          <a:noFill/>
+        </p:spPr>
+        <p:txBody>
+          <a:bodyPr wrap="square" rtlCol="0">
+            <a:spAutoFit/>
+          </a:bodyPr>
+          <a:lstStyle/>
+          <a:p>
+            <a:endParaRPr lang="ko-KR" altLang="en-US" dirty="0">
+              <a:gradFill>
+                <a:gsLst>
+                  <a:gs pos="0">
+                    <a:schemeClr val="tx1">
+                      <a:lumMod val="95000"/>
+                      <a:lumOff val="5000"/>
+                    </a:schemeClr>
+                  </a:gs>
+                  <a:gs pos="100000">
+                    <a:schemeClr val="tx1">
+                      <a:lumMod val="95000"/>
+                      <a:lumOff val="5000"/>
+                    </a:schemeClr>
+                  </a:gs>
+                </a:gsLst>
+                <a:lin ang="5400000" scaled="1"/>
+              </a:gradFill>
+              <a:latin typeface="HY견고딕" panose="02030600000101010101" pitchFamily="18" charset="-127"/>
+              <a:ea typeface="HY견고딕" panose="02030600000101010101" pitchFamily="18" charset="-127"/>
+            </a:endParaRPr>
+          </a:p>
+        </p:txBody>
+      </p:sp>
+      <p:sp>
+        <p:nvSpPr>
+          <p:cNvPr id="20" name="텍스트 개체 틀 22"/>
+          <p:cNvSpPr>
+            <a:spLocks noGrp="1"/>
+          </p:cNvSpPr>
+          <p:nvPr>
+            <p:ph type="body" sz="quarter" idx="11"/>
+          </p:nvPr>
+        </p:nvSpPr>
+        <p:spPr>
+          <a:xfrm>
+            <a:off x="3635896" y="1513775"/>
+            <a:ext cx="4363138" cy="714288"/>
+          </a:xfrm>
+          <a:ln>
+            <a:solidFill>
+              <a:schemeClr val="accent3">
+                <a:lumMod val="60000"/>
+                <a:lumOff val="40000"/>
+              </a:schemeClr>
+            </a:solidFill>
+          </a:ln>
+        </p:spPr>
+        <p:txBody>
+          <a:bodyPr lIns="180000" rIns="180000"/>
+          <a:lstStyle/>
+          <a:p>
+            <a:r>
+              <a:rPr lang="ko-KR" altLang="en-US" dirty="0" smtClean="0"/>
+              <a:t>단독</a:t>
+            </a:r>
+            <a:r>
+              <a:rPr lang="en-US" altLang="ko-KR" dirty="0" smtClean="0"/>
+              <a:t>(</a:t>
+            </a:r>
+            <a:r>
+              <a:rPr lang="en-US" altLang="ko-KR" dirty="0" err="1" smtClean="0"/>
+              <a:t>DanDog</a:t>
+            </a:r>
+            <a:r>
+              <a:rPr lang="en-US" altLang="ko-KR" dirty="0" smtClean="0"/>
+              <a:t>): </a:t>
+            </a:r>
+            <a:r>
+              <a:rPr lang="ko-KR" altLang="en-US" dirty="0" smtClean="0"/>
+              <a:t>강아지 한 마리 한 마리가 모두 소중하다는 의미</a:t>
+            </a:r>
+            <a:endParaRPr lang="en-US" altLang="ko-KR" dirty="0" smtClean="0"/>
+          </a:p>
+        </p:txBody>
+      </p:sp>
+      <p:sp>
+        <p:nvSpPr>
+          <p:cNvPr id="25" name="텍스트 개체 틀 22"/>
+          <p:cNvSpPr>
+            <a:spLocks noGrp="1"/>
+          </p:cNvSpPr>
+          <p:nvPr>
+            <p:ph type="body" sz="quarter" idx="11"/>
+          </p:nvPr>
+        </p:nvSpPr>
+        <p:spPr>
+          <a:xfrm>
+            <a:off x="3635896" y="2537846"/>
+            <a:ext cx="4363138" cy="1439913"/>
+          </a:xfrm>
+          <a:ln>
+            <a:solidFill>
+              <a:schemeClr val="accent3">
+                <a:lumMod val="60000"/>
+                <a:lumOff val="40000"/>
+              </a:schemeClr>
+            </a:solidFill>
+          </a:ln>
+        </p:spPr>
+        <p:txBody>
+          <a:bodyPr lIns="180000" rIns="180000"/>
+          <a:lstStyle/>
+          <a:p>
+            <a:r>
+              <a:rPr lang="ko-KR" altLang="en-US" dirty="0" smtClean="0"/>
+              <a:t>강아지 관련 용품을 구입하고 싶거나</a:t>
+            </a:r>
+            <a:endParaRPr lang="en-US" altLang="ko-KR" dirty="0" smtClean="0"/>
+          </a:p>
+          <a:p>
+            <a:r>
+              <a:rPr lang="ko-KR" altLang="en-US" dirty="0" smtClean="0"/>
+              <a:t>강아지 관련 커뮤니티에 참여하고 싶은 사람을 위한 플랫폼 </a:t>
+            </a:r>
+            <a:endParaRPr lang="en-US" altLang="ko-KR" dirty="0" smtClean="0"/>
+          </a:p>
+        </p:txBody>
+      </p:sp>
+      <p:sp>
+        <p:nvSpPr>
+          <p:cNvPr id="27" name="모서리가 둥근 직사각형 26"/>
+          <p:cNvSpPr/>
+          <p:nvPr/>
+        </p:nvSpPr>
+        <p:spPr>
+          <a:xfrm>
+            <a:off x="1196366" y="2941478"/>
+            <a:ext cx="1813849" cy="493539"/>
+          </a:xfrm>
+          <a:prstGeom prst="roundRect">
+            <a:avLst>
+              <a:gd name="adj" fmla="val 50000"/>
+            </a:avLst>
+          </a:prstGeom>
+          <a:solidFill>
+            <a:srgbClr val="996C48"/>
+          </a:solidFill>
+          <a:ln>
+            <a:solidFill>
+              <a:srgbClr val="766C62"/>
+            </a:solidFill>
+          </a:ln>
+        </p:spPr>
+        <p:style>
+          <a:lnRef idx="2">
+            <a:schemeClr val="accent1">
+              <a:shade val="50000"/>
+            </a:schemeClr>
+          </a:lnRef>
+          <a:fillRef idx="1">
+            <a:schemeClr val="accent1"/>
+          </a:fillRef>
+          <a:effectRef idx="0">
+            <a:schemeClr val="accent1"/>
+          </a:effectRef>
+          <a:fontRef idx="minor">
+            <a:schemeClr val="lt1"/>
+          </a:fontRef>
+        </p:style>
+        <p:txBody>
+          <a:bodyPr rtlCol="0" anchor="ctr"/>
+          <a:lstStyle/>
+          <a:p>
+            <a:pPr algn="ctr"/>
+            <a:r>
+              <a:rPr lang="ko-KR" altLang="en-US" sz="2000" b="1" dirty="0" smtClean="0">
+                <a:gradFill>
+                  <a:gsLst>
+                    <a:gs pos="0">
+                      <a:schemeClr val="bg1"/>
+                    </a:gs>
+                    <a:gs pos="100000">
+                      <a:schemeClr val="bg1"/>
+                    </a:gs>
+                  </a:gsLst>
+                  <a:lin ang="5400000" scaled="1"/>
+                </a:gradFill>
+                <a:latin typeface="나눔고딕" panose="020D0604000000000000" pitchFamily="50" charset="-127"/>
+                <a:ea typeface="나눔고딕" panose="020D0604000000000000" pitchFamily="50" charset="-127"/>
+              </a:rPr>
+              <a:t>설명</a:t>
+            </a:r>
+            <a:endParaRPr lang="en-US" altLang="ko-KR" sz="2000" b="1" dirty="0">
+              <a:gradFill>
+                <a:gsLst>
+                  <a:gs pos="0">
+                    <a:schemeClr val="bg1"/>
+                  </a:gs>
+                  <a:gs pos="100000">
+                    <a:schemeClr val="bg1"/>
+                  </a:gs>
+                </a:gsLst>
+                <a:lin ang="5400000" scaled="1"/>
+              </a:gradFill>
+              <a:latin typeface="나눔고딕" panose="020D0604000000000000" pitchFamily="50" charset="-127"/>
+              <a:ea typeface="나눔고딕" panose="020D0604000000000000" pitchFamily="50" charset="-127"/>
+            </a:endParaRPr>
+          </a:p>
+        </p:txBody>
+      </p:sp>
+      <p:sp>
+        <p:nvSpPr>
+          <p:cNvPr id="28" name="모서리가 둥근 직사각형 27"/>
+          <p:cNvSpPr/>
+          <p:nvPr/>
+        </p:nvSpPr>
+        <p:spPr>
+          <a:xfrm>
+            <a:off x="1196366" y="4633593"/>
+            <a:ext cx="1813849" cy="493539"/>
+          </a:xfrm>
+          <a:prstGeom prst="roundRect">
+            <a:avLst>
+              <a:gd name="adj" fmla="val 50000"/>
+            </a:avLst>
+          </a:prstGeom>
+          <a:solidFill>
+            <a:srgbClr val="996C48"/>
+          </a:solidFill>
+          <a:ln>
+            <a:solidFill>
+              <a:srgbClr val="766C62"/>
+            </a:solidFill>
+          </a:ln>
+        </p:spPr>
+        <p:style>
+          <a:lnRef idx="2">
+            <a:schemeClr val="accent1">
+              <a:shade val="50000"/>
+            </a:schemeClr>
+          </a:lnRef>
+          <a:fillRef idx="1">
+            <a:schemeClr val="accent1"/>
+          </a:fillRef>
+          <a:effectRef idx="0">
+            <a:schemeClr val="accent1"/>
+          </a:effectRef>
+          <a:fontRef idx="minor">
+            <a:schemeClr val="lt1"/>
+          </a:fontRef>
+        </p:style>
+        <p:txBody>
+          <a:bodyPr rtlCol="0" anchor="ctr"/>
+          <a:lstStyle/>
+          <a:p>
+            <a:pPr algn="ctr"/>
+            <a:r>
+              <a:rPr lang="ko-KR" altLang="en-US" sz="2000" b="1" dirty="0" smtClean="0">
+                <a:gradFill>
+                  <a:gsLst>
+                    <a:gs pos="0">
+                      <a:schemeClr val="bg1"/>
+                    </a:gs>
+                    <a:gs pos="100000">
+                      <a:schemeClr val="bg1"/>
+                    </a:gs>
+                  </a:gsLst>
+                  <a:lin ang="5400000" scaled="1"/>
+                </a:gradFill>
+                <a:latin typeface="나눔고딕" panose="020D0604000000000000" pitchFamily="50" charset="-127"/>
+                <a:ea typeface="나눔고딕" panose="020D0604000000000000" pitchFamily="50" charset="-127"/>
+              </a:rPr>
+              <a:t>타겟</a:t>
+            </a:r>
+            <a:endParaRPr lang="en-US" altLang="ko-KR" sz="2000" b="1" dirty="0">
+              <a:gradFill>
+                <a:gsLst>
+                  <a:gs pos="0">
+                    <a:schemeClr val="bg1"/>
+                  </a:gs>
+                  <a:gs pos="100000">
+                    <a:schemeClr val="bg1"/>
+                  </a:gs>
+                </a:gsLst>
+                <a:lin ang="5400000" scaled="1"/>
+              </a:gradFill>
+              <a:latin typeface="나눔고딕" panose="020D0604000000000000" pitchFamily="50" charset="-127"/>
+              <a:ea typeface="나눔고딕" panose="020D0604000000000000" pitchFamily="50" charset="-127"/>
+            </a:endParaRPr>
+          </a:p>
+        </p:txBody>
+      </p:sp>
+      <p:sp>
+        <p:nvSpPr>
+          <p:cNvPr id="29" name="텍스트 개체 틀 22"/>
+          <p:cNvSpPr>
+            <a:spLocks noGrp="1"/>
+          </p:cNvSpPr>
+          <p:nvPr>
+            <p:ph type="body" sz="quarter" idx="11"/>
+          </p:nvPr>
+        </p:nvSpPr>
+        <p:spPr>
+          <a:xfrm>
+            <a:off x="3635896" y="4221335"/>
+            <a:ext cx="4363138" cy="1439913"/>
+          </a:xfrm>
+          <a:ln>
+            <a:solidFill>
+              <a:schemeClr val="accent3">
+                <a:lumMod val="60000"/>
+                <a:lumOff val="40000"/>
+              </a:schemeClr>
+            </a:solidFill>
+          </a:ln>
+        </p:spPr>
+        <p:txBody>
+          <a:bodyPr lIns="180000" rIns="180000"/>
+          <a:lstStyle/>
+          <a:p>
+            <a:r>
+              <a:rPr lang="ko-KR" altLang="en-US" dirty="0" smtClean="0"/>
+              <a:t>타 분야의 기존 소매 판매점</a:t>
+            </a:r>
+            <a:r>
+              <a:rPr lang="en-US" altLang="ko-KR" dirty="0" smtClean="0"/>
+              <a:t>,</a:t>
+            </a:r>
+          </a:p>
+          <a:p>
+            <a:r>
+              <a:rPr lang="ko-KR" altLang="en-US" dirty="0" err="1" smtClean="0"/>
+              <a:t>반려견을</a:t>
+            </a:r>
+            <a:r>
+              <a:rPr lang="ko-KR" altLang="en-US" dirty="0" smtClean="0"/>
+              <a:t> 키우는 개인</a:t>
+            </a:r>
+            <a:endParaRPr lang="en-US" altLang="ko-KR" dirty="0" smtClean="0"/>
+          </a:p>
+        </p:txBody>
+      </p:sp>
+    </p:spTree>
+    <p:extLst>
+      <p:ext uri="{BB962C8B-B14F-4D97-AF65-F5344CB8AC3E}">
+        <p14:creationId xmlns:p14="http://schemas.microsoft.com/office/powerpoint/2010/main" val="4180954421"/>
+      </p:ext>
+    </p:extLst>
+  </p:cSld>
+  <p:clrMapOvr>
+    <a:masterClrMapping/>
+  </p:clrMapOvr>
+  <p:timing>
+    <p:tnLst>
+      <p:par>
+        <p:cTn id="1" dur="indefinite" restart="never" nodeType="tmRoot"/>
+      </p:par>
+    </p:tnLst>
+  </p:timing>
+</p:sld>
+</file>
+
+<file path=ppt/slides/slide7.xml><?xml version="1.0" encoding="utf-8"?>
+<p:sld xmlns:a="http://schemas.openxmlformats.org/drawingml/2006/main" xmlns:r="http://schemas.openxmlformats.org/officeDocument/2006/relationships" xmlns:p="http://schemas.openxmlformats.org/presentationml/2006/main">
+  <p:cSld>
+    <p:spTree>
+      <p:nvGrpSpPr>
+        <p:cNvPr id="1" name=""/>
+        <p:cNvGrpSpPr/>
+        <p:nvPr/>
+      </p:nvGrpSpPr>
+      <p:grpSpPr>
+        <a:xfrm>
+          <a:off x="0" y="0"/>
+          <a:ext cx="0" cy="0"/>
+          <a:chOff x="0" y="0"/>
+          <a:chExt cx="0" cy="0"/>
+        </a:xfrm>
+      </p:grpSpPr>
+      <p:sp>
+        <p:nvSpPr>
+          <p:cNvPr id="3" name="TextBox 2"/>
+          <p:cNvSpPr txBox="1"/>
+          <p:nvPr/>
+        </p:nvSpPr>
+        <p:spPr>
+          <a:xfrm>
+            <a:off x="1766841" y="2970287"/>
+            <a:ext cx="5610318" cy="1205458"/>
+          </a:xfrm>
+          <a:prstGeom prst="rect">
+            <a:avLst/>
+          </a:prstGeom>
+        </p:spPr>
+        <p:txBody>
+          <a:bodyPr wrap="none" rtlCol="0">
+            <a:spAutoFit/>
+          </a:bodyPr>
+          <a:lstStyle>
+            <a:defPPr>
+              <a:defRPr lang="ko-KR"/>
+            </a:defPPr>
+            <a:lvl1pPr algn="r">
+              <a:lnSpc>
+                <a:spcPct val="150000"/>
+              </a:lnSpc>
+              <a:spcBef>
+                <a:spcPts val="1000"/>
+              </a:spcBef>
+              <a:defRPr sz="1400">
+                <a:gradFill>
+                  <a:gsLst>
+                    <a:gs pos="0">
+                      <a:srgbClr val="766C62"/>
+                    </a:gs>
+                    <a:gs pos="100000">
+                      <a:srgbClr val="766C62"/>
+                    </a:gs>
+                  </a:gsLst>
+                  <a:lin ang="5400000" scaled="1"/>
+                </a:gradFill>
+                <a:latin typeface="나눔고딕" panose="020D0604000000000000" pitchFamily="50" charset="-127"/>
+                <a:ea typeface="나눔고딕" panose="020D0604000000000000" pitchFamily="50" charset="-127"/>
+              </a:defRPr>
+            </a:lvl1pPr>
+          </a:lstStyle>
+          <a:p>
+            <a:pPr>
+              <a:lnSpc>
+                <a:spcPct val="100000"/>
+              </a:lnSpc>
+            </a:pPr>
+            <a:r>
+              <a:rPr lang="en-US" altLang="ko-KR" sz="3200" dirty="0">
+                <a:gradFill>
+                  <a:gsLst>
+                    <a:gs pos="0">
+                      <a:srgbClr val="FFC000"/>
+                    </a:gs>
+                    <a:gs pos="100000">
+                      <a:srgbClr val="FFC000"/>
+                    </a:gs>
+                  </a:gsLst>
+                  <a:lin ang="5400000" scaled="1"/>
+                </a:gradFill>
+                <a:latin typeface="나눔고딕 ExtraBold" panose="020D0904000000000000" pitchFamily="50" charset="-127"/>
+                <a:ea typeface="나눔고딕 ExtraBold" panose="020D0904000000000000" pitchFamily="50" charset="-127"/>
+              </a:rPr>
+              <a:t>HTML/CSS Team Project</a:t>
+            </a:r>
+          </a:p>
+          <a:p>
+            <a:pPr>
+              <a:lnSpc>
+                <a:spcPct val="100000"/>
+              </a:lnSpc>
+            </a:pPr>
+            <a:endParaRPr lang="en-US" altLang="ko-KR" sz="3200" dirty="0">
+              <a:gradFill>
+                <a:gsLst>
+                  <a:gs pos="0">
+                    <a:srgbClr val="FFC000"/>
+                  </a:gs>
+                  <a:gs pos="100000">
+                    <a:srgbClr val="FFC000"/>
+                  </a:gs>
+                </a:gsLst>
+                <a:lin ang="5400000" scaled="1"/>
+              </a:gradFill>
+              <a:latin typeface="나눔고딕 ExtraBold" panose="020D0904000000000000" pitchFamily="50" charset="-127"/>
+              <a:ea typeface="나눔고딕 ExtraBold" panose="020D0904000000000000" pitchFamily="50" charset="-127"/>
+            </a:endParaRPr>
+          </a:p>
+        </p:txBody>
+      </p:sp>
+      <p:sp>
+        <p:nvSpPr>
+          <p:cNvPr id="4" name="TextBox 3"/>
+          <p:cNvSpPr txBox="1"/>
+          <p:nvPr/>
+        </p:nvSpPr>
+        <p:spPr>
+          <a:xfrm>
+            <a:off x="3824301" y="3645024"/>
+            <a:ext cx="1484702" cy="369332"/>
+          </a:xfrm>
+          <a:prstGeom prst="rect">
+            <a:avLst/>
+          </a:prstGeom>
+        </p:spPr>
+        <p:txBody>
+          <a:bodyPr wrap="none" rtlCol="0">
+            <a:spAutoFit/>
+          </a:bodyPr>
+          <a:lstStyle>
+            <a:defPPr>
+              <a:defRPr lang="ko-KR"/>
+            </a:defPPr>
+            <a:lvl1pPr algn="r">
+              <a:lnSpc>
+                <a:spcPct val="150000"/>
+              </a:lnSpc>
+              <a:spcBef>
+                <a:spcPts val="1000"/>
+              </a:spcBef>
+              <a:defRPr sz="1400">
+                <a:gradFill>
+                  <a:gsLst>
+                    <a:gs pos="0">
+                      <a:srgbClr val="766C62"/>
+                    </a:gs>
+                    <a:gs pos="100000">
+                      <a:srgbClr val="766C62"/>
+                    </a:gs>
+                  </a:gsLst>
+                  <a:lin ang="5400000" scaled="1"/>
+                </a:gradFill>
+                <a:latin typeface="나눔고딕" panose="020D0604000000000000" pitchFamily="50" charset="-127"/>
+                <a:ea typeface="나눔고딕" panose="020D0604000000000000" pitchFamily="50" charset="-127"/>
+              </a:defRPr>
+            </a:lvl1pPr>
+          </a:lstStyle>
+          <a:p>
+            <a:pPr>
+              <a:lnSpc>
+                <a:spcPct val="100000"/>
+              </a:lnSpc>
+            </a:pPr>
+            <a:r>
+              <a:rPr lang="en-US" altLang="ko-KR" sz="1800" b="1" dirty="0" smtClean="0"/>
+              <a:t>03 </a:t>
+            </a:r>
+            <a:r>
+              <a:rPr lang="ko-KR" altLang="en-US" sz="1800" dirty="0" smtClean="0"/>
+              <a:t>기획의도</a:t>
+            </a:r>
+            <a:endParaRPr lang="en-US" altLang="ko-KR" sz="1800" dirty="0" smtClean="0"/>
+          </a:p>
+        </p:txBody>
+      </p:sp>
+      <p:pic>
+        <p:nvPicPr>
+          <p:cNvPr id="2" name="그림 1" descr="화면 캡처"/>
+          <p:cNvPicPr>
+            <a:picLocks noChangeAspect="1"/>
+          </p:cNvPicPr>
+          <p:nvPr/>
+        </p:nvPicPr>
+        <p:blipFill>
+          <a:blip r:embed="rId3">
+            <a:extLst>
+              <a:ext uri="{28A0092B-C50C-407E-A947-70E740481C1C}">
+                <a14:useLocalDpi xmlns:a14="http://schemas.microsoft.com/office/drawing/2010/main" val="0"/>
+              </a:ext>
+            </a:extLst>
+          </a:blip>
+          <a:stretch>
+            <a:fillRect/>
+          </a:stretch>
+        </p:blipFill>
+        <p:spPr>
+          <a:xfrm>
+            <a:off x="-5348" y="5157192"/>
+            <a:ext cx="9144000" cy="1700808"/>
+          </a:xfrm>
+          <a:prstGeom prst="rect">
+            <a:avLst/>
+          </a:prstGeom>
+        </p:spPr>
+      </p:pic>
+    </p:spTree>
+    <p:extLst>
+      <p:ext uri="{BB962C8B-B14F-4D97-AF65-F5344CB8AC3E}">
+        <p14:creationId xmlns:p14="http://schemas.microsoft.com/office/powerpoint/2010/main" val="216330100"/>
+      </p:ext>
+    </p:extLst>
+  </p:cSld>
+  <p:clrMapOvr>
+    <a:masterClrMapping/>
+  </p:clrMapOvr>
+  <p:timing>
+    <p:tnLst>
+      <p:par>
+        <p:cTn id="1" dur="indefinite" restart="never" nodeType="tmRoot"/>
+      </p:par>
+    </p:tnLst>
+  </p:timing>
+</p:sld>
+</file>
+
+<file path=ppt/slides/slide8.xml><?xml version="1.0" encoding="utf-8"?>
+<p:sld xmlns:a="http://schemas.openxmlformats.org/drawingml/2006/main" xmlns:r="http://schemas.openxmlformats.org/officeDocument/2006/relationships" xmlns:p="http://schemas.openxmlformats.org/presentationml/2006/main">
+  <p:cSld>
+    <p:spTree>
+      <p:nvGrpSpPr>
+        <p:cNvPr id="1" name=""/>
+        <p:cNvGrpSpPr/>
+        <p:nvPr/>
+      </p:nvGrpSpPr>
+      <p:grpSpPr>
+        <a:xfrm>
+          <a:off x="0" y="0"/>
+          <a:ext cx="0" cy="0"/>
+          <a:chOff x="0" y="0"/>
+          <a:chExt cx="0" cy="0"/>
+        </a:xfrm>
+      </p:grpSpPr>
+      <p:grpSp>
+        <p:nvGrpSpPr>
+          <p:cNvPr id="4" name="그룹 3"/>
+          <p:cNvGrpSpPr/>
+          <p:nvPr/>
+        </p:nvGrpSpPr>
+        <p:grpSpPr>
+          <a:xfrm>
+            <a:off x="593755" y="908720"/>
+            <a:ext cx="8046789" cy="5400599"/>
+            <a:chOff x="811472" y="1479617"/>
+            <a:chExt cx="7521057" cy="2954444"/>
+          </a:xfrm>
+        </p:grpSpPr>
+        <p:sp>
+          <p:nvSpPr>
+            <p:cNvPr id="5" name="직사각형 4"/>
+            <p:cNvSpPr/>
+            <p:nvPr/>
+          </p:nvSpPr>
+          <p:spPr>
+            <a:xfrm>
+              <a:off x="811472" y="1479617"/>
+              <a:ext cx="7521057" cy="2954444"/>
+            </a:xfrm>
+            <a:prstGeom prst="rect">
+              <a:avLst/>
+            </a:prstGeom>
+            <a:solidFill>
+              <a:schemeClr val="bg1">
+                <a:lumMod val="95000"/>
+              </a:schemeClr>
+            </a:solidFill>
+            <a:ln>
+              <a:noFill/>
+            </a:ln>
+          </p:spPr>
+          <p:style>
+            <a:lnRef idx="2">
+              <a:schemeClr val="accent1">
+                <a:shade val="50000"/>
+              </a:schemeClr>
+            </a:lnRef>
+            <a:fillRef idx="1">
+              <a:schemeClr val="accent1"/>
+            </a:fillRef>
+            <a:effectRef idx="0">
+              <a:schemeClr val="accent1"/>
+            </a:effectRef>
+            <a:fontRef idx="minor">
+              <a:schemeClr val="lt1"/>
+            </a:fontRef>
+          </p:style>
+          <p:txBody>
+            <a:bodyPr rot="0" spcFirstLastPara="0" vertOverflow="overflow" horzOverflow="overflow" vert="horz" wrap="square" lIns="91440" tIns="45720" rIns="91440" bIns="45720" numCol="1" spcCol="0" rtlCol="0" fromWordArt="0" anchor="ctr" anchorCtr="0" forceAA="0" compatLnSpc="1">
+              <a:prstTxWarp prst="textNoShape">
+                <a:avLst/>
+              </a:prstTxWarp>
+              <a:noAutofit/>
+            </a:bodyPr>
+            <a:lstStyle/>
+            <a:p>
+              <a:pPr algn="ctr"/>
+              <a:endParaRPr lang="ko-KR" altLang="en-US"/>
+            </a:p>
+          </p:txBody>
+        </p:sp>
+        <p:sp>
+          <p:nvSpPr>
+            <p:cNvPr id="6" name="직사각형 5"/>
+            <p:cNvSpPr/>
+            <p:nvPr/>
+          </p:nvSpPr>
+          <p:spPr>
+            <a:xfrm>
+              <a:off x="881853" y="1531353"/>
+              <a:ext cx="7380295" cy="2850978"/>
+            </a:xfrm>
+            <a:prstGeom prst="rect">
+              <a:avLst/>
+            </a:prstGeom>
+            <a:solidFill>
+              <a:schemeClr val="bg1"/>
+            </a:solidFill>
+            <a:ln>
+              <a:noFill/>
+            </a:ln>
+          </p:spPr>
+          <p:style>
+            <a:lnRef idx="2">
+              <a:schemeClr val="accent1">
+                <a:shade val="50000"/>
+              </a:schemeClr>
+            </a:lnRef>
+            <a:fillRef idx="1">
+              <a:schemeClr val="accent1"/>
+            </a:fillRef>
+            <a:effectRef idx="0">
+              <a:schemeClr val="accent1"/>
+            </a:effectRef>
+            <a:fontRef idx="minor">
+              <a:schemeClr val="lt1"/>
+            </a:fontRef>
+          </p:style>
+          <p:txBody>
+            <a:bodyPr rot="0" spcFirstLastPara="0" vertOverflow="overflow" horzOverflow="overflow" vert="horz" wrap="square" lIns="91440" tIns="45720" rIns="91440" bIns="45720" numCol="1" spcCol="0" rtlCol="0" fromWordArt="0" anchor="ctr" anchorCtr="0" forceAA="0" compatLnSpc="1">
+              <a:prstTxWarp prst="textNoShape">
+                <a:avLst/>
+              </a:prstTxWarp>
+              <a:noAutofit/>
+            </a:bodyPr>
+            <a:lstStyle/>
+            <a:p>
+              <a:pPr algn="ctr"/>
+              <a:endParaRPr lang="ko-KR" altLang="en-US"/>
+            </a:p>
+          </p:txBody>
+        </p:sp>
+      </p:grpSp>
+      <p:sp>
+        <p:nvSpPr>
+          <p:cNvPr id="13" name="텍스트 개체 틀 12"/>
+          <p:cNvSpPr>
+            <a:spLocks noGrp="1"/>
+          </p:cNvSpPr>
+          <p:nvPr>
+            <p:ph type="body" sz="quarter" idx="10"/>
+          </p:nvPr>
+        </p:nvSpPr>
+        <p:spPr/>
+        <p:txBody>
+          <a:bodyPr/>
+          <a:lstStyle/>
+          <a:p>
+            <a:r>
+              <a:rPr lang="en-US" altLang="ko-KR" dirty="0" smtClean="0"/>
+              <a:t>03</a:t>
+            </a:r>
+            <a:endParaRPr lang="ko-KR" altLang="en-US" dirty="0"/>
+          </a:p>
+        </p:txBody>
+      </p:sp>
+      <p:sp>
+        <p:nvSpPr>
+          <p:cNvPr id="23" name="텍스트 개체 틀 22"/>
+          <p:cNvSpPr>
+            <a:spLocks noGrp="1"/>
+          </p:cNvSpPr>
+          <p:nvPr>
+            <p:ph type="body" sz="quarter" idx="11"/>
+          </p:nvPr>
+        </p:nvSpPr>
+        <p:spPr>
+          <a:xfrm>
+            <a:off x="808216" y="380922"/>
+            <a:ext cx="3808934" cy="273323"/>
+          </a:xfrm>
+        </p:spPr>
+        <p:txBody>
+          <a:bodyPr/>
+          <a:lstStyle/>
+          <a:p>
+            <a:r>
+              <a:rPr lang="ko-KR" altLang="en-US" dirty="0" smtClean="0"/>
+              <a:t>기획 의도</a:t>
+            </a:r>
+            <a:endParaRPr lang="ko-KR" altLang="en-US" dirty="0"/>
+          </a:p>
+        </p:txBody>
+      </p:sp>
+      <p:sp>
+        <p:nvSpPr>
+          <p:cNvPr id="2" name="TextBox 1"/>
+          <p:cNvSpPr txBox="1"/>
+          <p:nvPr/>
+        </p:nvSpPr>
+        <p:spPr>
+          <a:xfrm>
+            <a:off x="3275856" y="1371428"/>
+            <a:ext cx="4086398" cy="369332"/>
+          </a:xfrm>
+          <a:prstGeom prst="rect">
+            <a:avLst/>
+          </a:prstGeom>
+          <a:noFill/>
+        </p:spPr>
+        <p:txBody>
+          <a:bodyPr wrap="square" rtlCol="0">
+            <a:spAutoFit/>
+          </a:bodyPr>
+          <a:lstStyle/>
+          <a:p>
+            <a:endParaRPr lang="ko-KR" altLang="en-US" dirty="0">
+              <a:gradFill>
+                <a:gsLst>
+                  <a:gs pos="0">
+                    <a:schemeClr val="tx1">
+                      <a:lumMod val="95000"/>
+                      <a:lumOff val="5000"/>
+                    </a:schemeClr>
+                  </a:gs>
+                  <a:gs pos="100000">
+                    <a:schemeClr val="tx1">
+                      <a:lumMod val="95000"/>
+                      <a:lumOff val="5000"/>
+                    </a:schemeClr>
+                  </a:gs>
+                </a:gsLst>
+                <a:lin ang="5400000" scaled="1"/>
+              </a:gradFill>
+              <a:latin typeface="HY견고딕" panose="02030600000101010101" pitchFamily="18" charset="-127"/>
+              <a:ea typeface="HY견고딕" panose="02030600000101010101" pitchFamily="18" charset="-127"/>
+            </a:endParaRPr>
+          </a:p>
+        </p:txBody>
+      </p:sp>
+      <p:sp>
+        <p:nvSpPr>
+          <p:cNvPr id="20" name="텍스트 개체 틀 22"/>
+          <p:cNvSpPr>
+            <a:spLocks noGrp="1"/>
+          </p:cNvSpPr>
+          <p:nvPr>
+            <p:ph type="body" sz="quarter" idx="11"/>
+          </p:nvPr>
+        </p:nvSpPr>
+        <p:spPr>
+          <a:xfrm>
+            <a:off x="2355024" y="1268760"/>
+            <a:ext cx="5915649" cy="1930028"/>
+          </a:xfrm>
+          <a:ln w="12700" cap="rnd">
+            <a:solidFill>
+              <a:schemeClr val="accent3">
+                <a:lumMod val="60000"/>
+                <a:lumOff val="40000"/>
+              </a:schemeClr>
+            </a:solidFill>
+          </a:ln>
+          <a:effectLst/>
+        </p:spPr>
+        <p:txBody>
+          <a:bodyPr lIns="180000"/>
+          <a:lstStyle/>
+          <a:p>
+            <a:r>
+              <a:rPr lang="ko-KR" altLang="en-US" sz="1400" dirty="0" err="1" smtClean="0"/>
+              <a:t>반려견</a:t>
+            </a:r>
+            <a:r>
+              <a:rPr lang="ko-KR" altLang="en-US" sz="1400" dirty="0" smtClean="0"/>
+              <a:t> 시장 규모가 급격하게 성장함에 따라 </a:t>
+            </a:r>
+            <a:endParaRPr lang="en-US" altLang="ko-KR" sz="1400" dirty="0" smtClean="0"/>
+          </a:p>
+          <a:p>
+            <a:r>
+              <a:rPr lang="ko-KR" altLang="en-US" sz="1400" dirty="0" err="1" smtClean="0"/>
+              <a:t>반려견</a:t>
+            </a:r>
+            <a:r>
+              <a:rPr lang="ko-KR" altLang="en-US" sz="1400" dirty="0" smtClean="0"/>
+              <a:t> 관련 용품 및 커뮤니티에 관한 수요도 늘어나고 있음</a:t>
+            </a:r>
+            <a:r>
+              <a:rPr lang="en-US" altLang="ko-KR" sz="1400" dirty="0" smtClean="0"/>
+              <a:t>.</a:t>
+            </a:r>
+          </a:p>
+          <a:p>
+            <a:endParaRPr lang="en-US" altLang="ko-KR" sz="1400" dirty="0" smtClean="0"/>
+          </a:p>
+          <a:p>
+            <a:r>
+              <a:rPr lang="ko-KR" altLang="en-US" sz="1400" dirty="0" smtClean="0"/>
+              <a:t>따라서 용품 구입 및 커뮤니티 이용 욕구를 </a:t>
+            </a:r>
+            <a:endParaRPr lang="en-US" altLang="ko-KR" sz="1400" dirty="0" smtClean="0"/>
+          </a:p>
+          <a:p>
+            <a:r>
+              <a:rPr lang="ko-KR" altLang="en-US" sz="1400" dirty="0" smtClean="0"/>
+              <a:t>모두 충족시킬 수 있는 </a:t>
+            </a:r>
+            <a:r>
+              <a:rPr lang="ko-KR" altLang="en-US" sz="1400" dirty="0" err="1" smtClean="0"/>
+              <a:t>웹페이지를</a:t>
+            </a:r>
+            <a:r>
+              <a:rPr lang="ko-KR" altLang="en-US" sz="1400" dirty="0" smtClean="0"/>
+              <a:t> 구현하고자 함</a:t>
+            </a:r>
+            <a:r>
+              <a:rPr lang="en-US" altLang="ko-KR" sz="1400" dirty="0" smtClean="0"/>
+              <a:t>.</a:t>
+            </a:r>
+          </a:p>
+        </p:txBody>
+      </p:sp>
+      <p:sp>
+        <p:nvSpPr>
+          <p:cNvPr id="16" name="모서리가 둥근 직사각형 15"/>
+          <p:cNvSpPr/>
+          <p:nvPr/>
+        </p:nvSpPr>
+        <p:spPr>
+          <a:xfrm>
+            <a:off x="827585" y="1844824"/>
+            <a:ext cx="1368910" cy="493539"/>
+          </a:xfrm>
+          <a:prstGeom prst="roundRect">
+            <a:avLst>
+              <a:gd name="adj" fmla="val 50000"/>
+            </a:avLst>
+          </a:prstGeom>
+          <a:solidFill>
+            <a:srgbClr val="996C48"/>
+          </a:solidFill>
+          <a:ln>
+            <a:solidFill>
+              <a:srgbClr val="766C62"/>
+            </a:solidFill>
+          </a:ln>
+        </p:spPr>
+        <p:style>
+          <a:lnRef idx="2">
+            <a:schemeClr val="accent1">
+              <a:shade val="50000"/>
+            </a:schemeClr>
+          </a:lnRef>
+          <a:fillRef idx="1">
+            <a:schemeClr val="accent1"/>
+          </a:fillRef>
+          <a:effectRef idx="0">
+            <a:schemeClr val="accent1"/>
+          </a:effectRef>
+          <a:fontRef idx="minor">
+            <a:schemeClr val="lt1"/>
+          </a:fontRef>
+        </p:style>
+        <p:txBody>
+          <a:bodyPr rtlCol="0" anchor="ctr"/>
+          <a:lstStyle/>
+          <a:p>
+            <a:pPr algn="ctr"/>
+            <a:r>
+              <a:rPr lang="ko-KR" altLang="en-US" b="1" dirty="0" smtClean="0">
+                <a:gradFill>
+                  <a:gsLst>
+                    <a:gs pos="0">
+                      <a:schemeClr val="bg1"/>
+                    </a:gs>
+                    <a:gs pos="100000">
+                      <a:schemeClr val="bg1"/>
+                    </a:gs>
+                  </a:gsLst>
+                  <a:lin ang="5400000" scaled="1"/>
+                </a:gradFill>
+                <a:latin typeface="나눔고딕" panose="020D0604000000000000" pitchFamily="50" charset="-127"/>
+                <a:ea typeface="나눔고딕" panose="020D0604000000000000" pitchFamily="50" charset="-127"/>
+              </a:rPr>
+              <a:t>목적</a:t>
+            </a:r>
+            <a:endParaRPr lang="en-US" altLang="ko-KR" b="1" dirty="0">
+              <a:gradFill>
+                <a:gsLst>
+                  <a:gs pos="0">
+                    <a:schemeClr val="bg1"/>
+                  </a:gs>
+                  <a:gs pos="100000">
+                    <a:schemeClr val="bg1"/>
+                  </a:gs>
+                </a:gsLst>
+                <a:lin ang="5400000" scaled="1"/>
+              </a:gradFill>
+              <a:latin typeface="나눔고딕" panose="020D0604000000000000" pitchFamily="50" charset="-127"/>
+              <a:ea typeface="나눔고딕" panose="020D0604000000000000" pitchFamily="50" charset="-127"/>
+            </a:endParaRPr>
+          </a:p>
+        </p:txBody>
+      </p:sp>
+      <p:sp>
+        <p:nvSpPr>
+          <p:cNvPr id="17" name="모서리가 둥근 직사각형 16"/>
+          <p:cNvSpPr/>
+          <p:nvPr/>
+        </p:nvSpPr>
+        <p:spPr>
+          <a:xfrm>
+            <a:off x="827584" y="4221088"/>
+            <a:ext cx="1368910" cy="493539"/>
+          </a:xfrm>
+          <a:prstGeom prst="roundRect">
+            <a:avLst>
+              <a:gd name="adj" fmla="val 50000"/>
+            </a:avLst>
+          </a:prstGeom>
+          <a:solidFill>
+            <a:srgbClr val="996C48"/>
+          </a:solidFill>
+          <a:ln>
+            <a:solidFill>
+              <a:srgbClr val="766C62"/>
+            </a:solidFill>
+          </a:ln>
+        </p:spPr>
+        <p:style>
+          <a:lnRef idx="2">
+            <a:schemeClr val="accent1">
+              <a:shade val="50000"/>
+            </a:schemeClr>
+          </a:lnRef>
+          <a:fillRef idx="1">
+            <a:schemeClr val="accent1"/>
+          </a:fillRef>
+          <a:effectRef idx="0">
+            <a:schemeClr val="accent1"/>
+          </a:effectRef>
+          <a:fontRef idx="minor">
+            <a:schemeClr val="lt1"/>
+          </a:fontRef>
+        </p:style>
+        <p:txBody>
+          <a:bodyPr rtlCol="0" anchor="ctr"/>
+          <a:lstStyle/>
+          <a:p>
+            <a:pPr algn="ctr"/>
+            <a:r>
+              <a:rPr lang="ko-KR" altLang="en-US" b="1" dirty="0" smtClean="0">
+                <a:gradFill>
+                  <a:gsLst>
+                    <a:gs pos="0">
+                      <a:schemeClr val="bg1"/>
+                    </a:gs>
+                    <a:gs pos="100000">
+                      <a:schemeClr val="bg1"/>
+                    </a:gs>
+                  </a:gsLst>
+                  <a:lin ang="5400000" scaled="1"/>
+                </a:gradFill>
+                <a:latin typeface="나눔고딕" panose="020D0604000000000000" pitchFamily="50" charset="-127"/>
+                <a:ea typeface="나눔고딕" panose="020D0604000000000000" pitchFamily="50" charset="-127"/>
+              </a:rPr>
+              <a:t>구성 방향</a:t>
+            </a:r>
+            <a:endParaRPr lang="en-US" altLang="ko-KR" b="1" dirty="0">
+              <a:gradFill>
+                <a:gsLst>
+                  <a:gs pos="0">
+                    <a:schemeClr val="bg1"/>
+                  </a:gs>
+                  <a:gs pos="100000">
+                    <a:schemeClr val="bg1"/>
+                  </a:gs>
+                </a:gsLst>
+                <a:lin ang="5400000" scaled="1"/>
+              </a:gradFill>
+              <a:latin typeface="나눔고딕" panose="020D0604000000000000" pitchFamily="50" charset="-127"/>
+              <a:ea typeface="나눔고딕" panose="020D0604000000000000" pitchFamily="50" charset="-127"/>
+            </a:endParaRPr>
+          </a:p>
+        </p:txBody>
+      </p:sp>
+      <p:sp>
+        <p:nvSpPr>
+          <p:cNvPr id="19" name="텍스트 개체 틀 22"/>
+          <p:cNvSpPr>
+            <a:spLocks noGrp="1"/>
+          </p:cNvSpPr>
+          <p:nvPr>
+            <p:ph type="body" sz="quarter" idx="11"/>
+          </p:nvPr>
+        </p:nvSpPr>
+        <p:spPr>
+          <a:xfrm>
+            <a:off x="2372558" y="3670511"/>
+            <a:ext cx="5898116" cy="2088232"/>
+          </a:xfrm>
+          <a:ln>
+            <a:solidFill>
+              <a:schemeClr val="accent3">
+                <a:lumMod val="60000"/>
+                <a:lumOff val="40000"/>
+              </a:schemeClr>
+            </a:solidFill>
+          </a:ln>
+        </p:spPr>
+        <p:txBody>
+          <a:bodyPr lIns="180000"/>
+          <a:lstStyle/>
+          <a:p>
+            <a:r>
+              <a:rPr lang="ko-KR" altLang="en-US" sz="1400" dirty="0" smtClean="0"/>
+              <a:t>용품 카테고리</a:t>
+            </a:r>
+            <a:r>
+              <a:rPr lang="en-US" altLang="ko-KR" sz="1400" dirty="0" smtClean="0"/>
+              <a:t>:</a:t>
+            </a:r>
+            <a:r>
+              <a:rPr lang="ko-KR" altLang="en-US" sz="1400" dirty="0" smtClean="0"/>
+              <a:t> </a:t>
+            </a:r>
+            <a:r>
+              <a:rPr lang="ko-KR" altLang="en-US" sz="1400" dirty="0"/>
+              <a:t>간식</a:t>
+            </a:r>
+            <a:r>
+              <a:rPr lang="en-US" altLang="ko-KR" sz="1400" dirty="0"/>
+              <a:t>/</a:t>
+            </a:r>
+            <a:r>
+              <a:rPr lang="ko-KR" altLang="en-US" sz="1400" dirty="0"/>
+              <a:t>사료</a:t>
+            </a:r>
+            <a:r>
+              <a:rPr lang="en-US" altLang="ko-KR" sz="1400" dirty="0"/>
+              <a:t>, </a:t>
+            </a:r>
+            <a:r>
+              <a:rPr lang="ko-KR" altLang="en-US" sz="1400" dirty="0"/>
+              <a:t>장난감</a:t>
+            </a:r>
+            <a:r>
+              <a:rPr lang="en-US" altLang="ko-KR" sz="1400" dirty="0"/>
+              <a:t>, </a:t>
+            </a:r>
+            <a:r>
+              <a:rPr lang="ko-KR" altLang="en-US" sz="1400" dirty="0" err="1"/>
+              <a:t>리빙</a:t>
+            </a:r>
+            <a:r>
+              <a:rPr lang="en-US" altLang="ko-KR" sz="1400" dirty="0"/>
+              <a:t>/</a:t>
+            </a:r>
+            <a:r>
+              <a:rPr lang="ko-KR" altLang="en-US" sz="1400" dirty="0"/>
+              <a:t>패션</a:t>
+            </a:r>
+            <a:r>
+              <a:rPr lang="en-US" altLang="ko-KR" sz="1400" dirty="0"/>
+              <a:t>, </a:t>
+            </a:r>
+            <a:r>
+              <a:rPr lang="ko-KR" altLang="en-US" sz="1400" dirty="0"/>
+              <a:t>산책</a:t>
+            </a:r>
+            <a:r>
+              <a:rPr lang="en-US" altLang="ko-KR" sz="1400" dirty="0"/>
+              <a:t>/</a:t>
+            </a:r>
+            <a:r>
+              <a:rPr lang="ko-KR" altLang="en-US" sz="1400" dirty="0"/>
+              <a:t>케어로 </a:t>
+            </a:r>
+            <a:r>
+              <a:rPr lang="ko-KR" altLang="en-US" sz="1400" dirty="0" smtClean="0"/>
+              <a:t>구성</a:t>
+            </a:r>
+            <a:r>
+              <a:rPr lang="en-US" altLang="ko-KR" sz="1400" dirty="0" smtClean="0"/>
+              <a:t>.</a:t>
+            </a:r>
+          </a:p>
+          <a:p>
+            <a:endParaRPr lang="en-US" altLang="ko-KR" sz="1400" dirty="0"/>
+          </a:p>
+          <a:p>
+            <a:r>
+              <a:rPr lang="ko-KR" altLang="en-US" sz="1400" dirty="0"/>
+              <a:t>커뮤니티 </a:t>
+            </a:r>
+            <a:r>
+              <a:rPr lang="ko-KR" altLang="en-US" sz="1400" dirty="0" smtClean="0"/>
+              <a:t>카테고리</a:t>
+            </a:r>
+            <a:r>
+              <a:rPr lang="en-US" altLang="ko-KR" sz="1400" dirty="0" smtClean="0"/>
+              <a:t>:</a:t>
+            </a:r>
+            <a:r>
+              <a:rPr lang="ko-KR" altLang="en-US" sz="1400" dirty="0" smtClean="0"/>
+              <a:t> 라운지</a:t>
+            </a:r>
+            <a:r>
+              <a:rPr lang="en-US" altLang="ko-KR" sz="1400" dirty="0"/>
+              <a:t>, </a:t>
+            </a:r>
+            <a:r>
+              <a:rPr lang="ko-KR" altLang="en-US" sz="1400" dirty="0"/>
+              <a:t>정보 공유</a:t>
+            </a:r>
+            <a:r>
+              <a:rPr lang="en-US" altLang="ko-KR" sz="1400" dirty="0"/>
+              <a:t>&amp;</a:t>
+            </a:r>
+            <a:r>
+              <a:rPr lang="ko-KR" altLang="en-US" sz="1400" dirty="0"/>
+              <a:t>리뷰</a:t>
+            </a:r>
+            <a:r>
+              <a:rPr lang="en-US" altLang="ko-KR" sz="1400" dirty="0"/>
+              <a:t>, </a:t>
+            </a:r>
+            <a:r>
+              <a:rPr lang="en-US" altLang="ko-KR" sz="1400" dirty="0" err="1" smtClean="0"/>
+              <a:t>QnA</a:t>
+            </a:r>
+            <a:r>
+              <a:rPr lang="en-US" altLang="ko-KR" sz="1400" dirty="0" smtClean="0"/>
+              <a:t>, </a:t>
+            </a:r>
+            <a:r>
+              <a:rPr lang="ko-KR" altLang="en-US" sz="1400" dirty="0" smtClean="0"/>
+              <a:t>이벤트로 구성</a:t>
+            </a:r>
+            <a:r>
+              <a:rPr lang="en-US" altLang="ko-KR" sz="1400" dirty="0" smtClean="0"/>
+              <a:t>.</a:t>
+            </a:r>
+            <a:endParaRPr lang="en-US" altLang="ko-KR" sz="1400" dirty="0"/>
+          </a:p>
+          <a:p>
+            <a:r>
+              <a:rPr lang="en-US" altLang="ko-KR" sz="1200" dirty="0" smtClean="0"/>
+              <a:t>“</a:t>
+            </a:r>
+            <a:r>
+              <a:rPr lang="ko-KR" altLang="en-US" sz="1200" dirty="0" smtClean="0"/>
+              <a:t>정보 </a:t>
+            </a:r>
+            <a:r>
+              <a:rPr lang="ko-KR" altLang="en-US" sz="1200" dirty="0"/>
+              <a:t>공유</a:t>
+            </a:r>
+            <a:r>
+              <a:rPr lang="en-US" altLang="ko-KR" sz="1200" dirty="0"/>
+              <a:t>&amp;</a:t>
+            </a:r>
+            <a:r>
+              <a:rPr lang="ko-KR" altLang="en-US" sz="1200" dirty="0" smtClean="0"/>
+              <a:t>리뷰</a:t>
+            </a:r>
+            <a:r>
+              <a:rPr lang="en-US" altLang="ko-KR" sz="1200" dirty="0" smtClean="0"/>
+              <a:t>”</a:t>
+            </a:r>
+            <a:r>
+              <a:rPr lang="ko-KR" altLang="en-US" sz="1200" dirty="0" smtClean="0"/>
+              <a:t> </a:t>
+            </a:r>
+            <a:r>
+              <a:rPr lang="ko-KR" altLang="en-US" sz="1200" dirty="0"/>
+              <a:t>페이지 내에서 미용</a:t>
+            </a:r>
+            <a:r>
+              <a:rPr lang="en-US" altLang="ko-KR" sz="1200" dirty="0"/>
+              <a:t>, </a:t>
+            </a:r>
+            <a:r>
+              <a:rPr lang="ko-KR" altLang="en-US" sz="1200" dirty="0"/>
+              <a:t>병원</a:t>
+            </a:r>
+            <a:r>
+              <a:rPr lang="en-US" altLang="ko-KR" sz="1200" dirty="0"/>
+              <a:t>, </a:t>
+            </a:r>
+            <a:r>
+              <a:rPr lang="ko-KR" altLang="en-US" sz="1200" dirty="0" err="1"/>
+              <a:t>펫시터</a:t>
+            </a:r>
+            <a:r>
+              <a:rPr lang="ko-KR" altLang="en-US" sz="1200" dirty="0"/>
+              <a:t> 등과 관련해</a:t>
+            </a:r>
+            <a:endParaRPr lang="en-US" altLang="ko-KR" sz="1200" dirty="0"/>
+          </a:p>
+          <a:p>
+            <a:r>
+              <a:rPr lang="ko-KR" altLang="en-US" sz="1200" dirty="0"/>
+              <a:t>유용한 정보를 공유할 수 있도록 구성하고자 함</a:t>
+            </a:r>
+            <a:r>
+              <a:rPr lang="en-US" altLang="ko-KR" sz="1200" dirty="0" smtClean="0"/>
+              <a:t>.</a:t>
+            </a:r>
+            <a:endParaRPr lang="en-US" altLang="ko-KR" sz="1200" dirty="0"/>
+          </a:p>
+        </p:txBody>
+      </p:sp>
+    </p:spTree>
+    <p:extLst>
+      <p:ext uri="{BB962C8B-B14F-4D97-AF65-F5344CB8AC3E}">
+        <p14:creationId xmlns:p14="http://schemas.microsoft.com/office/powerpoint/2010/main" val="2852639619"/>
       </p:ext>
     </p:extLst>
   </p:cSld>
@@ -8968,8 +12422,8 @@
         </p:nvSpPr>
         <p:spPr>
           <a:xfrm>
-            <a:off x="3491880" y="3645024"/>
-            <a:ext cx="1946367" cy="369332"/>
+            <a:off x="3563889" y="3645024"/>
+            <a:ext cx="1797287" cy="369332"/>
           </a:xfrm>
           <a:prstGeom prst="rect">
             <a:avLst/>
@@ -9015,11 +12469,15 @@
             </a:pPr>
             <a:r>
               <a:rPr lang="en-US" altLang="ko-KR" sz="1800" b="1" dirty="0" smtClean="0"/>
-              <a:t>05 </a:t>
+              <a:t>04 </a:t>
+            </a:r>
+            <a:r>
+              <a:rPr lang="ko-KR" altLang="en-US" sz="1800" dirty="0" err="1" smtClean="0"/>
+              <a:t>플로우</a:t>
             </a:r>
             <a:r>
               <a:rPr lang="ko-KR" altLang="en-US" sz="1800" dirty="0" smtClean="0"/>
-              <a:t>와이어프레임</a:t>
+              <a:t> 차트</a:t>
             </a:r>
             <a:endParaRPr lang="en-US" altLang="ko-KR" sz="1800" dirty="0" smtClean="0"/>
           </a:p>
@@ -9058,7 +12516,7 @@
     </p:spTree>
     <p:extLst>
       <p:ext uri="{BB962C8B-B14F-4D97-AF65-F5344CB8AC3E}">
-        <p14:creationId xmlns:p14="http://schemas.microsoft.com/office/powerpoint/2010/main" val="2919538492"/>
+        <p14:creationId xmlns:p14="http://schemas.microsoft.com/office/powerpoint/2010/main" val="3914098484"/>
       </p:ext>
     </p:extLst>
   </p:cSld>
